--- a/!docs/Presentation (Serpikov).pptx
+++ b/!docs/Presentation (Serpikov).pptx
@@ -22,13 +22,17 @@
     <p:sldId id="276" r:id="rId16"/>
     <p:sldId id="278" r:id="rId17"/>
     <p:sldId id="279" r:id="rId18"/>
-    <p:sldId id="258" r:id="rId19"/>
-    <p:sldId id="259" r:id="rId20"/>
-    <p:sldId id="260" r:id="rId21"/>
-    <p:sldId id="262" r:id="rId22"/>
-    <p:sldId id="263" r:id="rId23"/>
-    <p:sldId id="264" r:id="rId24"/>
-    <p:sldId id="265" r:id="rId25"/>
+    <p:sldId id="280" r:id="rId19"/>
+    <p:sldId id="281" r:id="rId20"/>
+    <p:sldId id="282" r:id="rId21"/>
+    <p:sldId id="283" r:id="rId22"/>
+    <p:sldId id="284" r:id="rId23"/>
+    <p:sldId id="287" r:id="rId24"/>
+    <p:sldId id="288" r:id="rId25"/>
+    <p:sldId id="289" r:id="rId26"/>
+    <p:sldId id="290" r:id="rId27"/>
+    <p:sldId id="285" r:id="rId28"/>
+    <p:sldId id="286" r:id="rId29"/>
   </p:sldIdLst>
   <p:sldSz cx="9144000" cy="6858000" type="screen4x3"/>
   <p:notesSz cx="6858000" cy="9144000"/>
@@ -149,13 +153,17 @@
             <p14:sldId id="276"/>
             <p14:sldId id="278"/>
             <p14:sldId id="279"/>
-            <p14:sldId id="258"/>
-            <p14:sldId id="259"/>
-            <p14:sldId id="260"/>
-            <p14:sldId id="262"/>
-            <p14:sldId id="263"/>
-            <p14:sldId id="264"/>
-            <p14:sldId id="265"/>
+            <p14:sldId id="280"/>
+            <p14:sldId id="281"/>
+            <p14:sldId id="282"/>
+            <p14:sldId id="283"/>
+            <p14:sldId id="284"/>
+            <p14:sldId id="287"/>
+            <p14:sldId id="288"/>
+            <p14:sldId id="289"/>
+            <p14:sldId id="290"/>
+            <p14:sldId id="285"/>
+            <p14:sldId id="286"/>
           </p14:sldIdLst>
         </p14:section>
       </p14:sectionLst>
@@ -5832,7 +5840,7 @@
     <p:bg>
       <p:bgPr>
         <a:blipFill dpi="0" rotWithShape="1">
-          <a:blip r:embed="rId3">
+          <a:blip r:embed="rId2">
             <a:alphaModFix amt="18000"/>
             <a:duotone>
               <a:prstClr val="black"/>
@@ -5845,7 +5853,7 @@
             <a:extLst>
               <a:ext uri="{BEBA8EAE-BF5A-486C-A8C5-ECC9F3942E4B}">
                 <a14:imgProps xmlns:a14="http://schemas.microsoft.com/office/drawing/2010/main">
-                  <a14:imgLayer r:embed="rId4">
+                  <a14:imgLayer r:embed="rId3">
                     <a14:imgEffect>
                       <a14:colorTemperature colorTemp="8250"/>
                     </a14:imgEffect>
@@ -5890,8 +5898,8 @@
         </p:nvSpPr>
         <p:spPr>
           <a:xfrm>
-            <a:off x="-508" y="58672"/>
-            <a:ext cx="9145016" cy="830997"/>
+            <a:off x="323528" y="-36675"/>
+            <a:ext cx="8280920" cy="1569660"/>
           </a:xfrm>
           <a:prstGeom prst="rect">
             <a:avLst/>
@@ -5904,352 +5912,226 @@
           </a:bodyPr>
           <a:lstStyle/>
           <a:p>
-            <a:pPr algn="ctr"/>
             <a:r>
               <a:rPr lang="ru-RU" sz="4800" dirty="0" smtClean="0">
                 <a:solidFill>
-                  <a:schemeClr val="tx2">
-                    <a:lumMod val="25000"/>
-                  </a:schemeClr>
-                </a:solidFill>
-                <a:effectLst>
-                  <a:outerShdw blurRad="38100" dist="38100" dir="2700000" algn="tl">
-                    <a:srgbClr val="000000">
-                      <a:alpha val="43137"/>
-                    </a:srgbClr>
-                  </a:outerShdw>
-                </a:effectLst>
-                <a:latin typeface="Calibri" pitchFamily="34" charset="0"/>
-                <a:cs typeface="Calibri" pitchFamily="34" charset="0"/>
-              </a:rPr>
-              <a:t>Использованные веб-технологии:</a:t>
+                  <a:schemeClr val="bg1"/>
+                </a:solidFill>
+              </a:rPr>
+              <a:t>Физическое </a:t>
+            </a:r>
+            <a:r>
+              <a:rPr lang="ru-RU" sz="4800" dirty="0" smtClean="0">
+                <a:solidFill>
+                  <a:schemeClr val="bg1"/>
+                </a:solidFill>
+              </a:rPr>
+              <a:t>проектирование базы данных</a:t>
             </a:r>
             <a:endParaRPr lang="ru-RU" sz="4800" dirty="0">
               <a:solidFill>
-                <a:schemeClr val="tx2">
-                  <a:lumMod val="25000"/>
-                </a:schemeClr>
+                <a:schemeClr val="bg1"/>
               </a:solidFill>
-              <a:effectLst>
-                <a:outerShdw blurRad="38100" dist="38100" dir="2700000" algn="tl">
-                  <a:srgbClr val="000000">
-                    <a:alpha val="43137"/>
-                  </a:srgbClr>
-                </a:outerShdw>
-              </a:effectLst>
-              <a:latin typeface="Calibri" pitchFamily="34" charset="0"/>
-              <a:cs typeface="Calibri" pitchFamily="34" charset="0"/>
             </a:endParaRPr>
           </a:p>
         </p:txBody>
       </p:sp>
-      <p:sp>
-        <p:nvSpPr>
-          <p:cNvPr id="12" name="TextBox 11"/>
-          <p:cNvSpPr txBox="1"/>
+      <p:pic>
+        <p:nvPicPr>
+          <p:cNvPr id="8195" name="Picture 3"/>
+          <p:cNvPicPr>
+            <a:picLocks noChangeAspect="1" noChangeArrowheads="1"/>
+          </p:cNvPicPr>
           <p:nvPr/>
-        </p:nvSpPr>
-        <p:spPr>
+        </p:nvPicPr>
+        <p:blipFill>
+          <a:blip r:embed="rId4">
+            <a:extLst>
+              <a:ext uri="{28A0092B-C50C-407E-A947-70E740481C1C}">
+                <a14:useLocalDpi xmlns:a14="http://schemas.microsoft.com/office/drawing/2010/main" val="0"/>
+              </a:ext>
+            </a:extLst>
+          </a:blip>
+          <a:srcRect/>
+          <a:stretch>
+            <a:fillRect/>
+          </a:stretch>
+        </p:blipFill>
+        <p:spPr bwMode="auto">
           <a:xfrm>
-            <a:off x="-1" y="1862916"/>
-            <a:ext cx="2339753" cy="646331"/>
+            <a:off x="3580160" y="3140968"/>
+            <a:ext cx="1676400" cy="990600"/>
           </a:xfrm>
           <a:prstGeom prst="rect">
             <a:avLst/>
           </a:prstGeom>
           <a:noFill/>
-        </p:spPr>
-        <p:txBody>
-          <a:bodyPr wrap="square" rtlCol="0" anchor="ctr">
-            <a:spAutoFit/>
-          </a:bodyPr>
-          <a:lstStyle/>
-          <a:p>
-            <a:pPr algn="ctr"/>
-            <a:r>
-              <a:rPr lang="en-US" sz="3600" dirty="0" smtClean="0">
-                <a:solidFill>
-                  <a:schemeClr val="tx2">
-                    <a:lumMod val="25000"/>
-                  </a:schemeClr>
-                </a:solidFill>
+          <a:ln>
+            <a:noFill/>
+          </a:ln>
+          <a:effectLst/>
+          <a:extLst>
+            <a:ext uri="{909E8E84-426E-40DD-AFC4-6F175D3DCCD1}">
+              <a14:hiddenFill xmlns:a14="http://schemas.microsoft.com/office/drawing/2010/main">
+                <a:solidFill>
+                  <a:schemeClr val="accent1"/>
+                </a:solidFill>
+              </a14:hiddenFill>
+            </a:ext>
+            <a:ext uri="{91240B29-F687-4F45-9708-019B960494DF}">
+              <a14:hiddenLine xmlns:a14="http://schemas.microsoft.com/office/drawing/2010/main" w="9525">
+                <a:solidFill>
+                  <a:schemeClr val="tx1"/>
+                </a:solidFill>
+                <a:miter lim="800000"/>
+                <a:headEnd/>
+                <a:tailEnd/>
+              </a14:hiddenLine>
+            </a:ext>
+            <a:ext uri="{AF507438-7753-43E0-B8FC-AC1667EBCBE1}">
+              <a14:hiddenEffects xmlns:a14="http://schemas.microsoft.com/office/drawing/2010/main">
                 <a:effectLst>
-                  <a:outerShdw blurRad="38100" dist="38100" dir="2700000" algn="tl">
-                    <a:srgbClr val="000000">
-                      <a:alpha val="43137"/>
-                    </a:srgbClr>
+                  <a:outerShdw dist="35921" dir="2700000" algn="ctr" rotWithShape="0">
+                    <a:schemeClr val="bg2"/>
                   </a:outerShdw>
                 </a:effectLst>
-                <a:latin typeface="Calibri" pitchFamily="34" charset="0"/>
-                <a:cs typeface="Calibri" pitchFamily="34" charset="0"/>
-              </a:rPr>
-              <a:t>PHP</a:t>
-            </a:r>
-            <a:endParaRPr lang="ru-RU" sz="3600" dirty="0">
-              <a:solidFill>
-                <a:schemeClr val="tx2">
-                  <a:lumMod val="25000"/>
-                </a:schemeClr>
-              </a:solidFill>
-              <a:effectLst>
-                <a:outerShdw blurRad="38100" dist="38100" dir="2700000" algn="tl">
-                  <a:srgbClr val="000000">
-                    <a:alpha val="43137"/>
-                  </a:srgbClr>
-                </a:outerShdw>
-              </a:effectLst>
-              <a:latin typeface="Calibri" pitchFamily="34" charset="0"/>
-              <a:cs typeface="Calibri" pitchFamily="34" charset="0"/>
-            </a:endParaRPr>
-          </a:p>
-        </p:txBody>
-      </p:sp>
-      <p:sp>
-        <p:nvSpPr>
-          <p:cNvPr id="13" name="TextBox 12"/>
-          <p:cNvSpPr txBox="1"/>
+              </a14:hiddenEffects>
+            </a:ext>
+          </a:extLst>
+        </p:spPr>
+      </p:pic>
+      <p:pic>
+        <p:nvPicPr>
+          <p:cNvPr id="8196" name="Picture 4"/>
+          <p:cNvPicPr>
+            <a:picLocks noChangeAspect="1" noChangeArrowheads="1"/>
+          </p:cNvPicPr>
           <p:nvPr/>
-        </p:nvSpPr>
-        <p:spPr>
+        </p:nvPicPr>
+        <p:blipFill>
+          <a:blip r:embed="rId5">
+            <a:extLst>
+              <a:ext uri="{28A0092B-C50C-407E-A947-70E740481C1C}">
+                <a14:useLocalDpi xmlns:a14="http://schemas.microsoft.com/office/drawing/2010/main" val="0"/>
+              </a:ext>
+            </a:extLst>
+          </a:blip>
+          <a:srcRect/>
+          <a:stretch>
+            <a:fillRect/>
+          </a:stretch>
+        </p:blipFill>
+        <p:spPr bwMode="auto">
           <a:xfrm>
-            <a:off x="0" y="4366647"/>
-            <a:ext cx="2339752" cy="1754326"/>
+            <a:off x="6156176" y="3140968"/>
+            <a:ext cx="1943100" cy="708025"/>
           </a:xfrm>
           <a:prstGeom prst="rect">
             <a:avLst/>
           </a:prstGeom>
           <a:noFill/>
-        </p:spPr>
-        <p:txBody>
-          <a:bodyPr wrap="square" rtlCol="0" anchor="ctr">
-            <a:spAutoFit/>
-          </a:bodyPr>
-          <a:lstStyle/>
-          <a:p>
-            <a:pPr algn="ctr"/>
-            <a:r>
-              <a:rPr lang="en-US" sz="3600" dirty="0" smtClean="0">
-                <a:solidFill>
-                  <a:schemeClr val="tx2">
-                    <a:lumMod val="25000"/>
-                  </a:schemeClr>
-                </a:solidFill>
+          <a:ln>
+            <a:noFill/>
+          </a:ln>
+          <a:effectLst/>
+          <a:extLst>
+            <a:ext uri="{909E8E84-426E-40DD-AFC4-6F175D3DCCD1}">
+              <a14:hiddenFill xmlns:a14="http://schemas.microsoft.com/office/drawing/2010/main">
+                <a:solidFill>
+                  <a:schemeClr val="accent1"/>
+                </a:solidFill>
+              </a14:hiddenFill>
+            </a:ext>
+            <a:ext uri="{91240B29-F687-4F45-9708-019B960494DF}">
+              <a14:hiddenLine xmlns:a14="http://schemas.microsoft.com/office/drawing/2010/main" w="9525">
+                <a:solidFill>
+                  <a:schemeClr val="tx1"/>
+                </a:solidFill>
+                <a:miter lim="800000"/>
+                <a:headEnd/>
+                <a:tailEnd/>
+              </a14:hiddenLine>
+            </a:ext>
+            <a:ext uri="{AF507438-7753-43E0-B8FC-AC1667EBCBE1}">
+              <a14:hiddenEffects xmlns:a14="http://schemas.microsoft.com/office/drawing/2010/main">
                 <a:effectLst>
-                  <a:outerShdw blurRad="38100" dist="38100" dir="2700000" algn="tl">
-                    <a:srgbClr val="000000">
-                      <a:alpha val="43137"/>
-                    </a:srgbClr>
+                  <a:outerShdw dist="35921" dir="2700000" algn="ctr" rotWithShape="0">
+                    <a:schemeClr val="bg2"/>
                   </a:outerShdw>
                 </a:effectLst>
-                <a:latin typeface="Calibri" pitchFamily="34" charset="0"/>
-                <a:cs typeface="Calibri" pitchFamily="34" charset="0"/>
-              </a:rPr>
-              <a:t>JavaScript</a:t>
-            </a:r>
-          </a:p>
-          <a:p>
-            <a:pPr algn="ctr"/>
-            <a:r>
-              <a:rPr lang="en-US" sz="3600" dirty="0" smtClean="0">
-                <a:solidFill>
-                  <a:schemeClr val="tx2">
-                    <a:lumMod val="25000"/>
-                  </a:schemeClr>
-                </a:solidFill>
-                <a:effectLst>
-                  <a:outerShdw blurRad="38100" dist="38100" dir="2700000" algn="tl">
-                    <a:srgbClr val="000000">
-                      <a:alpha val="43137"/>
-                    </a:srgbClr>
-                  </a:outerShdw>
-                </a:effectLst>
-                <a:latin typeface="Calibri" pitchFamily="34" charset="0"/>
-                <a:cs typeface="Calibri" pitchFamily="34" charset="0"/>
-              </a:rPr>
-              <a:t>HTML</a:t>
-            </a:r>
-          </a:p>
-          <a:p>
-            <a:pPr algn="ctr"/>
-            <a:r>
-              <a:rPr lang="en-US" sz="3600" dirty="0" smtClean="0">
-                <a:solidFill>
-                  <a:schemeClr val="tx2">
-                    <a:lumMod val="25000"/>
-                  </a:schemeClr>
-                </a:solidFill>
-                <a:effectLst>
-                  <a:outerShdw blurRad="38100" dist="38100" dir="2700000" algn="tl">
-                    <a:srgbClr val="000000">
-                      <a:alpha val="43137"/>
-                    </a:srgbClr>
-                  </a:outerShdw>
-                </a:effectLst>
-                <a:latin typeface="Calibri" pitchFamily="34" charset="0"/>
-                <a:cs typeface="Calibri" pitchFamily="34" charset="0"/>
-              </a:rPr>
-              <a:t>CSS</a:t>
-            </a:r>
-            <a:endParaRPr lang="ru-RU" sz="3600" dirty="0">
-              <a:solidFill>
-                <a:schemeClr val="tx2">
-                  <a:lumMod val="25000"/>
-                </a:schemeClr>
-              </a:solidFill>
-              <a:effectLst>
-                <a:outerShdw blurRad="38100" dist="38100" dir="2700000" algn="tl">
-                  <a:srgbClr val="000000">
-                    <a:alpha val="43137"/>
-                  </a:srgbClr>
-                </a:outerShdw>
-              </a:effectLst>
-              <a:latin typeface="Calibri" pitchFamily="34" charset="0"/>
-              <a:cs typeface="Calibri" pitchFamily="34" charset="0"/>
-            </a:endParaRPr>
-          </a:p>
-        </p:txBody>
-      </p:sp>
-      <p:sp>
-        <p:nvSpPr>
-          <p:cNvPr id="14" name="TextBox 13"/>
-          <p:cNvSpPr txBox="1"/>
+              </a14:hiddenEffects>
+            </a:ext>
+          </a:extLst>
+        </p:spPr>
+      </p:pic>
+      <p:pic>
+        <p:nvPicPr>
+          <p:cNvPr id="8197" name="Picture 5"/>
+          <p:cNvPicPr>
+            <a:picLocks noChangeAspect="1" noChangeArrowheads="1"/>
+          </p:cNvPicPr>
           <p:nvPr/>
-        </p:nvSpPr>
-        <p:spPr>
+        </p:nvPicPr>
+        <p:blipFill>
+          <a:blip r:embed="rId6">
+            <a:extLst>
+              <a:ext uri="{28A0092B-C50C-407E-A947-70E740481C1C}">
+                <a14:useLocalDpi xmlns:a14="http://schemas.microsoft.com/office/drawing/2010/main" val="0"/>
+              </a:ext>
+            </a:extLst>
+          </a:blip>
+          <a:srcRect/>
+          <a:stretch>
+            <a:fillRect/>
+          </a:stretch>
+        </p:blipFill>
+        <p:spPr bwMode="auto">
           <a:xfrm>
-            <a:off x="6200826" y="3748388"/>
-            <a:ext cx="2952328" cy="1200329"/>
+            <a:off x="827088" y="3068638"/>
+            <a:ext cx="1531937" cy="1760537"/>
           </a:xfrm>
           <a:prstGeom prst="rect">
             <a:avLst/>
           </a:prstGeom>
           <a:noFill/>
-        </p:spPr>
-        <p:txBody>
-          <a:bodyPr wrap="square" rtlCol="0" anchor="ctr">
-            <a:spAutoFit/>
-          </a:bodyPr>
-          <a:lstStyle/>
-          <a:p>
-            <a:pPr algn="ctr"/>
-            <a:r>
-              <a:rPr lang="ru-RU" sz="3600" dirty="0" smtClean="0">
-                <a:solidFill>
-                  <a:schemeClr val="tx2">
-                    <a:lumMod val="25000"/>
-                  </a:schemeClr>
-                </a:solidFill>
+          <a:ln>
+            <a:noFill/>
+          </a:ln>
+          <a:effectLst/>
+          <a:extLst>
+            <a:ext uri="{909E8E84-426E-40DD-AFC4-6F175D3DCCD1}">
+              <a14:hiddenFill xmlns:a14="http://schemas.microsoft.com/office/drawing/2010/main">
+                <a:solidFill>
+                  <a:schemeClr val="accent1"/>
+                </a:solidFill>
+              </a14:hiddenFill>
+            </a:ext>
+            <a:ext uri="{91240B29-F687-4F45-9708-019B960494DF}">
+              <a14:hiddenLine xmlns:a14="http://schemas.microsoft.com/office/drawing/2010/main" w="9525">
+                <a:solidFill>
+                  <a:schemeClr val="tx1"/>
+                </a:solidFill>
+                <a:miter lim="800000"/>
+                <a:headEnd/>
+                <a:tailEnd/>
+              </a14:hiddenLine>
+            </a:ext>
+            <a:ext uri="{AF507438-7753-43E0-B8FC-AC1667EBCBE1}">
+              <a14:hiddenEffects xmlns:a14="http://schemas.microsoft.com/office/drawing/2010/main">
                 <a:effectLst>
-                  <a:outerShdw blurRad="38100" dist="38100" dir="2700000" algn="tl">
-                    <a:srgbClr val="000000">
-                      <a:alpha val="43137"/>
-                    </a:srgbClr>
+                  <a:outerShdw dist="35921" dir="2700000" algn="ctr" rotWithShape="0">
+                    <a:schemeClr val="bg2"/>
                   </a:outerShdw>
                 </a:effectLst>
-                <a:latin typeface="Calibri" pitchFamily="34" charset="0"/>
-                <a:cs typeface="Calibri" pitchFamily="34" charset="0"/>
-              </a:rPr>
-              <a:t>База данных: </a:t>
-            </a:r>
-            <a:r>
-              <a:rPr lang="en-US" sz="3600" dirty="0" smtClean="0">
-                <a:solidFill>
-                  <a:schemeClr val="tx2">
-                    <a:lumMod val="25000"/>
-                  </a:schemeClr>
-                </a:solidFill>
-                <a:effectLst>
-                  <a:outerShdw blurRad="38100" dist="38100" dir="2700000" algn="tl">
-                    <a:srgbClr val="000000">
-                      <a:alpha val="43137"/>
-                    </a:srgbClr>
-                  </a:outerShdw>
-                </a:effectLst>
-                <a:latin typeface="Calibri" pitchFamily="34" charset="0"/>
-                <a:cs typeface="Calibri" pitchFamily="34" charset="0"/>
-              </a:rPr>
-              <a:t>MySQL</a:t>
-            </a:r>
-            <a:endParaRPr lang="ru-RU" sz="3600" dirty="0" smtClean="0">
-              <a:solidFill>
-                <a:schemeClr val="tx2">
-                  <a:lumMod val="25000"/>
-                </a:schemeClr>
-              </a:solidFill>
-              <a:effectLst>
-                <a:outerShdw blurRad="38100" dist="38100" dir="2700000" algn="tl">
-                  <a:srgbClr val="000000">
-                    <a:alpha val="43137"/>
-                  </a:srgbClr>
-                </a:outerShdw>
-              </a:effectLst>
-              <a:latin typeface="Calibri" pitchFamily="34" charset="0"/>
-              <a:cs typeface="Calibri" pitchFamily="34" charset="0"/>
-            </a:endParaRPr>
-          </a:p>
-        </p:txBody>
-      </p:sp>
-      <p:graphicFrame>
-        <p:nvGraphicFramePr>
-          <p:cNvPr id="2" name="Объект 1"/>
-          <p:cNvGraphicFramePr>
-            <a:graphicFrameLocks noChangeAspect="1"/>
-          </p:cNvGraphicFramePr>
-          <p:nvPr>
-            <p:extLst>
-              <p:ext uri="{D42A27DB-BD31-4B8C-83A1-F6EECF244321}">
-                <p14:modId xmlns:p14="http://schemas.microsoft.com/office/powerpoint/2010/main" val="4017538307"/>
-              </p:ext>
-            </p:extLst>
-          </p:nvPr>
-        </p:nvGraphicFramePr>
-        <p:xfrm>
-          <a:off x="2314625" y="1055688"/>
-          <a:ext cx="4514751" cy="5571236"/>
-        </p:xfrm>
-        <a:graphic>
-          <a:graphicData uri="http://schemas.openxmlformats.org/presentationml/2006/ole">
-            <mc:AlternateContent xmlns:mc="http://schemas.openxmlformats.org/markup-compatibility/2006">
-              <mc:Choice xmlns:v="urn:schemas-microsoft-com:vml" Requires="v">
-                <p:oleObj spid="_x0000_s1068" name="Visio" r:id="rId5" imgW="3846693" imgH="4746600" progId="Visio.Drawing.11">
-                  <p:embed/>
-                </p:oleObj>
-              </mc:Choice>
-              <mc:Fallback>
-                <p:oleObj name="Visio" r:id="rId5" imgW="3846693" imgH="4746600" progId="Visio.Drawing.11">
-                  <p:embed/>
-                  <p:pic>
-                    <p:nvPicPr>
-                      <p:cNvPr id="0" name=""/>
-                      <p:cNvPicPr/>
-                      <p:nvPr/>
-                    </p:nvPicPr>
-                    <p:blipFill>
-                      <a:blip r:embed="rId6"/>
-                      <a:stretch>
-                        <a:fillRect/>
-                      </a:stretch>
-                    </p:blipFill>
-                    <p:spPr>
-                      <a:xfrm>
-                        <a:off x="2314625" y="1055688"/>
-                        <a:ext cx="4514751" cy="5571236"/>
-                      </a:xfrm>
-                      <a:prstGeom prst="rect">
-                        <a:avLst/>
-                      </a:prstGeom>
-                    </p:spPr>
-                  </p:pic>
-                </p:oleObj>
-              </mc:Fallback>
-            </mc:AlternateContent>
-          </a:graphicData>
-        </a:graphic>
-      </p:graphicFrame>
+              </a14:hiddenEffects>
+            </a:ext>
+          </a:extLst>
+        </p:spPr>
+      </p:pic>
     </p:spTree>
     <p:extLst>
       <p:ext uri="{BB962C8B-B14F-4D97-AF65-F5344CB8AC3E}">
-        <p14:creationId xmlns:p14="http://schemas.microsoft.com/office/powerpoint/2010/main" val="3768652213"/>
+        <p14:creationId xmlns:p14="http://schemas.microsoft.com/office/powerpoint/2010/main" val="3414237432"/>
       </p:ext>
     </p:extLst>
   </p:cSld>
@@ -6259,249 +6141,9 @@
   <p:timing>
     <p:tnLst>
       <p:par>
-        <p:cTn id="1" dur="indefinite" restart="never" nodeType="tmRoot">
-          <p:childTnLst>
-            <p:seq concurrent="1" nextAc="seek">
-              <p:cTn id="2" dur="indefinite" nodeType="mainSeq">
-                <p:childTnLst>
-                  <p:par>
-                    <p:cTn id="3" fill="hold">
-                      <p:stCondLst>
-                        <p:cond delay="indefinite"/>
-                      </p:stCondLst>
-                      <p:childTnLst>
-                        <p:par>
-                          <p:cTn id="4" fill="hold">
-                            <p:stCondLst>
-                              <p:cond delay="0"/>
-                            </p:stCondLst>
-                            <p:childTnLst>
-                              <p:par>
-                                <p:cTn id="5" presetID="10" presetClass="entr" presetSubtype="0" fill="hold" nodeType="clickEffect">
-                                  <p:stCondLst>
-                                    <p:cond delay="0"/>
-                                  </p:stCondLst>
-                                  <p:childTnLst>
-                                    <p:set>
-                                      <p:cBhvr>
-                                        <p:cTn id="6" dur="1" fill="hold">
-                                          <p:stCondLst>
-                                            <p:cond delay="0"/>
-                                          </p:stCondLst>
-                                        </p:cTn>
-                                        <p:tgtEl>
-                                          <p:spTgt spid="2"/>
-                                        </p:tgtEl>
-                                        <p:attrNameLst>
-                                          <p:attrName>style.visibility</p:attrName>
-                                        </p:attrNameLst>
-                                      </p:cBhvr>
-                                      <p:to>
-                                        <p:strVal val="visible"/>
-                                      </p:to>
-                                    </p:set>
-                                    <p:animEffect transition="in" filter="fade">
-                                      <p:cBhvr>
-                                        <p:cTn id="7" dur="500"/>
-                                        <p:tgtEl>
-                                          <p:spTgt spid="2"/>
-                                        </p:tgtEl>
-                                      </p:cBhvr>
-                                    </p:animEffect>
-                                  </p:childTnLst>
-                                </p:cTn>
-                              </p:par>
-                            </p:childTnLst>
-                          </p:cTn>
-                        </p:par>
-                      </p:childTnLst>
-                    </p:cTn>
-                  </p:par>
-                  <p:par>
-                    <p:cTn id="8" fill="hold">
-                      <p:stCondLst>
-                        <p:cond delay="indefinite"/>
-                      </p:stCondLst>
-                      <p:childTnLst>
-                        <p:par>
-                          <p:cTn id="9" fill="hold">
-                            <p:stCondLst>
-                              <p:cond delay="0"/>
-                            </p:stCondLst>
-                            <p:childTnLst>
-                              <p:par>
-                                <p:cTn id="10" presetID="10" presetClass="entr" presetSubtype="0" fill="hold" grpId="0" nodeType="clickEffect">
-                                  <p:stCondLst>
-                                    <p:cond delay="0"/>
-                                  </p:stCondLst>
-                                  <p:childTnLst>
-                                    <p:set>
-                                      <p:cBhvr>
-                                        <p:cTn id="11" dur="1" fill="hold">
-                                          <p:stCondLst>
-                                            <p:cond delay="0"/>
-                                          </p:stCondLst>
-                                        </p:cTn>
-                                        <p:tgtEl>
-                                          <p:spTgt spid="12"/>
-                                        </p:tgtEl>
-                                        <p:attrNameLst>
-                                          <p:attrName>style.visibility</p:attrName>
-                                        </p:attrNameLst>
-                                      </p:cBhvr>
-                                      <p:to>
-                                        <p:strVal val="visible"/>
-                                      </p:to>
-                                    </p:set>
-                                    <p:animEffect transition="in" filter="fade">
-                                      <p:cBhvr>
-                                        <p:cTn id="12" dur="500"/>
-                                        <p:tgtEl>
-                                          <p:spTgt spid="12"/>
-                                        </p:tgtEl>
-                                      </p:cBhvr>
-                                    </p:animEffect>
-                                  </p:childTnLst>
-                                </p:cTn>
-                              </p:par>
-                            </p:childTnLst>
-                          </p:cTn>
-                        </p:par>
-                      </p:childTnLst>
-                    </p:cTn>
-                  </p:par>
-                  <p:par>
-                    <p:cTn id="13" fill="hold">
-                      <p:stCondLst>
-                        <p:cond delay="indefinite"/>
-                      </p:stCondLst>
-                      <p:childTnLst>
-                        <p:par>
-                          <p:cTn id="14" fill="hold">
-                            <p:stCondLst>
-                              <p:cond delay="0"/>
-                            </p:stCondLst>
-                            <p:childTnLst>
-                              <p:par>
-                                <p:cTn id="15" presetID="10" presetClass="entr" presetSubtype="0" fill="hold" grpId="0" nodeType="clickEffect">
-                                  <p:stCondLst>
-                                    <p:cond delay="0"/>
-                                  </p:stCondLst>
-                                  <p:childTnLst>
-                                    <p:set>
-                                      <p:cBhvr>
-                                        <p:cTn id="16" dur="1" fill="hold">
-                                          <p:stCondLst>
-                                            <p:cond delay="0"/>
-                                          </p:stCondLst>
-                                        </p:cTn>
-                                        <p:tgtEl>
-                                          <p:spTgt spid="13"/>
-                                        </p:tgtEl>
-                                        <p:attrNameLst>
-                                          <p:attrName>style.visibility</p:attrName>
-                                        </p:attrNameLst>
-                                      </p:cBhvr>
-                                      <p:to>
-                                        <p:strVal val="visible"/>
-                                      </p:to>
-                                    </p:set>
-                                    <p:animEffect transition="in" filter="fade">
-                                      <p:cBhvr>
-                                        <p:cTn id="17" dur="500"/>
-                                        <p:tgtEl>
-                                          <p:spTgt spid="13"/>
-                                        </p:tgtEl>
-                                      </p:cBhvr>
-                                    </p:animEffect>
-                                  </p:childTnLst>
-                                </p:cTn>
-                              </p:par>
-                            </p:childTnLst>
-                          </p:cTn>
-                        </p:par>
-                      </p:childTnLst>
-                    </p:cTn>
-                  </p:par>
-                  <p:par>
-                    <p:cTn id="18" fill="hold">
-                      <p:stCondLst>
-                        <p:cond delay="indefinite"/>
-                      </p:stCondLst>
-                      <p:childTnLst>
-                        <p:par>
-                          <p:cTn id="19" fill="hold">
-                            <p:stCondLst>
-                              <p:cond delay="0"/>
-                            </p:stCondLst>
-                            <p:childTnLst>
-                              <p:par>
-                                <p:cTn id="20" presetID="10" presetClass="entr" presetSubtype="0" fill="hold" grpId="0" nodeType="clickEffect">
-                                  <p:stCondLst>
-                                    <p:cond delay="0"/>
-                                  </p:stCondLst>
-                                  <p:childTnLst>
-                                    <p:set>
-                                      <p:cBhvr>
-                                        <p:cTn id="21" dur="1" fill="hold">
-                                          <p:stCondLst>
-                                            <p:cond delay="0"/>
-                                          </p:stCondLst>
-                                        </p:cTn>
-                                        <p:tgtEl>
-                                          <p:spTgt spid="14"/>
-                                        </p:tgtEl>
-                                        <p:attrNameLst>
-                                          <p:attrName>style.visibility</p:attrName>
-                                        </p:attrNameLst>
-                                      </p:cBhvr>
-                                      <p:to>
-                                        <p:strVal val="visible"/>
-                                      </p:to>
-                                    </p:set>
-                                    <p:animEffect transition="in" filter="fade">
-                                      <p:cBhvr>
-                                        <p:cTn id="22" dur="500"/>
-                                        <p:tgtEl>
-                                          <p:spTgt spid="14"/>
-                                        </p:tgtEl>
-                                      </p:cBhvr>
-                                    </p:animEffect>
-                                  </p:childTnLst>
-                                </p:cTn>
-                              </p:par>
-                            </p:childTnLst>
-                          </p:cTn>
-                        </p:par>
-                      </p:childTnLst>
-                    </p:cTn>
-                  </p:par>
-                </p:childTnLst>
-              </p:cTn>
-              <p:prevCondLst>
-                <p:cond evt="onPrev" delay="0">
-                  <p:tgtEl>
-                    <p:sldTgt/>
-                  </p:tgtEl>
-                </p:cond>
-              </p:prevCondLst>
-              <p:nextCondLst>
-                <p:cond evt="onNext" delay="0">
-                  <p:tgtEl>
-                    <p:sldTgt/>
-                  </p:tgtEl>
-                </p:cond>
-              </p:nextCondLst>
-            </p:seq>
-          </p:childTnLst>
-        </p:cTn>
+        <p:cTn id="1" dur="indefinite" restart="never" nodeType="tmRoot"/>
       </p:par>
     </p:tnLst>
-    <p:bldLst>
-      <p:bldP spid="12" grpId="0"/>
-      <p:bldP spid="13" grpId="0"/>
-      <p:bldP spid="14" grpId="0"/>
-    </p:bldLst>
   </p:timing>
 </p:sld>
 </file>
@@ -6512,7 +6154,7 @@
     <p:bg>
       <p:bgPr>
         <a:blipFill dpi="0" rotWithShape="1">
-          <a:blip r:embed="rId3">
+          <a:blip r:embed="rId2">
             <a:alphaModFix amt="18000"/>
             <a:duotone>
               <a:prstClr val="black"/>
@@ -6525,7 +6167,7 @@
             <a:extLst>
               <a:ext uri="{BEBA8EAE-BF5A-486C-A8C5-ECC9F3942E4B}">
                 <a14:imgProps xmlns:a14="http://schemas.microsoft.com/office/drawing/2010/main">
-                  <a14:imgLayer r:embed="rId4">
+                  <a14:imgLayer r:embed="rId3">
                     <a14:imgEffect>
                       <a14:colorTemperature colorTemp="8250"/>
                     </a14:imgEffect>
@@ -6570,8 +6212,8 @@
         </p:nvSpPr>
         <p:spPr>
           <a:xfrm>
-            <a:off x="251520" y="190959"/>
-            <a:ext cx="8640960" cy="830997"/>
+            <a:off x="323528" y="-36675"/>
+            <a:ext cx="8280920" cy="1569660"/>
           </a:xfrm>
           <a:prstGeom prst="rect">
             <a:avLst/>
@@ -6584,169 +6226,170 @@
           </a:bodyPr>
           <a:lstStyle/>
           <a:p>
-            <a:pPr algn="ctr"/>
             <a:r>
               <a:rPr lang="ru-RU" sz="4800" dirty="0" smtClean="0">
                 <a:solidFill>
-                  <a:schemeClr val="tx2">
-                    <a:lumMod val="25000"/>
-                  </a:schemeClr>
-                </a:solidFill>
+                  <a:schemeClr val="bg1"/>
+                </a:solidFill>
+              </a:rPr>
+              <a:t>Проектирование модулей.</a:t>
+            </a:r>
+          </a:p>
+          <a:p>
+            <a:r>
+              <a:rPr lang="ru-RU" sz="4800" dirty="0" smtClean="0">
+                <a:solidFill>
+                  <a:schemeClr val="bg1"/>
+                </a:solidFill>
+              </a:rPr>
+              <a:t>Регистрация</a:t>
+            </a:r>
+            <a:endParaRPr lang="ru-RU" sz="4800" dirty="0">
+              <a:solidFill>
+                <a:schemeClr val="bg1"/>
+              </a:solidFill>
+            </a:endParaRPr>
+          </a:p>
+        </p:txBody>
+      </p:sp>
+      <p:pic>
+        <p:nvPicPr>
+          <p:cNvPr id="9219" name="Picture 3"/>
+          <p:cNvPicPr>
+            <a:picLocks noChangeAspect="1" noChangeArrowheads="1"/>
+          </p:cNvPicPr>
+          <p:nvPr/>
+        </p:nvPicPr>
+        <p:blipFill>
+          <a:blip r:embed="rId4">
+            <a:extLst>
+              <a:ext uri="{28A0092B-C50C-407E-A947-70E740481C1C}">
+                <a14:useLocalDpi xmlns:a14="http://schemas.microsoft.com/office/drawing/2010/main" val="0"/>
+              </a:ext>
+            </a:extLst>
+          </a:blip>
+          <a:srcRect/>
+          <a:stretch>
+            <a:fillRect/>
+          </a:stretch>
+        </p:blipFill>
+        <p:spPr bwMode="auto">
+          <a:xfrm>
+            <a:off x="352376" y="1532985"/>
+            <a:ext cx="4111612" cy="2055806"/>
+          </a:xfrm>
+          <a:prstGeom prst="rect">
+            <a:avLst/>
+          </a:prstGeom>
+          <a:noFill/>
+          <a:ln>
+            <a:noFill/>
+          </a:ln>
+          <a:effectLst/>
+          <a:extLst>
+            <a:ext uri="{909E8E84-426E-40DD-AFC4-6F175D3DCCD1}">
+              <a14:hiddenFill xmlns:a14="http://schemas.microsoft.com/office/drawing/2010/main">
+                <a:solidFill>
+                  <a:schemeClr val="accent1"/>
+                </a:solidFill>
+              </a14:hiddenFill>
+            </a:ext>
+            <a:ext uri="{91240B29-F687-4F45-9708-019B960494DF}">
+              <a14:hiddenLine xmlns:a14="http://schemas.microsoft.com/office/drawing/2010/main" w="9525">
+                <a:solidFill>
+                  <a:schemeClr val="tx1"/>
+                </a:solidFill>
+                <a:miter lim="800000"/>
+                <a:headEnd/>
+                <a:tailEnd/>
+              </a14:hiddenLine>
+            </a:ext>
+            <a:ext uri="{AF507438-7753-43E0-B8FC-AC1667EBCBE1}">
+              <a14:hiddenEffects xmlns:a14="http://schemas.microsoft.com/office/drawing/2010/main">
                 <a:effectLst>
-                  <a:outerShdw blurRad="38100" dist="38100" dir="2700000" algn="tl">
-                    <a:srgbClr val="000000">
-                      <a:alpha val="43137"/>
-                    </a:srgbClr>
+                  <a:outerShdw dist="35921" dir="2700000" algn="ctr" rotWithShape="0">
+                    <a:schemeClr val="bg2"/>
                   </a:outerShdw>
                 </a:effectLst>
-                <a:latin typeface="Calibri" pitchFamily="34" charset="0"/>
-                <a:cs typeface="Calibri" pitchFamily="34" charset="0"/>
-              </a:rPr>
-              <a:t>Архитектура веб-приложения</a:t>
-            </a:r>
-            <a:endParaRPr lang="ru-RU" sz="4800" dirty="0">
-              <a:solidFill>
-                <a:schemeClr val="tx2">
-                  <a:lumMod val="25000"/>
-                </a:schemeClr>
-              </a:solidFill>
-              <a:effectLst>
-                <a:outerShdw blurRad="38100" dist="38100" dir="2700000" algn="tl">
-                  <a:srgbClr val="000000">
-                    <a:alpha val="43137"/>
-                  </a:srgbClr>
-                </a:outerShdw>
-              </a:effectLst>
-              <a:latin typeface="Calibri" pitchFamily="34" charset="0"/>
-              <a:cs typeface="Calibri" pitchFamily="34" charset="0"/>
-            </a:endParaRPr>
-          </a:p>
-        </p:txBody>
-      </p:sp>
-      <p:graphicFrame>
-        <p:nvGraphicFramePr>
-          <p:cNvPr id="3" name="Объект 2"/>
-          <p:cNvGraphicFramePr>
-            <a:graphicFrameLocks noChangeAspect="1"/>
-          </p:cNvGraphicFramePr>
-          <p:nvPr>
-            <p:extLst>
-              <p:ext uri="{D42A27DB-BD31-4B8C-83A1-F6EECF244321}">
-                <p14:modId xmlns:p14="http://schemas.microsoft.com/office/powerpoint/2010/main" val="865589478"/>
-              </p:ext>
-            </p:extLst>
-          </p:nvPr>
-        </p:nvGraphicFramePr>
-        <p:xfrm>
-          <a:off x="74775" y="2236626"/>
-          <a:ext cx="5213160" cy="3766815"/>
-        </p:xfrm>
-        <a:graphic>
-          <a:graphicData uri="http://schemas.openxmlformats.org/presentationml/2006/ole">
-            <mc:AlternateContent xmlns:mc="http://schemas.openxmlformats.org/markup-compatibility/2006">
-              <mc:Choice xmlns:v="urn:schemas-microsoft-com:vml" Requires="v">
-                <p:oleObj spid="_x0000_s2102" name="Visio" r:id="rId5" imgW="4714900" imgH="3406320" progId="Visio.Drawing.11">
-                  <p:embed/>
-                </p:oleObj>
-              </mc:Choice>
-              <mc:Fallback>
-                <p:oleObj name="Visio" r:id="rId5" imgW="4714900" imgH="3406320" progId="Visio.Drawing.11">
-                  <p:embed/>
-                  <p:pic>
-                    <p:nvPicPr>
-                      <p:cNvPr id="0" name=""/>
-                      <p:cNvPicPr/>
-                      <p:nvPr/>
-                    </p:nvPicPr>
-                    <p:blipFill>
-                      <a:blip r:embed="rId6"/>
-                      <a:stretch>
-                        <a:fillRect/>
-                      </a:stretch>
-                    </p:blipFill>
-                    <p:spPr>
-                      <a:xfrm>
-                        <a:off x="74775" y="2236626"/>
-                        <a:ext cx="5213160" cy="3766815"/>
-                      </a:xfrm>
-                      <a:prstGeom prst="rect">
-                        <a:avLst/>
-                      </a:prstGeom>
-                    </p:spPr>
-                  </p:pic>
-                </p:oleObj>
-              </mc:Fallback>
-            </mc:AlternateContent>
-          </a:graphicData>
-        </a:graphic>
-      </p:graphicFrame>
-      <p:graphicFrame>
-        <p:nvGraphicFramePr>
-          <p:cNvPr id="5" name="Объект 4"/>
-          <p:cNvGraphicFramePr>
-            <a:graphicFrameLocks noChangeAspect="1"/>
-          </p:cNvGraphicFramePr>
-          <p:nvPr>
-            <p:extLst>
-              <p:ext uri="{D42A27DB-BD31-4B8C-83A1-F6EECF244321}">
-                <p14:modId xmlns:p14="http://schemas.microsoft.com/office/powerpoint/2010/main" val="2207234629"/>
-              </p:ext>
-            </p:extLst>
-          </p:nvPr>
-        </p:nvGraphicFramePr>
-        <p:xfrm>
-          <a:off x="5362710" y="2002755"/>
-          <a:ext cx="3706515" cy="4234557"/>
-        </p:xfrm>
-        <a:graphic>
-          <a:graphicData uri="http://schemas.openxmlformats.org/presentationml/2006/ole">
-            <mc:AlternateContent xmlns:mc="http://schemas.openxmlformats.org/markup-compatibility/2006">
-              <mc:Choice xmlns:v="urn:schemas-microsoft-com:vml" Requires="v">
-                <p:oleObj spid="_x0000_s2103" name="Visio" r:id="rId7" imgW="3455000" imgH="3946320" progId="Visio.Drawing.11">
-                  <p:embed/>
-                </p:oleObj>
-              </mc:Choice>
-              <mc:Fallback>
-                <p:oleObj name="Visio" r:id="rId7" imgW="3455000" imgH="3946320" progId="Visio.Drawing.11">
-                  <p:embed/>
-                  <p:pic>
-                    <p:nvPicPr>
-                      <p:cNvPr id="0" name=""/>
-                      <p:cNvPicPr/>
-                      <p:nvPr/>
-                    </p:nvPicPr>
-                    <p:blipFill>
-                      <a:blip r:embed="rId8"/>
-                      <a:stretch>
-                        <a:fillRect/>
-                      </a:stretch>
-                    </p:blipFill>
-                    <p:spPr>
-                      <a:xfrm>
-                        <a:off x="5362710" y="2002755"/>
-                        <a:ext cx="3706515" cy="4234557"/>
-                      </a:xfrm>
-                      <a:prstGeom prst="rect">
-                        <a:avLst/>
-                      </a:prstGeom>
-                    </p:spPr>
-                  </p:pic>
-                </p:oleObj>
-              </mc:Fallback>
-            </mc:AlternateContent>
-          </a:graphicData>
-        </a:graphic>
-      </p:graphicFrame>
-      <p:sp>
-        <p:nvSpPr>
-          <p:cNvPr id="6" name="TextBox 5"/>
+              </a14:hiddenEffects>
+            </a:ext>
+          </a:extLst>
+        </p:spPr>
+      </p:pic>
+      <p:pic>
+        <p:nvPicPr>
+          <p:cNvPr id="9220" name="Picture 4"/>
+          <p:cNvPicPr>
+            <a:picLocks noChangeAspect="1" noChangeArrowheads="1"/>
+          </p:cNvPicPr>
+          <p:nvPr/>
+        </p:nvPicPr>
+        <p:blipFill>
+          <a:blip r:embed="rId5">
+            <a:extLst>
+              <a:ext uri="{28A0092B-C50C-407E-A947-70E740481C1C}">
+                <a14:useLocalDpi xmlns:a14="http://schemas.microsoft.com/office/drawing/2010/main" val="0"/>
+              </a:ext>
+            </a:extLst>
+          </a:blip>
+          <a:srcRect/>
+          <a:stretch>
+            <a:fillRect/>
+          </a:stretch>
+        </p:blipFill>
+        <p:spPr bwMode="auto">
+          <a:xfrm>
+            <a:off x="365324" y="3717032"/>
+            <a:ext cx="4131769" cy="2304256"/>
+          </a:xfrm>
+          <a:prstGeom prst="rect">
+            <a:avLst/>
+          </a:prstGeom>
+          <a:noFill/>
+          <a:ln>
+            <a:noFill/>
+          </a:ln>
+          <a:effectLst/>
+          <a:extLst>
+            <a:ext uri="{909E8E84-426E-40DD-AFC4-6F175D3DCCD1}">
+              <a14:hiddenFill xmlns:a14="http://schemas.microsoft.com/office/drawing/2010/main">
+                <a:solidFill>
+                  <a:schemeClr val="accent1"/>
+                </a:solidFill>
+              </a14:hiddenFill>
+            </a:ext>
+            <a:ext uri="{91240B29-F687-4F45-9708-019B960494DF}">
+              <a14:hiddenLine xmlns:a14="http://schemas.microsoft.com/office/drawing/2010/main" w="9525">
+                <a:solidFill>
+                  <a:schemeClr val="tx1"/>
+                </a:solidFill>
+                <a:miter lim="800000"/>
+                <a:headEnd/>
+                <a:tailEnd/>
+              </a14:hiddenLine>
+            </a:ext>
+            <a:ext uri="{AF507438-7753-43E0-B8FC-AC1667EBCBE1}">
+              <a14:hiddenEffects xmlns:a14="http://schemas.microsoft.com/office/drawing/2010/main">
+                <a:effectLst>
+                  <a:outerShdw dist="35921" dir="2700000" algn="ctr" rotWithShape="0">
+                    <a:schemeClr val="bg2"/>
+                  </a:outerShdw>
+                </a:effectLst>
+              </a14:hiddenEffects>
+            </a:ext>
+          </a:extLst>
+        </p:spPr>
+      </p:pic>
+      <p:sp>
+        <p:nvSpPr>
+          <p:cNvPr id="2" name="TextBox 1"/>
           <p:cNvSpPr txBox="1"/>
           <p:nvPr/>
         </p:nvSpPr>
         <p:spPr>
           <a:xfrm>
-            <a:off x="792089" y="1272209"/>
-            <a:ext cx="3203847" cy="646331"/>
+            <a:off x="4788024" y="2376222"/>
+            <a:ext cx="3816424" cy="369332"/>
           </a:xfrm>
           <a:prstGeom prst="rect">
             <a:avLst/>
@@ -6754,60 +6397,37 @@
           <a:noFill/>
         </p:spPr>
         <p:txBody>
-          <a:bodyPr wrap="square" rtlCol="0" anchor="ctr">
+          <a:bodyPr wrap="square" rtlCol="0">
             <a:spAutoFit/>
           </a:bodyPr>
           <a:lstStyle/>
           <a:p>
-            <a:pPr algn="ctr"/>
-            <a:r>
-              <a:rPr lang="en-US" sz="3600" dirty="0" smtClean="0">
-                <a:solidFill>
-                  <a:schemeClr val="tx2">
-                    <a:lumMod val="25000"/>
-                  </a:schemeClr>
-                </a:solidFill>
-                <a:effectLst>
-                  <a:outerShdw blurRad="38100" dist="38100" dir="2700000" algn="tl">
-                    <a:srgbClr val="000000">
-                      <a:alpha val="43137"/>
-                    </a:srgbClr>
-                  </a:outerShdw>
-                </a:effectLst>
-                <a:latin typeface="Calibri" pitchFamily="34" charset="0"/>
-                <a:cs typeface="Calibri" pitchFamily="34" charset="0"/>
-              </a:rPr>
-              <a:t>MVC</a:t>
-            </a:r>
-            <a:endParaRPr lang="ru-RU" sz="3600" dirty="0">
+            <a:r>
+              <a:rPr lang="ru-RU" dirty="0" smtClean="0">
+                <a:solidFill>
+                  <a:schemeClr val="bg1"/>
+                </a:solidFill>
+              </a:rPr>
+              <a:t> - Верно введенные данные</a:t>
+            </a:r>
+            <a:endParaRPr lang="ru-RU" dirty="0">
               <a:solidFill>
-                <a:schemeClr val="tx2">
-                  <a:lumMod val="25000"/>
-                </a:schemeClr>
+                <a:schemeClr val="bg1"/>
               </a:solidFill>
-              <a:effectLst>
-                <a:outerShdw blurRad="38100" dist="38100" dir="2700000" algn="tl">
-                  <a:srgbClr val="000000">
-                    <a:alpha val="43137"/>
-                  </a:srgbClr>
-                </a:outerShdw>
-              </a:effectLst>
-              <a:latin typeface="Calibri" pitchFamily="34" charset="0"/>
-              <a:cs typeface="Calibri" pitchFamily="34" charset="0"/>
             </a:endParaRPr>
           </a:p>
         </p:txBody>
       </p:sp>
       <p:sp>
         <p:nvSpPr>
-          <p:cNvPr id="7" name="TextBox 6"/>
+          <p:cNvPr id="10" name="TextBox 9"/>
           <p:cNvSpPr txBox="1"/>
           <p:nvPr/>
         </p:nvSpPr>
         <p:spPr>
           <a:xfrm>
-            <a:off x="5364088" y="1268760"/>
-            <a:ext cx="3360373" cy="646331"/>
+            <a:off x="4755728" y="4684494"/>
+            <a:ext cx="3816424" cy="369332"/>
           </a:xfrm>
           <a:prstGeom prst="rect">
             <a:avLst/>
@@ -6815,46 +6435,23 @@
           <a:noFill/>
         </p:spPr>
         <p:txBody>
-          <a:bodyPr wrap="square" rtlCol="0" anchor="ctr">
+          <a:bodyPr wrap="square" rtlCol="0">
             <a:spAutoFit/>
           </a:bodyPr>
           <a:lstStyle/>
           <a:p>
-            <a:pPr algn="ctr"/>
-            <a:r>
-              <a:rPr lang="en-US" sz="3600" dirty="0" smtClean="0">
-                <a:solidFill>
-                  <a:schemeClr val="tx2">
-                    <a:lumMod val="25000"/>
-                  </a:schemeClr>
-                </a:solidFill>
-                <a:effectLst>
-                  <a:outerShdw blurRad="38100" dist="38100" dir="2700000" algn="tl">
-                    <a:srgbClr val="000000">
-                      <a:alpha val="43137"/>
-                    </a:srgbClr>
-                  </a:outerShdw>
-                </a:effectLst>
-                <a:latin typeface="Calibri" pitchFamily="34" charset="0"/>
-                <a:cs typeface="Calibri" pitchFamily="34" charset="0"/>
-              </a:rPr>
-              <a:t>MVP</a:t>
-            </a:r>
-            <a:endParaRPr lang="ru-RU" sz="3600" dirty="0">
+            <a:r>
+              <a:rPr lang="ru-RU" dirty="0" smtClean="0">
+                <a:solidFill>
+                  <a:schemeClr val="bg1"/>
+                </a:solidFill>
+              </a:rPr>
+              <a:t> - Неверно введенные данные</a:t>
+            </a:r>
+            <a:endParaRPr lang="ru-RU" dirty="0">
               <a:solidFill>
-                <a:schemeClr val="tx2">
-                  <a:lumMod val="25000"/>
-                </a:schemeClr>
+                <a:schemeClr val="bg1"/>
               </a:solidFill>
-              <a:effectLst>
-                <a:outerShdw blurRad="38100" dist="38100" dir="2700000" algn="tl">
-                  <a:srgbClr val="000000">
-                    <a:alpha val="43137"/>
-                  </a:srgbClr>
-                </a:outerShdw>
-              </a:effectLst>
-              <a:latin typeface="Calibri" pitchFamily="34" charset="0"/>
-              <a:cs typeface="Calibri" pitchFamily="34" charset="0"/>
             </a:endParaRPr>
           </a:p>
         </p:txBody>
@@ -6862,7 +6459,7 @@
     </p:spTree>
     <p:extLst>
       <p:ext uri="{BB962C8B-B14F-4D97-AF65-F5344CB8AC3E}">
-        <p14:creationId xmlns:p14="http://schemas.microsoft.com/office/powerpoint/2010/main" val="1676360908"/>
+        <p14:creationId xmlns:p14="http://schemas.microsoft.com/office/powerpoint/2010/main" val="3870283732"/>
       </p:ext>
     </p:extLst>
   </p:cSld>
@@ -6872,212 +6469,9 @@
   <p:timing>
     <p:tnLst>
       <p:par>
-        <p:cTn id="1" dur="indefinite" restart="never" nodeType="tmRoot">
-          <p:childTnLst>
-            <p:seq concurrent="1" nextAc="seek">
-              <p:cTn id="2" dur="indefinite" nodeType="mainSeq">
-                <p:childTnLst>
-                  <p:par>
-                    <p:cTn id="3" fill="hold">
-                      <p:stCondLst>
-                        <p:cond delay="indefinite"/>
-                      </p:stCondLst>
-                      <p:childTnLst>
-                        <p:par>
-                          <p:cTn id="4" fill="hold">
-                            <p:stCondLst>
-                              <p:cond delay="0"/>
-                            </p:stCondLst>
-                            <p:childTnLst>
-                              <p:par>
-                                <p:cTn id="5" presetID="10" presetClass="entr" presetSubtype="0" fill="hold" nodeType="clickEffect">
-                                  <p:stCondLst>
-                                    <p:cond delay="0"/>
-                                  </p:stCondLst>
-                                  <p:childTnLst>
-                                    <p:set>
-                                      <p:cBhvr>
-                                        <p:cTn id="6" dur="1" fill="hold">
-                                          <p:stCondLst>
-                                            <p:cond delay="0"/>
-                                          </p:stCondLst>
-                                        </p:cTn>
-                                        <p:tgtEl>
-                                          <p:spTgt spid="3"/>
-                                        </p:tgtEl>
-                                        <p:attrNameLst>
-                                          <p:attrName>style.visibility</p:attrName>
-                                        </p:attrNameLst>
-                                      </p:cBhvr>
-                                      <p:to>
-                                        <p:strVal val="visible"/>
-                                      </p:to>
-                                    </p:set>
-                                    <p:animEffect transition="in" filter="fade">
-                                      <p:cBhvr>
-                                        <p:cTn id="7" dur="500"/>
-                                        <p:tgtEl>
-                                          <p:spTgt spid="3"/>
-                                        </p:tgtEl>
-                                      </p:cBhvr>
-                                    </p:animEffect>
-                                  </p:childTnLst>
-                                </p:cTn>
-                              </p:par>
-                              <p:par>
-                                <p:cTn id="8" presetID="10" presetClass="entr" presetSubtype="0" fill="hold" grpId="0" nodeType="withEffect">
-                                  <p:stCondLst>
-                                    <p:cond delay="0"/>
-                                  </p:stCondLst>
-                                  <p:childTnLst>
-                                    <p:set>
-                                      <p:cBhvr>
-                                        <p:cTn id="9" dur="1" fill="hold">
-                                          <p:stCondLst>
-                                            <p:cond delay="0"/>
-                                          </p:stCondLst>
-                                        </p:cTn>
-                                        <p:tgtEl>
-                                          <p:spTgt spid="6"/>
-                                        </p:tgtEl>
-                                        <p:attrNameLst>
-                                          <p:attrName>style.visibility</p:attrName>
-                                        </p:attrNameLst>
-                                      </p:cBhvr>
-                                      <p:to>
-                                        <p:strVal val="visible"/>
-                                      </p:to>
-                                    </p:set>
-                                    <p:animEffect transition="in" filter="fade">
-                                      <p:cBhvr>
-                                        <p:cTn id="10" dur="500"/>
-                                        <p:tgtEl>
-                                          <p:spTgt spid="6"/>
-                                        </p:tgtEl>
-                                      </p:cBhvr>
-                                    </p:animEffect>
-                                  </p:childTnLst>
-                                </p:cTn>
-                              </p:par>
-                            </p:childTnLst>
-                          </p:cTn>
-                        </p:par>
-                      </p:childTnLst>
-                    </p:cTn>
-                  </p:par>
-                  <p:par>
-                    <p:cTn id="11" fill="hold">
-                      <p:stCondLst>
-                        <p:cond delay="indefinite"/>
-                      </p:stCondLst>
-                      <p:childTnLst>
-                        <p:par>
-                          <p:cTn id="12" fill="hold">
-                            <p:stCondLst>
-                              <p:cond delay="0"/>
-                            </p:stCondLst>
-                            <p:childTnLst>
-                              <p:par>
-                                <p:cTn id="13" presetID="10" presetClass="entr" presetSubtype="0" fill="hold" nodeType="clickEffect">
-                                  <p:stCondLst>
-                                    <p:cond delay="0"/>
-                                  </p:stCondLst>
-                                  <p:childTnLst>
-                                    <p:set>
-                                      <p:cBhvr>
-                                        <p:cTn id="14" dur="1" fill="hold">
-                                          <p:stCondLst>
-                                            <p:cond delay="0"/>
-                                          </p:stCondLst>
-                                        </p:cTn>
-                                        <p:tgtEl>
-                                          <p:spTgt spid="5"/>
-                                        </p:tgtEl>
-                                        <p:attrNameLst>
-                                          <p:attrName>style.visibility</p:attrName>
-                                        </p:attrNameLst>
-                                      </p:cBhvr>
-                                      <p:to>
-                                        <p:strVal val="visible"/>
-                                      </p:to>
-                                    </p:set>
-                                    <p:animEffect transition="in" filter="fade">
-                                      <p:cBhvr>
-                                        <p:cTn id="15" dur="500"/>
-                                        <p:tgtEl>
-                                          <p:spTgt spid="5"/>
-                                        </p:tgtEl>
-                                      </p:cBhvr>
-                                    </p:animEffect>
-                                  </p:childTnLst>
-                                </p:cTn>
-                              </p:par>
-                              <p:par>
-                                <p:cTn id="16" presetID="10" presetClass="entr" presetSubtype="0" fill="hold" grpId="0" nodeType="withEffect">
-                                  <p:stCondLst>
-                                    <p:cond delay="0"/>
-                                  </p:stCondLst>
-                                  <p:childTnLst>
-                                    <p:set>
-                                      <p:cBhvr>
-                                        <p:cTn id="17" dur="1" fill="hold">
-                                          <p:stCondLst>
-                                            <p:cond delay="0"/>
-                                          </p:stCondLst>
-                                        </p:cTn>
-                                        <p:tgtEl>
-                                          <p:spTgt spid="7"/>
-                                        </p:tgtEl>
-                                        <p:attrNameLst>
-                                          <p:attrName>style.visibility</p:attrName>
-                                        </p:attrNameLst>
-                                      </p:cBhvr>
-                                      <p:to>
-                                        <p:strVal val="visible"/>
-                                      </p:to>
-                                    </p:set>
-                                    <p:animEffect transition="in" filter="fade">
-                                      <p:cBhvr>
-                                        <p:cTn id="18" dur="500"/>
-                                        <p:tgtEl>
-                                          <p:spTgt spid="7"/>
-                                        </p:tgtEl>
-                                      </p:cBhvr>
-                                    </p:animEffect>
-                                  </p:childTnLst>
-                                </p:cTn>
-                              </p:par>
-                            </p:childTnLst>
-                          </p:cTn>
-                        </p:par>
-                      </p:childTnLst>
-                    </p:cTn>
-                  </p:par>
-                </p:childTnLst>
-              </p:cTn>
-              <p:prevCondLst>
-                <p:cond evt="onPrev" delay="0">
-                  <p:tgtEl>
-                    <p:sldTgt/>
-                  </p:tgtEl>
-                </p:cond>
-              </p:prevCondLst>
-              <p:nextCondLst>
-                <p:cond evt="onNext" delay="0">
-                  <p:tgtEl>
-                    <p:sldTgt/>
-                  </p:tgtEl>
-                </p:cond>
-              </p:nextCondLst>
-            </p:seq>
-          </p:childTnLst>
-        </p:cTn>
+        <p:cTn id="1" dur="indefinite" restart="never" nodeType="tmRoot"/>
       </p:par>
     </p:tnLst>
-    <p:bldLst>
-      <p:bldP spid="6" grpId="0"/>
-      <p:bldP spid="7" grpId="0"/>
-    </p:bldLst>
   </p:timing>
 </p:sld>
 </file>
@@ -7395,7 +6789,7 @@
     <p:bg>
       <p:bgPr>
         <a:blipFill dpi="0" rotWithShape="1">
-          <a:blip r:embed="rId3">
+          <a:blip r:embed="rId2">
             <a:alphaModFix amt="18000"/>
             <a:duotone>
               <a:prstClr val="black"/>
@@ -7408,7 +6802,7 @@
             <a:extLst>
               <a:ext uri="{BEBA8EAE-BF5A-486C-A8C5-ECC9F3942E4B}">
                 <a14:imgProps xmlns:a14="http://schemas.microsoft.com/office/drawing/2010/main">
-                  <a14:imgLayer r:embed="rId4">
+                  <a14:imgLayer r:embed="rId3">
                     <a14:imgEffect>
                       <a14:colorTemperature colorTemp="8250"/>
                     </a14:imgEffect>
@@ -7453,8 +6847,8 @@
         </p:nvSpPr>
         <p:spPr>
           <a:xfrm>
-            <a:off x="251520" y="190959"/>
-            <a:ext cx="8640960" cy="830997"/>
+            <a:off x="323528" y="-36675"/>
+            <a:ext cx="8280920" cy="1569660"/>
           </a:xfrm>
           <a:prstGeom prst="rect">
             <a:avLst/>
@@ -7470,108 +6864,167 @@
             <a:r>
               <a:rPr lang="ru-RU" sz="4800" dirty="0" smtClean="0">
                 <a:solidFill>
-                  <a:schemeClr val="tx2">
-                    <a:lumMod val="25000"/>
-                  </a:schemeClr>
-                </a:solidFill>
+                  <a:schemeClr val="bg1"/>
+                </a:solidFill>
+              </a:rPr>
+              <a:t>Проектирование модулей.</a:t>
+            </a:r>
+          </a:p>
+          <a:p>
+            <a:r>
+              <a:rPr lang="ru-RU" sz="4800" dirty="0" smtClean="0">
+                <a:solidFill>
+                  <a:schemeClr val="bg1"/>
+                </a:solidFill>
+              </a:rPr>
+              <a:t>Регистрация</a:t>
+            </a:r>
+            <a:endParaRPr lang="ru-RU" sz="4800" dirty="0">
+              <a:solidFill>
+                <a:schemeClr val="bg1"/>
+              </a:solidFill>
+            </a:endParaRPr>
+          </a:p>
+        </p:txBody>
+      </p:sp>
+      <p:pic>
+        <p:nvPicPr>
+          <p:cNvPr id="9219" name="Picture 3"/>
+          <p:cNvPicPr>
+            <a:picLocks noChangeAspect="1" noChangeArrowheads="1"/>
+          </p:cNvPicPr>
+          <p:nvPr/>
+        </p:nvPicPr>
+        <p:blipFill>
+          <a:blip r:embed="rId4">
+            <a:extLst>
+              <a:ext uri="{28A0092B-C50C-407E-A947-70E740481C1C}">
+                <a14:useLocalDpi xmlns:a14="http://schemas.microsoft.com/office/drawing/2010/main" val="0"/>
+              </a:ext>
+            </a:extLst>
+          </a:blip>
+          <a:srcRect/>
+          <a:stretch>
+            <a:fillRect/>
+          </a:stretch>
+        </p:blipFill>
+        <p:spPr bwMode="auto">
+          <a:xfrm>
+            <a:off x="352376" y="1532985"/>
+            <a:ext cx="4111612" cy="2055806"/>
+          </a:xfrm>
+          <a:prstGeom prst="rect">
+            <a:avLst/>
+          </a:prstGeom>
+          <a:noFill/>
+          <a:ln>
+            <a:noFill/>
+          </a:ln>
+          <a:effectLst/>
+          <a:extLst>
+            <a:ext uri="{909E8E84-426E-40DD-AFC4-6F175D3DCCD1}">
+              <a14:hiddenFill xmlns:a14="http://schemas.microsoft.com/office/drawing/2010/main">
+                <a:solidFill>
+                  <a:schemeClr val="accent1"/>
+                </a:solidFill>
+              </a14:hiddenFill>
+            </a:ext>
+            <a:ext uri="{91240B29-F687-4F45-9708-019B960494DF}">
+              <a14:hiddenLine xmlns:a14="http://schemas.microsoft.com/office/drawing/2010/main" w="9525">
+                <a:solidFill>
+                  <a:schemeClr val="tx1"/>
+                </a:solidFill>
+                <a:miter lim="800000"/>
+                <a:headEnd/>
+                <a:tailEnd/>
+              </a14:hiddenLine>
+            </a:ext>
+            <a:ext uri="{AF507438-7753-43E0-B8FC-AC1667EBCBE1}">
+              <a14:hiddenEffects xmlns:a14="http://schemas.microsoft.com/office/drawing/2010/main">
                 <a:effectLst>
-                  <a:outerShdw blurRad="38100" dist="38100" dir="2700000" algn="tl">
-                    <a:srgbClr val="000000">
-                      <a:alpha val="43137"/>
-                    </a:srgbClr>
+                  <a:outerShdw dist="35921" dir="2700000" algn="ctr" rotWithShape="0">
+                    <a:schemeClr val="bg2"/>
                   </a:outerShdw>
                 </a:effectLst>
-                <a:latin typeface="Calibri" pitchFamily="34" charset="0"/>
-                <a:cs typeface="Calibri" pitchFamily="34" charset="0"/>
-              </a:rPr>
-              <a:t>Архитектура веб-приложения</a:t>
-            </a:r>
-            <a:endParaRPr lang="ru-RU" sz="4800" dirty="0">
-              <a:solidFill>
-                <a:schemeClr val="tx2">
-                  <a:lumMod val="25000"/>
-                </a:schemeClr>
-              </a:solidFill>
-              <a:effectLst>
-                <a:outerShdw blurRad="38100" dist="38100" dir="2700000" algn="tl">
-                  <a:srgbClr val="000000">
-                    <a:alpha val="43137"/>
-                  </a:srgbClr>
-                </a:outerShdw>
-              </a:effectLst>
-              <a:latin typeface="Calibri" pitchFamily="34" charset="0"/>
-              <a:cs typeface="Calibri" pitchFamily="34" charset="0"/>
-            </a:endParaRPr>
-          </a:p>
-        </p:txBody>
-      </p:sp>
-      <p:graphicFrame>
-        <p:nvGraphicFramePr>
-          <p:cNvPr id="3" name="Объект 2"/>
-          <p:cNvGraphicFramePr>
-            <a:graphicFrameLocks noChangeAspect="1"/>
-          </p:cNvGraphicFramePr>
-          <p:nvPr>
-            <p:extLst>
-              <p:ext uri="{D42A27DB-BD31-4B8C-83A1-F6EECF244321}">
-                <p14:modId xmlns:p14="http://schemas.microsoft.com/office/powerpoint/2010/main" val="2717818397"/>
-              </p:ext>
-            </p:extLst>
-          </p:nvPr>
-        </p:nvGraphicFramePr>
-        <p:xfrm>
-          <a:off x="1658242" y="1196752"/>
-          <a:ext cx="7234238" cy="5532438"/>
-        </p:xfrm>
-        <a:graphic>
-          <a:graphicData uri="http://schemas.openxmlformats.org/presentationml/2006/ole">
-            <mc:AlternateContent xmlns:mc="http://schemas.openxmlformats.org/markup-compatibility/2006">
-              <mc:Choice xmlns:v="urn:schemas-microsoft-com:vml" Requires="v">
-                <p:oleObj spid="_x0000_s3088" name="Visio" r:id="rId5" imgW="7234971" imgH="5531760" progId="Visio.Drawing.11">
-                  <p:embed/>
-                </p:oleObj>
-              </mc:Choice>
-              <mc:Fallback>
-                <p:oleObj name="Visio" r:id="rId5" imgW="7234971" imgH="5531760" progId="Visio.Drawing.11">
-                  <p:embed/>
-                  <p:pic>
-                    <p:nvPicPr>
-                      <p:cNvPr id="0" name=""/>
-                      <p:cNvPicPr/>
-                      <p:nvPr/>
-                    </p:nvPicPr>
-                    <p:blipFill>
-                      <a:blip r:embed="rId6"/>
-                      <a:stretch>
-                        <a:fillRect/>
-                      </a:stretch>
-                    </p:blipFill>
-                    <p:spPr>
-                      <a:xfrm>
-                        <a:off x="1658242" y="1196752"/>
-                        <a:ext cx="7234238" cy="5532438"/>
-                      </a:xfrm>
-                      <a:prstGeom prst="rect">
-                        <a:avLst/>
-                      </a:prstGeom>
-                    </p:spPr>
-                  </p:pic>
-                </p:oleObj>
-              </mc:Fallback>
-            </mc:AlternateContent>
-          </a:graphicData>
-        </a:graphic>
-      </p:graphicFrame>
-      <p:sp>
-        <p:nvSpPr>
-          <p:cNvPr id="5" name="TextBox 4"/>
+              </a14:hiddenEffects>
+            </a:ext>
+          </a:extLst>
+        </p:spPr>
+      </p:pic>
+      <p:pic>
+        <p:nvPicPr>
+          <p:cNvPr id="9220" name="Picture 4"/>
+          <p:cNvPicPr>
+            <a:picLocks noChangeAspect="1" noChangeArrowheads="1"/>
+          </p:cNvPicPr>
+          <p:nvPr/>
+        </p:nvPicPr>
+        <p:blipFill>
+          <a:blip r:embed="rId5">
+            <a:extLst>
+              <a:ext uri="{28A0092B-C50C-407E-A947-70E740481C1C}">
+                <a14:useLocalDpi xmlns:a14="http://schemas.microsoft.com/office/drawing/2010/main" val="0"/>
+              </a:ext>
+            </a:extLst>
+          </a:blip>
+          <a:srcRect/>
+          <a:stretch>
+            <a:fillRect/>
+          </a:stretch>
+        </p:blipFill>
+        <p:spPr bwMode="auto">
+          <a:xfrm>
+            <a:off x="365324" y="3717032"/>
+            <a:ext cx="4131769" cy="2304256"/>
+          </a:xfrm>
+          <a:prstGeom prst="rect">
+            <a:avLst/>
+          </a:prstGeom>
+          <a:noFill/>
+          <a:ln>
+            <a:noFill/>
+          </a:ln>
+          <a:effectLst/>
+          <a:extLst>
+            <a:ext uri="{909E8E84-426E-40DD-AFC4-6F175D3DCCD1}">
+              <a14:hiddenFill xmlns:a14="http://schemas.microsoft.com/office/drawing/2010/main">
+                <a:solidFill>
+                  <a:schemeClr val="accent1"/>
+                </a:solidFill>
+              </a14:hiddenFill>
+            </a:ext>
+            <a:ext uri="{91240B29-F687-4F45-9708-019B960494DF}">
+              <a14:hiddenLine xmlns:a14="http://schemas.microsoft.com/office/drawing/2010/main" w="9525">
+                <a:solidFill>
+                  <a:schemeClr val="tx1"/>
+                </a:solidFill>
+                <a:miter lim="800000"/>
+                <a:headEnd/>
+                <a:tailEnd/>
+              </a14:hiddenLine>
+            </a:ext>
+            <a:ext uri="{AF507438-7753-43E0-B8FC-AC1667EBCBE1}">
+              <a14:hiddenEffects xmlns:a14="http://schemas.microsoft.com/office/drawing/2010/main">
+                <a:effectLst>
+                  <a:outerShdw dist="35921" dir="2700000" algn="ctr" rotWithShape="0">
+                    <a:schemeClr val="bg2"/>
+                  </a:outerShdw>
+                </a:effectLst>
+              </a14:hiddenEffects>
+            </a:ext>
+          </a:extLst>
+        </p:spPr>
+      </p:pic>
+      <p:sp>
+        <p:nvSpPr>
+          <p:cNvPr id="2" name="TextBox 1"/>
           <p:cNvSpPr txBox="1"/>
           <p:nvPr/>
         </p:nvSpPr>
         <p:spPr>
           <a:xfrm>
-            <a:off x="247930" y="1268760"/>
-            <a:ext cx="5692221" cy="1200329"/>
+            <a:off x="4788024" y="2376222"/>
+            <a:ext cx="3816424" cy="369332"/>
           </a:xfrm>
           <a:prstGeom prst="rect">
             <a:avLst/>
@@ -7579,66 +7032,61 @@
           <a:noFill/>
         </p:spPr>
         <p:txBody>
-          <a:bodyPr wrap="square" rtlCol="0" anchor="ctr">
+          <a:bodyPr wrap="square" rtlCol="0">
             <a:spAutoFit/>
           </a:bodyPr>
           <a:lstStyle/>
           <a:p>
             <a:r>
-              <a:rPr lang="ru-RU" sz="3600" dirty="0" smtClean="0">
-                <a:solidFill>
-                  <a:schemeClr val="tx2">
-                    <a:lumMod val="25000"/>
-                  </a:schemeClr>
-                </a:solidFill>
-                <a:effectLst>
-                  <a:outerShdw blurRad="38100" dist="38100" dir="2700000" algn="tl">
-                    <a:srgbClr val="000000">
-                      <a:alpha val="43137"/>
-                    </a:srgbClr>
-                  </a:outerShdw>
-                </a:effectLst>
-                <a:latin typeface="Calibri" pitchFamily="34" charset="0"/>
-                <a:cs typeface="Calibri" pitchFamily="34" charset="0"/>
-              </a:rPr>
-              <a:t>Централизованная </a:t>
-            </a:r>
-          </a:p>
-          <a:p>
-            <a:r>
-              <a:rPr lang="ru-RU" sz="3600" dirty="0" smtClean="0">
-                <a:solidFill>
-                  <a:schemeClr val="tx2">
-                    <a:lumMod val="25000"/>
-                  </a:schemeClr>
-                </a:solidFill>
-                <a:effectLst>
-                  <a:outerShdw blurRad="38100" dist="38100" dir="2700000" algn="tl">
-                    <a:srgbClr val="000000">
-                      <a:alpha val="43137"/>
-                    </a:srgbClr>
-                  </a:outerShdw>
-                </a:effectLst>
-                <a:latin typeface="Calibri" pitchFamily="34" charset="0"/>
-                <a:cs typeface="Calibri" pitchFamily="34" charset="0"/>
-              </a:rPr>
-              <a:t>схема</a:t>
-            </a:r>
-            <a:endParaRPr lang="ru-RU" sz="3600" dirty="0">
+              <a:rPr lang="ru-RU" dirty="0" smtClean="0">
+                <a:solidFill>
+                  <a:schemeClr val="bg1"/>
+                </a:solidFill>
+              </a:rPr>
+              <a:t> - Верно введенные данные</a:t>
+            </a:r>
+            <a:endParaRPr lang="ru-RU" dirty="0">
               <a:solidFill>
-                <a:schemeClr val="tx2">
-                  <a:lumMod val="25000"/>
-                </a:schemeClr>
+                <a:schemeClr val="bg1"/>
               </a:solidFill>
-              <a:effectLst>
-                <a:outerShdw blurRad="38100" dist="38100" dir="2700000" algn="tl">
-                  <a:srgbClr val="000000">
-                    <a:alpha val="43137"/>
-                  </a:srgbClr>
-                </a:outerShdw>
-              </a:effectLst>
-              <a:latin typeface="Calibri" pitchFamily="34" charset="0"/>
-              <a:cs typeface="Calibri" pitchFamily="34" charset="0"/>
+            </a:endParaRPr>
+          </a:p>
+        </p:txBody>
+      </p:sp>
+      <p:sp>
+        <p:nvSpPr>
+          <p:cNvPr id="10" name="TextBox 9"/>
+          <p:cNvSpPr txBox="1"/>
+          <p:nvPr/>
+        </p:nvSpPr>
+        <p:spPr>
+          <a:xfrm>
+            <a:off x="4755728" y="4684494"/>
+            <a:ext cx="3816424" cy="369332"/>
+          </a:xfrm>
+          <a:prstGeom prst="rect">
+            <a:avLst/>
+          </a:prstGeom>
+          <a:noFill/>
+        </p:spPr>
+        <p:txBody>
+          <a:bodyPr wrap="square" rtlCol="0">
+            <a:spAutoFit/>
+          </a:bodyPr>
+          <a:lstStyle/>
+          <a:p>
+            <a:r>
+              <a:rPr lang="ru-RU" dirty="0" smtClean="0">
+                <a:solidFill>
+                  <a:schemeClr val="bg1"/>
+                </a:solidFill>
+              </a:rPr>
+              <a:t> - Неверно введенные данные</a:t>
+            </a:r>
+            <a:endParaRPr lang="ru-RU" dirty="0">
+              <a:solidFill>
+                <a:schemeClr val="bg1"/>
+              </a:solidFill>
             </a:endParaRPr>
           </a:p>
         </p:txBody>
@@ -7646,7 +7094,7 @@
     </p:spTree>
     <p:extLst>
       <p:ext uri="{BB962C8B-B14F-4D97-AF65-F5344CB8AC3E}">
-        <p14:creationId xmlns:p14="http://schemas.microsoft.com/office/powerpoint/2010/main" val="3186201731"/>
+        <p14:creationId xmlns:p14="http://schemas.microsoft.com/office/powerpoint/2010/main" val="1283144179"/>
       </p:ext>
     </p:extLst>
   </p:cSld>
@@ -7669,7 +7117,7 @@
     <p:bg>
       <p:bgPr>
         <a:blipFill dpi="0" rotWithShape="1">
-          <a:blip r:embed="rId3">
+          <a:blip r:embed="rId2">
             <a:alphaModFix amt="18000"/>
             <a:duotone>
               <a:prstClr val="black"/>
@@ -7682,7 +7130,7 @@
             <a:extLst>
               <a:ext uri="{BEBA8EAE-BF5A-486C-A8C5-ECC9F3942E4B}">
                 <a14:imgProps xmlns:a14="http://schemas.microsoft.com/office/drawing/2010/main">
-                  <a14:imgLayer r:embed="rId4">
+                  <a14:imgLayer r:embed="rId3">
                     <a14:imgEffect>
                       <a14:colorTemperature colorTemp="8250"/>
                     </a14:imgEffect>
@@ -7727,8 +7175,8 @@
         </p:nvSpPr>
         <p:spPr>
           <a:xfrm>
-            <a:off x="251520" y="190959"/>
-            <a:ext cx="8640960" cy="830997"/>
+            <a:off x="323528" y="-36675"/>
+            <a:ext cx="8280920" cy="1569660"/>
           </a:xfrm>
           <a:prstGeom prst="rect">
             <a:avLst/>
@@ -7744,162 +7192,161 @@
             <a:r>
               <a:rPr lang="ru-RU" sz="4800" dirty="0" smtClean="0">
                 <a:solidFill>
-                  <a:schemeClr val="tx2">
-                    <a:lumMod val="25000"/>
-                  </a:schemeClr>
-                </a:solidFill>
-                <a:effectLst>
-                  <a:outerShdw blurRad="38100" dist="38100" dir="2700000" algn="tl">
-                    <a:srgbClr val="000000">
-                      <a:alpha val="43137"/>
-                    </a:srgbClr>
-                  </a:outerShdw>
-                </a:effectLst>
-                <a:latin typeface="Calibri" pitchFamily="34" charset="0"/>
-                <a:cs typeface="Calibri" pitchFamily="34" charset="0"/>
-              </a:rPr>
-              <a:t>Архитектура веб-приложения</a:t>
+                  <a:schemeClr val="bg1"/>
+                </a:solidFill>
+              </a:rPr>
+              <a:t>Проектирование модулей.</a:t>
+            </a:r>
+          </a:p>
+          <a:p>
+            <a:r>
+              <a:rPr lang="ru-RU" sz="4800" dirty="0" smtClean="0">
+                <a:solidFill>
+                  <a:schemeClr val="bg1"/>
+                </a:solidFill>
+              </a:rPr>
+              <a:t>Профиль пользователя</a:t>
             </a:r>
             <a:endParaRPr lang="ru-RU" sz="4800" dirty="0">
               <a:solidFill>
-                <a:schemeClr val="tx2">
-                  <a:lumMod val="25000"/>
-                </a:schemeClr>
+                <a:schemeClr val="bg1"/>
               </a:solidFill>
-              <a:effectLst>
-                <a:outerShdw blurRad="38100" dist="38100" dir="2700000" algn="tl">
-                  <a:srgbClr val="000000">
-                    <a:alpha val="43137"/>
-                  </a:srgbClr>
-                </a:outerShdw>
-              </a:effectLst>
-              <a:latin typeface="Calibri" pitchFamily="34" charset="0"/>
-              <a:cs typeface="Calibri" pitchFamily="34" charset="0"/>
             </a:endParaRPr>
           </a:p>
         </p:txBody>
       </p:sp>
-      <p:sp>
-        <p:nvSpPr>
-          <p:cNvPr id="5" name="TextBox 4"/>
-          <p:cNvSpPr txBox="1"/>
+      <p:pic>
+        <p:nvPicPr>
+          <p:cNvPr id="10242" name="Picture 2"/>
+          <p:cNvPicPr>
+            <a:picLocks noChangeAspect="1" noChangeArrowheads="1"/>
+          </p:cNvPicPr>
           <p:nvPr/>
-        </p:nvSpPr>
-        <p:spPr>
+        </p:nvPicPr>
+        <p:blipFill>
+          <a:blip r:embed="rId4">
+            <a:extLst>
+              <a:ext uri="{28A0092B-C50C-407E-A947-70E740481C1C}">
+                <a14:useLocalDpi xmlns:a14="http://schemas.microsoft.com/office/drawing/2010/main" val="0"/>
+              </a:ext>
+            </a:extLst>
+          </a:blip>
+          <a:srcRect/>
+          <a:stretch>
+            <a:fillRect/>
+          </a:stretch>
+        </p:blipFill>
+        <p:spPr bwMode="auto">
           <a:xfrm>
-            <a:off x="251520" y="1268760"/>
-            <a:ext cx="5692221" cy="646331"/>
+            <a:off x="395289" y="1628775"/>
+            <a:ext cx="3461946" cy="4608537"/>
           </a:xfrm>
           <a:prstGeom prst="rect">
             <a:avLst/>
           </a:prstGeom>
           <a:noFill/>
-        </p:spPr>
-        <p:txBody>
-          <a:bodyPr wrap="square" rtlCol="0" anchor="ctr">
-            <a:spAutoFit/>
-          </a:bodyPr>
-          <a:lstStyle/>
-          <a:p>
-            <a:r>
-              <a:rPr lang="ru-RU" sz="3600" dirty="0" smtClean="0">
-                <a:solidFill>
-                  <a:schemeClr val="tx2">
-                    <a:lumMod val="25000"/>
-                  </a:schemeClr>
-                </a:solidFill>
+          <a:ln>
+            <a:noFill/>
+          </a:ln>
+          <a:effectLst/>
+          <a:extLst>
+            <a:ext uri="{909E8E84-426E-40DD-AFC4-6F175D3DCCD1}">
+              <a14:hiddenFill xmlns:a14="http://schemas.microsoft.com/office/drawing/2010/main">
+                <a:solidFill>
+                  <a:schemeClr val="accent1"/>
+                </a:solidFill>
+              </a14:hiddenFill>
+            </a:ext>
+            <a:ext uri="{91240B29-F687-4F45-9708-019B960494DF}">
+              <a14:hiddenLine xmlns:a14="http://schemas.microsoft.com/office/drawing/2010/main" w="9525">
+                <a:solidFill>
+                  <a:schemeClr val="tx1"/>
+                </a:solidFill>
+                <a:miter lim="800000"/>
+                <a:headEnd/>
+                <a:tailEnd/>
+              </a14:hiddenLine>
+            </a:ext>
+            <a:ext uri="{AF507438-7753-43E0-B8FC-AC1667EBCBE1}">
+              <a14:hiddenEffects xmlns:a14="http://schemas.microsoft.com/office/drawing/2010/main">
                 <a:effectLst>
-                  <a:outerShdw blurRad="38100" dist="38100" dir="2700000" algn="tl">
-                    <a:srgbClr val="000000">
-                      <a:alpha val="43137"/>
-                    </a:srgbClr>
+                  <a:outerShdw dist="35921" dir="2700000" algn="ctr" rotWithShape="0">
+                    <a:schemeClr val="bg2"/>
                   </a:outerShdw>
                 </a:effectLst>
-                <a:latin typeface="Calibri" pitchFamily="34" charset="0"/>
-                <a:cs typeface="Calibri" pitchFamily="34" charset="0"/>
-              </a:rPr>
-              <a:t>Распределенная схема</a:t>
-            </a:r>
-            <a:endParaRPr lang="ru-RU" sz="3600" dirty="0">
-              <a:solidFill>
-                <a:schemeClr val="tx2">
-                  <a:lumMod val="25000"/>
-                </a:schemeClr>
-              </a:solidFill>
-              <a:effectLst>
-                <a:outerShdw blurRad="38100" dist="38100" dir="2700000" algn="tl">
-                  <a:srgbClr val="000000">
-                    <a:alpha val="43137"/>
-                  </a:srgbClr>
-                </a:outerShdw>
-              </a:effectLst>
-              <a:latin typeface="Calibri" pitchFamily="34" charset="0"/>
-              <a:cs typeface="Calibri" pitchFamily="34" charset="0"/>
-            </a:endParaRPr>
-          </a:p>
-        </p:txBody>
-      </p:sp>
-      <p:graphicFrame>
-        <p:nvGraphicFramePr>
-          <p:cNvPr id="2" name="Объект 1"/>
-          <p:cNvGraphicFramePr>
-            <a:graphicFrameLocks noChangeAspect="1"/>
-          </p:cNvGraphicFramePr>
-          <p:nvPr>
-            <p:extLst>
-              <p:ext uri="{D42A27DB-BD31-4B8C-83A1-F6EECF244321}">
-                <p14:modId xmlns:p14="http://schemas.microsoft.com/office/powerpoint/2010/main" val="4162909663"/>
-              </p:ext>
-            </p:extLst>
-          </p:nvPr>
-        </p:nvGraphicFramePr>
-        <p:xfrm>
-          <a:off x="395593" y="2276873"/>
-          <a:ext cx="8352814" cy="4035554"/>
-        </p:xfrm>
-        <a:graphic>
-          <a:graphicData uri="http://schemas.openxmlformats.org/presentationml/2006/ole">
-            <mc:AlternateContent xmlns:mc="http://schemas.openxmlformats.org/markup-compatibility/2006">
-              <mc:Choice xmlns:v="urn:schemas-microsoft-com:vml" Requires="v">
-                <p:oleObj spid="_x0000_s4111" name="Visio" r:id="rId5" imgW="7954875" imgH="3843720" progId="Visio.Drawing.11">
-                  <p:embed/>
-                </p:oleObj>
-              </mc:Choice>
-              <mc:Fallback>
-                <p:oleObj name="Visio" r:id="rId5" imgW="7954875" imgH="3843720" progId="Visio.Drawing.11">
-                  <p:embed/>
-                  <p:pic>
-                    <p:nvPicPr>
-                      <p:cNvPr id="0" name=""/>
-                      <p:cNvPicPr/>
-                      <p:nvPr/>
-                    </p:nvPicPr>
-                    <p:blipFill>
-                      <a:blip r:embed="rId6"/>
-                      <a:stretch>
-                        <a:fillRect/>
-                      </a:stretch>
-                    </p:blipFill>
-                    <p:spPr>
-                      <a:xfrm>
-                        <a:off x="395593" y="2276873"/>
-                        <a:ext cx="8352814" cy="4035554"/>
-                      </a:xfrm>
-                      <a:prstGeom prst="rect">
-                        <a:avLst/>
-                      </a:prstGeom>
-                    </p:spPr>
-                  </p:pic>
-                </p:oleObj>
-              </mc:Fallback>
-            </mc:AlternateContent>
-          </a:graphicData>
-        </a:graphic>
-      </p:graphicFrame>
+              </a14:hiddenEffects>
+            </a:ext>
+          </a:extLst>
+        </p:spPr>
+      </p:pic>
+      <p:pic>
+        <p:nvPicPr>
+          <p:cNvPr id="10245" name="Picture 5"/>
+          <p:cNvPicPr>
+            <a:picLocks noChangeAspect="1" noChangeArrowheads="1"/>
+          </p:cNvPicPr>
+          <p:nvPr/>
+        </p:nvPicPr>
+        <p:blipFill>
+          <a:blip r:embed="rId5">
+            <a:extLst>
+              <a:ext uri="{28A0092B-C50C-407E-A947-70E740481C1C}">
+                <a14:useLocalDpi xmlns:a14="http://schemas.microsoft.com/office/drawing/2010/main" val="0"/>
+              </a:ext>
+            </a:extLst>
+          </a:blip>
+          <a:srcRect/>
+          <a:stretch>
+            <a:fillRect/>
+          </a:stretch>
+        </p:blipFill>
+        <p:spPr bwMode="auto">
+          <a:xfrm>
+            <a:off x="4211960" y="1628775"/>
+            <a:ext cx="4247366" cy="4608537"/>
+          </a:xfrm>
+          <a:prstGeom prst="rect">
+            <a:avLst/>
+          </a:prstGeom>
+          <a:noFill/>
+          <a:ln>
+            <a:noFill/>
+          </a:ln>
+          <a:effectLst/>
+          <a:extLst>
+            <a:ext uri="{909E8E84-426E-40DD-AFC4-6F175D3DCCD1}">
+              <a14:hiddenFill xmlns:a14="http://schemas.microsoft.com/office/drawing/2010/main">
+                <a:solidFill>
+                  <a:schemeClr val="accent1"/>
+                </a:solidFill>
+              </a14:hiddenFill>
+            </a:ext>
+            <a:ext uri="{91240B29-F687-4F45-9708-019B960494DF}">
+              <a14:hiddenLine xmlns:a14="http://schemas.microsoft.com/office/drawing/2010/main" w="9525">
+                <a:solidFill>
+                  <a:schemeClr val="tx1"/>
+                </a:solidFill>
+                <a:miter lim="800000"/>
+                <a:headEnd/>
+                <a:tailEnd/>
+              </a14:hiddenLine>
+            </a:ext>
+            <a:ext uri="{AF507438-7753-43E0-B8FC-AC1667EBCBE1}">
+              <a14:hiddenEffects xmlns:a14="http://schemas.microsoft.com/office/drawing/2010/main">
+                <a:effectLst>
+                  <a:outerShdw dist="35921" dir="2700000" algn="ctr" rotWithShape="0">
+                    <a:schemeClr val="bg2"/>
+                  </a:outerShdw>
+                </a:effectLst>
+              </a14:hiddenEffects>
+            </a:ext>
+          </a:extLst>
+        </p:spPr>
+      </p:pic>
     </p:spTree>
     <p:extLst>
       <p:ext uri="{BB962C8B-B14F-4D97-AF65-F5344CB8AC3E}">
-        <p14:creationId xmlns:p14="http://schemas.microsoft.com/office/powerpoint/2010/main" val="1588801949"/>
+        <p14:creationId xmlns:p14="http://schemas.microsoft.com/office/powerpoint/2010/main" val="1776562215"/>
       </p:ext>
     </p:extLst>
   </p:cSld>
@@ -7922,7 +7369,7 @@
     <p:bg>
       <p:bgPr>
         <a:blipFill dpi="0" rotWithShape="1">
-          <a:blip r:embed="rId3">
+          <a:blip r:embed="rId2">
             <a:alphaModFix amt="18000"/>
             <a:duotone>
               <a:prstClr val="black"/>
@@ -7935,7 +7382,7 @@
             <a:extLst>
               <a:ext uri="{BEBA8EAE-BF5A-486C-A8C5-ECC9F3942E4B}">
                 <a14:imgProps xmlns:a14="http://schemas.microsoft.com/office/drawing/2010/main">
-                  <a14:imgLayer r:embed="rId4">
+                  <a14:imgLayer r:embed="rId3">
                     <a14:imgEffect>
                       <a14:colorTemperature colorTemp="8250"/>
                     </a14:imgEffect>
@@ -7980,8 +7427,8 @@
         </p:nvSpPr>
         <p:spPr>
           <a:xfrm>
-            <a:off x="251520" y="190959"/>
-            <a:ext cx="8640960" cy="830997"/>
+            <a:off x="323528" y="-36675"/>
+            <a:ext cx="8280920" cy="1569660"/>
           </a:xfrm>
           <a:prstGeom prst="rect">
             <a:avLst/>
@@ -7997,162 +7444,97 @@
             <a:r>
               <a:rPr lang="ru-RU" sz="4800" dirty="0" smtClean="0">
                 <a:solidFill>
-                  <a:schemeClr val="tx2">
-                    <a:lumMod val="25000"/>
-                  </a:schemeClr>
-                </a:solidFill>
-                <a:effectLst>
-                  <a:outerShdw blurRad="38100" dist="38100" dir="2700000" algn="tl">
-                    <a:srgbClr val="000000">
-                      <a:alpha val="43137"/>
-                    </a:srgbClr>
-                  </a:outerShdw>
-                </a:effectLst>
-                <a:latin typeface="Calibri" pitchFamily="34" charset="0"/>
-                <a:cs typeface="Calibri" pitchFamily="34" charset="0"/>
-              </a:rPr>
-              <a:t>Архитектура веб-приложения</a:t>
+                  <a:schemeClr val="bg1"/>
+                </a:solidFill>
+              </a:rPr>
+              <a:t>Проектирование модулей.</a:t>
+            </a:r>
+          </a:p>
+          <a:p>
+            <a:r>
+              <a:rPr lang="ru-RU" sz="4800" dirty="0" smtClean="0">
+                <a:solidFill>
+                  <a:schemeClr val="bg1"/>
+                </a:solidFill>
+              </a:rPr>
+              <a:t>Список категорий</a:t>
             </a:r>
             <a:endParaRPr lang="ru-RU" sz="4800" dirty="0">
               <a:solidFill>
-                <a:schemeClr val="tx2">
-                  <a:lumMod val="25000"/>
-                </a:schemeClr>
+                <a:schemeClr val="bg1"/>
               </a:solidFill>
-              <a:effectLst>
-                <a:outerShdw blurRad="38100" dist="38100" dir="2700000" algn="tl">
-                  <a:srgbClr val="000000">
-                    <a:alpha val="43137"/>
-                  </a:srgbClr>
-                </a:outerShdw>
-              </a:effectLst>
-              <a:latin typeface="Calibri" pitchFamily="34" charset="0"/>
-              <a:cs typeface="Calibri" pitchFamily="34" charset="0"/>
             </a:endParaRPr>
           </a:p>
         </p:txBody>
       </p:sp>
-      <p:sp>
-        <p:nvSpPr>
-          <p:cNvPr id="5" name="TextBox 4"/>
-          <p:cNvSpPr txBox="1"/>
+      <p:pic>
+        <p:nvPicPr>
+          <p:cNvPr id="11266" name="Picture 2"/>
+          <p:cNvPicPr>
+            <a:picLocks noChangeAspect="1" noChangeArrowheads="1"/>
+          </p:cNvPicPr>
           <p:nvPr/>
-        </p:nvSpPr>
-        <p:spPr>
+        </p:nvPicPr>
+        <p:blipFill>
+          <a:blip r:embed="rId4">
+            <a:extLst>
+              <a:ext uri="{28A0092B-C50C-407E-A947-70E740481C1C}">
+                <a14:useLocalDpi xmlns:a14="http://schemas.microsoft.com/office/drawing/2010/main" val="0"/>
+              </a:ext>
+            </a:extLst>
+          </a:blip>
+          <a:srcRect/>
+          <a:stretch>
+            <a:fillRect/>
+          </a:stretch>
+        </p:blipFill>
+        <p:spPr bwMode="auto">
           <a:xfrm>
-            <a:off x="251520" y="1268760"/>
-            <a:ext cx="5692221" cy="646331"/>
+            <a:off x="657225" y="2147888"/>
+            <a:ext cx="7829550" cy="2562225"/>
           </a:xfrm>
           <a:prstGeom prst="rect">
             <a:avLst/>
           </a:prstGeom>
           <a:noFill/>
-        </p:spPr>
-        <p:txBody>
-          <a:bodyPr wrap="square" rtlCol="0" anchor="ctr">
-            <a:spAutoFit/>
-          </a:bodyPr>
-          <a:lstStyle/>
-          <a:p>
-            <a:r>
-              <a:rPr lang="ru-RU" sz="3600" dirty="0" smtClean="0">
-                <a:solidFill>
-                  <a:schemeClr val="tx2">
-                    <a:lumMod val="25000"/>
-                  </a:schemeClr>
-                </a:solidFill>
+          <a:ln>
+            <a:noFill/>
+          </a:ln>
+          <a:effectLst/>
+          <a:extLst>
+            <a:ext uri="{909E8E84-426E-40DD-AFC4-6F175D3DCCD1}">
+              <a14:hiddenFill xmlns:a14="http://schemas.microsoft.com/office/drawing/2010/main">
+                <a:solidFill>
+                  <a:schemeClr val="accent1"/>
+                </a:solidFill>
+              </a14:hiddenFill>
+            </a:ext>
+            <a:ext uri="{91240B29-F687-4F45-9708-019B960494DF}">
+              <a14:hiddenLine xmlns:a14="http://schemas.microsoft.com/office/drawing/2010/main" w="9525">
+                <a:solidFill>
+                  <a:schemeClr val="tx1"/>
+                </a:solidFill>
+                <a:miter lim="800000"/>
+                <a:headEnd/>
+                <a:tailEnd/>
+              </a14:hiddenLine>
+            </a:ext>
+            <a:ext uri="{AF507438-7753-43E0-B8FC-AC1667EBCBE1}">
+              <a14:hiddenEffects xmlns:a14="http://schemas.microsoft.com/office/drawing/2010/main">
                 <a:effectLst>
-                  <a:outerShdw blurRad="38100" dist="38100" dir="2700000" algn="tl">
-                    <a:srgbClr val="000000">
-                      <a:alpha val="43137"/>
-                    </a:srgbClr>
+                  <a:outerShdw dist="35921" dir="2700000" algn="ctr" rotWithShape="0">
+                    <a:schemeClr val="bg2"/>
                   </a:outerShdw>
                 </a:effectLst>
-                <a:latin typeface="Calibri" pitchFamily="34" charset="0"/>
-                <a:cs typeface="Calibri" pitchFamily="34" charset="0"/>
-              </a:rPr>
-              <a:t>Модульная схема</a:t>
-            </a:r>
-            <a:endParaRPr lang="ru-RU" sz="3600" dirty="0">
-              <a:solidFill>
-                <a:schemeClr val="tx2">
-                  <a:lumMod val="25000"/>
-                </a:schemeClr>
-              </a:solidFill>
-              <a:effectLst>
-                <a:outerShdw blurRad="38100" dist="38100" dir="2700000" algn="tl">
-                  <a:srgbClr val="000000">
-                    <a:alpha val="43137"/>
-                  </a:srgbClr>
-                </a:outerShdw>
-              </a:effectLst>
-              <a:latin typeface="Calibri" pitchFamily="34" charset="0"/>
-              <a:cs typeface="Calibri" pitchFamily="34" charset="0"/>
-            </a:endParaRPr>
-          </a:p>
-        </p:txBody>
-      </p:sp>
-      <p:graphicFrame>
-        <p:nvGraphicFramePr>
-          <p:cNvPr id="3" name="Объект 2"/>
-          <p:cNvGraphicFramePr>
-            <a:graphicFrameLocks noChangeAspect="1"/>
-          </p:cNvGraphicFramePr>
-          <p:nvPr>
-            <p:extLst>
-              <p:ext uri="{D42A27DB-BD31-4B8C-83A1-F6EECF244321}">
-                <p14:modId xmlns:p14="http://schemas.microsoft.com/office/powerpoint/2010/main" val="1893791108"/>
-              </p:ext>
-            </p:extLst>
-          </p:nvPr>
-        </p:nvGraphicFramePr>
-        <p:xfrm>
-          <a:off x="234156" y="2060848"/>
-          <a:ext cx="8675688" cy="4025900"/>
-        </p:xfrm>
-        <a:graphic>
-          <a:graphicData uri="http://schemas.openxmlformats.org/presentationml/2006/ole">
-            <mc:AlternateContent xmlns:mc="http://schemas.openxmlformats.org/markup-compatibility/2006">
-              <mc:Choice xmlns:v="urn:schemas-microsoft-com:vml" Requires="v">
-                <p:oleObj spid="_x0000_s5135" name="Visio" r:id="rId5" imgW="8675049" imgH="4026240" progId="Visio.Drawing.11">
-                  <p:embed/>
-                </p:oleObj>
-              </mc:Choice>
-              <mc:Fallback>
-                <p:oleObj name="Visio" r:id="rId5" imgW="8675049" imgH="4026240" progId="Visio.Drawing.11">
-                  <p:embed/>
-                  <p:pic>
-                    <p:nvPicPr>
-                      <p:cNvPr id="0" name=""/>
-                      <p:cNvPicPr/>
-                      <p:nvPr/>
-                    </p:nvPicPr>
-                    <p:blipFill>
-                      <a:blip r:embed="rId6"/>
-                      <a:stretch>
-                        <a:fillRect/>
-                      </a:stretch>
-                    </p:blipFill>
-                    <p:spPr>
-                      <a:xfrm>
-                        <a:off x="234156" y="2060848"/>
-                        <a:ext cx="8675688" cy="4025900"/>
-                      </a:xfrm>
-                      <a:prstGeom prst="rect">
-                        <a:avLst/>
-                      </a:prstGeom>
-                    </p:spPr>
-                  </p:pic>
-                </p:oleObj>
-              </mc:Fallback>
-            </mc:AlternateContent>
-          </a:graphicData>
-        </a:graphic>
-      </p:graphicFrame>
+              </a14:hiddenEffects>
+            </a:ext>
+          </a:extLst>
+        </p:spPr>
+      </p:pic>
     </p:spTree>
     <p:extLst>
       <p:ext uri="{BB962C8B-B14F-4D97-AF65-F5344CB8AC3E}">
-        <p14:creationId xmlns:p14="http://schemas.microsoft.com/office/powerpoint/2010/main" val="154633680"/>
+        <p14:creationId xmlns:p14="http://schemas.microsoft.com/office/powerpoint/2010/main" val="3896567051"/>
       </p:ext>
     </p:extLst>
   </p:cSld>
@@ -8233,8 +7615,8 @@
         </p:nvSpPr>
         <p:spPr>
           <a:xfrm>
-            <a:off x="251520" y="190959"/>
-            <a:ext cx="8640960" cy="830997"/>
+            <a:off x="323528" y="-36675"/>
+            <a:ext cx="8280920" cy="1569660"/>
           </a:xfrm>
           <a:prstGeom prst="rect">
             <a:avLst/>
@@ -8250,110 +7632,38 @@
             <a:r>
               <a:rPr lang="ru-RU" sz="4800" dirty="0" smtClean="0">
                 <a:solidFill>
-                  <a:schemeClr val="tx2">
-                    <a:lumMod val="25000"/>
-                  </a:schemeClr>
-                </a:solidFill>
-                <a:effectLst>
-                  <a:outerShdw blurRad="38100" dist="38100" dir="2700000" algn="tl">
-                    <a:srgbClr val="000000">
-                      <a:alpha val="43137"/>
-                    </a:srgbClr>
-                  </a:outerShdw>
-                </a:effectLst>
-                <a:latin typeface="Calibri" pitchFamily="34" charset="0"/>
-                <a:cs typeface="Calibri" pitchFamily="34" charset="0"/>
-              </a:rPr>
-              <a:t>Модули веб-приложения</a:t>
+                  <a:schemeClr val="bg1"/>
+                </a:solidFill>
+              </a:rPr>
+              <a:t>Проектирование модулей.</a:t>
+            </a:r>
+          </a:p>
+          <a:p>
+            <a:r>
+              <a:rPr lang="ru-RU" sz="4800" dirty="0" smtClean="0">
+                <a:solidFill>
+                  <a:schemeClr val="bg1"/>
+                </a:solidFill>
+              </a:rPr>
+              <a:t>Список тем</a:t>
             </a:r>
             <a:endParaRPr lang="ru-RU" sz="4800" dirty="0">
               <a:solidFill>
-                <a:schemeClr val="tx2">
-                  <a:lumMod val="25000"/>
-                </a:schemeClr>
+                <a:schemeClr val="bg1"/>
               </a:solidFill>
-              <a:effectLst>
-                <a:outerShdw blurRad="38100" dist="38100" dir="2700000" algn="tl">
-                  <a:srgbClr val="000000">
-                    <a:alpha val="43137"/>
-                  </a:srgbClr>
-                </a:outerShdw>
-              </a:effectLst>
-              <a:latin typeface="Calibri" pitchFamily="34" charset="0"/>
-              <a:cs typeface="Calibri" pitchFamily="34" charset="0"/>
-            </a:endParaRPr>
-          </a:p>
-        </p:txBody>
-      </p:sp>
-      <p:sp>
-        <p:nvSpPr>
-          <p:cNvPr id="5" name="TextBox 4"/>
-          <p:cNvSpPr txBox="1"/>
-          <p:nvPr/>
-        </p:nvSpPr>
-        <p:spPr>
-          <a:xfrm>
-            <a:off x="251520" y="1196752"/>
-            <a:ext cx="7920880" cy="646331"/>
-          </a:xfrm>
-          <a:prstGeom prst="rect">
-            <a:avLst/>
-          </a:prstGeom>
-          <a:noFill/>
-        </p:spPr>
-        <p:txBody>
-          <a:bodyPr wrap="square" rtlCol="0" anchor="ctr">
-            <a:spAutoFit/>
-          </a:bodyPr>
-          <a:lstStyle/>
-          <a:p>
-            <a:r>
-              <a:rPr lang="ru-RU" sz="3600" dirty="0" smtClean="0">
-                <a:solidFill>
-                  <a:schemeClr val="tx2">
-                    <a:lumMod val="25000"/>
-                  </a:schemeClr>
-                </a:solidFill>
-                <a:effectLst>
-                  <a:outerShdw blurRad="38100" dist="38100" dir="2700000" algn="tl">
-                    <a:srgbClr val="000000">
-                      <a:alpha val="43137"/>
-                    </a:srgbClr>
-                  </a:outerShdw>
-                </a:effectLst>
-                <a:latin typeface="Calibri" pitchFamily="34" charset="0"/>
-                <a:cs typeface="Calibri" pitchFamily="34" charset="0"/>
-              </a:rPr>
-              <a:t>Модуль навигации «Хлебные крошки»</a:t>
-            </a:r>
-            <a:endParaRPr lang="ru-RU" sz="3600" dirty="0">
-              <a:solidFill>
-                <a:schemeClr val="tx2">
-                  <a:lumMod val="25000"/>
-                </a:schemeClr>
-              </a:solidFill>
-              <a:effectLst>
-                <a:outerShdw blurRad="38100" dist="38100" dir="2700000" algn="tl">
-                  <a:srgbClr val="000000">
-                    <a:alpha val="43137"/>
-                  </a:srgbClr>
-                </a:outerShdw>
-              </a:effectLst>
-              <a:latin typeface="Calibri" pitchFamily="34" charset="0"/>
-              <a:cs typeface="Calibri" pitchFamily="34" charset="0"/>
             </a:endParaRPr>
           </a:p>
         </p:txBody>
       </p:sp>
       <p:pic>
         <p:nvPicPr>
-          <p:cNvPr id="6146" name="Picture 2"/>
+          <p:cNvPr id="15362" name="Picture 2"/>
           <p:cNvPicPr>
             <a:picLocks noChangeAspect="1" noChangeArrowheads="1"/>
           </p:cNvPicPr>
           <p:nvPr/>
         </p:nvPicPr>
-        <p:blipFill rotWithShape="1">
+        <p:blipFill>
           <a:blip r:embed="rId4">
             <a:extLst>
               <a:ext uri="{28A0092B-C50C-407E-A947-70E740481C1C}">
@@ -8361,13 +7671,15 @@
               </a:ext>
             </a:extLst>
           </a:blip>
-          <a:srcRect r="4148" b="24385"/>
-          <a:stretch/>
+          <a:srcRect/>
+          <a:stretch>
+            <a:fillRect/>
+          </a:stretch>
         </p:blipFill>
         <p:spPr bwMode="auto">
           <a:xfrm>
-            <a:off x="219785" y="2335764"/>
-            <a:ext cx="4464496" cy="432144"/>
+            <a:off x="390661" y="1772816"/>
+            <a:ext cx="8172450" cy="4200525"/>
           </a:xfrm>
           <a:prstGeom prst="rect">
             <a:avLst/>
@@ -8407,16 +7719,92 @@
           </a:extLst>
         </p:spPr>
       </p:pic>
-      <p:sp>
-        <p:nvSpPr>
-          <p:cNvPr id="7" name="TextBox 6"/>
+    </p:spTree>
+    <p:extLst>
+      <p:ext uri="{BB962C8B-B14F-4D97-AF65-F5344CB8AC3E}">
+        <p14:creationId xmlns:p14="http://schemas.microsoft.com/office/powerpoint/2010/main" val="3523971740"/>
+      </p:ext>
+    </p:extLst>
+  </p:cSld>
+  <p:clrMapOvr>
+    <a:masterClrMapping/>
+  </p:clrMapOvr>
+  <p:timing>
+    <p:tnLst>
+      <p:par>
+        <p:cTn id="1" dur="indefinite" restart="never" nodeType="tmRoot"/>
+      </p:par>
+    </p:tnLst>
+  </p:timing>
+</p:sld>
+</file>
+
+<file path=ppt/slides/slide24.xml><?xml version="1.0" encoding="utf-8"?>
+<p:sld xmlns:a="http://schemas.openxmlformats.org/drawingml/2006/main" xmlns:r="http://schemas.openxmlformats.org/officeDocument/2006/relationships" xmlns:p="http://schemas.openxmlformats.org/presentationml/2006/main">
+  <p:cSld>
+    <p:bg>
+      <p:bgPr>
+        <a:blipFill dpi="0" rotWithShape="1">
+          <a:blip r:embed="rId2">
+            <a:alphaModFix amt="18000"/>
+            <a:duotone>
+              <a:prstClr val="black"/>
+              <a:schemeClr val="accent2">
+                <a:tint val="45000"/>
+                <a:satMod val="400000"/>
+              </a:schemeClr>
+            </a:duotone>
+            <a:lum/>
+            <a:extLst>
+              <a:ext uri="{BEBA8EAE-BF5A-486C-A8C5-ECC9F3942E4B}">
+                <a14:imgProps xmlns:a14="http://schemas.microsoft.com/office/drawing/2010/main">
+                  <a14:imgLayer r:embed="rId3">
+                    <a14:imgEffect>
+                      <a14:colorTemperature colorTemp="8250"/>
+                    </a14:imgEffect>
+                    <a14:imgEffect>
+                      <a14:saturation sat="115000"/>
+                    </a14:imgEffect>
+                    <a14:imgEffect>
+                      <a14:brightnessContrast bright="100000" contrast="1000"/>
+                    </a14:imgEffect>
+                  </a14:imgLayer>
+                </a14:imgProps>
+              </a:ext>
+            </a:extLst>
+          </a:blip>
+          <a:srcRect/>
+          <a:stretch>
+            <a:fillRect/>
+          </a:stretch>
+        </a:blipFill>
+        <a:effectLst/>
+      </p:bgPr>
+    </p:bg>
+    <p:spTree>
+      <p:nvGrpSpPr>
+        <p:cNvPr id="1" name=""/>
+        <p:cNvGrpSpPr/>
+        <p:nvPr/>
+      </p:nvGrpSpPr>
+      <p:grpSpPr>
+        <a:xfrm>
+          <a:off x="0" y="0"/>
+          <a:ext cx="0" cy="0"/>
+          <a:chOff x="0" y="0"/>
+          <a:chExt cx="0" cy="0"/>
+        </a:xfrm>
+      </p:grpSpPr>
+      <p:sp>
+        <p:nvSpPr>
+          <p:cNvPr id="4" name="TextBox 3"/>
           <p:cNvSpPr txBox="1"/>
           <p:nvPr/>
         </p:nvSpPr>
         <p:spPr>
           <a:xfrm>
-            <a:off x="4669678" y="1951672"/>
-            <a:ext cx="4222802" cy="1200329"/>
+            <a:off x="323528" y="-36675"/>
+            <a:ext cx="8280920" cy="1569660"/>
           </a:xfrm>
           <a:prstGeom prst="rect">
             <a:avLst/>
@@ -8429,153 +7817,42 @@
           </a:bodyPr>
           <a:lstStyle/>
           <a:p>
-            <a:pPr algn="r"/>
-            <a:r>
-              <a:rPr lang="en-US" sz="3600" dirty="0" err="1" smtClean="0">
-                <a:solidFill>
-                  <a:schemeClr val="tx2">
-                    <a:lumMod val="25000"/>
-                  </a:schemeClr>
-                </a:solidFill>
-                <a:effectLst>
-                  <a:outerShdw blurRad="38100" dist="38100" dir="2700000" algn="tl">
-                    <a:srgbClr val="000000">
-                      <a:alpha val="43137"/>
-                    </a:srgbClr>
-                  </a:outerShdw>
-                </a:effectLst>
-                <a:latin typeface="Consolas" pitchFamily="49" charset="0"/>
-                <a:cs typeface="Consolas" pitchFamily="49" charset="0"/>
-              </a:rPr>
-              <a:t>bread_crumbs.php</a:t>
-            </a:r>
-            <a:endParaRPr lang="en-US" sz="3600" dirty="0" smtClean="0">
+            <a:r>
+              <a:rPr lang="ru-RU" sz="4800" dirty="0" smtClean="0">
+                <a:solidFill>
+                  <a:schemeClr val="bg1"/>
+                </a:solidFill>
+              </a:rPr>
+              <a:t>Проектирование модулей.</a:t>
+            </a:r>
+          </a:p>
+          <a:p>
+            <a:r>
+              <a:rPr lang="ru-RU" sz="4800" dirty="0" smtClean="0">
+                <a:solidFill>
+                  <a:schemeClr val="bg1"/>
+                </a:solidFill>
+              </a:rPr>
+              <a:t>Создание темы</a:t>
+            </a:r>
+            <a:endParaRPr lang="ru-RU" sz="4800" dirty="0">
               <a:solidFill>
-                <a:schemeClr val="tx2">
-                  <a:lumMod val="25000"/>
-                </a:schemeClr>
+                <a:schemeClr val="bg1"/>
               </a:solidFill>
-              <a:effectLst>
-                <a:outerShdw blurRad="38100" dist="38100" dir="2700000" algn="tl">
-                  <a:srgbClr val="000000">
-                    <a:alpha val="43137"/>
-                  </a:srgbClr>
-                </a:outerShdw>
-              </a:effectLst>
-              <a:latin typeface="Consolas" pitchFamily="49" charset="0"/>
-              <a:cs typeface="Consolas" pitchFamily="49" charset="0"/>
-            </a:endParaRPr>
-          </a:p>
-          <a:p>
-            <a:pPr algn="r"/>
-            <a:r>
-              <a:rPr lang="en-US" sz="3600" dirty="0" err="1" smtClean="0">
-                <a:solidFill>
-                  <a:schemeClr val="tx2">
-                    <a:lumMod val="25000"/>
-                  </a:schemeClr>
-                </a:solidFill>
-                <a:effectLst>
-                  <a:outerShdw blurRad="38100" dist="38100" dir="2700000" algn="tl">
-                    <a:srgbClr val="000000">
-                      <a:alpha val="43137"/>
-                    </a:srgbClr>
-                  </a:outerShdw>
-                </a:effectLst>
-                <a:latin typeface="Consolas" pitchFamily="49" charset="0"/>
-                <a:cs typeface="Consolas" pitchFamily="49" charset="0"/>
-              </a:rPr>
-              <a:t>nav-item.tpl</a:t>
-            </a:r>
-            <a:endParaRPr lang="ru-RU" sz="3600" dirty="0">
-              <a:solidFill>
-                <a:schemeClr val="tx2">
-                  <a:lumMod val="25000"/>
-                </a:schemeClr>
-              </a:solidFill>
-              <a:effectLst>
-                <a:outerShdw blurRad="38100" dist="38100" dir="2700000" algn="tl">
-                  <a:srgbClr val="000000">
-                    <a:alpha val="43137"/>
-                  </a:srgbClr>
-                </a:outerShdw>
-              </a:effectLst>
-              <a:latin typeface="Consolas" pitchFamily="49" charset="0"/>
-              <a:cs typeface="Consolas" pitchFamily="49" charset="0"/>
-            </a:endParaRPr>
-          </a:p>
-        </p:txBody>
-      </p:sp>
-      <p:sp>
-        <p:nvSpPr>
-          <p:cNvPr id="8" name="TextBox 7"/>
-          <p:cNvSpPr txBox="1"/>
-          <p:nvPr/>
-        </p:nvSpPr>
-        <p:spPr>
-          <a:xfrm>
-            <a:off x="251520" y="3429000"/>
-            <a:ext cx="7920880" cy="646331"/>
-          </a:xfrm>
-          <a:prstGeom prst="rect">
-            <a:avLst/>
-          </a:prstGeom>
-          <a:noFill/>
-        </p:spPr>
-        <p:txBody>
-          <a:bodyPr wrap="square" rtlCol="0" anchor="ctr">
-            <a:spAutoFit/>
-          </a:bodyPr>
-          <a:lstStyle/>
-          <a:p>
-            <a:r>
-              <a:rPr lang="ru-RU" sz="3600" dirty="0" smtClean="0">
-                <a:solidFill>
-                  <a:schemeClr val="tx2">
-                    <a:lumMod val="25000"/>
-                  </a:schemeClr>
-                </a:solidFill>
-                <a:effectLst>
-                  <a:outerShdw blurRad="38100" dist="38100" dir="2700000" algn="tl">
-                    <a:srgbClr val="000000">
-                      <a:alpha val="43137"/>
-                    </a:srgbClr>
-                  </a:outerShdw>
-                </a:effectLst>
-                <a:latin typeface="Calibri" pitchFamily="34" charset="0"/>
-                <a:cs typeface="Calibri" pitchFamily="34" charset="0"/>
-              </a:rPr>
-              <a:t>Модуль авторизации</a:t>
-            </a:r>
-            <a:endParaRPr lang="ru-RU" sz="3600" dirty="0">
-              <a:solidFill>
-                <a:schemeClr val="tx2">
-                  <a:lumMod val="25000"/>
-                </a:schemeClr>
-              </a:solidFill>
-              <a:effectLst>
-                <a:outerShdw blurRad="38100" dist="38100" dir="2700000" algn="tl">
-                  <a:srgbClr val="000000">
-                    <a:alpha val="43137"/>
-                  </a:srgbClr>
-                </a:outerShdw>
-              </a:effectLst>
-              <a:latin typeface="Calibri" pitchFamily="34" charset="0"/>
-              <a:cs typeface="Calibri" pitchFamily="34" charset="0"/>
             </a:endParaRPr>
           </a:p>
         </p:txBody>
       </p:sp>
       <p:pic>
         <p:nvPicPr>
-          <p:cNvPr id="6147" name="Picture 3"/>
+          <p:cNvPr id="16386" name="Picture 2"/>
           <p:cNvPicPr>
             <a:picLocks noChangeAspect="1" noChangeArrowheads="1"/>
           </p:cNvPicPr>
           <p:nvPr/>
         </p:nvPicPr>
         <p:blipFill>
-          <a:blip r:embed="rId5">
+          <a:blip r:embed="rId4">
             <a:extLst>
               <a:ext uri="{28A0092B-C50C-407E-A947-70E740481C1C}">
                 <a14:useLocalDpi xmlns:a14="http://schemas.microsoft.com/office/drawing/2010/main" val="0"/>
@@ -8589,8 +7866,8 @@
         </p:blipFill>
         <p:spPr bwMode="auto">
           <a:xfrm>
-            <a:off x="219327" y="4620655"/>
-            <a:ext cx="3200400" cy="533400"/>
+            <a:off x="600075" y="1771650"/>
+            <a:ext cx="7943850" cy="3314700"/>
           </a:xfrm>
           <a:prstGeom prst="rect">
             <a:avLst/>
@@ -8630,16 +7907,140 @@
           </a:extLst>
         </p:spPr>
       </p:pic>
+    </p:spTree>
+    <p:extLst>
+      <p:ext uri="{BB962C8B-B14F-4D97-AF65-F5344CB8AC3E}">
+        <p14:creationId xmlns:p14="http://schemas.microsoft.com/office/powerpoint/2010/main" val="679413784"/>
+      </p:ext>
+    </p:extLst>
+  </p:cSld>
+  <p:clrMapOvr>
+    <a:masterClrMapping/>
+  </p:clrMapOvr>
+  <p:timing>
+    <p:tnLst>
+      <p:par>
+        <p:cTn id="1" dur="indefinite" restart="never" nodeType="tmRoot"/>
+      </p:par>
+    </p:tnLst>
+  </p:timing>
+</p:sld>
+</file>
+
+<file path=ppt/slides/slide25.xml><?xml version="1.0" encoding="utf-8"?>
+<p:sld xmlns:a="http://schemas.openxmlformats.org/drawingml/2006/main" xmlns:r="http://schemas.openxmlformats.org/officeDocument/2006/relationships" xmlns:p="http://schemas.openxmlformats.org/presentationml/2006/main">
+  <p:cSld>
+    <p:bg>
+      <p:bgPr>
+        <a:blipFill dpi="0" rotWithShape="1">
+          <a:blip r:embed="rId2">
+            <a:alphaModFix amt="18000"/>
+            <a:duotone>
+              <a:prstClr val="black"/>
+              <a:schemeClr val="accent2">
+                <a:tint val="45000"/>
+                <a:satMod val="400000"/>
+              </a:schemeClr>
+            </a:duotone>
+            <a:lum/>
+            <a:extLst>
+              <a:ext uri="{BEBA8EAE-BF5A-486C-A8C5-ECC9F3942E4B}">
+                <a14:imgProps xmlns:a14="http://schemas.microsoft.com/office/drawing/2010/main">
+                  <a14:imgLayer r:embed="rId3">
+                    <a14:imgEffect>
+                      <a14:colorTemperature colorTemp="8250"/>
+                    </a14:imgEffect>
+                    <a14:imgEffect>
+                      <a14:saturation sat="115000"/>
+                    </a14:imgEffect>
+                    <a14:imgEffect>
+                      <a14:brightnessContrast bright="100000" contrast="1000"/>
+                    </a14:imgEffect>
+                  </a14:imgLayer>
+                </a14:imgProps>
+              </a:ext>
+            </a:extLst>
+          </a:blip>
+          <a:srcRect/>
+          <a:stretch>
+            <a:fillRect/>
+          </a:stretch>
+        </a:blipFill>
+        <a:effectLst/>
+      </p:bgPr>
+    </p:bg>
+    <p:spTree>
+      <p:nvGrpSpPr>
+        <p:cNvPr id="1" name=""/>
+        <p:cNvGrpSpPr/>
+        <p:nvPr/>
+      </p:nvGrpSpPr>
+      <p:grpSpPr>
+        <a:xfrm>
+          <a:off x="0" y="0"/>
+          <a:ext cx="0" cy="0"/>
+          <a:chOff x="0" y="0"/>
+          <a:chExt cx="0" cy="0"/>
+        </a:xfrm>
+      </p:grpSpPr>
+      <p:sp>
+        <p:nvSpPr>
+          <p:cNvPr id="4" name="TextBox 3"/>
+          <p:cNvSpPr txBox="1"/>
+          <p:nvPr/>
+        </p:nvSpPr>
+        <p:spPr>
+          <a:xfrm>
+            <a:off x="323528" y="-36675"/>
+            <a:ext cx="8280920" cy="1569660"/>
+          </a:xfrm>
+          <a:prstGeom prst="rect">
+            <a:avLst/>
+          </a:prstGeom>
+          <a:noFill/>
+        </p:spPr>
+        <p:txBody>
+          <a:bodyPr wrap="square" rtlCol="0" anchor="ctr">
+            <a:spAutoFit/>
+          </a:bodyPr>
+          <a:lstStyle/>
+          <a:p>
+            <a:r>
+              <a:rPr lang="ru-RU" sz="4800" dirty="0" smtClean="0">
+                <a:solidFill>
+                  <a:schemeClr val="bg1"/>
+                </a:solidFill>
+              </a:rPr>
+              <a:t>Проектирование модулей.</a:t>
+            </a:r>
+          </a:p>
+          <a:p>
+            <a:r>
+              <a:rPr lang="ru-RU" sz="4800" dirty="0" smtClean="0">
+                <a:solidFill>
+                  <a:schemeClr val="bg1"/>
+                </a:solidFill>
+              </a:rPr>
+              <a:t>Список сообщений</a:t>
+            </a:r>
+            <a:endParaRPr lang="ru-RU" sz="4800" dirty="0">
+              <a:solidFill>
+                <a:schemeClr val="bg1"/>
+              </a:solidFill>
+            </a:endParaRPr>
+          </a:p>
+        </p:txBody>
+      </p:sp>
       <p:pic>
         <p:nvPicPr>
-          <p:cNvPr id="6148" name="Picture 4"/>
+          <p:cNvPr id="17411" name="Picture 3"/>
           <p:cNvPicPr>
             <a:picLocks noChangeAspect="1" noChangeArrowheads="1"/>
           </p:cNvPicPr>
           <p:nvPr/>
         </p:nvPicPr>
         <p:blipFill>
-          <a:blip r:embed="rId6">
+          <a:blip r:embed="rId4">
             <a:extLst>
               <a:ext uri="{28A0092B-C50C-407E-A947-70E740481C1C}">
                 <a14:useLocalDpi xmlns:a14="http://schemas.microsoft.com/office/drawing/2010/main" val="0"/>
@@ -8653,8 +8054,8 @@
         </p:blipFill>
         <p:spPr bwMode="auto">
           <a:xfrm>
-            <a:off x="205071" y="5373216"/>
-            <a:ext cx="4666830" cy="352726"/>
+            <a:off x="511113" y="1844824"/>
+            <a:ext cx="8191500" cy="4533900"/>
           </a:xfrm>
           <a:prstGeom prst="rect">
             <a:avLst/>
@@ -8694,147 +8095,10 @@
           </a:extLst>
         </p:spPr>
       </p:pic>
-      <p:sp>
-        <p:nvSpPr>
-          <p:cNvPr id="11" name="TextBox 10"/>
-          <p:cNvSpPr txBox="1"/>
-          <p:nvPr/>
-        </p:nvSpPr>
-        <p:spPr>
-          <a:xfrm>
-            <a:off x="4871900" y="4276892"/>
-            <a:ext cx="4020579" cy="1754326"/>
-          </a:xfrm>
-          <a:prstGeom prst="rect">
-            <a:avLst/>
-          </a:prstGeom>
-          <a:noFill/>
-        </p:spPr>
-        <p:txBody>
-          <a:bodyPr wrap="square" rtlCol="0" anchor="ctr">
-            <a:spAutoFit/>
-          </a:bodyPr>
-          <a:lstStyle/>
-          <a:p>
-            <a:pPr algn="r"/>
-            <a:r>
-              <a:rPr lang="ru-RU" sz="3600" dirty="0" err="1" smtClean="0">
-                <a:solidFill>
-                  <a:schemeClr val="tx2">
-                    <a:lumMod val="25000"/>
-                  </a:schemeClr>
-                </a:solidFill>
-                <a:effectLst>
-                  <a:outerShdw blurRad="38100" dist="38100" dir="2700000" algn="tl">
-                    <a:srgbClr val="000000">
-                      <a:alpha val="43137"/>
-                    </a:srgbClr>
-                  </a:outerShdw>
-                </a:effectLst>
-                <a:latin typeface="Consolas" pitchFamily="49" charset="0"/>
-                <a:cs typeface="Consolas" pitchFamily="49" charset="0"/>
-              </a:rPr>
-              <a:t>log_reg.php</a:t>
-            </a:r>
-            <a:endParaRPr lang="ru-RU" sz="3600" dirty="0">
-              <a:solidFill>
-                <a:schemeClr val="tx2">
-                  <a:lumMod val="25000"/>
-                </a:schemeClr>
-              </a:solidFill>
-              <a:effectLst>
-                <a:outerShdw blurRad="38100" dist="38100" dir="2700000" algn="tl">
-                  <a:srgbClr val="000000">
-                    <a:alpha val="43137"/>
-                  </a:srgbClr>
-                </a:outerShdw>
-              </a:effectLst>
-              <a:latin typeface="Consolas" pitchFamily="49" charset="0"/>
-              <a:cs typeface="Consolas" pitchFamily="49" charset="0"/>
-            </a:endParaRPr>
-          </a:p>
-          <a:p>
-            <a:pPr algn="r"/>
-            <a:r>
-              <a:rPr lang="ru-RU" sz="3600" dirty="0" err="1">
-                <a:solidFill>
-                  <a:schemeClr val="tx2">
-                    <a:lumMod val="25000"/>
-                  </a:schemeClr>
-                </a:solidFill>
-                <a:effectLst>
-                  <a:outerShdw blurRad="38100" dist="38100" dir="2700000" algn="tl">
-                    <a:srgbClr val="000000">
-                      <a:alpha val="43137"/>
-                    </a:srgbClr>
-                  </a:outerShdw>
-                </a:effectLst>
-                <a:latin typeface="Consolas" pitchFamily="49" charset="0"/>
-                <a:cs typeface="Consolas" pitchFamily="49" charset="0"/>
-              </a:rPr>
-              <a:t>login-hello.tpl</a:t>
-            </a:r>
-            <a:endParaRPr lang="ru-RU" sz="3600" dirty="0">
-              <a:solidFill>
-                <a:schemeClr val="tx2">
-                  <a:lumMod val="25000"/>
-                </a:schemeClr>
-              </a:solidFill>
-              <a:effectLst>
-                <a:outerShdw blurRad="38100" dist="38100" dir="2700000" algn="tl">
-                  <a:srgbClr val="000000">
-                    <a:alpha val="43137"/>
-                  </a:srgbClr>
-                </a:outerShdw>
-              </a:effectLst>
-              <a:latin typeface="Consolas" pitchFamily="49" charset="0"/>
-              <a:cs typeface="Consolas" pitchFamily="49" charset="0"/>
-            </a:endParaRPr>
-          </a:p>
-          <a:p>
-            <a:pPr algn="r"/>
-            <a:r>
-              <a:rPr lang="ru-RU" sz="3600" dirty="0" err="1" smtClean="0">
-                <a:solidFill>
-                  <a:schemeClr val="tx2">
-                    <a:lumMod val="25000"/>
-                  </a:schemeClr>
-                </a:solidFill>
-                <a:effectLst>
-                  <a:outerShdw blurRad="38100" dist="38100" dir="2700000" algn="tl">
-                    <a:srgbClr val="000000">
-                      <a:alpha val="43137"/>
-                    </a:srgbClr>
-                  </a:outerShdw>
-                </a:effectLst>
-                <a:latin typeface="Consolas" pitchFamily="49" charset="0"/>
-                <a:cs typeface="Consolas" pitchFamily="49" charset="0"/>
-              </a:rPr>
-              <a:t>login-form.tpl</a:t>
-            </a:r>
-            <a:endParaRPr lang="ru-RU" sz="3600" dirty="0" smtClean="0">
-              <a:solidFill>
-                <a:schemeClr val="tx2">
-                  <a:lumMod val="25000"/>
-                </a:schemeClr>
-              </a:solidFill>
-              <a:effectLst>
-                <a:outerShdw blurRad="38100" dist="38100" dir="2700000" algn="tl">
-                  <a:srgbClr val="000000">
-                    <a:alpha val="43137"/>
-                  </a:srgbClr>
-                </a:outerShdw>
-              </a:effectLst>
-              <a:latin typeface="Consolas" pitchFamily="49" charset="0"/>
-              <a:cs typeface="Consolas" pitchFamily="49" charset="0"/>
-            </a:endParaRPr>
-          </a:p>
-        </p:txBody>
-      </p:sp>
     </p:spTree>
     <p:extLst>
       <p:ext uri="{BB962C8B-B14F-4D97-AF65-F5344CB8AC3E}">
-        <p14:creationId xmlns:p14="http://schemas.microsoft.com/office/powerpoint/2010/main" val="91509198"/>
+        <p14:creationId xmlns:p14="http://schemas.microsoft.com/office/powerpoint/2010/main" val="1489732951"/>
       </p:ext>
     </p:extLst>
   </p:cSld>
@@ -8844,324 +8108,202 @@
   <p:timing>
     <p:tnLst>
       <p:par>
-        <p:cTn id="1" dur="indefinite" restart="never" nodeType="tmRoot">
-          <p:childTnLst>
-            <p:seq concurrent="1" nextAc="seek">
-              <p:cTn id="2" dur="indefinite" nodeType="mainSeq">
-                <p:childTnLst>
-                  <p:par>
-                    <p:cTn id="3" fill="hold">
-                      <p:stCondLst>
-                        <p:cond delay="indefinite"/>
-                      </p:stCondLst>
-                      <p:childTnLst>
-                        <p:par>
-                          <p:cTn id="4" fill="hold">
-                            <p:stCondLst>
-                              <p:cond delay="0"/>
-                            </p:stCondLst>
-                            <p:childTnLst>
-                              <p:par>
-                                <p:cTn id="5" presetID="10" presetClass="entr" presetSubtype="0" fill="hold" grpId="0" nodeType="clickEffect">
-                                  <p:stCondLst>
-                                    <p:cond delay="0"/>
-                                  </p:stCondLst>
-                                  <p:childTnLst>
-                                    <p:set>
-                                      <p:cBhvr>
-                                        <p:cTn id="6" dur="1" fill="hold">
-                                          <p:stCondLst>
-                                            <p:cond delay="0"/>
-                                          </p:stCondLst>
-                                        </p:cTn>
-                                        <p:tgtEl>
-                                          <p:spTgt spid="5"/>
-                                        </p:tgtEl>
-                                        <p:attrNameLst>
-                                          <p:attrName>style.visibility</p:attrName>
-                                        </p:attrNameLst>
-                                      </p:cBhvr>
-                                      <p:to>
-                                        <p:strVal val="visible"/>
-                                      </p:to>
-                                    </p:set>
-                                    <p:animEffect transition="in" filter="fade">
-                                      <p:cBhvr>
-                                        <p:cTn id="7" dur="500"/>
-                                        <p:tgtEl>
-                                          <p:spTgt spid="5"/>
-                                        </p:tgtEl>
-                                      </p:cBhvr>
-                                    </p:animEffect>
-                                  </p:childTnLst>
-                                </p:cTn>
-                              </p:par>
-                              <p:par>
-                                <p:cTn id="8" presetID="10" presetClass="entr" presetSubtype="0" fill="hold" nodeType="withEffect">
-                                  <p:stCondLst>
-                                    <p:cond delay="0"/>
-                                  </p:stCondLst>
-                                  <p:childTnLst>
-                                    <p:set>
-                                      <p:cBhvr>
-                                        <p:cTn id="9" dur="1" fill="hold">
-                                          <p:stCondLst>
-                                            <p:cond delay="0"/>
-                                          </p:stCondLst>
-                                        </p:cTn>
-                                        <p:tgtEl>
-                                          <p:spTgt spid="6146"/>
-                                        </p:tgtEl>
-                                        <p:attrNameLst>
-                                          <p:attrName>style.visibility</p:attrName>
-                                        </p:attrNameLst>
-                                      </p:cBhvr>
-                                      <p:to>
-                                        <p:strVal val="visible"/>
-                                      </p:to>
-                                    </p:set>
-                                    <p:animEffect transition="in" filter="fade">
-                                      <p:cBhvr>
-                                        <p:cTn id="10" dur="500"/>
-                                        <p:tgtEl>
-                                          <p:spTgt spid="6146"/>
-                                        </p:tgtEl>
-                                      </p:cBhvr>
-                                    </p:animEffect>
-                                  </p:childTnLst>
-                                </p:cTn>
-                              </p:par>
-                              <p:par>
-                                <p:cTn id="11" presetID="10" presetClass="entr" presetSubtype="0" fill="hold" grpId="0" nodeType="withEffect">
-                                  <p:stCondLst>
-                                    <p:cond delay="0"/>
-                                  </p:stCondLst>
-                                  <p:childTnLst>
-                                    <p:set>
-                                      <p:cBhvr>
-                                        <p:cTn id="12" dur="1" fill="hold">
-                                          <p:stCondLst>
-                                            <p:cond delay="0"/>
-                                          </p:stCondLst>
-                                        </p:cTn>
-                                        <p:tgtEl>
-                                          <p:spTgt spid="7"/>
-                                        </p:tgtEl>
-                                        <p:attrNameLst>
-                                          <p:attrName>style.visibility</p:attrName>
-                                        </p:attrNameLst>
-                                      </p:cBhvr>
-                                      <p:to>
-                                        <p:strVal val="visible"/>
-                                      </p:to>
-                                    </p:set>
-                                    <p:animEffect transition="in" filter="fade">
-                                      <p:cBhvr>
-                                        <p:cTn id="13" dur="500"/>
-                                        <p:tgtEl>
-                                          <p:spTgt spid="7"/>
-                                        </p:tgtEl>
-                                      </p:cBhvr>
-                                    </p:animEffect>
-                                  </p:childTnLst>
-                                </p:cTn>
-                              </p:par>
-                            </p:childTnLst>
-                          </p:cTn>
-                        </p:par>
-                      </p:childTnLst>
-                    </p:cTn>
-                  </p:par>
-                  <p:par>
-                    <p:cTn id="14" fill="hold">
-                      <p:stCondLst>
-                        <p:cond delay="indefinite"/>
-                      </p:stCondLst>
-                      <p:childTnLst>
-                        <p:par>
-                          <p:cTn id="15" fill="hold">
-                            <p:stCondLst>
-                              <p:cond delay="0"/>
-                            </p:stCondLst>
-                            <p:childTnLst>
-                              <p:par>
-                                <p:cTn id="16" presetID="10" presetClass="entr" presetSubtype="0" fill="hold" grpId="0" nodeType="clickEffect">
-                                  <p:stCondLst>
-                                    <p:cond delay="0"/>
-                                  </p:stCondLst>
-                                  <p:childTnLst>
-                                    <p:set>
-                                      <p:cBhvr>
-                                        <p:cTn id="17" dur="1" fill="hold">
-                                          <p:stCondLst>
-                                            <p:cond delay="0"/>
-                                          </p:stCondLst>
-                                        </p:cTn>
-                                        <p:tgtEl>
-                                          <p:spTgt spid="8"/>
-                                        </p:tgtEl>
-                                        <p:attrNameLst>
-                                          <p:attrName>style.visibility</p:attrName>
-                                        </p:attrNameLst>
-                                      </p:cBhvr>
-                                      <p:to>
-                                        <p:strVal val="visible"/>
-                                      </p:to>
-                                    </p:set>
-                                    <p:animEffect transition="in" filter="fade">
-                                      <p:cBhvr>
-                                        <p:cTn id="18" dur="500"/>
-                                        <p:tgtEl>
-                                          <p:spTgt spid="8"/>
-                                        </p:tgtEl>
-                                      </p:cBhvr>
-                                    </p:animEffect>
-                                  </p:childTnLst>
-                                </p:cTn>
-                              </p:par>
-                              <p:par>
-                                <p:cTn id="19" presetID="10" presetClass="entr" presetSubtype="0" fill="hold" nodeType="withEffect">
-                                  <p:stCondLst>
-                                    <p:cond delay="0"/>
-                                  </p:stCondLst>
-                                  <p:childTnLst>
-                                    <p:set>
-                                      <p:cBhvr>
-                                        <p:cTn id="20" dur="1" fill="hold">
-                                          <p:stCondLst>
-                                            <p:cond delay="0"/>
-                                          </p:stCondLst>
-                                        </p:cTn>
-                                        <p:tgtEl>
-                                          <p:spTgt spid="6147"/>
-                                        </p:tgtEl>
-                                        <p:attrNameLst>
-                                          <p:attrName>style.visibility</p:attrName>
-                                        </p:attrNameLst>
-                                      </p:cBhvr>
-                                      <p:to>
-                                        <p:strVal val="visible"/>
-                                      </p:to>
-                                    </p:set>
-                                    <p:animEffect transition="in" filter="fade">
-                                      <p:cBhvr>
-                                        <p:cTn id="21" dur="500"/>
-                                        <p:tgtEl>
-                                          <p:spTgt spid="6147"/>
-                                        </p:tgtEl>
-                                      </p:cBhvr>
-                                    </p:animEffect>
-                                  </p:childTnLst>
-                                </p:cTn>
-                              </p:par>
-                              <p:par>
-                                <p:cTn id="22" presetID="10" presetClass="entr" presetSubtype="0" fill="hold" nodeType="withEffect">
-                                  <p:stCondLst>
-                                    <p:cond delay="0"/>
-                                  </p:stCondLst>
-                                  <p:childTnLst>
-                                    <p:set>
-                                      <p:cBhvr>
-                                        <p:cTn id="23" dur="1" fill="hold">
-                                          <p:stCondLst>
-                                            <p:cond delay="0"/>
-                                          </p:stCondLst>
-                                        </p:cTn>
-                                        <p:tgtEl>
-                                          <p:spTgt spid="6148"/>
-                                        </p:tgtEl>
-                                        <p:attrNameLst>
-                                          <p:attrName>style.visibility</p:attrName>
-                                        </p:attrNameLst>
-                                      </p:cBhvr>
-                                      <p:to>
-                                        <p:strVal val="visible"/>
-                                      </p:to>
-                                    </p:set>
-                                    <p:animEffect transition="in" filter="fade">
-                                      <p:cBhvr>
-                                        <p:cTn id="24" dur="500"/>
-                                        <p:tgtEl>
-                                          <p:spTgt spid="6148"/>
-                                        </p:tgtEl>
-                                      </p:cBhvr>
-                                    </p:animEffect>
-                                  </p:childTnLst>
-                                </p:cTn>
-                              </p:par>
-                              <p:par>
-                                <p:cTn id="25" presetID="10" presetClass="entr" presetSubtype="0" fill="hold" grpId="0" nodeType="withEffect">
-                                  <p:stCondLst>
-                                    <p:cond delay="0"/>
-                                  </p:stCondLst>
-                                  <p:childTnLst>
-                                    <p:set>
-                                      <p:cBhvr>
-                                        <p:cTn id="26" dur="1" fill="hold">
-                                          <p:stCondLst>
-                                            <p:cond delay="0"/>
-                                          </p:stCondLst>
-                                        </p:cTn>
-                                        <p:tgtEl>
-                                          <p:spTgt spid="11"/>
-                                        </p:tgtEl>
-                                        <p:attrNameLst>
-                                          <p:attrName>style.visibility</p:attrName>
-                                        </p:attrNameLst>
-                                      </p:cBhvr>
-                                      <p:to>
-                                        <p:strVal val="visible"/>
-                                      </p:to>
-                                    </p:set>
-                                    <p:animEffect transition="in" filter="fade">
-                                      <p:cBhvr>
-                                        <p:cTn id="27" dur="500"/>
-                                        <p:tgtEl>
-                                          <p:spTgt spid="11"/>
-                                        </p:tgtEl>
-                                      </p:cBhvr>
-                                    </p:animEffect>
-                                  </p:childTnLst>
-                                </p:cTn>
-                              </p:par>
-                            </p:childTnLst>
-                          </p:cTn>
-                        </p:par>
-                      </p:childTnLst>
-                    </p:cTn>
-                  </p:par>
-                </p:childTnLst>
-              </p:cTn>
-              <p:prevCondLst>
-                <p:cond evt="onPrev" delay="0">
-                  <p:tgtEl>
-                    <p:sldTgt/>
-                  </p:tgtEl>
-                </p:cond>
-              </p:prevCondLst>
-              <p:nextCondLst>
-                <p:cond evt="onNext" delay="0">
-                  <p:tgtEl>
-                    <p:sldTgt/>
-                  </p:tgtEl>
-                </p:cond>
-              </p:nextCondLst>
-            </p:seq>
-          </p:childTnLst>
-        </p:cTn>
+        <p:cTn id="1" dur="indefinite" restart="never" nodeType="tmRoot"/>
       </p:par>
     </p:tnLst>
-    <p:bldLst>
-      <p:bldP spid="5" grpId="0"/>
-      <p:bldP spid="7" grpId="0"/>
-      <p:bldP spid="8" grpId="0"/>
-      <p:bldP spid="11" grpId="0"/>
-    </p:bldLst>
   </p:timing>
 </p:sld>
 </file>
 
-<file path=ppt/slides/slide24.xml><?xml version="1.0" encoding="utf-8"?>
+<file path=ppt/slides/slide26.xml><?xml version="1.0" encoding="utf-8"?>
+<p:sld xmlns:a="http://schemas.openxmlformats.org/drawingml/2006/main" xmlns:r="http://schemas.openxmlformats.org/officeDocument/2006/relationships" xmlns:p="http://schemas.openxmlformats.org/presentationml/2006/main">
+  <p:cSld>
+    <p:bg>
+      <p:bgPr>
+        <a:blipFill dpi="0" rotWithShape="1">
+          <a:blip r:embed="rId2">
+            <a:alphaModFix amt="18000"/>
+            <a:duotone>
+              <a:prstClr val="black"/>
+              <a:schemeClr val="accent2">
+                <a:tint val="45000"/>
+                <a:satMod val="400000"/>
+              </a:schemeClr>
+            </a:duotone>
+            <a:lum/>
+            <a:extLst>
+              <a:ext uri="{BEBA8EAE-BF5A-486C-A8C5-ECC9F3942E4B}">
+                <a14:imgProps xmlns:a14="http://schemas.microsoft.com/office/drawing/2010/main">
+                  <a14:imgLayer r:embed="rId3">
+                    <a14:imgEffect>
+                      <a14:colorTemperature colorTemp="8250"/>
+                    </a14:imgEffect>
+                    <a14:imgEffect>
+                      <a14:saturation sat="115000"/>
+                    </a14:imgEffect>
+                    <a14:imgEffect>
+                      <a14:brightnessContrast bright="100000" contrast="1000"/>
+                    </a14:imgEffect>
+                  </a14:imgLayer>
+                </a14:imgProps>
+              </a:ext>
+            </a:extLst>
+          </a:blip>
+          <a:srcRect/>
+          <a:stretch>
+            <a:fillRect/>
+          </a:stretch>
+        </a:blipFill>
+        <a:effectLst/>
+      </p:bgPr>
+    </p:bg>
+    <p:spTree>
+      <p:nvGrpSpPr>
+        <p:cNvPr id="1" name=""/>
+        <p:cNvGrpSpPr/>
+        <p:nvPr/>
+      </p:nvGrpSpPr>
+      <p:grpSpPr>
+        <a:xfrm>
+          <a:off x="0" y="0"/>
+          <a:ext cx="0" cy="0"/>
+          <a:chOff x="0" y="0"/>
+          <a:chExt cx="0" cy="0"/>
+        </a:xfrm>
+      </p:grpSpPr>
+      <p:sp>
+        <p:nvSpPr>
+          <p:cNvPr id="4" name="TextBox 3"/>
+          <p:cNvSpPr txBox="1"/>
+          <p:nvPr/>
+        </p:nvSpPr>
+        <p:spPr>
+          <a:xfrm>
+            <a:off x="323528" y="-36675"/>
+            <a:ext cx="8280920" cy="1569660"/>
+          </a:xfrm>
+          <a:prstGeom prst="rect">
+            <a:avLst/>
+          </a:prstGeom>
+          <a:noFill/>
+        </p:spPr>
+        <p:txBody>
+          <a:bodyPr wrap="square" rtlCol="0" anchor="ctr">
+            <a:spAutoFit/>
+          </a:bodyPr>
+          <a:lstStyle/>
+          <a:p>
+            <a:r>
+              <a:rPr lang="ru-RU" sz="4800" dirty="0" smtClean="0">
+                <a:solidFill>
+                  <a:schemeClr val="bg1"/>
+                </a:solidFill>
+              </a:rPr>
+              <a:t>Проектирование модулей.</a:t>
+            </a:r>
+          </a:p>
+          <a:p>
+            <a:r>
+              <a:rPr lang="ru-RU" sz="4800" dirty="0" smtClean="0">
+                <a:solidFill>
+                  <a:schemeClr val="bg1"/>
+                </a:solidFill>
+              </a:rPr>
+              <a:t>Написание сообщения</a:t>
+            </a:r>
+            <a:endParaRPr lang="ru-RU" sz="4800" dirty="0">
+              <a:solidFill>
+                <a:schemeClr val="bg1"/>
+              </a:solidFill>
+            </a:endParaRPr>
+          </a:p>
+        </p:txBody>
+      </p:sp>
+      <p:pic>
+        <p:nvPicPr>
+          <p:cNvPr id="18434" name="Picture 2"/>
+          <p:cNvPicPr>
+            <a:picLocks noChangeAspect="1" noChangeArrowheads="1"/>
+          </p:cNvPicPr>
+          <p:nvPr/>
+        </p:nvPicPr>
+        <p:blipFill>
+          <a:blip r:embed="rId4">
+            <a:extLst>
+              <a:ext uri="{28A0092B-C50C-407E-A947-70E740481C1C}">
+                <a14:useLocalDpi xmlns:a14="http://schemas.microsoft.com/office/drawing/2010/main" val="0"/>
+              </a:ext>
+            </a:extLst>
+          </a:blip>
+          <a:srcRect/>
+          <a:stretch>
+            <a:fillRect/>
+          </a:stretch>
+        </p:blipFill>
+        <p:spPr bwMode="auto">
+          <a:xfrm>
+            <a:off x="595313" y="1905000"/>
+            <a:ext cx="7953375" cy="3048000"/>
+          </a:xfrm>
+          <a:prstGeom prst="rect">
+            <a:avLst/>
+          </a:prstGeom>
+          <a:noFill/>
+          <a:ln>
+            <a:noFill/>
+          </a:ln>
+          <a:effectLst/>
+          <a:extLst>
+            <a:ext uri="{909E8E84-426E-40DD-AFC4-6F175D3DCCD1}">
+              <a14:hiddenFill xmlns:a14="http://schemas.microsoft.com/office/drawing/2010/main">
+                <a:solidFill>
+                  <a:schemeClr val="accent1"/>
+                </a:solidFill>
+              </a14:hiddenFill>
+            </a:ext>
+            <a:ext uri="{91240B29-F687-4F45-9708-019B960494DF}">
+              <a14:hiddenLine xmlns:a14="http://schemas.microsoft.com/office/drawing/2010/main" w="9525">
+                <a:solidFill>
+                  <a:schemeClr val="tx1"/>
+                </a:solidFill>
+                <a:miter lim="800000"/>
+                <a:headEnd/>
+                <a:tailEnd/>
+              </a14:hiddenLine>
+            </a:ext>
+            <a:ext uri="{AF507438-7753-43E0-B8FC-AC1667EBCBE1}">
+              <a14:hiddenEffects xmlns:a14="http://schemas.microsoft.com/office/drawing/2010/main">
+                <a:effectLst>
+                  <a:outerShdw dist="35921" dir="2700000" algn="ctr" rotWithShape="0">
+                    <a:schemeClr val="bg2"/>
+                  </a:outerShdw>
+                </a:effectLst>
+              </a14:hiddenEffects>
+            </a:ext>
+          </a:extLst>
+        </p:spPr>
+      </p:pic>
+    </p:spTree>
+    <p:extLst>
+      <p:ext uri="{BB962C8B-B14F-4D97-AF65-F5344CB8AC3E}">
+        <p14:creationId xmlns:p14="http://schemas.microsoft.com/office/powerpoint/2010/main" val="522519722"/>
+      </p:ext>
+    </p:extLst>
+  </p:cSld>
+  <p:clrMapOvr>
+    <a:masterClrMapping/>
+  </p:clrMapOvr>
+  <p:timing>
+    <p:tnLst>
+      <p:par>
+        <p:cTn id="1" dur="indefinite" restart="never" nodeType="tmRoot"/>
+      </p:par>
+    </p:tnLst>
+  </p:timing>
+</p:sld>
+</file>
+
+<file path=ppt/slides/slide27.xml><?xml version="1.0" encoding="utf-8"?>
 <p:sld xmlns:a="http://schemas.openxmlformats.org/drawingml/2006/main" xmlns:r="http://schemas.openxmlformats.org/officeDocument/2006/relationships" xmlns:p="http://schemas.openxmlformats.org/presentationml/2006/main">
   <p:cSld>
     <p:bg>
@@ -9225,8 +8367,8 @@
         </p:nvSpPr>
         <p:spPr>
           <a:xfrm>
-            <a:off x="251520" y="190959"/>
-            <a:ext cx="8640960" cy="830997"/>
+            <a:off x="323528" y="-36675"/>
+            <a:ext cx="8280920" cy="1569660"/>
           </a:xfrm>
           <a:prstGeom prst="rect">
             <a:avLst/>
@@ -9242,215 +8384,228 @@
             <a:r>
               <a:rPr lang="ru-RU" sz="4800" dirty="0" smtClean="0">
                 <a:solidFill>
-                  <a:schemeClr val="tx2">
-                    <a:lumMod val="25000"/>
-                  </a:schemeClr>
-                </a:solidFill>
-                <a:effectLst>
-                  <a:outerShdw blurRad="38100" dist="38100" dir="2700000" algn="tl">
-                    <a:srgbClr val="000000">
-                      <a:alpha val="43137"/>
-                    </a:srgbClr>
-                  </a:outerShdw>
-                </a:effectLst>
-                <a:latin typeface="Calibri" pitchFamily="34" charset="0"/>
-                <a:cs typeface="Calibri" pitchFamily="34" charset="0"/>
-              </a:rPr>
-              <a:t>Внешний вид веб-приложения</a:t>
+                  <a:schemeClr val="bg1"/>
+                </a:solidFill>
+              </a:rPr>
+              <a:t>Проектирование модулей.</a:t>
+            </a:r>
+          </a:p>
+          <a:p>
+            <a:r>
+              <a:rPr lang="ru-RU" sz="4800" dirty="0" smtClean="0">
+                <a:solidFill>
+                  <a:schemeClr val="bg1"/>
+                </a:solidFill>
+              </a:rPr>
+              <a:t>Механизм разделения прав</a:t>
             </a:r>
             <a:endParaRPr lang="ru-RU" sz="4800" dirty="0">
               <a:solidFill>
-                <a:schemeClr val="tx2">
-                  <a:lumMod val="25000"/>
-                </a:schemeClr>
+                <a:schemeClr val="bg1"/>
               </a:solidFill>
-              <a:effectLst>
-                <a:outerShdw blurRad="38100" dist="38100" dir="2700000" algn="tl">
-                  <a:srgbClr val="000000">
-                    <a:alpha val="43137"/>
-                  </a:srgbClr>
-                </a:outerShdw>
-              </a:effectLst>
-              <a:latin typeface="Calibri" pitchFamily="34" charset="0"/>
-              <a:cs typeface="Calibri" pitchFamily="34" charset="0"/>
             </a:endParaRPr>
           </a:p>
         </p:txBody>
       </p:sp>
       <p:sp>
         <p:nvSpPr>
-          <p:cNvPr id="5" name="TextBox 4"/>
-          <p:cNvSpPr txBox="1"/>
+          <p:cNvPr id="2" name="Rectangle 2"/>
+          <p:cNvSpPr>
+            <a:spLocks noChangeArrowheads="1"/>
+          </p:cNvSpPr>
           <p:nvPr/>
         </p:nvSpPr>
-        <p:spPr>
+        <p:spPr bwMode="auto">
           <a:xfrm>
-            <a:off x="251520" y="1145066"/>
-            <a:ext cx="8892480" cy="2062103"/>
+            <a:off x="0" y="0"/>
+            <a:ext cx="9144000" cy="0"/>
           </a:xfrm>
           <a:prstGeom prst="rect">
             <a:avLst/>
           </a:prstGeom>
           <a:noFill/>
+          <a:ln>
+            <a:noFill/>
+          </a:ln>
+          <a:effectLst/>
+          <a:extLst>
+            <a:ext uri="{909E8E84-426E-40DD-AFC4-6F175D3DCCD1}">
+              <a14:hiddenFill xmlns:a14="http://schemas.microsoft.com/office/drawing/2010/main">
+                <a:solidFill>
+                  <a:schemeClr val="accent1"/>
+                </a:solidFill>
+              </a14:hiddenFill>
+            </a:ext>
+            <a:ext uri="{91240B29-F687-4F45-9708-019B960494DF}">
+              <a14:hiddenLine xmlns:a14="http://schemas.microsoft.com/office/drawing/2010/main" w="9525">
+                <a:solidFill>
+                  <a:schemeClr val="tx1"/>
+                </a:solidFill>
+                <a:miter lim="800000"/>
+                <a:headEnd/>
+                <a:tailEnd/>
+              </a14:hiddenLine>
+            </a:ext>
+            <a:ext uri="{AF507438-7753-43E0-B8FC-AC1667EBCBE1}">
+              <a14:hiddenEffects xmlns:a14="http://schemas.microsoft.com/office/drawing/2010/main">
+                <a:effectLst>
+                  <a:outerShdw dist="35921" dir="2700000" algn="ctr" rotWithShape="0">
+                    <a:schemeClr val="bg2"/>
+                  </a:outerShdw>
+                </a:effectLst>
+              </a14:hiddenEffects>
+            </a:ext>
+          </a:extLst>
         </p:spPr>
         <p:txBody>
-          <a:bodyPr wrap="square" numCol="2" rtlCol="0" anchor="ctr">
+          <a:bodyPr vert="horz" wrap="none" lIns="91440" tIns="45720" rIns="91440" bIns="45720" numCol="1" anchor="ctr" anchorCtr="0" compatLnSpc="1">
+            <a:prstTxWarp prst="textNoShape">
+              <a:avLst/>
+            </a:prstTxWarp>
             <a:spAutoFit/>
           </a:bodyPr>
           <a:lstStyle/>
           <a:p>
-            <a:pPr marL="742950" indent="-742950">
-              <a:buAutoNum type="arabicPeriod"/>
-            </a:pPr>
-            <a:r>
-              <a:rPr lang="ru-RU" sz="3200" dirty="0" smtClean="0">
-                <a:solidFill>
-                  <a:schemeClr val="tx2">
-                    <a:lumMod val="25000"/>
-                  </a:schemeClr>
-                </a:solidFill>
+            <a:endParaRPr lang="ru-RU"/>
+          </a:p>
+        </p:txBody>
+      </p:sp>
+      <p:graphicFrame>
+        <p:nvGraphicFramePr>
+          <p:cNvPr id="3" name="Объект 2"/>
+          <p:cNvGraphicFramePr>
+            <a:graphicFrameLocks noChangeAspect="1"/>
+          </p:cNvGraphicFramePr>
+          <p:nvPr>
+            <p:extLst>
+              <p:ext uri="{D42A27DB-BD31-4B8C-83A1-F6EECF244321}">
+                <p14:modId xmlns:p14="http://schemas.microsoft.com/office/powerpoint/2010/main" val="782826583"/>
+              </p:ext>
+            </p:extLst>
+          </p:nvPr>
+        </p:nvGraphicFramePr>
+        <p:xfrm>
+          <a:off x="4860032" y="1844824"/>
+          <a:ext cx="3905250" cy="3933825"/>
+        </p:xfrm>
+        <a:graphic>
+          <a:graphicData uri="http://schemas.openxmlformats.org/presentationml/2006/ole">
+            <mc:AlternateContent xmlns:mc="http://schemas.openxmlformats.org/markup-compatibility/2006">
+              <mc:Choice xmlns:v="urn:schemas-microsoft-com:vml" Requires="v">
+                <p:oleObj spid="_x0000_s12297" name="Visio" r:id="rId5" imgW="6322461" imgH="6354180" progId="Visio.Drawing.11">
+                  <p:embed/>
+                </p:oleObj>
+              </mc:Choice>
+              <mc:Fallback>
+                <p:oleObj name="Visio" r:id="rId5" imgW="6322461" imgH="6354180" progId="Visio.Drawing.11">
+                  <p:embed/>
+                  <p:pic>
+                    <p:nvPicPr>
+                      <p:cNvPr id="0" name="Object 1"/>
+                      <p:cNvPicPr>
+                        <a:picLocks noChangeAspect="1" noChangeArrowheads="1"/>
+                      </p:cNvPicPr>
+                      <p:nvPr/>
+                    </p:nvPicPr>
+                    <p:blipFill>
+                      <a:blip r:embed="rId6">
+                        <a:extLst>
+                          <a:ext uri="{28A0092B-C50C-407E-A947-70E740481C1C}">
+                            <a14:useLocalDpi xmlns:a14="http://schemas.microsoft.com/office/drawing/2010/main" val="0"/>
+                          </a:ext>
+                        </a:extLst>
+                      </a:blip>
+                      <a:srcRect/>
+                      <a:stretch>
+                        <a:fillRect/>
+                      </a:stretch>
+                    </p:blipFill>
+                    <p:spPr bwMode="auto">
+                      <a:xfrm>
+                        <a:off x="4860032" y="1844824"/>
+                        <a:ext cx="3905250" cy="3933825"/>
+                      </a:xfrm>
+                      <a:prstGeom prst="rect">
+                        <a:avLst/>
+                      </a:prstGeom>
+                      <a:noFill/>
+                      <a:extLst>
+                        <a:ext uri="{909E8E84-426E-40DD-AFC4-6F175D3DCCD1}">
+                          <a14:hiddenFill xmlns:a14="http://schemas.microsoft.com/office/drawing/2010/main">
+                            <a:solidFill>
+                              <a:srgbClr val="FFFFFF"/>
+                            </a:solidFill>
+                          </a14:hiddenFill>
+                        </a:ext>
+                      </a:extLst>
+                    </p:spPr>
+                  </p:pic>
+                </p:oleObj>
+              </mc:Fallback>
+            </mc:AlternateContent>
+          </a:graphicData>
+        </a:graphic>
+      </p:graphicFrame>
+      <p:sp>
+        <p:nvSpPr>
+          <p:cNvPr id="5" name="Rectangle 4"/>
+          <p:cNvSpPr>
+            <a:spLocks noChangeArrowheads="1"/>
+          </p:cNvSpPr>
+          <p:nvPr/>
+        </p:nvSpPr>
+        <p:spPr bwMode="auto">
+          <a:xfrm>
+            <a:off x="0" y="0"/>
+            <a:ext cx="9144000" cy="0"/>
+          </a:xfrm>
+          <a:prstGeom prst="rect">
+            <a:avLst/>
+          </a:prstGeom>
+          <a:noFill/>
+          <a:ln>
+            <a:noFill/>
+          </a:ln>
+          <a:effectLst/>
+          <a:extLst>
+            <a:ext uri="{909E8E84-426E-40DD-AFC4-6F175D3DCCD1}">
+              <a14:hiddenFill xmlns:a14="http://schemas.microsoft.com/office/drawing/2010/main">
+                <a:solidFill>
+                  <a:schemeClr val="accent1"/>
+                </a:solidFill>
+              </a14:hiddenFill>
+            </a:ext>
+            <a:ext uri="{91240B29-F687-4F45-9708-019B960494DF}">
+              <a14:hiddenLine xmlns:a14="http://schemas.microsoft.com/office/drawing/2010/main" w="9525">
+                <a:solidFill>
+                  <a:schemeClr val="tx1"/>
+                </a:solidFill>
+                <a:miter lim="800000"/>
+                <a:headEnd/>
+                <a:tailEnd/>
+              </a14:hiddenLine>
+            </a:ext>
+            <a:ext uri="{AF507438-7753-43E0-B8FC-AC1667EBCBE1}">
+              <a14:hiddenEffects xmlns:a14="http://schemas.microsoft.com/office/drawing/2010/main">
                 <a:effectLst>
-                  <a:outerShdw blurRad="38100" dist="38100" dir="2700000" algn="tl">
-                    <a:srgbClr val="000000">
-                      <a:alpha val="43137"/>
-                    </a:srgbClr>
+                  <a:outerShdw dist="35921" dir="2700000" algn="ctr" rotWithShape="0">
+                    <a:schemeClr val="bg2"/>
                   </a:outerShdw>
                 </a:effectLst>
-                <a:latin typeface="Calibri" pitchFamily="34" charset="0"/>
-                <a:cs typeface="Calibri" pitchFamily="34" charset="0"/>
-              </a:rPr>
-              <a:t>Шаблонизатор</a:t>
-            </a:r>
-          </a:p>
-          <a:p>
-            <a:pPr marL="742950" indent="-742950">
-              <a:buAutoNum type="arabicPeriod"/>
-            </a:pPr>
-            <a:r>
-              <a:rPr lang="ru-RU" sz="3200" dirty="0" smtClean="0">
-                <a:solidFill>
-                  <a:schemeClr val="tx2">
-                    <a:lumMod val="25000"/>
-                  </a:schemeClr>
-                </a:solidFill>
-                <a:effectLst>
-                  <a:outerShdw blurRad="38100" dist="38100" dir="2700000" algn="tl">
-                    <a:srgbClr val="000000">
-                      <a:alpha val="43137"/>
-                    </a:srgbClr>
-                  </a:outerShdw>
-                </a:effectLst>
-                <a:latin typeface="Calibri" pitchFamily="34" charset="0"/>
-                <a:cs typeface="Calibri" pitchFamily="34" charset="0"/>
-              </a:rPr>
-              <a:t>Шаблоны</a:t>
-            </a:r>
-          </a:p>
-          <a:p>
-            <a:pPr marL="742950" indent="-742950">
-              <a:buAutoNum type="arabicPeriod"/>
-            </a:pPr>
-            <a:endParaRPr lang="ru-RU" sz="3200" dirty="0">
-              <a:solidFill>
-                <a:schemeClr val="tx2">
-                  <a:lumMod val="25000"/>
-                </a:schemeClr>
-              </a:solidFill>
-              <a:effectLst>
-                <a:outerShdw blurRad="38100" dist="38100" dir="2700000" algn="tl">
-                  <a:srgbClr val="000000">
-                    <a:alpha val="43137"/>
-                  </a:srgbClr>
-                </a:outerShdw>
-              </a:effectLst>
-              <a:latin typeface="Calibri" pitchFamily="34" charset="0"/>
-              <a:cs typeface="Calibri" pitchFamily="34" charset="0"/>
-            </a:endParaRPr>
-          </a:p>
-          <a:p>
-            <a:pPr marL="742950" indent="-742950">
-              <a:buAutoNum type="arabicPeriod"/>
-            </a:pPr>
-            <a:endParaRPr lang="ru-RU" sz="3200" dirty="0" smtClean="0">
-              <a:solidFill>
-                <a:schemeClr val="tx2">
-                  <a:lumMod val="25000"/>
-                </a:schemeClr>
-              </a:solidFill>
-              <a:effectLst>
-                <a:outerShdw blurRad="38100" dist="38100" dir="2700000" algn="tl">
-                  <a:srgbClr val="000000">
-                    <a:alpha val="43137"/>
-                  </a:srgbClr>
-                </a:outerShdw>
-              </a:effectLst>
-              <a:latin typeface="Calibri" pitchFamily="34" charset="0"/>
-              <a:cs typeface="Calibri" pitchFamily="34" charset="0"/>
-            </a:endParaRPr>
-          </a:p>
-          <a:p>
-            <a:pPr marL="742950" indent="-742950">
-              <a:buAutoNum type="arabicPeriod"/>
-            </a:pPr>
-            <a:r>
-              <a:rPr lang="ru-RU" sz="3200" dirty="0" smtClean="0">
-                <a:solidFill>
-                  <a:schemeClr val="tx2">
-                    <a:lumMod val="25000"/>
-                  </a:schemeClr>
-                </a:solidFill>
-                <a:effectLst>
-                  <a:outerShdw blurRad="38100" dist="38100" dir="2700000" algn="tl">
-                    <a:srgbClr val="000000">
-                      <a:alpha val="43137"/>
-                    </a:srgbClr>
-                  </a:outerShdw>
-                </a:effectLst>
-                <a:latin typeface="Calibri" pitchFamily="34" charset="0"/>
-                <a:cs typeface="Calibri" pitchFamily="34" charset="0"/>
-              </a:rPr>
-              <a:t>Стили</a:t>
-            </a:r>
-          </a:p>
-          <a:p>
-            <a:pPr marL="742950" indent="-742950">
-              <a:buAutoNum type="arabicPeriod"/>
-            </a:pPr>
-            <a:r>
-              <a:rPr lang="ru-RU" sz="3200" dirty="0" smtClean="0">
-                <a:solidFill>
-                  <a:schemeClr val="tx2">
-                    <a:lumMod val="25000"/>
-                  </a:schemeClr>
-                </a:solidFill>
-                <a:effectLst>
-                  <a:outerShdw blurRad="38100" dist="38100" dir="2700000" algn="tl">
-                    <a:srgbClr val="000000">
-                      <a:alpha val="43137"/>
-                    </a:srgbClr>
-                  </a:outerShdw>
-                </a:effectLst>
-                <a:latin typeface="Calibri" pitchFamily="34" charset="0"/>
-                <a:cs typeface="Calibri" pitchFamily="34" charset="0"/>
-              </a:rPr>
-              <a:t>Клиентские скрипты</a:t>
-            </a:r>
-            <a:endParaRPr lang="ru-RU" sz="3200" dirty="0">
-              <a:solidFill>
-                <a:schemeClr val="tx2">
-                  <a:lumMod val="25000"/>
-                </a:schemeClr>
-              </a:solidFill>
-              <a:effectLst>
-                <a:outerShdw blurRad="38100" dist="38100" dir="2700000" algn="tl">
-                  <a:srgbClr val="000000">
-                    <a:alpha val="43137"/>
-                  </a:srgbClr>
-                </a:outerShdw>
-              </a:effectLst>
-              <a:latin typeface="Calibri" pitchFamily="34" charset="0"/>
-              <a:cs typeface="Calibri" pitchFamily="34" charset="0"/>
-            </a:endParaRPr>
+              </a14:hiddenEffects>
+            </a:ext>
+          </a:extLst>
+        </p:spPr>
+        <p:txBody>
+          <a:bodyPr vert="horz" wrap="none" lIns="91440" tIns="45720" rIns="91440" bIns="45720" numCol="1" anchor="ctr" anchorCtr="0" compatLnSpc="1">
+            <a:prstTxWarp prst="textNoShape">
+              <a:avLst/>
+            </a:prstTxWarp>
+            <a:spAutoFit/>
+          </a:bodyPr>
+          <a:lstStyle/>
+          <a:p>
+            <a:endParaRPr lang="ru-RU"/>
           </a:p>
         </p:txBody>
       </p:sp>
@@ -9463,46 +8618,59 @@
           <p:nvPr>
             <p:extLst>
               <p:ext uri="{D42A27DB-BD31-4B8C-83A1-F6EECF244321}">
-                <p14:modId xmlns:p14="http://schemas.microsoft.com/office/powerpoint/2010/main" val="3675112332"/>
+                <p14:modId xmlns:p14="http://schemas.microsoft.com/office/powerpoint/2010/main" val="4138767967"/>
               </p:ext>
             </p:extLst>
           </p:nvPr>
         </p:nvGraphicFramePr>
         <p:xfrm>
-          <a:off x="318294" y="2343869"/>
-          <a:ext cx="8507412" cy="4181475"/>
+          <a:off x="371475" y="1988840"/>
+          <a:ext cx="4200525" cy="3638550"/>
         </p:xfrm>
         <a:graphic>
           <a:graphicData uri="http://schemas.openxmlformats.org/presentationml/2006/ole">
             <mc:AlternateContent xmlns:mc="http://schemas.openxmlformats.org/markup-compatibility/2006">
               <mc:Choice xmlns:v="urn:schemas-microsoft-com:vml" Requires="v">
-                <p:oleObj spid="_x0000_s7179" name="Visio" r:id="rId5" imgW="8507567" imgH="4181220" progId="Visio.Drawing.11">
+                <p:oleObj spid="_x0000_s12298" name="Visio" r:id="rId7" imgW="5741676" imgH="4985280" progId="Visio.Drawing.11">
                   <p:embed/>
                 </p:oleObj>
               </mc:Choice>
               <mc:Fallback>
-                <p:oleObj name="Visio" r:id="rId5" imgW="8507567" imgH="4181220" progId="Visio.Drawing.11">
+                <p:oleObj name="Visio" r:id="rId7" imgW="5741676" imgH="4985280" progId="Visio.Drawing.11">
                   <p:embed/>
                   <p:pic>
                     <p:nvPicPr>
-                      <p:cNvPr id="0" name=""/>
-                      <p:cNvPicPr/>
+                      <p:cNvPr id="0" name="Object 3"/>
+                      <p:cNvPicPr>
+                        <a:picLocks noChangeAspect="1" noChangeArrowheads="1"/>
+                      </p:cNvPicPr>
                       <p:nvPr/>
                     </p:nvPicPr>
                     <p:blipFill>
-                      <a:blip r:embed="rId6"/>
+                      <a:blip r:embed="rId8"/>
+                      <a:srcRect/>
                       <a:stretch>
                         <a:fillRect/>
                       </a:stretch>
                     </p:blipFill>
-                    <p:spPr>
+                    <p:spPr bwMode="auto">
                       <a:xfrm>
-                        <a:off x="318294" y="2343869"/>
-                        <a:ext cx="8507412" cy="4181475"/>
+                        <a:off x="371475" y="1988840"/>
+                        <a:ext cx="4200525" cy="3638550"/>
                       </a:xfrm>
                       <a:prstGeom prst="rect">
                         <a:avLst/>
                       </a:prstGeom>
+                      <a:noFill/>
+                      <a:extLst>
+                        <a:ext uri="{909E8E84-426E-40DD-AFC4-6F175D3DCCD1}">
+                          <a14:hiddenFill xmlns:a14="http://schemas.microsoft.com/office/drawing/2010/main">
+                            <a:solidFill>
+                              <a:srgbClr val="FFFFFF"/>
+                            </a:solidFill>
+                          </a14:hiddenFill>
+                        </a:ext>
+                      </a:extLst>
                     </p:spPr>
                   </p:pic>
                 </p:oleObj>
@@ -9514,7 +8682,7 @@
     </p:spTree>
     <p:extLst>
       <p:ext uri="{BB962C8B-B14F-4D97-AF65-F5344CB8AC3E}">
-        <p14:creationId xmlns:p14="http://schemas.microsoft.com/office/powerpoint/2010/main" val="2767969894"/>
+        <p14:creationId xmlns:p14="http://schemas.microsoft.com/office/powerpoint/2010/main" val="589223620"/>
       </p:ext>
     </p:extLst>
   </p:cSld>
@@ -9524,141 +8692,395 @@
   <p:timing>
     <p:tnLst>
       <p:par>
-        <p:cTn id="1" dur="indefinite" restart="never" nodeType="tmRoot">
-          <p:childTnLst>
-            <p:seq concurrent="1" nextAc="seek">
-              <p:cTn id="2" dur="indefinite" nodeType="mainSeq">
-                <p:childTnLst>
-                  <p:par>
-                    <p:cTn id="3" fill="hold">
-                      <p:stCondLst>
-                        <p:cond delay="indefinite"/>
-                      </p:stCondLst>
-                      <p:childTnLst>
-                        <p:par>
-                          <p:cTn id="4" fill="hold">
-                            <p:stCondLst>
-                              <p:cond delay="0"/>
-                            </p:stCondLst>
-                            <p:childTnLst>
-                              <p:par>
-                                <p:cTn id="5" presetID="10" presetClass="entr" presetSubtype="0" fill="hold" grpId="0" nodeType="clickEffect">
-                                  <p:stCondLst>
-                                    <p:cond delay="0"/>
-                                  </p:stCondLst>
-                                  <p:childTnLst>
-                                    <p:set>
-                                      <p:cBhvr>
-                                        <p:cTn id="6" dur="1" fill="hold">
-                                          <p:stCondLst>
-                                            <p:cond delay="0"/>
-                                          </p:stCondLst>
-                                        </p:cTn>
-                                        <p:tgtEl>
-                                          <p:spTgt spid="5"/>
-                                        </p:tgtEl>
-                                        <p:attrNameLst>
-                                          <p:attrName>style.visibility</p:attrName>
-                                        </p:attrNameLst>
-                                      </p:cBhvr>
-                                      <p:to>
-                                        <p:strVal val="visible"/>
-                                      </p:to>
-                                    </p:set>
-                                    <p:animEffect transition="in" filter="fade">
-                                      <p:cBhvr>
-                                        <p:cTn id="7" dur="500"/>
-                                        <p:tgtEl>
-                                          <p:spTgt spid="5"/>
-                                        </p:tgtEl>
-                                      </p:cBhvr>
-                                    </p:animEffect>
-                                  </p:childTnLst>
-                                </p:cTn>
-                              </p:par>
-                            </p:childTnLst>
-                          </p:cTn>
-                        </p:par>
-                      </p:childTnLst>
-                    </p:cTn>
-                  </p:par>
-                  <p:par>
-                    <p:cTn id="8" fill="hold">
-                      <p:stCondLst>
-                        <p:cond delay="indefinite"/>
-                      </p:stCondLst>
-                      <p:childTnLst>
-                        <p:par>
-                          <p:cTn id="9" fill="hold">
-                            <p:stCondLst>
-                              <p:cond delay="0"/>
-                            </p:stCondLst>
-                            <p:childTnLst>
-                              <p:par>
-                                <p:cTn id="10" presetID="10" presetClass="entr" presetSubtype="0" fill="hold" nodeType="clickEffect">
-                                  <p:stCondLst>
-                                    <p:cond delay="0"/>
-                                  </p:stCondLst>
-                                  <p:childTnLst>
-                                    <p:set>
-                                      <p:cBhvr>
-                                        <p:cTn id="11" dur="1" fill="hold">
-                                          <p:stCondLst>
-                                            <p:cond delay="0"/>
-                                          </p:stCondLst>
-                                        </p:cTn>
-                                        <p:tgtEl>
-                                          <p:spTgt spid="6"/>
-                                        </p:tgtEl>
-                                        <p:attrNameLst>
-                                          <p:attrName>style.visibility</p:attrName>
-                                        </p:attrNameLst>
-                                      </p:cBhvr>
-                                      <p:to>
-                                        <p:strVal val="visible"/>
-                                      </p:to>
-                                    </p:set>
-                                    <p:animEffect transition="in" filter="fade">
-                                      <p:cBhvr>
-                                        <p:cTn id="12" dur="500"/>
-                                        <p:tgtEl>
-                                          <p:spTgt spid="6"/>
-                                        </p:tgtEl>
-                                      </p:cBhvr>
-                                    </p:animEffect>
-                                  </p:childTnLst>
-                                </p:cTn>
-                              </p:par>
-                            </p:childTnLst>
-                          </p:cTn>
-                        </p:par>
-                      </p:childTnLst>
-                    </p:cTn>
-                  </p:par>
-                </p:childTnLst>
-              </p:cTn>
-              <p:prevCondLst>
-                <p:cond evt="onPrev" delay="0">
-                  <p:tgtEl>
-                    <p:sldTgt/>
-                  </p:tgtEl>
-                </p:cond>
-              </p:prevCondLst>
-              <p:nextCondLst>
-                <p:cond evt="onNext" delay="0">
-                  <p:tgtEl>
-                    <p:sldTgt/>
-                  </p:tgtEl>
-                </p:cond>
-              </p:nextCondLst>
-            </p:seq>
-          </p:childTnLst>
-        </p:cTn>
+        <p:cTn id="1" dur="indefinite" restart="never" nodeType="tmRoot"/>
       </p:par>
     </p:tnLst>
-    <p:bldLst>
-      <p:bldP spid="5" grpId="0"/>
-    </p:bldLst>
+  </p:timing>
+</p:sld>
+</file>
+
+<file path=ppt/slides/slide28.xml><?xml version="1.0" encoding="utf-8"?>
+<p:sld xmlns:a="http://schemas.openxmlformats.org/drawingml/2006/main" xmlns:r="http://schemas.openxmlformats.org/officeDocument/2006/relationships" xmlns:p="http://schemas.openxmlformats.org/presentationml/2006/main">
+  <p:cSld>
+    <p:bg>
+      <p:bgPr>
+        <a:blipFill dpi="0" rotWithShape="1">
+          <a:blip r:embed="rId2">
+            <a:alphaModFix amt="18000"/>
+            <a:duotone>
+              <a:prstClr val="black"/>
+              <a:schemeClr val="accent2">
+                <a:tint val="45000"/>
+                <a:satMod val="400000"/>
+              </a:schemeClr>
+            </a:duotone>
+            <a:lum/>
+            <a:extLst>
+              <a:ext uri="{BEBA8EAE-BF5A-486C-A8C5-ECC9F3942E4B}">
+                <a14:imgProps xmlns:a14="http://schemas.microsoft.com/office/drawing/2010/main">
+                  <a14:imgLayer r:embed="rId3">
+                    <a14:imgEffect>
+                      <a14:colorTemperature colorTemp="8250"/>
+                    </a14:imgEffect>
+                    <a14:imgEffect>
+                      <a14:saturation sat="115000"/>
+                    </a14:imgEffect>
+                    <a14:imgEffect>
+                      <a14:brightnessContrast bright="100000" contrast="1000"/>
+                    </a14:imgEffect>
+                  </a14:imgLayer>
+                </a14:imgProps>
+              </a:ext>
+            </a:extLst>
+          </a:blip>
+          <a:srcRect/>
+          <a:stretch>
+            <a:fillRect/>
+          </a:stretch>
+        </a:blipFill>
+        <a:effectLst/>
+      </p:bgPr>
+    </p:bg>
+    <p:spTree>
+      <p:nvGrpSpPr>
+        <p:cNvPr id="1" name=""/>
+        <p:cNvGrpSpPr/>
+        <p:nvPr/>
+      </p:nvGrpSpPr>
+      <p:grpSpPr>
+        <a:xfrm>
+          <a:off x="0" y="0"/>
+          <a:ext cx="0" cy="0"/>
+          <a:chOff x="0" y="0"/>
+          <a:chExt cx="0" cy="0"/>
+        </a:xfrm>
+      </p:grpSpPr>
+      <p:sp>
+        <p:nvSpPr>
+          <p:cNvPr id="4" name="TextBox 3"/>
+          <p:cNvSpPr txBox="1"/>
+          <p:nvPr/>
+        </p:nvSpPr>
+        <p:spPr>
+          <a:xfrm>
+            <a:off x="323528" y="-36675"/>
+            <a:ext cx="8280920" cy="1569660"/>
+          </a:xfrm>
+          <a:prstGeom prst="rect">
+            <a:avLst/>
+          </a:prstGeom>
+          <a:noFill/>
+        </p:spPr>
+        <p:txBody>
+          <a:bodyPr wrap="square" rtlCol="0" anchor="ctr">
+            <a:spAutoFit/>
+          </a:bodyPr>
+          <a:lstStyle/>
+          <a:p>
+            <a:r>
+              <a:rPr lang="ru-RU" sz="4800" dirty="0" smtClean="0">
+                <a:solidFill>
+                  <a:schemeClr val="bg1"/>
+                </a:solidFill>
+              </a:rPr>
+              <a:t>Проектирование модулей.</a:t>
+            </a:r>
+          </a:p>
+          <a:p>
+            <a:r>
+              <a:rPr lang="ru-RU" sz="4800" dirty="0" smtClean="0">
+                <a:solidFill>
+                  <a:schemeClr val="bg1"/>
+                </a:solidFill>
+              </a:rPr>
+              <a:t>Шифрование </a:t>
+            </a:r>
+            <a:r>
+              <a:rPr lang="en-US" sz="4800" dirty="0" smtClean="0">
+                <a:solidFill>
+                  <a:schemeClr val="bg1"/>
+                </a:solidFill>
+              </a:rPr>
+              <a:t>MD5</a:t>
+            </a:r>
+            <a:endParaRPr lang="ru-RU" sz="4800" dirty="0">
+              <a:solidFill>
+                <a:schemeClr val="bg1"/>
+              </a:solidFill>
+            </a:endParaRPr>
+          </a:p>
+        </p:txBody>
+      </p:sp>
+      <p:sp>
+        <p:nvSpPr>
+          <p:cNvPr id="2" name="Rectangle 2"/>
+          <p:cNvSpPr>
+            <a:spLocks noChangeArrowheads="1"/>
+          </p:cNvSpPr>
+          <p:nvPr/>
+        </p:nvSpPr>
+        <p:spPr bwMode="auto">
+          <a:xfrm>
+            <a:off x="0" y="0"/>
+            <a:ext cx="9144000" cy="0"/>
+          </a:xfrm>
+          <a:prstGeom prst="rect">
+            <a:avLst/>
+          </a:prstGeom>
+          <a:noFill/>
+          <a:ln>
+            <a:noFill/>
+          </a:ln>
+          <a:effectLst/>
+          <a:extLst>
+            <a:ext uri="{909E8E84-426E-40DD-AFC4-6F175D3DCCD1}">
+              <a14:hiddenFill xmlns:a14="http://schemas.microsoft.com/office/drawing/2010/main">
+                <a:solidFill>
+                  <a:schemeClr val="accent1"/>
+                </a:solidFill>
+              </a14:hiddenFill>
+            </a:ext>
+            <a:ext uri="{91240B29-F687-4F45-9708-019B960494DF}">
+              <a14:hiddenLine xmlns:a14="http://schemas.microsoft.com/office/drawing/2010/main" w="9525">
+                <a:solidFill>
+                  <a:schemeClr val="tx1"/>
+                </a:solidFill>
+                <a:miter lim="800000"/>
+                <a:headEnd/>
+                <a:tailEnd/>
+              </a14:hiddenLine>
+            </a:ext>
+            <a:ext uri="{AF507438-7753-43E0-B8FC-AC1667EBCBE1}">
+              <a14:hiddenEffects xmlns:a14="http://schemas.microsoft.com/office/drawing/2010/main">
+                <a:effectLst>
+                  <a:outerShdw dist="35921" dir="2700000" algn="ctr" rotWithShape="0">
+                    <a:schemeClr val="bg2"/>
+                  </a:outerShdw>
+                </a:effectLst>
+              </a14:hiddenEffects>
+            </a:ext>
+          </a:extLst>
+        </p:spPr>
+        <p:txBody>
+          <a:bodyPr vert="horz" wrap="none" lIns="91440" tIns="45720" rIns="91440" bIns="45720" numCol="1" anchor="ctr" anchorCtr="0" compatLnSpc="1">
+            <a:prstTxWarp prst="textNoShape">
+              <a:avLst/>
+            </a:prstTxWarp>
+            <a:spAutoFit/>
+          </a:bodyPr>
+          <a:lstStyle/>
+          <a:p>
+            <a:endParaRPr lang="ru-RU"/>
+          </a:p>
+        </p:txBody>
+      </p:sp>
+      <p:sp>
+        <p:nvSpPr>
+          <p:cNvPr id="5" name="Rectangle 4"/>
+          <p:cNvSpPr>
+            <a:spLocks noChangeArrowheads="1"/>
+          </p:cNvSpPr>
+          <p:nvPr/>
+        </p:nvSpPr>
+        <p:spPr bwMode="auto">
+          <a:xfrm>
+            <a:off x="0" y="0"/>
+            <a:ext cx="9144000" cy="0"/>
+          </a:xfrm>
+          <a:prstGeom prst="rect">
+            <a:avLst/>
+          </a:prstGeom>
+          <a:noFill/>
+          <a:ln>
+            <a:noFill/>
+          </a:ln>
+          <a:effectLst/>
+          <a:extLst>
+            <a:ext uri="{909E8E84-426E-40DD-AFC4-6F175D3DCCD1}">
+              <a14:hiddenFill xmlns:a14="http://schemas.microsoft.com/office/drawing/2010/main">
+                <a:solidFill>
+                  <a:schemeClr val="accent1"/>
+                </a:solidFill>
+              </a14:hiddenFill>
+            </a:ext>
+            <a:ext uri="{91240B29-F687-4F45-9708-019B960494DF}">
+              <a14:hiddenLine xmlns:a14="http://schemas.microsoft.com/office/drawing/2010/main" w="9525">
+                <a:solidFill>
+                  <a:schemeClr val="tx1"/>
+                </a:solidFill>
+                <a:miter lim="800000"/>
+                <a:headEnd/>
+                <a:tailEnd/>
+              </a14:hiddenLine>
+            </a:ext>
+            <a:ext uri="{AF507438-7753-43E0-B8FC-AC1667EBCBE1}">
+              <a14:hiddenEffects xmlns:a14="http://schemas.microsoft.com/office/drawing/2010/main">
+                <a:effectLst>
+                  <a:outerShdw dist="35921" dir="2700000" algn="ctr" rotWithShape="0">
+                    <a:schemeClr val="bg2"/>
+                  </a:outerShdw>
+                </a:effectLst>
+              </a14:hiddenEffects>
+            </a:ext>
+          </a:extLst>
+        </p:spPr>
+        <p:txBody>
+          <a:bodyPr vert="horz" wrap="none" lIns="91440" tIns="45720" rIns="91440" bIns="45720" numCol="1" anchor="ctr" anchorCtr="0" compatLnSpc="1">
+            <a:prstTxWarp prst="textNoShape">
+              <a:avLst/>
+            </a:prstTxWarp>
+            <a:spAutoFit/>
+          </a:bodyPr>
+          <a:lstStyle/>
+          <a:p>
+            <a:endParaRPr lang="ru-RU"/>
+          </a:p>
+        </p:txBody>
+      </p:sp>
+      <p:pic>
+        <p:nvPicPr>
+          <p:cNvPr id="14339" name="Picture 3"/>
+          <p:cNvPicPr>
+            <a:picLocks noChangeAspect="1" noChangeArrowheads="1"/>
+          </p:cNvPicPr>
+          <p:nvPr/>
+        </p:nvPicPr>
+        <p:blipFill>
+          <a:blip r:embed="rId4">
+            <a:extLst>
+              <a:ext uri="{28A0092B-C50C-407E-A947-70E740481C1C}">
+                <a14:useLocalDpi xmlns:a14="http://schemas.microsoft.com/office/drawing/2010/main" val="0"/>
+              </a:ext>
+            </a:extLst>
+          </a:blip>
+          <a:srcRect/>
+          <a:stretch>
+            <a:fillRect/>
+          </a:stretch>
+        </p:blipFill>
+        <p:spPr bwMode="auto">
+          <a:xfrm>
+            <a:off x="466428" y="2492896"/>
+            <a:ext cx="3038475" cy="2600325"/>
+          </a:xfrm>
+          <a:prstGeom prst="rect">
+            <a:avLst/>
+          </a:prstGeom>
+          <a:noFill/>
+          <a:ln>
+            <a:noFill/>
+          </a:ln>
+          <a:effectLst/>
+          <a:extLst>
+            <a:ext uri="{909E8E84-426E-40DD-AFC4-6F175D3DCCD1}">
+              <a14:hiddenFill xmlns:a14="http://schemas.microsoft.com/office/drawing/2010/main">
+                <a:solidFill>
+                  <a:schemeClr val="accent1"/>
+                </a:solidFill>
+              </a14:hiddenFill>
+            </a:ext>
+            <a:ext uri="{91240B29-F687-4F45-9708-019B960494DF}">
+              <a14:hiddenLine xmlns:a14="http://schemas.microsoft.com/office/drawing/2010/main" w="9525">
+                <a:solidFill>
+                  <a:schemeClr val="tx1"/>
+                </a:solidFill>
+                <a:miter lim="800000"/>
+                <a:headEnd/>
+                <a:tailEnd/>
+              </a14:hiddenLine>
+            </a:ext>
+            <a:ext uri="{AF507438-7753-43E0-B8FC-AC1667EBCBE1}">
+              <a14:hiddenEffects xmlns:a14="http://schemas.microsoft.com/office/drawing/2010/main">
+                <a:effectLst>
+                  <a:outerShdw dist="35921" dir="2700000" algn="ctr" rotWithShape="0">
+                    <a:schemeClr val="bg2"/>
+                  </a:outerShdw>
+                </a:effectLst>
+              </a14:hiddenEffects>
+            </a:ext>
+          </a:extLst>
+        </p:spPr>
+      </p:pic>
+      <p:pic>
+        <p:nvPicPr>
+          <p:cNvPr id="14342" name="Picture 6"/>
+          <p:cNvPicPr>
+            <a:picLocks noChangeAspect="1" noChangeArrowheads="1"/>
+          </p:cNvPicPr>
+          <p:nvPr/>
+        </p:nvPicPr>
+        <p:blipFill>
+          <a:blip r:embed="rId5">
+            <a:extLst>
+              <a:ext uri="{28A0092B-C50C-407E-A947-70E740481C1C}">
+                <a14:useLocalDpi xmlns:a14="http://schemas.microsoft.com/office/drawing/2010/main" val="0"/>
+              </a:ext>
+            </a:extLst>
+          </a:blip>
+          <a:srcRect/>
+          <a:stretch>
+            <a:fillRect/>
+          </a:stretch>
+        </p:blipFill>
+        <p:spPr bwMode="auto">
+          <a:xfrm>
+            <a:off x="3745607" y="2748942"/>
+            <a:ext cx="5271417" cy="2088232"/>
+          </a:xfrm>
+          <a:prstGeom prst="rect">
+            <a:avLst/>
+          </a:prstGeom>
+          <a:noFill/>
+          <a:ln>
+            <a:noFill/>
+          </a:ln>
+          <a:effectLst/>
+          <a:extLst>
+            <a:ext uri="{909E8E84-426E-40DD-AFC4-6F175D3DCCD1}">
+              <a14:hiddenFill xmlns:a14="http://schemas.microsoft.com/office/drawing/2010/main">
+                <a:solidFill>
+                  <a:schemeClr val="accent1"/>
+                </a:solidFill>
+              </a14:hiddenFill>
+            </a:ext>
+            <a:ext uri="{91240B29-F687-4F45-9708-019B960494DF}">
+              <a14:hiddenLine xmlns:a14="http://schemas.microsoft.com/office/drawing/2010/main" w="9525">
+                <a:solidFill>
+                  <a:schemeClr val="tx1"/>
+                </a:solidFill>
+                <a:miter lim="800000"/>
+                <a:headEnd/>
+                <a:tailEnd/>
+              </a14:hiddenLine>
+            </a:ext>
+            <a:ext uri="{AF507438-7753-43E0-B8FC-AC1667EBCBE1}">
+              <a14:hiddenEffects xmlns:a14="http://schemas.microsoft.com/office/drawing/2010/main">
+                <a:effectLst>
+                  <a:outerShdw dist="35921" dir="2700000" algn="ctr" rotWithShape="0">
+                    <a:schemeClr val="bg2"/>
+                  </a:outerShdw>
+                </a:effectLst>
+              </a14:hiddenEffects>
+            </a:ext>
+          </a:extLst>
+        </p:spPr>
+      </p:pic>
+    </p:spTree>
+    <p:extLst>
+      <p:ext uri="{BB962C8B-B14F-4D97-AF65-F5344CB8AC3E}">
+        <p14:creationId xmlns:p14="http://schemas.microsoft.com/office/powerpoint/2010/main" val="942432219"/>
+      </p:ext>
+    </p:extLst>
+  </p:cSld>
+  <p:clrMapOvr>
+    <a:masterClrMapping/>
+  </p:clrMapOvr>
+  <p:timing>
+    <p:tnLst>
+      <p:par>
+        <p:cTn id="1" dur="indefinite" restart="never" nodeType="tmRoot"/>
+      </p:par>
+    </p:tnLst>
   </p:timing>
 </p:sld>
 </file>

--- a/!docs/Presentation (Serpikov).pptx
+++ b/!docs/Presentation (Serpikov).pptx
@@ -21,18 +21,16 @@
     <p:sldId id="275" r:id="rId15"/>
     <p:sldId id="276" r:id="rId16"/>
     <p:sldId id="278" r:id="rId17"/>
-    <p:sldId id="279" r:id="rId18"/>
-    <p:sldId id="280" r:id="rId19"/>
-    <p:sldId id="281" r:id="rId20"/>
-    <p:sldId id="282" r:id="rId21"/>
-    <p:sldId id="283" r:id="rId22"/>
-    <p:sldId id="284" r:id="rId23"/>
-    <p:sldId id="287" r:id="rId24"/>
-    <p:sldId id="288" r:id="rId25"/>
-    <p:sldId id="289" r:id="rId26"/>
-    <p:sldId id="290" r:id="rId27"/>
-    <p:sldId id="285" r:id="rId28"/>
-    <p:sldId id="286" r:id="rId29"/>
+    <p:sldId id="280" r:id="rId18"/>
+    <p:sldId id="281" r:id="rId19"/>
+    <p:sldId id="283" r:id="rId20"/>
+    <p:sldId id="284" r:id="rId21"/>
+    <p:sldId id="287" r:id="rId22"/>
+    <p:sldId id="288" r:id="rId23"/>
+    <p:sldId id="289" r:id="rId24"/>
+    <p:sldId id="290" r:id="rId25"/>
+    <p:sldId id="285" r:id="rId26"/>
+    <p:sldId id="286" r:id="rId27"/>
   </p:sldIdLst>
   <p:sldSz cx="9144000" cy="6858000" type="screen4x3"/>
   <p:notesSz cx="6858000" cy="9144000"/>
@@ -152,10 +150,8 @@
             <p14:sldId id="275"/>
             <p14:sldId id="276"/>
             <p14:sldId id="278"/>
-            <p14:sldId id="279"/>
             <p14:sldId id="280"/>
             <p14:sldId id="281"/>
-            <p14:sldId id="282"/>
             <p14:sldId id="283"/>
             <p14:sldId id="284"/>
             <p14:sldId id="287"/>
@@ -409,7 +405,7 @@
           <a:p>
             <a:fld id="{F34D2577-27A9-48D8-B09C-5DF8AFE9C2EC}" type="datetimeFigureOut">
               <a:rPr lang="ru-RU" smtClean="0"/>
-              <a:t>31.05.2012</a:t>
+              <a:t>02.06.2012</a:t>
             </a:fld>
             <a:endParaRPr lang="ru-RU"/>
           </a:p>
@@ -579,7 +575,7 @@
           <a:p>
             <a:fld id="{F34D2577-27A9-48D8-B09C-5DF8AFE9C2EC}" type="datetimeFigureOut">
               <a:rPr lang="ru-RU" smtClean="0"/>
-              <a:t>31.05.2012</a:t>
+              <a:t>02.06.2012</a:t>
             </a:fld>
             <a:endParaRPr lang="ru-RU"/>
           </a:p>
@@ -754,7 +750,7 @@
           <a:p>
             <a:fld id="{F34D2577-27A9-48D8-B09C-5DF8AFE9C2EC}" type="datetimeFigureOut">
               <a:rPr lang="ru-RU" smtClean="0"/>
-              <a:t>31.05.2012</a:t>
+              <a:t>02.06.2012</a:t>
             </a:fld>
             <a:endParaRPr lang="ru-RU"/>
           </a:p>
@@ -919,7 +915,7 @@
           <a:p>
             <a:fld id="{F34D2577-27A9-48D8-B09C-5DF8AFE9C2EC}" type="datetimeFigureOut">
               <a:rPr lang="ru-RU" smtClean="0"/>
-              <a:t>31.05.2012</a:t>
+              <a:t>02.06.2012</a:t>
             </a:fld>
             <a:endParaRPr lang="ru-RU"/>
           </a:p>
@@ -1176,7 +1172,7 @@
           <a:p>
             <a:fld id="{F34D2577-27A9-48D8-B09C-5DF8AFE9C2EC}" type="datetimeFigureOut">
               <a:rPr lang="ru-RU" smtClean="0"/>
-              <a:t>31.05.2012</a:t>
+              <a:t>02.06.2012</a:t>
             </a:fld>
             <a:endParaRPr lang="ru-RU"/>
           </a:p>
@@ -1316,7 +1312,7 @@
           <a:p>
             <a:fld id="{F34D2577-27A9-48D8-B09C-5DF8AFE9C2EC}" type="datetimeFigureOut">
               <a:rPr lang="ru-RU" smtClean="0"/>
-              <a:t>31.05.2012</a:t>
+              <a:t>02.06.2012</a:t>
             </a:fld>
             <a:endParaRPr lang="ru-RU"/>
           </a:p>
@@ -1966,7 +1962,7 @@
           <a:p>
             <a:fld id="{F34D2577-27A9-48D8-B09C-5DF8AFE9C2EC}" type="datetimeFigureOut">
               <a:rPr lang="ru-RU" smtClean="0"/>
-              <a:t>31.05.2012</a:t>
+              <a:t>02.06.2012</a:t>
             </a:fld>
             <a:endParaRPr lang="ru-RU"/>
           </a:p>
@@ -2079,7 +2075,7 @@
           <a:p>
             <a:fld id="{F34D2577-27A9-48D8-B09C-5DF8AFE9C2EC}" type="datetimeFigureOut">
               <a:rPr lang="ru-RU" smtClean="0"/>
-              <a:t>31.05.2012</a:t>
+              <a:t>02.06.2012</a:t>
             </a:fld>
             <a:endParaRPr lang="ru-RU"/>
           </a:p>
@@ -2169,7 +2165,7 @@
           <a:p>
             <a:fld id="{F34D2577-27A9-48D8-B09C-5DF8AFE9C2EC}" type="datetimeFigureOut">
               <a:rPr lang="ru-RU" smtClean="0"/>
-              <a:t>31.05.2012</a:t>
+              <a:t>02.06.2012</a:t>
             </a:fld>
             <a:endParaRPr lang="ru-RU"/>
           </a:p>
@@ -2459,7 +2455,7 @@
           <a:p>
             <a:fld id="{F34D2577-27A9-48D8-B09C-5DF8AFE9C2EC}" type="datetimeFigureOut">
               <a:rPr lang="ru-RU" smtClean="0"/>
-              <a:t>31.05.2012</a:t>
+              <a:t>02.06.2012</a:t>
             </a:fld>
             <a:endParaRPr lang="ru-RU"/>
           </a:p>
@@ -2782,7 +2778,7 @@
           <a:p>
             <a:fld id="{F34D2577-27A9-48D8-B09C-5DF8AFE9C2EC}" type="datetimeFigureOut">
               <a:rPr lang="ru-RU" smtClean="0"/>
-              <a:t>31.05.2012</a:t>
+              <a:t>02.06.2012</a:t>
             </a:fld>
             <a:endParaRPr lang="ru-RU"/>
           </a:p>
@@ -3239,7 +3235,7 @@
           <a:p>
             <a:fld id="{F34D2577-27A9-48D8-B09C-5DF8AFE9C2EC}" type="datetimeFigureOut">
               <a:rPr lang="ru-RU" smtClean="0"/>
-              <a:t>31.05.2012</a:t>
+              <a:t>02.06.2012</a:t>
             </a:fld>
             <a:endParaRPr lang="ru-RU"/>
           </a:p>
@@ -4455,8 +4451,8 @@
         </p:nvSpPr>
         <p:spPr>
           <a:xfrm>
-            <a:off x="431540" y="-36675"/>
-            <a:ext cx="8280920" cy="1569660"/>
+            <a:off x="395288" y="55657"/>
+            <a:ext cx="8280920" cy="1384995"/>
           </a:xfrm>
           <a:prstGeom prst="rect">
             <a:avLst/>
@@ -4475,9 +4471,35 @@
                   <a:schemeClr val="bg1"/>
                 </a:solidFill>
               </a:rPr>
-              <a:t>Средства отладки (клиентская часть)</a:t>
-            </a:r>
-            <a:endParaRPr lang="ru-RU" sz="4800" dirty="0">
+              <a:t>Средства </a:t>
+            </a:r>
+            <a:r>
+              <a:rPr lang="ru-RU" sz="4800" dirty="0" smtClean="0">
+                <a:solidFill>
+                  <a:schemeClr val="bg1"/>
+                </a:solidFill>
+              </a:rPr>
+              <a:t>отладки. </a:t>
+            </a:r>
+          </a:p>
+          <a:p>
+            <a:r>
+              <a:rPr lang="ru-RU" sz="3600" dirty="0">
+                <a:solidFill>
+                  <a:schemeClr val="bg1"/>
+                </a:solidFill>
+              </a:rPr>
+              <a:t>К</a:t>
+            </a:r>
+            <a:r>
+              <a:rPr lang="ru-RU" sz="3600" dirty="0" smtClean="0">
+                <a:solidFill>
+                  <a:schemeClr val="bg1"/>
+                </a:solidFill>
+              </a:rPr>
+              <a:t>лиентская часть</a:t>
+            </a:r>
+            <a:endParaRPr lang="ru-RU" sz="3600" dirty="0">
               <a:solidFill>
                 <a:schemeClr val="bg1"/>
               </a:solidFill>
@@ -4752,8 +4774,8 @@
         </p:nvSpPr>
         <p:spPr>
           <a:xfrm>
-            <a:off x="431540" y="-36675"/>
-            <a:ext cx="8280920" cy="1569660"/>
+            <a:off x="431540" y="55657"/>
+            <a:ext cx="8280920" cy="1384995"/>
           </a:xfrm>
           <a:prstGeom prst="rect">
             <a:avLst/>
@@ -4772,9 +4794,40 @@
                   <a:schemeClr val="bg1"/>
                 </a:solidFill>
               </a:rPr>
-              <a:t>Средства отладки (серверная часть)</a:t>
+              <a:t>Средства </a:t>
+            </a:r>
+            <a:r>
+              <a:rPr lang="ru-RU" sz="4800" dirty="0" smtClean="0">
+                <a:solidFill>
+                  <a:schemeClr val="bg1"/>
+                </a:solidFill>
+              </a:rPr>
+              <a:t>отладки. </a:t>
             </a:r>
             <a:endParaRPr lang="ru-RU" sz="4800" dirty="0">
+              <a:solidFill>
+                <a:schemeClr val="bg1"/>
+              </a:solidFill>
+            </a:endParaRPr>
+          </a:p>
+          <a:p>
+            <a:r>
+              <a:rPr lang="ru-RU" sz="3600" dirty="0">
+                <a:solidFill>
+                  <a:schemeClr val="bg1"/>
+                </a:solidFill>
+              </a:rPr>
+              <a:t>С</a:t>
+            </a:r>
+            <a:r>
+              <a:rPr lang="ru-RU" sz="3600" dirty="0" smtClean="0">
+                <a:solidFill>
+                  <a:schemeClr val="bg1"/>
+                </a:solidFill>
+              </a:rPr>
+              <a:t>ерверная часть</a:t>
+            </a:r>
+            <a:endParaRPr lang="ru-RU" sz="3600" dirty="0">
               <a:solidFill>
                 <a:schemeClr val="bg1"/>
               </a:solidFill>
@@ -5702,7 +5755,7 @@
                   <a:schemeClr val="bg1"/>
                 </a:solidFill>
               </a:rPr>
-              <a:t>Логическое проектирование базы данных</a:t>
+              <a:t>Физическое проектирование базы данных</a:t>
             </a:r>
             <a:endParaRPr lang="ru-RU" sz="4800" dirty="0">
               <a:solidFill>
@@ -5714,7 +5767,7 @@
       </p:sp>
       <p:pic>
         <p:nvPicPr>
-          <p:cNvPr id="16390" name="Picture 6"/>
+          <p:cNvPr id="8195" name="Picture 3"/>
           <p:cNvPicPr>
             <a:picLocks noChangeAspect="1" noChangeArrowheads="1"/>
           </p:cNvPicPr>
@@ -5735,8 +5788,8 @@
         </p:blipFill>
         <p:spPr bwMode="auto">
           <a:xfrm>
-            <a:off x="328712" y="2204864"/>
-            <a:ext cx="8282656" cy="2580237"/>
+            <a:off x="3580160" y="3140968"/>
+            <a:ext cx="1676400" cy="990600"/>
           </a:xfrm>
           <a:prstGeom prst="rect">
             <a:avLst/>
@@ -5776,48 +5829,138 @@
           </a:extLst>
         </p:spPr>
       </p:pic>
-      <p:sp>
-        <p:nvSpPr>
-          <p:cNvPr id="2" name="TextBox 1"/>
-          <p:cNvSpPr txBox="1"/>
+      <p:pic>
+        <p:nvPicPr>
+          <p:cNvPr id="8196" name="Picture 4"/>
+          <p:cNvPicPr>
+            <a:picLocks noChangeAspect="1" noChangeArrowheads="1"/>
+          </p:cNvPicPr>
           <p:nvPr/>
-        </p:nvSpPr>
-        <p:spPr>
+        </p:nvPicPr>
+        <p:blipFill>
+          <a:blip r:embed="rId5">
+            <a:extLst>
+              <a:ext uri="{28A0092B-C50C-407E-A947-70E740481C1C}">
+                <a14:useLocalDpi xmlns:a14="http://schemas.microsoft.com/office/drawing/2010/main" val="0"/>
+              </a:ext>
+            </a:extLst>
+          </a:blip>
+          <a:srcRect/>
+          <a:stretch>
+            <a:fillRect/>
+          </a:stretch>
+        </p:blipFill>
+        <p:spPr bwMode="auto">
           <a:xfrm>
-            <a:off x="503548" y="5157192"/>
-            <a:ext cx="7920880" cy="369332"/>
+            <a:off x="6156176" y="3140968"/>
+            <a:ext cx="1943100" cy="708025"/>
           </a:xfrm>
           <a:prstGeom prst="rect">
             <a:avLst/>
           </a:prstGeom>
           <a:noFill/>
+          <a:ln>
+            <a:noFill/>
+          </a:ln>
+          <a:effectLst/>
+          <a:extLst>
+            <a:ext uri="{909E8E84-426E-40DD-AFC4-6F175D3DCCD1}">
+              <a14:hiddenFill xmlns:a14="http://schemas.microsoft.com/office/drawing/2010/main">
+                <a:solidFill>
+                  <a:schemeClr val="accent1"/>
+                </a:solidFill>
+              </a14:hiddenFill>
+            </a:ext>
+            <a:ext uri="{91240B29-F687-4F45-9708-019B960494DF}">
+              <a14:hiddenLine xmlns:a14="http://schemas.microsoft.com/office/drawing/2010/main" w="9525">
+                <a:solidFill>
+                  <a:schemeClr val="tx1"/>
+                </a:solidFill>
+                <a:miter lim="800000"/>
+                <a:headEnd/>
+                <a:tailEnd/>
+              </a14:hiddenLine>
+            </a:ext>
+            <a:ext uri="{AF507438-7753-43E0-B8FC-AC1667EBCBE1}">
+              <a14:hiddenEffects xmlns:a14="http://schemas.microsoft.com/office/drawing/2010/main">
+                <a:effectLst>
+                  <a:outerShdw dist="35921" dir="2700000" algn="ctr" rotWithShape="0">
+                    <a:schemeClr val="bg2"/>
+                  </a:outerShdw>
+                </a:effectLst>
+              </a14:hiddenEffects>
+            </a:ext>
+          </a:extLst>
         </p:spPr>
-        <p:txBody>
-          <a:bodyPr wrap="square" rtlCol="0">
-            <a:spAutoFit/>
-          </a:bodyPr>
-          <a:lstStyle/>
-          <a:p>
-            <a:r>
-              <a:rPr lang="ru-RU" dirty="0" smtClean="0">
-                <a:solidFill>
-                  <a:schemeClr val="bg1"/>
-                </a:solidFill>
-              </a:rPr>
-              <a:t>Идентифицирующее отношение между сущностью «тема» и «категория»</a:t>
-            </a:r>
-            <a:endParaRPr lang="ru-RU" dirty="0">
-              <a:solidFill>
-                <a:schemeClr val="bg1"/>
-              </a:solidFill>
-            </a:endParaRPr>
-          </a:p>
-        </p:txBody>
-      </p:sp>
+      </p:pic>
+      <p:pic>
+        <p:nvPicPr>
+          <p:cNvPr id="8197" name="Picture 5"/>
+          <p:cNvPicPr>
+            <a:picLocks noChangeAspect="1" noChangeArrowheads="1"/>
+          </p:cNvPicPr>
+          <p:nvPr/>
+        </p:nvPicPr>
+        <p:blipFill>
+          <a:blip r:embed="rId6">
+            <a:extLst>
+              <a:ext uri="{28A0092B-C50C-407E-A947-70E740481C1C}">
+                <a14:useLocalDpi xmlns:a14="http://schemas.microsoft.com/office/drawing/2010/main" val="0"/>
+              </a:ext>
+            </a:extLst>
+          </a:blip>
+          <a:srcRect/>
+          <a:stretch>
+            <a:fillRect/>
+          </a:stretch>
+        </p:blipFill>
+        <p:spPr bwMode="auto">
+          <a:xfrm>
+            <a:off x="827088" y="3068638"/>
+            <a:ext cx="1531937" cy="1760537"/>
+          </a:xfrm>
+          <a:prstGeom prst="rect">
+            <a:avLst/>
+          </a:prstGeom>
+          <a:noFill/>
+          <a:ln>
+            <a:noFill/>
+          </a:ln>
+          <a:effectLst/>
+          <a:extLst>
+            <a:ext uri="{909E8E84-426E-40DD-AFC4-6F175D3DCCD1}">
+              <a14:hiddenFill xmlns:a14="http://schemas.microsoft.com/office/drawing/2010/main">
+                <a:solidFill>
+                  <a:schemeClr val="accent1"/>
+                </a:solidFill>
+              </a14:hiddenFill>
+            </a:ext>
+            <a:ext uri="{91240B29-F687-4F45-9708-019B960494DF}">
+              <a14:hiddenLine xmlns:a14="http://schemas.microsoft.com/office/drawing/2010/main" w="9525">
+                <a:solidFill>
+                  <a:schemeClr val="tx1"/>
+                </a:solidFill>
+                <a:miter lim="800000"/>
+                <a:headEnd/>
+                <a:tailEnd/>
+              </a14:hiddenLine>
+            </a:ext>
+            <a:ext uri="{AF507438-7753-43E0-B8FC-AC1667EBCBE1}">
+              <a14:hiddenEffects xmlns:a14="http://schemas.microsoft.com/office/drawing/2010/main">
+                <a:effectLst>
+                  <a:outerShdw dist="35921" dir="2700000" algn="ctr" rotWithShape="0">
+                    <a:schemeClr val="bg2"/>
+                  </a:outerShdw>
+                </a:effectLst>
+              </a14:hiddenEffects>
+            </a:ext>
+          </a:extLst>
+        </p:spPr>
+      </p:pic>
     </p:spTree>
     <p:extLst>
       <p:ext uri="{BB962C8B-B14F-4D97-AF65-F5344CB8AC3E}">
-        <p14:creationId xmlns:p14="http://schemas.microsoft.com/office/powerpoint/2010/main" val="2630224483"/>
+        <p14:creationId xmlns:p14="http://schemas.microsoft.com/office/powerpoint/2010/main" val="3414237432"/>
       </p:ext>
     </p:extLst>
   </p:cSld>
@@ -5898,8 +6041,8 @@
         </p:nvSpPr>
         <p:spPr>
           <a:xfrm>
-            <a:off x="323528" y="-36675"/>
-            <a:ext cx="8280920" cy="1569660"/>
+            <a:off x="323528" y="55657"/>
+            <a:ext cx="8280920" cy="1384995"/>
           </a:xfrm>
           <a:prstGeom prst="rect">
             <a:avLst/>
@@ -5918,17 +6061,19 @@
                   <a:schemeClr val="bg1"/>
                 </a:solidFill>
               </a:rPr>
-              <a:t>Физическое </a:t>
-            </a:r>
-            <a:r>
-              <a:rPr lang="ru-RU" sz="4800" dirty="0" smtClean="0">
-                <a:solidFill>
-                  <a:schemeClr val="bg1"/>
-                </a:solidFill>
-              </a:rPr>
-              <a:t>проектирование базы данных</a:t>
-            </a:r>
-            <a:endParaRPr lang="ru-RU" sz="4800" dirty="0">
+              <a:t>Проектирование модулей.</a:t>
+            </a:r>
+          </a:p>
+          <a:p>
+            <a:r>
+              <a:rPr lang="ru-RU" sz="3600" dirty="0" smtClean="0">
+                <a:solidFill>
+                  <a:schemeClr val="bg1"/>
+                </a:solidFill>
+              </a:rPr>
+              <a:t>Регистрация</a:t>
+            </a:r>
+            <a:endParaRPr lang="ru-RU" sz="3600" dirty="0">
               <a:solidFill>
                 <a:schemeClr val="bg1"/>
               </a:solidFill>
@@ -5938,7 +6083,7 @@
       </p:sp>
       <p:pic>
         <p:nvPicPr>
-          <p:cNvPr id="8195" name="Picture 3"/>
+          <p:cNvPr id="9219" name="Picture 3"/>
           <p:cNvPicPr>
             <a:picLocks noChangeAspect="1" noChangeArrowheads="1"/>
           </p:cNvPicPr>
@@ -5959,8 +6104,8 @@
         </p:blipFill>
         <p:spPr bwMode="auto">
           <a:xfrm>
-            <a:off x="3580160" y="3140968"/>
-            <a:ext cx="1676400" cy="990600"/>
+            <a:off x="352376" y="1532985"/>
+            <a:ext cx="4111612" cy="2055806"/>
           </a:xfrm>
           <a:prstGeom prst="rect">
             <a:avLst/>
@@ -6002,7 +6147,7 @@
       </p:pic>
       <p:pic>
         <p:nvPicPr>
-          <p:cNvPr id="8196" name="Picture 4"/>
+          <p:cNvPr id="9220" name="Picture 4"/>
           <p:cNvPicPr>
             <a:picLocks noChangeAspect="1" noChangeArrowheads="1"/>
           </p:cNvPicPr>
@@ -6023,8 +6168,8 @@
         </p:blipFill>
         <p:spPr bwMode="auto">
           <a:xfrm>
-            <a:off x="6156176" y="3140968"/>
-            <a:ext cx="1943100" cy="708025"/>
+            <a:off x="365324" y="3717032"/>
+            <a:ext cx="4131769" cy="2304256"/>
           </a:xfrm>
           <a:prstGeom prst="rect">
             <a:avLst/>
@@ -6064,74 +6209,86 @@
           </a:extLst>
         </p:spPr>
       </p:pic>
-      <p:pic>
-        <p:nvPicPr>
-          <p:cNvPr id="8197" name="Picture 5"/>
-          <p:cNvPicPr>
-            <a:picLocks noChangeAspect="1" noChangeArrowheads="1"/>
-          </p:cNvPicPr>
+      <p:sp>
+        <p:nvSpPr>
+          <p:cNvPr id="2" name="TextBox 1"/>
+          <p:cNvSpPr txBox="1"/>
           <p:nvPr/>
-        </p:nvPicPr>
-        <p:blipFill>
-          <a:blip r:embed="rId6">
-            <a:extLst>
-              <a:ext uri="{28A0092B-C50C-407E-A947-70E740481C1C}">
-                <a14:useLocalDpi xmlns:a14="http://schemas.microsoft.com/office/drawing/2010/main" val="0"/>
-              </a:ext>
-            </a:extLst>
-          </a:blip>
-          <a:srcRect/>
-          <a:stretch>
-            <a:fillRect/>
-          </a:stretch>
-        </p:blipFill>
-        <p:spPr bwMode="auto">
+        </p:nvSpPr>
+        <p:spPr>
           <a:xfrm>
-            <a:off x="827088" y="3068638"/>
-            <a:ext cx="1531937" cy="1760537"/>
+            <a:off x="4788024" y="2376222"/>
+            <a:ext cx="3816424" cy="369332"/>
           </a:xfrm>
           <a:prstGeom prst="rect">
             <a:avLst/>
           </a:prstGeom>
           <a:noFill/>
-          <a:ln>
-            <a:noFill/>
-          </a:ln>
-          <a:effectLst/>
-          <a:extLst>
-            <a:ext uri="{909E8E84-426E-40DD-AFC4-6F175D3DCCD1}">
-              <a14:hiddenFill xmlns:a14="http://schemas.microsoft.com/office/drawing/2010/main">
-                <a:solidFill>
-                  <a:schemeClr val="accent1"/>
-                </a:solidFill>
-              </a14:hiddenFill>
-            </a:ext>
-            <a:ext uri="{91240B29-F687-4F45-9708-019B960494DF}">
-              <a14:hiddenLine xmlns:a14="http://schemas.microsoft.com/office/drawing/2010/main" w="9525">
-                <a:solidFill>
-                  <a:schemeClr val="tx1"/>
-                </a:solidFill>
-                <a:miter lim="800000"/>
-                <a:headEnd/>
-                <a:tailEnd/>
-              </a14:hiddenLine>
-            </a:ext>
-            <a:ext uri="{AF507438-7753-43E0-B8FC-AC1667EBCBE1}">
-              <a14:hiddenEffects xmlns:a14="http://schemas.microsoft.com/office/drawing/2010/main">
-                <a:effectLst>
-                  <a:outerShdw dist="35921" dir="2700000" algn="ctr" rotWithShape="0">
-                    <a:schemeClr val="bg2"/>
-                  </a:outerShdw>
-                </a:effectLst>
-              </a14:hiddenEffects>
-            </a:ext>
-          </a:extLst>
         </p:spPr>
-      </p:pic>
+        <p:txBody>
+          <a:bodyPr wrap="square" rtlCol="0">
+            <a:spAutoFit/>
+          </a:bodyPr>
+          <a:lstStyle/>
+          <a:p>
+            <a:r>
+              <a:rPr lang="ru-RU" dirty="0" smtClean="0">
+                <a:solidFill>
+                  <a:schemeClr val="bg1"/>
+                </a:solidFill>
+              </a:rPr>
+              <a:t> - Верно введенные данные</a:t>
+            </a:r>
+            <a:endParaRPr lang="ru-RU" dirty="0">
+              <a:solidFill>
+                <a:schemeClr val="bg1"/>
+              </a:solidFill>
+            </a:endParaRPr>
+          </a:p>
+        </p:txBody>
+      </p:sp>
+      <p:sp>
+        <p:nvSpPr>
+          <p:cNvPr id="10" name="TextBox 9"/>
+          <p:cNvSpPr txBox="1"/>
+          <p:nvPr/>
+        </p:nvSpPr>
+        <p:spPr>
+          <a:xfrm>
+            <a:off x="4755728" y="4684494"/>
+            <a:ext cx="3816424" cy="369332"/>
+          </a:xfrm>
+          <a:prstGeom prst="rect">
+            <a:avLst/>
+          </a:prstGeom>
+          <a:noFill/>
+        </p:spPr>
+        <p:txBody>
+          <a:bodyPr wrap="square" rtlCol="0">
+            <a:spAutoFit/>
+          </a:bodyPr>
+          <a:lstStyle/>
+          <a:p>
+            <a:r>
+              <a:rPr lang="ru-RU" dirty="0" smtClean="0">
+                <a:solidFill>
+                  <a:schemeClr val="bg1"/>
+                </a:solidFill>
+              </a:rPr>
+              <a:t> - Неверно введенные данные</a:t>
+            </a:r>
+            <a:endParaRPr lang="ru-RU" dirty="0">
+              <a:solidFill>
+                <a:schemeClr val="bg1"/>
+              </a:solidFill>
+            </a:endParaRPr>
+          </a:p>
+        </p:txBody>
+      </p:sp>
     </p:spTree>
     <p:extLst>
       <p:ext uri="{BB962C8B-B14F-4D97-AF65-F5344CB8AC3E}">
-        <p14:creationId xmlns:p14="http://schemas.microsoft.com/office/powerpoint/2010/main" val="3414237432"/>
+        <p14:creationId xmlns:p14="http://schemas.microsoft.com/office/powerpoint/2010/main" val="3870283732"/>
       </p:ext>
     </p:extLst>
   </p:cSld>
@@ -6212,8 +6369,8 @@
         </p:nvSpPr>
         <p:spPr>
           <a:xfrm>
-            <a:off x="323528" y="-36675"/>
-            <a:ext cx="8280920" cy="1569660"/>
+            <a:off x="323528" y="55657"/>
+            <a:ext cx="8280920" cy="1384995"/>
           </a:xfrm>
           <a:prstGeom prst="rect">
             <a:avLst/>
@@ -6237,14 +6394,14 @@
           </a:p>
           <a:p>
             <a:r>
-              <a:rPr lang="ru-RU" sz="4800" dirty="0" smtClean="0">
-                <a:solidFill>
-                  <a:schemeClr val="bg1"/>
-                </a:solidFill>
-              </a:rPr>
-              <a:t>Регистрация</a:t>
-            </a:r>
-            <a:endParaRPr lang="ru-RU" sz="4800" dirty="0">
+              <a:rPr lang="ru-RU" sz="3600" dirty="0" smtClean="0">
+                <a:solidFill>
+                  <a:schemeClr val="bg1"/>
+                </a:solidFill>
+              </a:rPr>
+              <a:t>Профиль пользователя</a:t>
+            </a:r>
+            <a:endParaRPr lang="ru-RU" sz="3600" dirty="0">
               <a:solidFill>
                 <a:schemeClr val="bg1"/>
               </a:solidFill>
@@ -6254,7 +6411,7 @@
       </p:sp>
       <p:pic>
         <p:nvPicPr>
-          <p:cNvPr id="9219" name="Picture 3"/>
+          <p:cNvPr id="10242" name="Picture 2"/>
           <p:cNvPicPr>
             <a:picLocks noChangeAspect="1" noChangeArrowheads="1"/>
           </p:cNvPicPr>
@@ -6275,8 +6432,8 @@
         </p:blipFill>
         <p:spPr bwMode="auto">
           <a:xfrm>
-            <a:off x="352376" y="1532985"/>
-            <a:ext cx="4111612" cy="2055806"/>
+            <a:off x="395289" y="1628775"/>
+            <a:ext cx="3461946" cy="4608537"/>
           </a:xfrm>
           <a:prstGeom prst="rect">
             <a:avLst/>
@@ -6318,7 +6475,7 @@
       </p:pic>
       <p:pic>
         <p:nvPicPr>
-          <p:cNvPr id="9220" name="Picture 4"/>
+          <p:cNvPr id="10245" name="Picture 5"/>
           <p:cNvPicPr>
             <a:picLocks noChangeAspect="1" noChangeArrowheads="1"/>
           </p:cNvPicPr>
@@ -6339,8 +6496,8 @@
         </p:blipFill>
         <p:spPr bwMode="auto">
           <a:xfrm>
-            <a:off x="365324" y="3717032"/>
-            <a:ext cx="4131769" cy="2304256"/>
+            <a:off x="4211960" y="1628775"/>
+            <a:ext cx="4247366" cy="4608537"/>
           </a:xfrm>
           <a:prstGeom prst="rect">
             <a:avLst/>
@@ -6380,86 +6537,10 @@
           </a:extLst>
         </p:spPr>
       </p:pic>
-      <p:sp>
-        <p:nvSpPr>
-          <p:cNvPr id="2" name="TextBox 1"/>
-          <p:cNvSpPr txBox="1"/>
-          <p:nvPr/>
-        </p:nvSpPr>
-        <p:spPr>
-          <a:xfrm>
-            <a:off x="4788024" y="2376222"/>
-            <a:ext cx="3816424" cy="369332"/>
-          </a:xfrm>
-          <a:prstGeom prst="rect">
-            <a:avLst/>
-          </a:prstGeom>
-          <a:noFill/>
-        </p:spPr>
-        <p:txBody>
-          <a:bodyPr wrap="square" rtlCol="0">
-            <a:spAutoFit/>
-          </a:bodyPr>
-          <a:lstStyle/>
-          <a:p>
-            <a:r>
-              <a:rPr lang="ru-RU" dirty="0" smtClean="0">
-                <a:solidFill>
-                  <a:schemeClr val="bg1"/>
-                </a:solidFill>
-              </a:rPr>
-              <a:t> - Верно введенные данные</a:t>
-            </a:r>
-            <a:endParaRPr lang="ru-RU" dirty="0">
-              <a:solidFill>
-                <a:schemeClr val="bg1"/>
-              </a:solidFill>
-            </a:endParaRPr>
-          </a:p>
-        </p:txBody>
-      </p:sp>
-      <p:sp>
-        <p:nvSpPr>
-          <p:cNvPr id="10" name="TextBox 9"/>
-          <p:cNvSpPr txBox="1"/>
-          <p:nvPr/>
-        </p:nvSpPr>
-        <p:spPr>
-          <a:xfrm>
-            <a:off x="4755728" y="4684494"/>
-            <a:ext cx="3816424" cy="369332"/>
-          </a:xfrm>
-          <a:prstGeom prst="rect">
-            <a:avLst/>
-          </a:prstGeom>
-          <a:noFill/>
-        </p:spPr>
-        <p:txBody>
-          <a:bodyPr wrap="square" rtlCol="0">
-            <a:spAutoFit/>
-          </a:bodyPr>
-          <a:lstStyle/>
-          <a:p>
-            <a:r>
-              <a:rPr lang="ru-RU" dirty="0" smtClean="0">
-                <a:solidFill>
-                  <a:schemeClr val="bg1"/>
-                </a:solidFill>
-              </a:rPr>
-              <a:t> - Неверно введенные данные</a:t>
-            </a:r>
-            <a:endParaRPr lang="ru-RU" dirty="0">
-              <a:solidFill>
-                <a:schemeClr val="bg1"/>
-              </a:solidFill>
-            </a:endParaRPr>
-          </a:p>
-        </p:txBody>
-      </p:sp>
     </p:spTree>
     <p:extLst>
       <p:ext uri="{BB962C8B-B14F-4D97-AF65-F5344CB8AC3E}">
-        <p14:creationId xmlns:p14="http://schemas.microsoft.com/office/powerpoint/2010/main" val="3870283732"/>
+        <p14:creationId xmlns:p14="http://schemas.microsoft.com/office/powerpoint/2010/main" val="1776562215"/>
       </p:ext>
     </p:extLst>
   </p:cSld>
@@ -6847,8 +6928,8 @@
         </p:nvSpPr>
         <p:spPr>
           <a:xfrm>
-            <a:off x="323528" y="-36675"/>
-            <a:ext cx="8280920" cy="1569660"/>
+            <a:off x="323528" y="55657"/>
+            <a:ext cx="8280920" cy="1384995"/>
           </a:xfrm>
           <a:prstGeom prst="rect">
             <a:avLst/>
@@ -6872,14 +6953,14 @@
           </a:p>
           <a:p>
             <a:r>
-              <a:rPr lang="ru-RU" sz="4800" dirty="0" smtClean="0">
-                <a:solidFill>
-                  <a:schemeClr val="bg1"/>
-                </a:solidFill>
-              </a:rPr>
-              <a:t>Регистрация</a:t>
-            </a:r>
-            <a:endParaRPr lang="ru-RU" sz="4800" dirty="0">
+              <a:rPr lang="ru-RU" sz="3600" dirty="0" smtClean="0">
+                <a:solidFill>
+                  <a:schemeClr val="bg1"/>
+                </a:solidFill>
+              </a:rPr>
+              <a:t>Список категорий</a:t>
+            </a:r>
+            <a:endParaRPr lang="ru-RU" sz="3600" dirty="0">
               <a:solidFill>
                 <a:schemeClr val="bg1"/>
               </a:solidFill>
@@ -6889,7 +6970,7 @@
       </p:sp>
       <p:pic>
         <p:nvPicPr>
-          <p:cNvPr id="9219" name="Picture 3"/>
+          <p:cNvPr id="11266" name="Picture 2"/>
           <p:cNvPicPr>
             <a:picLocks noChangeAspect="1" noChangeArrowheads="1"/>
           </p:cNvPicPr>
@@ -6910,8 +6991,8 @@
         </p:blipFill>
         <p:spPr bwMode="auto">
           <a:xfrm>
-            <a:off x="352376" y="1532985"/>
-            <a:ext cx="4111612" cy="2055806"/>
+            <a:off x="657225" y="2147888"/>
+            <a:ext cx="7829550" cy="2562225"/>
           </a:xfrm>
           <a:prstGeom prst="rect">
             <a:avLst/>
@@ -6951,150 +7032,10 @@
           </a:extLst>
         </p:spPr>
       </p:pic>
-      <p:pic>
-        <p:nvPicPr>
-          <p:cNvPr id="9220" name="Picture 4"/>
-          <p:cNvPicPr>
-            <a:picLocks noChangeAspect="1" noChangeArrowheads="1"/>
-          </p:cNvPicPr>
-          <p:nvPr/>
-        </p:nvPicPr>
-        <p:blipFill>
-          <a:blip r:embed="rId5">
-            <a:extLst>
-              <a:ext uri="{28A0092B-C50C-407E-A947-70E740481C1C}">
-                <a14:useLocalDpi xmlns:a14="http://schemas.microsoft.com/office/drawing/2010/main" val="0"/>
-              </a:ext>
-            </a:extLst>
-          </a:blip>
-          <a:srcRect/>
-          <a:stretch>
-            <a:fillRect/>
-          </a:stretch>
-        </p:blipFill>
-        <p:spPr bwMode="auto">
-          <a:xfrm>
-            <a:off x="365324" y="3717032"/>
-            <a:ext cx="4131769" cy="2304256"/>
-          </a:xfrm>
-          <a:prstGeom prst="rect">
-            <a:avLst/>
-          </a:prstGeom>
-          <a:noFill/>
-          <a:ln>
-            <a:noFill/>
-          </a:ln>
-          <a:effectLst/>
-          <a:extLst>
-            <a:ext uri="{909E8E84-426E-40DD-AFC4-6F175D3DCCD1}">
-              <a14:hiddenFill xmlns:a14="http://schemas.microsoft.com/office/drawing/2010/main">
-                <a:solidFill>
-                  <a:schemeClr val="accent1"/>
-                </a:solidFill>
-              </a14:hiddenFill>
-            </a:ext>
-            <a:ext uri="{91240B29-F687-4F45-9708-019B960494DF}">
-              <a14:hiddenLine xmlns:a14="http://schemas.microsoft.com/office/drawing/2010/main" w="9525">
-                <a:solidFill>
-                  <a:schemeClr val="tx1"/>
-                </a:solidFill>
-                <a:miter lim="800000"/>
-                <a:headEnd/>
-                <a:tailEnd/>
-              </a14:hiddenLine>
-            </a:ext>
-            <a:ext uri="{AF507438-7753-43E0-B8FC-AC1667EBCBE1}">
-              <a14:hiddenEffects xmlns:a14="http://schemas.microsoft.com/office/drawing/2010/main">
-                <a:effectLst>
-                  <a:outerShdw dist="35921" dir="2700000" algn="ctr" rotWithShape="0">
-                    <a:schemeClr val="bg2"/>
-                  </a:outerShdw>
-                </a:effectLst>
-              </a14:hiddenEffects>
-            </a:ext>
-          </a:extLst>
-        </p:spPr>
-      </p:pic>
-      <p:sp>
-        <p:nvSpPr>
-          <p:cNvPr id="2" name="TextBox 1"/>
-          <p:cNvSpPr txBox="1"/>
-          <p:nvPr/>
-        </p:nvSpPr>
-        <p:spPr>
-          <a:xfrm>
-            <a:off x="4788024" y="2376222"/>
-            <a:ext cx="3816424" cy="369332"/>
-          </a:xfrm>
-          <a:prstGeom prst="rect">
-            <a:avLst/>
-          </a:prstGeom>
-          <a:noFill/>
-        </p:spPr>
-        <p:txBody>
-          <a:bodyPr wrap="square" rtlCol="0">
-            <a:spAutoFit/>
-          </a:bodyPr>
-          <a:lstStyle/>
-          <a:p>
-            <a:r>
-              <a:rPr lang="ru-RU" dirty="0" smtClean="0">
-                <a:solidFill>
-                  <a:schemeClr val="bg1"/>
-                </a:solidFill>
-              </a:rPr>
-              <a:t> - Верно введенные данные</a:t>
-            </a:r>
-            <a:endParaRPr lang="ru-RU" dirty="0">
-              <a:solidFill>
-                <a:schemeClr val="bg1"/>
-              </a:solidFill>
-            </a:endParaRPr>
-          </a:p>
-        </p:txBody>
-      </p:sp>
-      <p:sp>
-        <p:nvSpPr>
-          <p:cNvPr id="10" name="TextBox 9"/>
-          <p:cNvSpPr txBox="1"/>
-          <p:nvPr/>
-        </p:nvSpPr>
-        <p:spPr>
-          <a:xfrm>
-            <a:off x="4755728" y="4684494"/>
-            <a:ext cx="3816424" cy="369332"/>
-          </a:xfrm>
-          <a:prstGeom prst="rect">
-            <a:avLst/>
-          </a:prstGeom>
-          <a:noFill/>
-        </p:spPr>
-        <p:txBody>
-          <a:bodyPr wrap="square" rtlCol="0">
-            <a:spAutoFit/>
-          </a:bodyPr>
-          <a:lstStyle/>
-          <a:p>
-            <a:r>
-              <a:rPr lang="ru-RU" dirty="0" smtClean="0">
-                <a:solidFill>
-                  <a:schemeClr val="bg1"/>
-                </a:solidFill>
-              </a:rPr>
-              <a:t> - Неверно введенные данные</a:t>
-            </a:r>
-            <a:endParaRPr lang="ru-RU" dirty="0">
-              <a:solidFill>
-                <a:schemeClr val="bg1"/>
-              </a:solidFill>
-            </a:endParaRPr>
-          </a:p>
-        </p:txBody>
-      </p:sp>
     </p:spTree>
     <p:extLst>
       <p:ext uri="{BB962C8B-B14F-4D97-AF65-F5344CB8AC3E}">
-        <p14:creationId xmlns:p14="http://schemas.microsoft.com/office/powerpoint/2010/main" val="1283144179"/>
+        <p14:creationId xmlns:p14="http://schemas.microsoft.com/office/powerpoint/2010/main" val="3896567051"/>
       </p:ext>
     </p:extLst>
   </p:cSld>
@@ -7175,8 +7116,8 @@
         </p:nvSpPr>
         <p:spPr>
           <a:xfrm>
-            <a:off x="323528" y="-36675"/>
-            <a:ext cx="8280920" cy="1569660"/>
+            <a:off x="323528" y="55657"/>
+            <a:ext cx="8280920" cy="1384995"/>
           </a:xfrm>
           <a:prstGeom prst="rect">
             <a:avLst/>
@@ -7200,14 +7141,14 @@
           </a:p>
           <a:p>
             <a:r>
-              <a:rPr lang="ru-RU" sz="4800" dirty="0" smtClean="0">
-                <a:solidFill>
-                  <a:schemeClr val="bg1"/>
-                </a:solidFill>
-              </a:rPr>
-              <a:t>Профиль пользователя</a:t>
-            </a:r>
-            <a:endParaRPr lang="ru-RU" sz="4800" dirty="0">
+              <a:rPr lang="ru-RU" sz="3600" dirty="0" smtClean="0">
+                <a:solidFill>
+                  <a:schemeClr val="bg1"/>
+                </a:solidFill>
+              </a:rPr>
+              <a:t>Список тем</a:t>
+            </a:r>
+            <a:endParaRPr lang="ru-RU" sz="3600" dirty="0">
               <a:solidFill>
                 <a:schemeClr val="bg1"/>
               </a:solidFill>
@@ -7217,7 +7158,7 @@
       </p:sp>
       <p:pic>
         <p:nvPicPr>
-          <p:cNvPr id="10242" name="Picture 2"/>
+          <p:cNvPr id="15362" name="Picture 2"/>
           <p:cNvPicPr>
             <a:picLocks noChangeAspect="1" noChangeArrowheads="1"/>
           </p:cNvPicPr>
@@ -7238,72 +7179,8 @@
         </p:blipFill>
         <p:spPr bwMode="auto">
           <a:xfrm>
-            <a:off x="395289" y="1628775"/>
-            <a:ext cx="3461946" cy="4608537"/>
-          </a:xfrm>
-          <a:prstGeom prst="rect">
-            <a:avLst/>
-          </a:prstGeom>
-          <a:noFill/>
-          <a:ln>
-            <a:noFill/>
-          </a:ln>
-          <a:effectLst/>
-          <a:extLst>
-            <a:ext uri="{909E8E84-426E-40DD-AFC4-6F175D3DCCD1}">
-              <a14:hiddenFill xmlns:a14="http://schemas.microsoft.com/office/drawing/2010/main">
-                <a:solidFill>
-                  <a:schemeClr val="accent1"/>
-                </a:solidFill>
-              </a14:hiddenFill>
-            </a:ext>
-            <a:ext uri="{91240B29-F687-4F45-9708-019B960494DF}">
-              <a14:hiddenLine xmlns:a14="http://schemas.microsoft.com/office/drawing/2010/main" w="9525">
-                <a:solidFill>
-                  <a:schemeClr val="tx1"/>
-                </a:solidFill>
-                <a:miter lim="800000"/>
-                <a:headEnd/>
-                <a:tailEnd/>
-              </a14:hiddenLine>
-            </a:ext>
-            <a:ext uri="{AF507438-7753-43E0-B8FC-AC1667EBCBE1}">
-              <a14:hiddenEffects xmlns:a14="http://schemas.microsoft.com/office/drawing/2010/main">
-                <a:effectLst>
-                  <a:outerShdw dist="35921" dir="2700000" algn="ctr" rotWithShape="0">
-                    <a:schemeClr val="bg2"/>
-                  </a:outerShdw>
-                </a:effectLst>
-              </a14:hiddenEffects>
-            </a:ext>
-          </a:extLst>
-        </p:spPr>
-      </p:pic>
-      <p:pic>
-        <p:nvPicPr>
-          <p:cNvPr id="10245" name="Picture 5"/>
-          <p:cNvPicPr>
-            <a:picLocks noChangeAspect="1" noChangeArrowheads="1"/>
-          </p:cNvPicPr>
-          <p:nvPr/>
-        </p:nvPicPr>
-        <p:blipFill>
-          <a:blip r:embed="rId5">
-            <a:extLst>
-              <a:ext uri="{28A0092B-C50C-407E-A947-70E740481C1C}">
-                <a14:useLocalDpi xmlns:a14="http://schemas.microsoft.com/office/drawing/2010/main" val="0"/>
-              </a:ext>
-            </a:extLst>
-          </a:blip>
-          <a:srcRect/>
-          <a:stretch>
-            <a:fillRect/>
-          </a:stretch>
-        </p:blipFill>
-        <p:spPr bwMode="auto">
-          <a:xfrm>
-            <a:off x="4211960" y="1628775"/>
-            <a:ext cx="4247366" cy="4608537"/>
+            <a:off x="390661" y="1772816"/>
+            <a:ext cx="8172450" cy="4200525"/>
           </a:xfrm>
           <a:prstGeom prst="rect">
             <a:avLst/>
@@ -7346,7 +7223,7 @@
     </p:spTree>
     <p:extLst>
       <p:ext uri="{BB962C8B-B14F-4D97-AF65-F5344CB8AC3E}">
-        <p14:creationId xmlns:p14="http://schemas.microsoft.com/office/powerpoint/2010/main" val="1776562215"/>
+        <p14:creationId xmlns:p14="http://schemas.microsoft.com/office/powerpoint/2010/main" val="3523971740"/>
       </p:ext>
     </p:extLst>
   </p:cSld>
@@ -7427,8 +7304,8 @@
         </p:nvSpPr>
         <p:spPr>
           <a:xfrm>
-            <a:off x="323528" y="-36675"/>
-            <a:ext cx="8280920" cy="1569660"/>
+            <a:off x="323528" y="55657"/>
+            <a:ext cx="8280920" cy="1384995"/>
           </a:xfrm>
           <a:prstGeom prst="rect">
             <a:avLst/>
@@ -7452,14 +7329,14 @@
           </a:p>
           <a:p>
             <a:r>
-              <a:rPr lang="ru-RU" sz="4800" dirty="0" smtClean="0">
-                <a:solidFill>
-                  <a:schemeClr val="bg1"/>
-                </a:solidFill>
-              </a:rPr>
-              <a:t>Список категорий</a:t>
-            </a:r>
-            <a:endParaRPr lang="ru-RU" sz="4800" dirty="0">
+              <a:rPr lang="ru-RU" sz="3600" dirty="0" smtClean="0">
+                <a:solidFill>
+                  <a:schemeClr val="bg1"/>
+                </a:solidFill>
+              </a:rPr>
+              <a:t>Создание темы</a:t>
+            </a:r>
+            <a:endParaRPr lang="ru-RU" sz="3600" dirty="0">
               <a:solidFill>
                 <a:schemeClr val="bg1"/>
               </a:solidFill>
@@ -7469,7 +7346,7 @@
       </p:sp>
       <p:pic>
         <p:nvPicPr>
-          <p:cNvPr id="11266" name="Picture 2"/>
+          <p:cNvPr id="16386" name="Picture 2"/>
           <p:cNvPicPr>
             <a:picLocks noChangeAspect="1" noChangeArrowheads="1"/>
           </p:cNvPicPr>
@@ -7490,8 +7367,8 @@
         </p:blipFill>
         <p:spPr bwMode="auto">
           <a:xfrm>
-            <a:off x="657225" y="2147888"/>
-            <a:ext cx="7829550" cy="2562225"/>
+            <a:off x="600075" y="1771650"/>
+            <a:ext cx="7943850" cy="3314700"/>
           </a:xfrm>
           <a:prstGeom prst="rect">
             <a:avLst/>
@@ -7534,7 +7411,7 @@
     </p:spTree>
     <p:extLst>
       <p:ext uri="{BB962C8B-B14F-4D97-AF65-F5344CB8AC3E}">
-        <p14:creationId xmlns:p14="http://schemas.microsoft.com/office/powerpoint/2010/main" val="3896567051"/>
+        <p14:creationId xmlns:p14="http://schemas.microsoft.com/office/powerpoint/2010/main" val="679413784"/>
       </p:ext>
     </p:extLst>
   </p:cSld>
@@ -7615,8 +7492,8 @@
         </p:nvSpPr>
         <p:spPr>
           <a:xfrm>
-            <a:off x="323528" y="-36675"/>
-            <a:ext cx="8280920" cy="1569660"/>
+            <a:off x="323528" y="55657"/>
+            <a:ext cx="8280920" cy="1384995"/>
           </a:xfrm>
           <a:prstGeom prst="rect">
             <a:avLst/>
@@ -7640,14 +7517,14 @@
           </a:p>
           <a:p>
             <a:r>
-              <a:rPr lang="ru-RU" sz="4800" dirty="0" smtClean="0">
-                <a:solidFill>
-                  <a:schemeClr val="bg1"/>
-                </a:solidFill>
-              </a:rPr>
-              <a:t>Список тем</a:t>
-            </a:r>
-            <a:endParaRPr lang="ru-RU" sz="4800" dirty="0">
+              <a:rPr lang="ru-RU" sz="3600" dirty="0" smtClean="0">
+                <a:solidFill>
+                  <a:schemeClr val="bg1"/>
+                </a:solidFill>
+              </a:rPr>
+              <a:t>Список сообщений</a:t>
+            </a:r>
+            <a:endParaRPr lang="ru-RU" sz="3600" dirty="0">
               <a:solidFill>
                 <a:schemeClr val="bg1"/>
               </a:solidFill>
@@ -7657,7 +7534,7 @@
       </p:sp>
       <p:pic>
         <p:nvPicPr>
-          <p:cNvPr id="15362" name="Picture 2"/>
+          <p:cNvPr id="17411" name="Picture 3"/>
           <p:cNvPicPr>
             <a:picLocks noChangeAspect="1" noChangeArrowheads="1"/>
           </p:cNvPicPr>
@@ -7678,8 +7555,8 @@
         </p:blipFill>
         <p:spPr bwMode="auto">
           <a:xfrm>
-            <a:off x="390661" y="1772816"/>
-            <a:ext cx="8172450" cy="4200525"/>
+            <a:off x="511113" y="1844824"/>
+            <a:ext cx="8191500" cy="4533900"/>
           </a:xfrm>
           <a:prstGeom prst="rect">
             <a:avLst/>
@@ -7722,7 +7599,7 @@
     </p:spTree>
     <p:extLst>
       <p:ext uri="{BB962C8B-B14F-4D97-AF65-F5344CB8AC3E}">
-        <p14:creationId xmlns:p14="http://schemas.microsoft.com/office/powerpoint/2010/main" val="3523971740"/>
+        <p14:creationId xmlns:p14="http://schemas.microsoft.com/office/powerpoint/2010/main" val="1489732951"/>
       </p:ext>
     </p:extLst>
   </p:cSld>
@@ -7803,8 +7680,8 @@
         </p:nvSpPr>
         <p:spPr>
           <a:xfrm>
-            <a:off x="323528" y="-36675"/>
-            <a:ext cx="8280920" cy="1569660"/>
+            <a:off x="323528" y="55657"/>
+            <a:ext cx="8280920" cy="1384995"/>
           </a:xfrm>
           <a:prstGeom prst="rect">
             <a:avLst/>
@@ -7828,14 +7705,14 @@
           </a:p>
           <a:p>
             <a:r>
-              <a:rPr lang="ru-RU" sz="4800" dirty="0" smtClean="0">
-                <a:solidFill>
-                  <a:schemeClr val="bg1"/>
-                </a:solidFill>
-              </a:rPr>
-              <a:t>Создание темы</a:t>
-            </a:r>
-            <a:endParaRPr lang="ru-RU" sz="4800" dirty="0">
+              <a:rPr lang="ru-RU" sz="3600" dirty="0" smtClean="0">
+                <a:solidFill>
+                  <a:schemeClr val="bg1"/>
+                </a:solidFill>
+              </a:rPr>
+              <a:t>Написание сообщения</a:t>
+            </a:r>
+            <a:endParaRPr lang="ru-RU" sz="3600" dirty="0">
               <a:solidFill>
                 <a:schemeClr val="bg1"/>
               </a:solidFill>
@@ -7845,7 +7722,7 @@
       </p:sp>
       <p:pic>
         <p:nvPicPr>
-          <p:cNvPr id="16386" name="Picture 2"/>
+          <p:cNvPr id="18434" name="Picture 2"/>
           <p:cNvPicPr>
             <a:picLocks noChangeAspect="1" noChangeArrowheads="1"/>
           </p:cNvPicPr>
@@ -7866,8 +7743,8 @@
         </p:blipFill>
         <p:spPr bwMode="auto">
           <a:xfrm>
-            <a:off x="600075" y="1771650"/>
-            <a:ext cx="7943850" cy="3314700"/>
+            <a:off x="595313" y="1905000"/>
+            <a:ext cx="7953375" cy="3048000"/>
           </a:xfrm>
           <a:prstGeom prst="rect">
             <a:avLst/>
@@ -7910,7 +7787,7 @@
     </p:spTree>
     <p:extLst>
       <p:ext uri="{BB962C8B-B14F-4D97-AF65-F5344CB8AC3E}">
-        <p14:creationId xmlns:p14="http://schemas.microsoft.com/office/powerpoint/2010/main" val="679413784"/>
+        <p14:creationId xmlns:p14="http://schemas.microsoft.com/office/powerpoint/2010/main" val="522519722"/>
       </p:ext>
     </p:extLst>
   </p:cSld>
@@ -7933,7 +7810,7 @@
     <p:bg>
       <p:bgPr>
         <a:blipFill dpi="0" rotWithShape="1">
-          <a:blip r:embed="rId2">
+          <a:blip r:embed="rId3">
             <a:alphaModFix amt="18000"/>
             <a:duotone>
               <a:prstClr val="black"/>
@@ -7946,7 +7823,7 @@
             <a:extLst>
               <a:ext uri="{BEBA8EAE-BF5A-486C-A8C5-ECC9F3942E4B}">
                 <a14:imgProps xmlns:a14="http://schemas.microsoft.com/office/drawing/2010/main">
-                  <a14:imgLayer r:embed="rId3">
+                  <a14:imgLayer r:embed="rId4">
                     <a14:imgEffect>
                       <a14:colorTemperature colorTemp="8250"/>
                     </a14:imgEffect>
@@ -7991,8 +7868,8 @@
         </p:nvSpPr>
         <p:spPr>
           <a:xfrm>
-            <a:off x="323528" y="-36675"/>
-            <a:ext cx="8280920" cy="1569660"/>
+            <a:off x="323528" y="332656"/>
+            <a:ext cx="8280920" cy="830997"/>
           </a:xfrm>
           <a:prstGeom prst="rect">
             <a:avLst/>
@@ -8011,19 +7888,17 @@
                   <a:schemeClr val="bg1"/>
                 </a:solidFill>
               </a:rPr>
-              <a:t>Проектирование модулей.</a:t>
-            </a:r>
-          </a:p>
-          <a:p>
+              <a:t>Проектирование модулей</a:t>
+            </a:r>
             <a:r>
               <a:rPr lang="ru-RU" sz="4800" dirty="0" smtClean="0">
                 <a:solidFill>
                   <a:schemeClr val="bg1"/>
                 </a:solidFill>
               </a:rPr>
-              <a:t>Список сообщений</a:t>
-            </a:r>
-            <a:endParaRPr lang="ru-RU" sz="4800" dirty="0">
+              <a:t>.</a:t>
+            </a:r>
+            <a:endParaRPr lang="ru-RU" sz="4800" dirty="0" smtClean="0">
               <a:solidFill>
                 <a:schemeClr val="bg1"/>
               </a:solidFill>
@@ -8031,31 +7906,18 @@
           </a:p>
         </p:txBody>
       </p:sp>
-      <p:pic>
-        <p:nvPicPr>
-          <p:cNvPr id="17411" name="Picture 3"/>
-          <p:cNvPicPr>
-            <a:picLocks noChangeAspect="1" noChangeArrowheads="1"/>
-          </p:cNvPicPr>
+      <p:sp>
+        <p:nvSpPr>
+          <p:cNvPr id="2" name="Rectangle 2"/>
+          <p:cNvSpPr>
+            <a:spLocks noChangeArrowheads="1"/>
+          </p:cNvSpPr>
           <p:nvPr/>
-        </p:nvPicPr>
-        <p:blipFill>
-          <a:blip r:embed="rId4">
-            <a:extLst>
-              <a:ext uri="{28A0092B-C50C-407E-A947-70E740481C1C}">
-                <a14:useLocalDpi xmlns:a14="http://schemas.microsoft.com/office/drawing/2010/main" val="0"/>
-              </a:ext>
-            </a:extLst>
-          </a:blip>
-          <a:srcRect/>
-          <a:stretch>
-            <a:fillRect/>
-          </a:stretch>
-        </p:blipFill>
+        </p:nvSpPr>
         <p:spPr bwMode="auto">
           <a:xfrm>
-            <a:off x="511113" y="1844824"/>
-            <a:ext cx="8191500" cy="4533900"/>
+            <a:off x="0" y="0"/>
+            <a:ext cx="9144000" cy="0"/>
           </a:xfrm>
           <a:prstGeom prst="rect">
             <a:avLst/>
@@ -8094,11 +7956,270 @@
             </a:ext>
           </a:extLst>
         </p:spPr>
-      </p:pic>
+        <p:txBody>
+          <a:bodyPr vert="horz" wrap="none" lIns="91440" tIns="45720" rIns="91440" bIns="45720" numCol="1" anchor="ctr" anchorCtr="0" compatLnSpc="1">
+            <a:prstTxWarp prst="textNoShape">
+              <a:avLst/>
+            </a:prstTxWarp>
+            <a:spAutoFit/>
+          </a:bodyPr>
+          <a:lstStyle/>
+          <a:p>
+            <a:endParaRPr lang="ru-RU"/>
+          </a:p>
+        </p:txBody>
+      </p:sp>
+      <p:graphicFrame>
+        <p:nvGraphicFramePr>
+          <p:cNvPr id="3" name="Объект 2"/>
+          <p:cNvGraphicFramePr>
+            <a:graphicFrameLocks noChangeAspect="1"/>
+          </p:cNvGraphicFramePr>
+          <p:nvPr>
+            <p:extLst>
+              <p:ext uri="{D42A27DB-BD31-4B8C-83A1-F6EECF244321}">
+                <p14:modId xmlns:p14="http://schemas.microsoft.com/office/powerpoint/2010/main" val="782826583"/>
+              </p:ext>
+            </p:extLst>
+          </p:nvPr>
+        </p:nvGraphicFramePr>
+        <p:xfrm>
+          <a:off x="4860032" y="1844824"/>
+          <a:ext cx="3905250" cy="3933825"/>
+        </p:xfrm>
+        <a:graphic>
+          <a:graphicData uri="http://schemas.openxmlformats.org/presentationml/2006/ole">
+            <mc:AlternateContent xmlns:mc="http://schemas.openxmlformats.org/markup-compatibility/2006">
+              <mc:Choice xmlns:v="urn:schemas-microsoft-com:vml" Requires="v">
+                <p:oleObj spid="_x0000_s12305" name="Visio" r:id="rId5" imgW="6322461" imgH="6354180" progId="Visio.Drawing.11">
+                  <p:embed/>
+                </p:oleObj>
+              </mc:Choice>
+              <mc:Fallback>
+                <p:oleObj name="Visio" r:id="rId5" imgW="6322461" imgH="6354180" progId="Visio.Drawing.11">
+                  <p:embed/>
+                  <p:pic>
+                    <p:nvPicPr>
+                      <p:cNvPr id="0" name="Object 1"/>
+                      <p:cNvPicPr>
+                        <a:picLocks noChangeAspect="1" noChangeArrowheads="1"/>
+                      </p:cNvPicPr>
+                      <p:nvPr/>
+                    </p:nvPicPr>
+                    <p:blipFill>
+                      <a:blip r:embed="rId6">
+                        <a:extLst>
+                          <a:ext uri="{28A0092B-C50C-407E-A947-70E740481C1C}">
+                            <a14:useLocalDpi xmlns:a14="http://schemas.microsoft.com/office/drawing/2010/main" val="0"/>
+                          </a:ext>
+                        </a:extLst>
+                      </a:blip>
+                      <a:srcRect/>
+                      <a:stretch>
+                        <a:fillRect/>
+                      </a:stretch>
+                    </p:blipFill>
+                    <p:spPr bwMode="auto">
+                      <a:xfrm>
+                        <a:off x="4860032" y="1844824"/>
+                        <a:ext cx="3905250" cy="3933825"/>
+                      </a:xfrm>
+                      <a:prstGeom prst="rect">
+                        <a:avLst/>
+                      </a:prstGeom>
+                      <a:noFill/>
+                      <a:extLst>
+                        <a:ext uri="{909E8E84-426E-40DD-AFC4-6F175D3DCCD1}">
+                          <a14:hiddenFill xmlns:a14="http://schemas.microsoft.com/office/drawing/2010/main">
+                            <a:solidFill>
+                              <a:srgbClr val="FFFFFF"/>
+                            </a:solidFill>
+                          </a14:hiddenFill>
+                        </a:ext>
+                      </a:extLst>
+                    </p:spPr>
+                  </p:pic>
+                </p:oleObj>
+              </mc:Fallback>
+            </mc:AlternateContent>
+          </a:graphicData>
+        </a:graphic>
+      </p:graphicFrame>
+      <p:sp>
+        <p:nvSpPr>
+          <p:cNvPr id="5" name="Rectangle 4"/>
+          <p:cNvSpPr>
+            <a:spLocks noChangeArrowheads="1"/>
+          </p:cNvSpPr>
+          <p:nvPr/>
+        </p:nvSpPr>
+        <p:spPr bwMode="auto">
+          <a:xfrm>
+            <a:off x="0" y="0"/>
+            <a:ext cx="9144000" cy="0"/>
+          </a:xfrm>
+          <a:prstGeom prst="rect">
+            <a:avLst/>
+          </a:prstGeom>
+          <a:noFill/>
+          <a:ln>
+            <a:noFill/>
+          </a:ln>
+          <a:effectLst/>
+          <a:extLst>
+            <a:ext uri="{909E8E84-426E-40DD-AFC4-6F175D3DCCD1}">
+              <a14:hiddenFill xmlns:a14="http://schemas.microsoft.com/office/drawing/2010/main">
+                <a:solidFill>
+                  <a:schemeClr val="accent1"/>
+                </a:solidFill>
+              </a14:hiddenFill>
+            </a:ext>
+            <a:ext uri="{91240B29-F687-4F45-9708-019B960494DF}">
+              <a14:hiddenLine xmlns:a14="http://schemas.microsoft.com/office/drawing/2010/main" w="9525">
+                <a:solidFill>
+                  <a:schemeClr val="tx1"/>
+                </a:solidFill>
+                <a:miter lim="800000"/>
+                <a:headEnd/>
+                <a:tailEnd/>
+              </a14:hiddenLine>
+            </a:ext>
+            <a:ext uri="{AF507438-7753-43E0-B8FC-AC1667EBCBE1}">
+              <a14:hiddenEffects xmlns:a14="http://schemas.microsoft.com/office/drawing/2010/main">
+                <a:effectLst>
+                  <a:outerShdw dist="35921" dir="2700000" algn="ctr" rotWithShape="0">
+                    <a:schemeClr val="bg2"/>
+                  </a:outerShdw>
+                </a:effectLst>
+              </a14:hiddenEffects>
+            </a:ext>
+          </a:extLst>
+        </p:spPr>
+        <p:txBody>
+          <a:bodyPr vert="horz" wrap="none" lIns="91440" tIns="45720" rIns="91440" bIns="45720" numCol="1" anchor="ctr" anchorCtr="0" compatLnSpc="1">
+            <a:prstTxWarp prst="textNoShape">
+              <a:avLst/>
+            </a:prstTxWarp>
+            <a:spAutoFit/>
+          </a:bodyPr>
+          <a:lstStyle/>
+          <a:p>
+            <a:endParaRPr lang="ru-RU"/>
+          </a:p>
+        </p:txBody>
+      </p:sp>
+      <p:graphicFrame>
+        <p:nvGraphicFramePr>
+          <p:cNvPr id="6" name="Объект 5"/>
+          <p:cNvGraphicFramePr>
+            <a:graphicFrameLocks noChangeAspect="1"/>
+          </p:cNvGraphicFramePr>
+          <p:nvPr>
+            <p:extLst>
+              <p:ext uri="{D42A27DB-BD31-4B8C-83A1-F6EECF244321}">
+                <p14:modId xmlns:p14="http://schemas.microsoft.com/office/powerpoint/2010/main" val="4138767967"/>
+              </p:ext>
+            </p:extLst>
+          </p:nvPr>
+        </p:nvGraphicFramePr>
+        <p:xfrm>
+          <a:off x="371475" y="1988840"/>
+          <a:ext cx="4200525" cy="3638550"/>
+        </p:xfrm>
+        <a:graphic>
+          <a:graphicData uri="http://schemas.openxmlformats.org/presentationml/2006/ole">
+            <mc:AlternateContent xmlns:mc="http://schemas.openxmlformats.org/markup-compatibility/2006">
+              <mc:Choice xmlns:v="urn:schemas-microsoft-com:vml" Requires="v">
+                <p:oleObj spid="_x0000_s12306" name="Visio" r:id="rId7" imgW="5741676" imgH="4985280" progId="Visio.Drawing.11">
+                  <p:embed/>
+                </p:oleObj>
+              </mc:Choice>
+              <mc:Fallback>
+                <p:oleObj name="Visio" r:id="rId7" imgW="5741676" imgH="4985280" progId="Visio.Drawing.11">
+                  <p:embed/>
+                  <p:pic>
+                    <p:nvPicPr>
+                      <p:cNvPr id="0" name="Object 3"/>
+                      <p:cNvPicPr>
+                        <a:picLocks noChangeAspect="1" noChangeArrowheads="1"/>
+                      </p:cNvPicPr>
+                      <p:nvPr/>
+                    </p:nvPicPr>
+                    <p:blipFill>
+                      <a:blip r:embed="rId8"/>
+                      <a:srcRect/>
+                      <a:stretch>
+                        <a:fillRect/>
+                      </a:stretch>
+                    </p:blipFill>
+                    <p:spPr bwMode="auto">
+                      <a:xfrm>
+                        <a:off x="371475" y="1988840"/>
+                        <a:ext cx="4200525" cy="3638550"/>
+                      </a:xfrm>
+                      <a:prstGeom prst="rect">
+                        <a:avLst/>
+                      </a:prstGeom>
+                      <a:noFill/>
+                      <a:extLst>
+                        <a:ext uri="{909E8E84-426E-40DD-AFC4-6F175D3DCCD1}">
+                          <a14:hiddenFill xmlns:a14="http://schemas.microsoft.com/office/drawing/2010/main">
+                            <a:solidFill>
+                              <a:srgbClr val="FFFFFF"/>
+                            </a:solidFill>
+                          </a14:hiddenFill>
+                        </a:ext>
+                      </a:extLst>
+                    </p:spPr>
+                  </p:pic>
+                </p:oleObj>
+              </mc:Fallback>
+            </mc:AlternateContent>
+          </a:graphicData>
+        </a:graphic>
+      </p:graphicFrame>
+      <p:sp>
+        <p:nvSpPr>
+          <p:cNvPr id="7" name="TextBox 6"/>
+          <p:cNvSpPr txBox="1"/>
+          <p:nvPr/>
+        </p:nvSpPr>
+        <p:spPr>
+          <a:xfrm>
+            <a:off x="323528" y="1196752"/>
+            <a:ext cx="5689748" cy="646331"/>
+          </a:xfrm>
+          <a:prstGeom prst="rect">
+            <a:avLst/>
+          </a:prstGeom>
+          <a:noFill/>
+        </p:spPr>
+        <p:txBody>
+          <a:bodyPr wrap="square" rtlCol="0">
+            <a:spAutoFit/>
+          </a:bodyPr>
+          <a:lstStyle/>
+          <a:p>
+            <a:r>
+              <a:rPr lang="ru-RU" sz="3600" dirty="0">
+                <a:solidFill>
+                  <a:schemeClr val="bg1"/>
+                </a:solidFill>
+              </a:rPr>
+              <a:t>Механизм разделения прав</a:t>
+            </a:r>
+            <a:endParaRPr lang="ru-RU" sz="3600" dirty="0">
+              <a:solidFill>
+                <a:schemeClr val="bg1"/>
+              </a:solidFill>
+            </a:endParaRPr>
+          </a:p>
+        </p:txBody>
+      </p:sp>
     </p:spTree>
     <p:extLst>
       <p:ext uri="{BB962C8B-B14F-4D97-AF65-F5344CB8AC3E}">
-        <p14:creationId xmlns:p14="http://schemas.microsoft.com/office/powerpoint/2010/main" val="1489732951"/>
+        <p14:creationId xmlns:p14="http://schemas.microsoft.com/office/powerpoint/2010/main" val="589223620"/>
       </p:ext>
     </p:extLst>
   </p:cSld>
@@ -8179,8 +8300,8 @@
         </p:nvSpPr>
         <p:spPr>
           <a:xfrm>
-            <a:off x="323528" y="-36675"/>
-            <a:ext cx="8280920" cy="1569660"/>
+            <a:off x="323528" y="322412"/>
+            <a:ext cx="8280920" cy="830997"/>
           </a:xfrm>
           <a:prstGeom prst="rect">
             <a:avLst/>
@@ -8199,611 +8320,17 @@
                   <a:schemeClr val="bg1"/>
                 </a:solidFill>
               </a:rPr>
-              <a:t>Проектирование модулей.</a:t>
-            </a:r>
-          </a:p>
-          <a:p>
+              <a:t>Проектирование модулей</a:t>
+            </a:r>
             <a:r>
               <a:rPr lang="ru-RU" sz="4800" dirty="0" smtClean="0">
                 <a:solidFill>
                   <a:schemeClr val="bg1"/>
                 </a:solidFill>
               </a:rPr>
-              <a:t>Написание сообщения</a:t>
-            </a:r>
-            <a:endParaRPr lang="ru-RU" sz="4800" dirty="0">
-              <a:solidFill>
-                <a:schemeClr val="bg1"/>
-              </a:solidFill>
-            </a:endParaRPr>
-          </a:p>
-        </p:txBody>
-      </p:sp>
-      <p:pic>
-        <p:nvPicPr>
-          <p:cNvPr id="18434" name="Picture 2"/>
-          <p:cNvPicPr>
-            <a:picLocks noChangeAspect="1" noChangeArrowheads="1"/>
-          </p:cNvPicPr>
-          <p:nvPr/>
-        </p:nvPicPr>
-        <p:blipFill>
-          <a:blip r:embed="rId4">
-            <a:extLst>
-              <a:ext uri="{28A0092B-C50C-407E-A947-70E740481C1C}">
-                <a14:useLocalDpi xmlns:a14="http://schemas.microsoft.com/office/drawing/2010/main" val="0"/>
-              </a:ext>
-            </a:extLst>
-          </a:blip>
-          <a:srcRect/>
-          <a:stretch>
-            <a:fillRect/>
-          </a:stretch>
-        </p:blipFill>
-        <p:spPr bwMode="auto">
-          <a:xfrm>
-            <a:off x="595313" y="1905000"/>
-            <a:ext cx="7953375" cy="3048000"/>
-          </a:xfrm>
-          <a:prstGeom prst="rect">
-            <a:avLst/>
-          </a:prstGeom>
-          <a:noFill/>
-          <a:ln>
-            <a:noFill/>
-          </a:ln>
-          <a:effectLst/>
-          <a:extLst>
-            <a:ext uri="{909E8E84-426E-40DD-AFC4-6F175D3DCCD1}">
-              <a14:hiddenFill xmlns:a14="http://schemas.microsoft.com/office/drawing/2010/main">
-                <a:solidFill>
-                  <a:schemeClr val="accent1"/>
-                </a:solidFill>
-              </a14:hiddenFill>
-            </a:ext>
-            <a:ext uri="{91240B29-F687-4F45-9708-019B960494DF}">
-              <a14:hiddenLine xmlns:a14="http://schemas.microsoft.com/office/drawing/2010/main" w="9525">
-                <a:solidFill>
-                  <a:schemeClr val="tx1"/>
-                </a:solidFill>
-                <a:miter lim="800000"/>
-                <a:headEnd/>
-                <a:tailEnd/>
-              </a14:hiddenLine>
-            </a:ext>
-            <a:ext uri="{AF507438-7753-43E0-B8FC-AC1667EBCBE1}">
-              <a14:hiddenEffects xmlns:a14="http://schemas.microsoft.com/office/drawing/2010/main">
-                <a:effectLst>
-                  <a:outerShdw dist="35921" dir="2700000" algn="ctr" rotWithShape="0">
-                    <a:schemeClr val="bg2"/>
-                  </a:outerShdw>
-                </a:effectLst>
-              </a14:hiddenEffects>
-            </a:ext>
-          </a:extLst>
-        </p:spPr>
-      </p:pic>
-    </p:spTree>
-    <p:extLst>
-      <p:ext uri="{BB962C8B-B14F-4D97-AF65-F5344CB8AC3E}">
-        <p14:creationId xmlns:p14="http://schemas.microsoft.com/office/powerpoint/2010/main" val="522519722"/>
-      </p:ext>
-    </p:extLst>
-  </p:cSld>
-  <p:clrMapOvr>
-    <a:masterClrMapping/>
-  </p:clrMapOvr>
-  <p:timing>
-    <p:tnLst>
-      <p:par>
-        <p:cTn id="1" dur="indefinite" restart="never" nodeType="tmRoot"/>
-      </p:par>
-    </p:tnLst>
-  </p:timing>
-</p:sld>
-</file>
-
-<file path=ppt/slides/slide27.xml><?xml version="1.0" encoding="utf-8"?>
-<p:sld xmlns:a="http://schemas.openxmlformats.org/drawingml/2006/main" xmlns:r="http://schemas.openxmlformats.org/officeDocument/2006/relationships" xmlns:p="http://schemas.openxmlformats.org/presentationml/2006/main">
-  <p:cSld>
-    <p:bg>
-      <p:bgPr>
-        <a:blipFill dpi="0" rotWithShape="1">
-          <a:blip r:embed="rId3">
-            <a:alphaModFix amt="18000"/>
-            <a:duotone>
-              <a:prstClr val="black"/>
-              <a:schemeClr val="accent2">
-                <a:tint val="45000"/>
-                <a:satMod val="400000"/>
-              </a:schemeClr>
-            </a:duotone>
-            <a:lum/>
-            <a:extLst>
-              <a:ext uri="{BEBA8EAE-BF5A-486C-A8C5-ECC9F3942E4B}">
-                <a14:imgProps xmlns:a14="http://schemas.microsoft.com/office/drawing/2010/main">
-                  <a14:imgLayer r:embed="rId4">
-                    <a14:imgEffect>
-                      <a14:colorTemperature colorTemp="8250"/>
-                    </a14:imgEffect>
-                    <a14:imgEffect>
-                      <a14:saturation sat="115000"/>
-                    </a14:imgEffect>
-                    <a14:imgEffect>
-                      <a14:brightnessContrast bright="100000" contrast="1000"/>
-                    </a14:imgEffect>
-                  </a14:imgLayer>
-                </a14:imgProps>
-              </a:ext>
-            </a:extLst>
-          </a:blip>
-          <a:srcRect/>
-          <a:stretch>
-            <a:fillRect/>
-          </a:stretch>
-        </a:blipFill>
-        <a:effectLst/>
-      </p:bgPr>
-    </p:bg>
-    <p:spTree>
-      <p:nvGrpSpPr>
-        <p:cNvPr id="1" name=""/>
-        <p:cNvGrpSpPr/>
-        <p:nvPr/>
-      </p:nvGrpSpPr>
-      <p:grpSpPr>
-        <a:xfrm>
-          <a:off x="0" y="0"/>
-          <a:ext cx="0" cy="0"/>
-          <a:chOff x="0" y="0"/>
-          <a:chExt cx="0" cy="0"/>
-        </a:xfrm>
-      </p:grpSpPr>
-      <p:sp>
-        <p:nvSpPr>
-          <p:cNvPr id="4" name="TextBox 3"/>
-          <p:cNvSpPr txBox="1"/>
-          <p:nvPr/>
-        </p:nvSpPr>
-        <p:spPr>
-          <a:xfrm>
-            <a:off x="323528" y="-36675"/>
-            <a:ext cx="8280920" cy="1569660"/>
-          </a:xfrm>
-          <a:prstGeom prst="rect">
-            <a:avLst/>
-          </a:prstGeom>
-          <a:noFill/>
-        </p:spPr>
-        <p:txBody>
-          <a:bodyPr wrap="square" rtlCol="0" anchor="ctr">
-            <a:spAutoFit/>
-          </a:bodyPr>
-          <a:lstStyle/>
-          <a:p>
-            <a:r>
-              <a:rPr lang="ru-RU" sz="4800" dirty="0" smtClean="0">
-                <a:solidFill>
-                  <a:schemeClr val="bg1"/>
-                </a:solidFill>
-              </a:rPr>
-              <a:t>Проектирование модулей.</a:t>
-            </a:r>
-          </a:p>
-          <a:p>
-            <a:r>
-              <a:rPr lang="ru-RU" sz="4800" dirty="0" smtClean="0">
-                <a:solidFill>
-                  <a:schemeClr val="bg1"/>
-                </a:solidFill>
-              </a:rPr>
-              <a:t>Механизм разделения прав</a:t>
-            </a:r>
-            <a:endParaRPr lang="ru-RU" sz="4800" dirty="0">
-              <a:solidFill>
-                <a:schemeClr val="bg1"/>
-              </a:solidFill>
-            </a:endParaRPr>
-          </a:p>
-        </p:txBody>
-      </p:sp>
-      <p:sp>
-        <p:nvSpPr>
-          <p:cNvPr id="2" name="Rectangle 2"/>
-          <p:cNvSpPr>
-            <a:spLocks noChangeArrowheads="1"/>
-          </p:cNvSpPr>
-          <p:nvPr/>
-        </p:nvSpPr>
-        <p:spPr bwMode="auto">
-          <a:xfrm>
-            <a:off x="0" y="0"/>
-            <a:ext cx="9144000" cy="0"/>
-          </a:xfrm>
-          <a:prstGeom prst="rect">
-            <a:avLst/>
-          </a:prstGeom>
-          <a:noFill/>
-          <a:ln>
-            <a:noFill/>
-          </a:ln>
-          <a:effectLst/>
-          <a:extLst>
-            <a:ext uri="{909E8E84-426E-40DD-AFC4-6F175D3DCCD1}">
-              <a14:hiddenFill xmlns:a14="http://schemas.microsoft.com/office/drawing/2010/main">
-                <a:solidFill>
-                  <a:schemeClr val="accent1"/>
-                </a:solidFill>
-              </a14:hiddenFill>
-            </a:ext>
-            <a:ext uri="{91240B29-F687-4F45-9708-019B960494DF}">
-              <a14:hiddenLine xmlns:a14="http://schemas.microsoft.com/office/drawing/2010/main" w="9525">
-                <a:solidFill>
-                  <a:schemeClr val="tx1"/>
-                </a:solidFill>
-                <a:miter lim="800000"/>
-                <a:headEnd/>
-                <a:tailEnd/>
-              </a14:hiddenLine>
-            </a:ext>
-            <a:ext uri="{AF507438-7753-43E0-B8FC-AC1667EBCBE1}">
-              <a14:hiddenEffects xmlns:a14="http://schemas.microsoft.com/office/drawing/2010/main">
-                <a:effectLst>
-                  <a:outerShdw dist="35921" dir="2700000" algn="ctr" rotWithShape="0">
-                    <a:schemeClr val="bg2"/>
-                  </a:outerShdw>
-                </a:effectLst>
-              </a14:hiddenEffects>
-            </a:ext>
-          </a:extLst>
-        </p:spPr>
-        <p:txBody>
-          <a:bodyPr vert="horz" wrap="none" lIns="91440" tIns="45720" rIns="91440" bIns="45720" numCol="1" anchor="ctr" anchorCtr="0" compatLnSpc="1">
-            <a:prstTxWarp prst="textNoShape">
-              <a:avLst/>
-            </a:prstTxWarp>
-            <a:spAutoFit/>
-          </a:bodyPr>
-          <a:lstStyle/>
-          <a:p>
-            <a:endParaRPr lang="ru-RU"/>
-          </a:p>
-        </p:txBody>
-      </p:sp>
-      <p:graphicFrame>
-        <p:nvGraphicFramePr>
-          <p:cNvPr id="3" name="Объект 2"/>
-          <p:cNvGraphicFramePr>
-            <a:graphicFrameLocks noChangeAspect="1"/>
-          </p:cNvGraphicFramePr>
-          <p:nvPr>
-            <p:extLst>
-              <p:ext uri="{D42A27DB-BD31-4B8C-83A1-F6EECF244321}">
-                <p14:modId xmlns:p14="http://schemas.microsoft.com/office/powerpoint/2010/main" val="782826583"/>
-              </p:ext>
-            </p:extLst>
-          </p:nvPr>
-        </p:nvGraphicFramePr>
-        <p:xfrm>
-          <a:off x="4860032" y="1844824"/>
-          <a:ext cx="3905250" cy="3933825"/>
-        </p:xfrm>
-        <a:graphic>
-          <a:graphicData uri="http://schemas.openxmlformats.org/presentationml/2006/ole">
-            <mc:AlternateContent xmlns:mc="http://schemas.openxmlformats.org/markup-compatibility/2006">
-              <mc:Choice xmlns:v="urn:schemas-microsoft-com:vml" Requires="v">
-                <p:oleObj spid="_x0000_s12297" name="Visio" r:id="rId5" imgW="6322461" imgH="6354180" progId="Visio.Drawing.11">
-                  <p:embed/>
-                </p:oleObj>
-              </mc:Choice>
-              <mc:Fallback>
-                <p:oleObj name="Visio" r:id="rId5" imgW="6322461" imgH="6354180" progId="Visio.Drawing.11">
-                  <p:embed/>
-                  <p:pic>
-                    <p:nvPicPr>
-                      <p:cNvPr id="0" name="Object 1"/>
-                      <p:cNvPicPr>
-                        <a:picLocks noChangeAspect="1" noChangeArrowheads="1"/>
-                      </p:cNvPicPr>
-                      <p:nvPr/>
-                    </p:nvPicPr>
-                    <p:blipFill>
-                      <a:blip r:embed="rId6">
-                        <a:extLst>
-                          <a:ext uri="{28A0092B-C50C-407E-A947-70E740481C1C}">
-                            <a14:useLocalDpi xmlns:a14="http://schemas.microsoft.com/office/drawing/2010/main" val="0"/>
-                          </a:ext>
-                        </a:extLst>
-                      </a:blip>
-                      <a:srcRect/>
-                      <a:stretch>
-                        <a:fillRect/>
-                      </a:stretch>
-                    </p:blipFill>
-                    <p:spPr bwMode="auto">
-                      <a:xfrm>
-                        <a:off x="4860032" y="1844824"/>
-                        <a:ext cx="3905250" cy="3933825"/>
-                      </a:xfrm>
-                      <a:prstGeom prst="rect">
-                        <a:avLst/>
-                      </a:prstGeom>
-                      <a:noFill/>
-                      <a:extLst>
-                        <a:ext uri="{909E8E84-426E-40DD-AFC4-6F175D3DCCD1}">
-                          <a14:hiddenFill xmlns:a14="http://schemas.microsoft.com/office/drawing/2010/main">
-                            <a:solidFill>
-                              <a:srgbClr val="FFFFFF"/>
-                            </a:solidFill>
-                          </a14:hiddenFill>
-                        </a:ext>
-                      </a:extLst>
-                    </p:spPr>
-                  </p:pic>
-                </p:oleObj>
-              </mc:Fallback>
-            </mc:AlternateContent>
-          </a:graphicData>
-        </a:graphic>
-      </p:graphicFrame>
-      <p:sp>
-        <p:nvSpPr>
-          <p:cNvPr id="5" name="Rectangle 4"/>
-          <p:cNvSpPr>
-            <a:spLocks noChangeArrowheads="1"/>
-          </p:cNvSpPr>
-          <p:nvPr/>
-        </p:nvSpPr>
-        <p:spPr bwMode="auto">
-          <a:xfrm>
-            <a:off x="0" y="0"/>
-            <a:ext cx="9144000" cy="0"/>
-          </a:xfrm>
-          <a:prstGeom prst="rect">
-            <a:avLst/>
-          </a:prstGeom>
-          <a:noFill/>
-          <a:ln>
-            <a:noFill/>
-          </a:ln>
-          <a:effectLst/>
-          <a:extLst>
-            <a:ext uri="{909E8E84-426E-40DD-AFC4-6F175D3DCCD1}">
-              <a14:hiddenFill xmlns:a14="http://schemas.microsoft.com/office/drawing/2010/main">
-                <a:solidFill>
-                  <a:schemeClr val="accent1"/>
-                </a:solidFill>
-              </a14:hiddenFill>
-            </a:ext>
-            <a:ext uri="{91240B29-F687-4F45-9708-019B960494DF}">
-              <a14:hiddenLine xmlns:a14="http://schemas.microsoft.com/office/drawing/2010/main" w="9525">
-                <a:solidFill>
-                  <a:schemeClr val="tx1"/>
-                </a:solidFill>
-                <a:miter lim="800000"/>
-                <a:headEnd/>
-                <a:tailEnd/>
-              </a14:hiddenLine>
-            </a:ext>
-            <a:ext uri="{AF507438-7753-43E0-B8FC-AC1667EBCBE1}">
-              <a14:hiddenEffects xmlns:a14="http://schemas.microsoft.com/office/drawing/2010/main">
-                <a:effectLst>
-                  <a:outerShdw dist="35921" dir="2700000" algn="ctr" rotWithShape="0">
-                    <a:schemeClr val="bg2"/>
-                  </a:outerShdw>
-                </a:effectLst>
-              </a14:hiddenEffects>
-            </a:ext>
-          </a:extLst>
-        </p:spPr>
-        <p:txBody>
-          <a:bodyPr vert="horz" wrap="none" lIns="91440" tIns="45720" rIns="91440" bIns="45720" numCol="1" anchor="ctr" anchorCtr="0" compatLnSpc="1">
-            <a:prstTxWarp prst="textNoShape">
-              <a:avLst/>
-            </a:prstTxWarp>
-            <a:spAutoFit/>
-          </a:bodyPr>
-          <a:lstStyle/>
-          <a:p>
-            <a:endParaRPr lang="ru-RU"/>
-          </a:p>
-        </p:txBody>
-      </p:sp>
-      <p:graphicFrame>
-        <p:nvGraphicFramePr>
-          <p:cNvPr id="6" name="Объект 5"/>
-          <p:cNvGraphicFramePr>
-            <a:graphicFrameLocks noChangeAspect="1"/>
-          </p:cNvGraphicFramePr>
-          <p:nvPr>
-            <p:extLst>
-              <p:ext uri="{D42A27DB-BD31-4B8C-83A1-F6EECF244321}">
-                <p14:modId xmlns:p14="http://schemas.microsoft.com/office/powerpoint/2010/main" val="4138767967"/>
-              </p:ext>
-            </p:extLst>
-          </p:nvPr>
-        </p:nvGraphicFramePr>
-        <p:xfrm>
-          <a:off x="371475" y="1988840"/>
-          <a:ext cx="4200525" cy="3638550"/>
-        </p:xfrm>
-        <a:graphic>
-          <a:graphicData uri="http://schemas.openxmlformats.org/presentationml/2006/ole">
-            <mc:AlternateContent xmlns:mc="http://schemas.openxmlformats.org/markup-compatibility/2006">
-              <mc:Choice xmlns:v="urn:schemas-microsoft-com:vml" Requires="v">
-                <p:oleObj spid="_x0000_s12298" name="Visio" r:id="rId7" imgW="5741676" imgH="4985280" progId="Visio.Drawing.11">
-                  <p:embed/>
-                </p:oleObj>
-              </mc:Choice>
-              <mc:Fallback>
-                <p:oleObj name="Visio" r:id="rId7" imgW="5741676" imgH="4985280" progId="Visio.Drawing.11">
-                  <p:embed/>
-                  <p:pic>
-                    <p:nvPicPr>
-                      <p:cNvPr id="0" name="Object 3"/>
-                      <p:cNvPicPr>
-                        <a:picLocks noChangeAspect="1" noChangeArrowheads="1"/>
-                      </p:cNvPicPr>
-                      <p:nvPr/>
-                    </p:nvPicPr>
-                    <p:blipFill>
-                      <a:blip r:embed="rId8"/>
-                      <a:srcRect/>
-                      <a:stretch>
-                        <a:fillRect/>
-                      </a:stretch>
-                    </p:blipFill>
-                    <p:spPr bwMode="auto">
-                      <a:xfrm>
-                        <a:off x="371475" y="1988840"/>
-                        <a:ext cx="4200525" cy="3638550"/>
-                      </a:xfrm>
-                      <a:prstGeom prst="rect">
-                        <a:avLst/>
-                      </a:prstGeom>
-                      <a:noFill/>
-                      <a:extLst>
-                        <a:ext uri="{909E8E84-426E-40DD-AFC4-6F175D3DCCD1}">
-                          <a14:hiddenFill xmlns:a14="http://schemas.microsoft.com/office/drawing/2010/main">
-                            <a:solidFill>
-                              <a:srgbClr val="FFFFFF"/>
-                            </a:solidFill>
-                          </a14:hiddenFill>
-                        </a:ext>
-                      </a:extLst>
-                    </p:spPr>
-                  </p:pic>
-                </p:oleObj>
-              </mc:Fallback>
-            </mc:AlternateContent>
-          </a:graphicData>
-        </a:graphic>
-      </p:graphicFrame>
-    </p:spTree>
-    <p:extLst>
-      <p:ext uri="{BB962C8B-B14F-4D97-AF65-F5344CB8AC3E}">
-        <p14:creationId xmlns:p14="http://schemas.microsoft.com/office/powerpoint/2010/main" val="589223620"/>
-      </p:ext>
-    </p:extLst>
-  </p:cSld>
-  <p:clrMapOvr>
-    <a:masterClrMapping/>
-  </p:clrMapOvr>
-  <p:timing>
-    <p:tnLst>
-      <p:par>
-        <p:cTn id="1" dur="indefinite" restart="never" nodeType="tmRoot"/>
-      </p:par>
-    </p:tnLst>
-  </p:timing>
-</p:sld>
-</file>
-
-<file path=ppt/slides/slide28.xml><?xml version="1.0" encoding="utf-8"?>
-<p:sld xmlns:a="http://schemas.openxmlformats.org/drawingml/2006/main" xmlns:r="http://schemas.openxmlformats.org/officeDocument/2006/relationships" xmlns:p="http://schemas.openxmlformats.org/presentationml/2006/main">
-  <p:cSld>
-    <p:bg>
-      <p:bgPr>
-        <a:blipFill dpi="0" rotWithShape="1">
-          <a:blip r:embed="rId2">
-            <a:alphaModFix amt="18000"/>
-            <a:duotone>
-              <a:prstClr val="black"/>
-              <a:schemeClr val="accent2">
-                <a:tint val="45000"/>
-                <a:satMod val="400000"/>
-              </a:schemeClr>
-            </a:duotone>
-            <a:lum/>
-            <a:extLst>
-              <a:ext uri="{BEBA8EAE-BF5A-486C-A8C5-ECC9F3942E4B}">
-                <a14:imgProps xmlns:a14="http://schemas.microsoft.com/office/drawing/2010/main">
-                  <a14:imgLayer r:embed="rId3">
-                    <a14:imgEffect>
-                      <a14:colorTemperature colorTemp="8250"/>
-                    </a14:imgEffect>
-                    <a14:imgEffect>
-                      <a14:saturation sat="115000"/>
-                    </a14:imgEffect>
-                    <a14:imgEffect>
-                      <a14:brightnessContrast bright="100000" contrast="1000"/>
-                    </a14:imgEffect>
-                  </a14:imgLayer>
-                </a14:imgProps>
-              </a:ext>
-            </a:extLst>
-          </a:blip>
-          <a:srcRect/>
-          <a:stretch>
-            <a:fillRect/>
-          </a:stretch>
-        </a:blipFill>
-        <a:effectLst/>
-      </p:bgPr>
-    </p:bg>
-    <p:spTree>
-      <p:nvGrpSpPr>
-        <p:cNvPr id="1" name=""/>
-        <p:cNvGrpSpPr/>
-        <p:nvPr/>
-      </p:nvGrpSpPr>
-      <p:grpSpPr>
-        <a:xfrm>
-          <a:off x="0" y="0"/>
-          <a:ext cx="0" cy="0"/>
-          <a:chOff x="0" y="0"/>
-          <a:chExt cx="0" cy="0"/>
-        </a:xfrm>
-      </p:grpSpPr>
-      <p:sp>
-        <p:nvSpPr>
-          <p:cNvPr id="4" name="TextBox 3"/>
-          <p:cNvSpPr txBox="1"/>
-          <p:nvPr/>
-        </p:nvSpPr>
-        <p:spPr>
-          <a:xfrm>
-            <a:off x="323528" y="-36675"/>
-            <a:ext cx="8280920" cy="1569660"/>
-          </a:xfrm>
-          <a:prstGeom prst="rect">
-            <a:avLst/>
-          </a:prstGeom>
-          <a:noFill/>
-        </p:spPr>
-        <p:txBody>
-          <a:bodyPr wrap="square" rtlCol="0" anchor="ctr">
-            <a:spAutoFit/>
-          </a:bodyPr>
-          <a:lstStyle/>
-          <a:p>
-            <a:r>
-              <a:rPr lang="ru-RU" sz="4800" dirty="0" smtClean="0">
-                <a:solidFill>
-                  <a:schemeClr val="bg1"/>
-                </a:solidFill>
-              </a:rPr>
-              <a:t>Проектирование модулей.</a:t>
-            </a:r>
-          </a:p>
-          <a:p>
-            <a:r>
-              <a:rPr lang="ru-RU" sz="4800" dirty="0" smtClean="0">
-                <a:solidFill>
-                  <a:schemeClr val="bg1"/>
-                </a:solidFill>
-              </a:rPr>
-              <a:t>Шифрование </a:t>
-            </a:r>
-            <a:r>
-              <a:rPr lang="en-US" sz="4800" dirty="0" smtClean="0">
-                <a:solidFill>
-                  <a:schemeClr val="bg1"/>
-                </a:solidFill>
-              </a:rPr>
-              <a:t>MD5</a:t>
-            </a:r>
-            <a:endParaRPr lang="ru-RU" sz="4800" dirty="0">
+              <a:t>.</a:t>
+            </a:r>
+            <a:endParaRPr lang="ru-RU" sz="4800" dirty="0" smtClean="0">
               <a:solidFill>
                 <a:schemeClr val="bg1"/>
               </a:solidFill>
@@ -9065,6 +8592,52 @@
           </a:extLst>
         </p:spPr>
       </p:pic>
+      <p:sp>
+        <p:nvSpPr>
+          <p:cNvPr id="3" name="TextBox 2"/>
+          <p:cNvSpPr txBox="1"/>
+          <p:nvPr/>
+        </p:nvSpPr>
+        <p:spPr>
+          <a:xfrm>
+            <a:off x="323528" y="1196752"/>
+            <a:ext cx="5689748" cy="646331"/>
+          </a:xfrm>
+          <a:prstGeom prst="rect">
+            <a:avLst/>
+          </a:prstGeom>
+          <a:noFill/>
+        </p:spPr>
+        <p:txBody>
+          <a:bodyPr wrap="square" rtlCol="0">
+            <a:spAutoFit/>
+          </a:bodyPr>
+          <a:lstStyle/>
+          <a:p>
+            <a:r>
+              <a:rPr lang="ru-RU" sz="3600" dirty="0">
+                <a:solidFill>
+                  <a:schemeClr val="bg1"/>
+                </a:solidFill>
+              </a:rPr>
+              <a:t>Шифрование </a:t>
+            </a:r>
+            <a:r>
+              <a:rPr lang="en-US" sz="3600" dirty="0" smtClean="0">
+                <a:solidFill>
+                  <a:schemeClr val="bg1"/>
+                </a:solidFill>
+              </a:rPr>
+              <a:t>MD5</a:t>
+            </a:r>
+            <a:endParaRPr lang="ru-RU" sz="3600" dirty="0">
+              <a:solidFill>
+                <a:schemeClr val="bg1"/>
+              </a:solidFill>
+            </a:endParaRPr>
+          </a:p>
+        </p:txBody>
+      </p:sp>
     </p:spTree>
     <p:extLst>
       <p:ext uri="{BB962C8B-B14F-4D97-AF65-F5344CB8AC3E}">

--- a/!docs/Presentation (Serpikov).pptx
+++ b/!docs/Presentation (Serpikov).pptx
@@ -12,25 +12,24 @@
     <p:sldId id="267" r:id="rId6"/>
     <p:sldId id="268" r:id="rId7"/>
     <p:sldId id="269" r:id="rId8"/>
-    <p:sldId id="270" r:id="rId9"/>
-    <p:sldId id="271" r:id="rId10"/>
-    <p:sldId id="272" r:id="rId11"/>
-    <p:sldId id="273" r:id="rId12"/>
-    <p:sldId id="274" r:id="rId13"/>
-    <p:sldId id="277" r:id="rId14"/>
-    <p:sldId id="275" r:id="rId15"/>
-    <p:sldId id="276" r:id="rId16"/>
-    <p:sldId id="278" r:id="rId17"/>
-    <p:sldId id="280" r:id="rId18"/>
-    <p:sldId id="281" r:id="rId19"/>
-    <p:sldId id="283" r:id="rId20"/>
-    <p:sldId id="284" r:id="rId21"/>
-    <p:sldId id="287" r:id="rId22"/>
-    <p:sldId id="288" r:id="rId23"/>
-    <p:sldId id="289" r:id="rId24"/>
-    <p:sldId id="290" r:id="rId25"/>
-    <p:sldId id="285" r:id="rId26"/>
-    <p:sldId id="286" r:id="rId27"/>
+    <p:sldId id="271" r:id="rId9"/>
+    <p:sldId id="272" r:id="rId10"/>
+    <p:sldId id="273" r:id="rId11"/>
+    <p:sldId id="274" r:id="rId12"/>
+    <p:sldId id="277" r:id="rId13"/>
+    <p:sldId id="275" r:id="rId14"/>
+    <p:sldId id="276" r:id="rId15"/>
+    <p:sldId id="278" r:id="rId16"/>
+    <p:sldId id="280" r:id="rId17"/>
+    <p:sldId id="281" r:id="rId18"/>
+    <p:sldId id="283" r:id="rId19"/>
+    <p:sldId id="284" r:id="rId20"/>
+    <p:sldId id="287" r:id="rId21"/>
+    <p:sldId id="288" r:id="rId22"/>
+    <p:sldId id="289" r:id="rId23"/>
+    <p:sldId id="290" r:id="rId24"/>
+    <p:sldId id="285" r:id="rId25"/>
+    <p:sldId id="286" r:id="rId26"/>
   </p:sldIdLst>
   <p:sldSz cx="9144000" cy="6858000" type="screen4x3"/>
   <p:notesSz cx="6858000" cy="9144000"/>
@@ -141,7 +140,6 @@
             <p14:sldId id="267"/>
             <p14:sldId id="268"/>
             <p14:sldId id="269"/>
-            <p14:sldId id="270"/>
             <p14:sldId id="271"/>
             <p14:sldId id="272"/>
             <p14:sldId id="273"/>
@@ -3986,7 +3984,7 @@
                   <a:schemeClr val="bg1"/>
                 </a:solidFill>
               </a:rPr>
-              <a:t>Веб сервер</a:t>
+              <a:t>Среды разработки</a:t>
             </a:r>
             <a:endParaRPr lang="ru-RU" sz="4800" dirty="0">
               <a:solidFill>
@@ -4004,8 +4002,8 @@
         </p:nvSpPr>
         <p:spPr>
           <a:xfrm>
-            <a:off x="69116" y="5013176"/>
-            <a:ext cx="9036496" cy="1569660"/>
+            <a:off x="69116" y="5259397"/>
+            <a:ext cx="9036496" cy="1077218"/>
           </a:xfrm>
           <a:prstGeom prst="rect">
             <a:avLst/>
@@ -4020,59 +4018,40 @@
           <a:p>
             <a:pPr lvl="0"/>
             <a:r>
+              <a:rPr lang="ru-RU" sz="3200" dirty="0" err="1">
+                <a:solidFill>
+                  <a:schemeClr val="bg1"/>
+                </a:solidFill>
+              </a:rPr>
+              <a:t>NetBeans</a:t>
+            </a:r>
+            <a:r>
+              <a:rPr lang="ru-RU" sz="3200" dirty="0">
+                <a:solidFill>
+                  <a:schemeClr val="bg1"/>
+                </a:solidFill>
+              </a:rPr>
+              <a:t> IDE — свободная интегрированная среда разработки приложений (</a:t>
+            </a:r>
+            <a:r>
               <a:rPr lang="ru-RU" sz="3200" dirty="0" smtClean="0">
                 <a:solidFill>
                   <a:schemeClr val="bg1"/>
                 </a:solidFill>
               </a:rPr>
-              <a:t>XAMPP </a:t>
-            </a:r>
-            <a:r>
-              <a:rPr lang="ru-RU" sz="3200" dirty="0">
-                <a:solidFill>
-                  <a:schemeClr val="bg1"/>
-                </a:solidFill>
-              </a:rPr>
-              <a:t>— кроссплатформенная сборка веб-сервера, содержащая </a:t>
-            </a:r>
-            <a:r>
-              <a:rPr lang="ru-RU" sz="3200" dirty="0" err="1">
-                <a:solidFill>
-                  <a:schemeClr val="bg1"/>
-                </a:solidFill>
-              </a:rPr>
-              <a:t>Apache</a:t>
-            </a:r>
-            <a:r>
-              <a:rPr lang="ru-RU" sz="3200" dirty="0">
-                <a:solidFill>
-                  <a:schemeClr val="bg1"/>
-                </a:solidFill>
-              </a:rPr>
-              <a:t>, </a:t>
-            </a:r>
-            <a:r>
-              <a:rPr lang="ru-RU" sz="3200" dirty="0" err="1">
-                <a:solidFill>
-                  <a:schemeClr val="bg1"/>
-                </a:solidFill>
-              </a:rPr>
-              <a:t>MySQL</a:t>
-            </a:r>
-            <a:r>
-              <a:rPr lang="ru-RU" sz="3200" dirty="0">
-                <a:solidFill>
-                  <a:schemeClr val="bg1"/>
-                </a:solidFill>
-              </a:rPr>
-              <a:t>, интерпретатор скриптов PHP</a:t>
-            </a:r>
+              <a:t>IDE)</a:t>
+            </a:r>
+            <a:endParaRPr lang="ru-RU" sz="3200" dirty="0">
+              <a:solidFill>
+                <a:schemeClr val="bg1"/>
+              </a:solidFill>
+            </a:endParaRPr>
           </a:p>
         </p:txBody>
       </p:sp>
       <p:pic>
         <p:nvPicPr>
-          <p:cNvPr id="11266" name="Picture 2"/>
+          <p:cNvPr id="12290" name="Picture 2"/>
           <p:cNvPicPr>
             <a:picLocks noChangeAspect="1" noChangeArrowheads="1"/>
           </p:cNvPicPr>
@@ -4093,8 +4072,8 @@
         </p:blipFill>
         <p:spPr bwMode="auto">
           <a:xfrm>
-            <a:off x="2268538" y="1125538"/>
-            <a:ext cx="4327525" cy="3832225"/>
+            <a:off x="1907704" y="1268413"/>
+            <a:ext cx="5039841" cy="3495851"/>
           </a:xfrm>
           <a:prstGeom prst="rect">
             <a:avLst/>
@@ -4137,7 +4116,7 @@
     </p:spTree>
     <p:extLst>
       <p:ext uri="{BB962C8B-B14F-4D97-AF65-F5344CB8AC3E}">
-        <p14:creationId xmlns:p14="http://schemas.microsoft.com/office/powerpoint/2010/main" val="2770537170"/>
+        <p14:creationId xmlns:p14="http://schemas.microsoft.com/office/powerpoint/2010/main" val="2972897304"/>
       </p:ext>
     </p:extLst>
   </p:cSld>
@@ -4218,8 +4197,8 @@
         </p:nvSpPr>
         <p:spPr>
           <a:xfrm>
-            <a:off x="431540" y="332656"/>
-            <a:ext cx="8280920" cy="830997"/>
+            <a:off x="395288" y="55657"/>
+            <a:ext cx="8280920" cy="1384995"/>
           </a:xfrm>
           <a:prstGeom prst="rect">
             <a:avLst/>
@@ -4238,9 +4217,27 @@
                   <a:schemeClr val="bg1"/>
                 </a:solidFill>
               </a:rPr>
-              <a:t>Среды разработки</a:t>
-            </a:r>
-            <a:endParaRPr lang="ru-RU" sz="4800" dirty="0">
+              <a:t>Средства отладки. </a:t>
+            </a:r>
+          </a:p>
+          <a:p>
+            <a:r>
+              <a:rPr lang="ru-RU" sz="3600" dirty="0">
+                <a:solidFill>
+                  <a:schemeClr val="bg1"/>
+                </a:solidFill>
+              </a:rPr>
+              <a:t>К</a:t>
+            </a:r>
+            <a:r>
+              <a:rPr lang="ru-RU" sz="3600" dirty="0" smtClean="0">
+                <a:solidFill>
+                  <a:schemeClr val="bg1"/>
+                </a:solidFill>
+              </a:rPr>
+              <a:t>лиентская часть</a:t>
+            </a:r>
+            <a:endParaRPr lang="ru-RU" sz="3600" dirty="0">
               <a:solidFill>
                 <a:schemeClr val="bg1"/>
               </a:solidFill>
@@ -4256,8 +4253,8 @@
         </p:nvSpPr>
         <p:spPr>
           <a:xfrm>
-            <a:off x="69116" y="5259397"/>
-            <a:ext cx="9036496" cy="1077218"/>
+            <a:off x="69116" y="5505618"/>
+            <a:ext cx="9036496" cy="584775"/>
           </a:xfrm>
           <a:prstGeom prst="rect">
             <a:avLst/>
@@ -4272,20 +4269,12 @@
           <a:p>
             <a:pPr lvl="0"/>
             <a:r>
-              <a:rPr lang="ru-RU" sz="3200" dirty="0" err="1">
-                <a:solidFill>
-                  <a:schemeClr val="bg1"/>
-                </a:solidFill>
-              </a:rPr>
-              <a:t>NetBeans</a:t>
-            </a:r>
-            <a:r>
-              <a:rPr lang="ru-RU" sz="3200" dirty="0">
-                <a:solidFill>
-                  <a:schemeClr val="bg1"/>
-                </a:solidFill>
-              </a:rPr>
-              <a:t> IDE — свободная интегрированная среда разработки приложений (</a:t>
+              <a:rPr lang="en-US" sz="3200" dirty="0" smtClean="0">
+                <a:solidFill>
+                  <a:schemeClr val="bg1"/>
+                </a:solidFill>
+              </a:rPr>
+              <a:t>Opera Dragonfly – </a:t>
             </a:r>
             <a:r>
               <a:rPr lang="ru-RU" sz="3200" dirty="0" smtClean="0">
@@ -4293,7 +4282,15 @@
                   <a:schemeClr val="bg1"/>
                 </a:solidFill>
               </a:rPr>
-              <a:t>IDE)</a:t>
+              <a:t>отладчик браузера </a:t>
+            </a:r>
+            <a:r>
+              <a:rPr lang="en-US" sz="3200" dirty="0" smtClean="0">
+                <a:solidFill>
+                  <a:schemeClr val="bg1"/>
+                </a:solidFill>
+              </a:rPr>
+              <a:t>Opera</a:t>
             </a:r>
             <a:endParaRPr lang="ru-RU" sz="3200" dirty="0">
               <a:solidFill>
@@ -4305,7 +4302,7 @@
       </p:sp>
       <p:pic>
         <p:nvPicPr>
-          <p:cNvPr id="12290" name="Picture 2"/>
+          <p:cNvPr id="13314" name="Picture 2"/>
           <p:cNvPicPr>
             <a:picLocks noChangeAspect="1" noChangeArrowheads="1"/>
           </p:cNvPicPr>
@@ -4326,8 +4323,72 @@
         </p:blipFill>
         <p:spPr bwMode="auto">
           <a:xfrm>
-            <a:off x="1907704" y="1268413"/>
-            <a:ext cx="5039841" cy="3495851"/>
+            <a:off x="395288" y="1557338"/>
+            <a:ext cx="5943600" cy="3314700"/>
+          </a:xfrm>
+          <a:prstGeom prst="rect">
+            <a:avLst/>
+          </a:prstGeom>
+          <a:noFill/>
+          <a:ln>
+            <a:noFill/>
+          </a:ln>
+          <a:effectLst/>
+          <a:extLst>
+            <a:ext uri="{909E8E84-426E-40DD-AFC4-6F175D3DCCD1}">
+              <a14:hiddenFill xmlns:a14="http://schemas.microsoft.com/office/drawing/2010/main">
+                <a:solidFill>
+                  <a:schemeClr val="accent1"/>
+                </a:solidFill>
+              </a14:hiddenFill>
+            </a:ext>
+            <a:ext uri="{91240B29-F687-4F45-9708-019B960494DF}">
+              <a14:hiddenLine xmlns:a14="http://schemas.microsoft.com/office/drawing/2010/main" w="9525">
+                <a:solidFill>
+                  <a:schemeClr val="tx1"/>
+                </a:solidFill>
+                <a:miter lim="800000"/>
+                <a:headEnd/>
+                <a:tailEnd/>
+              </a14:hiddenLine>
+            </a:ext>
+            <a:ext uri="{AF507438-7753-43E0-B8FC-AC1667EBCBE1}">
+              <a14:hiddenEffects xmlns:a14="http://schemas.microsoft.com/office/drawing/2010/main">
+                <a:effectLst>
+                  <a:outerShdw dist="35921" dir="2700000" algn="ctr" rotWithShape="0">
+                    <a:schemeClr val="bg2"/>
+                  </a:outerShdw>
+                </a:effectLst>
+              </a14:hiddenEffects>
+            </a:ext>
+          </a:extLst>
+        </p:spPr>
+      </p:pic>
+      <p:pic>
+        <p:nvPicPr>
+          <p:cNvPr id="13315" name="Picture 3"/>
+          <p:cNvPicPr>
+            <a:picLocks noChangeAspect="1" noChangeArrowheads="1"/>
+          </p:cNvPicPr>
+          <p:nvPr/>
+        </p:nvPicPr>
+        <p:blipFill>
+          <a:blip r:embed="rId5">
+            <a:extLst>
+              <a:ext uri="{28A0092B-C50C-407E-A947-70E740481C1C}">
+                <a14:useLocalDpi xmlns:a14="http://schemas.microsoft.com/office/drawing/2010/main" val="0"/>
+              </a:ext>
+            </a:extLst>
+          </a:blip>
+          <a:srcRect/>
+          <a:stretch>
+            <a:fillRect/>
+          </a:stretch>
+        </p:blipFill>
+        <p:spPr bwMode="auto">
+          <a:xfrm>
+            <a:off x="6453538" y="1557338"/>
+            <a:ext cx="2510950" cy="3314700"/>
           </a:xfrm>
           <a:prstGeom prst="rect">
             <a:avLst/>
@@ -4370,7 +4431,7 @@
     </p:spTree>
     <p:extLst>
       <p:ext uri="{BB962C8B-B14F-4D97-AF65-F5344CB8AC3E}">
-        <p14:creationId xmlns:p14="http://schemas.microsoft.com/office/powerpoint/2010/main" val="2972897304"/>
+        <p14:creationId xmlns:p14="http://schemas.microsoft.com/office/powerpoint/2010/main" val="3944441468"/>
       </p:ext>
     </p:extLst>
   </p:cSld>
@@ -4451,7 +4512,7 @@
         </p:nvSpPr>
         <p:spPr>
           <a:xfrm>
-            <a:off x="395288" y="55657"/>
+            <a:off x="431540" y="55657"/>
             <a:ext cx="8280920" cy="1384995"/>
           </a:xfrm>
           <a:prstGeom prst="rect">
@@ -4471,16 +4532,13 @@
                   <a:schemeClr val="bg1"/>
                 </a:solidFill>
               </a:rPr>
-              <a:t>Средства </a:t>
-            </a:r>
-            <a:r>
-              <a:rPr lang="ru-RU" sz="4800" dirty="0" smtClean="0">
-                <a:solidFill>
-                  <a:schemeClr val="bg1"/>
-                </a:solidFill>
-              </a:rPr>
-              <a:t>отладки. </a:t>
-            </a:r>
+              <a:t>Средства отладки. </a:t>
+            </a:r>
+            <a:endParaRPr lang="ru-RU" sz="4800" dirty="0">
+              <a:solidFill>
+                <a:schemeClr val="bg1"/>
+              </a:solidFill>
+            </a:endParaRPr>
           </a:p>
           <a:p>
             <a:r>
@@ -4489,7 +4547,7 @@
                   <a:schemeClr val="bg1"/>
                 </a:solidFill>
               </a:rPr>
-              <a:t>К</a:t>
+              <a:t>С</a:t>
             </a:r>
             <a:r>
               <a:rPr lang="ru-RU" sz="3600" dirty="0" smtClean="0">
@@ -4497,7 +4555,7 @@
                   <a:schemeClr val="bg1"/>
                 </a:solidFill>
               </a:rPr>
-              <a:t>лиентская часть</a:t>
+              <a:t>ерверная часть</a:t>
             </a:r>
             <a:endParaRPr lang="ru-RU" sz="3600" dirty="0">
               <a:solidFill>
@@ -4531,12 +4589,28 @@
           <a:p>
             <a:pPr lvl="0"/>
             <a:r>
+              <a:rPr lang="ru-RU" sz="3200" dirty="0" err="1" smtClean="0">
+                <a:solidFill>
+                  <a:schemeClr val="bg1"/>
+                </a:solidFill>
+              </a:rPr>
+              <a:t>Xdebug</a:t>
+            </a:r>
+            <a:r>
+              <a:rPr lang="ru-RU" sz="3200" dirty="0" smtClean="0">
+                <a:solidFill>
+                  <a:schemeClr val="bg1"/>
+                </a:solidFill>
+              </a:rPr>
+              <a:t> </a:t>
+            </a:r>
+            <a:r>
               <a:rPr lang="en-US" sz="3200" dirty="0" smtClean="0">
                 <a:solidFill>
                   <a:schemeClr val="bg1"/>
                 </a:solidFill>
               </a:rPr>
-              <a:t>Opera Dragonfly – </a:t>
+              <a:t>– </a:t>
             </a:r>
             <a:r>
               <a:rPr lang="ru-RU" sz="3200" dirty="0" smtClean="0">
@@ -4544,15 +4618,23 @@
                   <a:schemeClr val="bg1"/>
                 </a:solidFill>
               </a:rPr>
-              <a:t>отладчик браузера </a:t>
-            </a:r>
-            <a:r>
-              <a:rPr lang="en-US" sz="3200" dirty="0" smtClean="0">
-                <a:solidFill>
-                  <a:schemeClr val="bg1"/>
-                </a:solidFill>
-              </a:rPr>
-              <a:t>Opera</a:t>
+              <a:t>отладчик</a:t>
+            </a:r>
+            <a:r>
+              <a:rPr lang="en-US" sz="3200" dirty="0">
+                <a:solidFill>
+                  <a:schemeClr val="bg1"/>
+                </a:solidFill>
+              </a:rPr>
+              <a:t> </a:t>
+            </a:r>
+            <a:r>
+              <a:rPr lang="en-US" sz="3200" dirty="0" err="1">
+                <a:solidFill>
+                  <a:schemeClr val="bg1"/>
+                </a:solidFill>
+              </a:rPr>
+              <a:t>NetBeans</a:t>
             </a:r>
             <a:endParaRPr lang="ru-RU" sz="3200" dirty="0">
               <a:solidFill>
@@ -4564,7 +4646,7 @@
       </p:sp>
       <p:pic>
         <p:nvPicPr>
-          <p:cNvPr id="13314" name="Picture 2"/>
+          <p:cNvPr id="15362" name="Picture 2"/>
           <p:cNvPicPr>
             <a:picLocks noChangeAspect="1" noChangeArrowheads="1"/>
           </p:cNvPicPr>
@@ -4585,72 +4667,8 @@
         </p:blipFill>
         <p:spPr bwMode="auto">
           <a:xfrm>
-            <a:off x="395288" y="1557338"/>
-            <a:ext cx="5943600" cy="3314700"/>
-          </a:xfrm>
-          <a:prstGeom prst="rect">
-            <a:avLst/>
-          </a:prstGeom>
-          <a:noFill/>
-          <a:ln>
-            <a:noFill/>
-          </a:ln>
-          <a:effectLst/>
-          <a:extLst>
-            <a:ext uri="{909E8E84-426E-40DD-AFC4-6F175D3DCCD1}">
-              <a14:hiddenFill xmlns:a14="http://schemas.microsoft.com/office/drawing/2010/main">
-                <a:solidFill>
-                  <a:schemeClr val="accent1"/>
-                </a:solidFill>
-              </a14:hiddenFill>
-            </a:ext>
-            <a:ext uri="{91240B29-F687-4F45-9708-019B960494DF}">
-              <a14:hiddenLine xmlns:a14="http://schemas.microsoft.com/office/drawing/2010/main" w="9525">
-                <a:solidFill>
-                  <a:schemeClr val="tx1"/>
-                </a:solidFill>
-                <a:miter lim="800000"/>
-                <a:headEnd/>
-                <a:tailEnd/>
-              </a14:hiddenLine>
-            </a:ext>
-            <a:ext uri="{AF507438-7753-43E0-B8FC-AC1667EBCBE1}">
-              <a14:hiddenEffects xmlns:a14="http://schemas.microsoft.com/office/drawing/2010/main">
-                <a:effectLst>
-                  <a:outerShdw dist="35921" dir="2700000" algn="ctr" rotWithShape="0">
-                    <a:schemeClr val="bg2"/>
-                  </a:outerShdw>
-                </a:effectLst>
-              </a14:hiddenEffects>
-            </a:ext>
-          </a:extLst>
-        </p:spPr>
-      </p:pic>
-      <p:pic>
-        <p:nvPicPr>
-          <p:cNvPr id="13315" name="Picture 3"/>
-          <p:cNvPicPr>
-            <a:picLocks noChangeAspect="1" noChangeArrowheads="1"/>
-          </p:cNvPicPr>
-          <p:nvPr/>
-        </p:nvPicPr>
-        <p:blipFill>
-          <a:blip r:embed="rId5">
-            <a:extLst>
-              <a:ext uri="{28A0092B-C50C-407E-A947-70E740481C1C}">
-                <a14:useLocalDpi xmlns:a14="http://schemas.microsoft.com/office/drawing/2010/main" val="0"/>
-              </a:ext>
-            </a:extLst>
-          </a:blip>
-          <a:srcRect/>
-          <a:stretch>
-            <a:fillRect/>
-          </a:stretch>
-        </p:blipFill>
-        <p:spPr bwMode="auto">
-          <a:xfrm>
-            <a:off x="6453538" y="1557338"/>
-            <a:ext cx="2510950" cy="3314700"/>
+            <a:off x="1979613" y="1700213"/>
+            <a:ext cx="4680619" cy="3600476"/>
           </a:xfrm>
           <a:prstGeom prst="rect">
             <a:avLst/>
@@ -4693,7 +4711,7 @@
     </p:spTree>
     <p:extLst>
       <p:ext uri="{BB962C8B-B14F-4D97-AF65-F5344CB8AC3E}">
-        <p14:creationId xmlns:p14="http://schemas.microsoft.com/office/powerpoint/2010/main" val="3944441468"/>
+        <p14:creationId xmlns:p14="http://schemas.microsoft.com/office/powerpoint/2010/main" val="3336450231"/>
       </p:ext>
     </p:extLst>
   </p:cSld>
@@ -4774,8 +4792,8 @@
         </p:nvSpPr>
         <p:spPr>
           <a:xfrm>
-            <a:off x="431540" y="55657"/>
-            <a:ext cx="8280920" cy="1384995"/>
+            <a:off x="323528" y="-36675"/>
+            <a:ext cx="8280920" cy="1569660"/>
           </a:xfrm>
           <a:prstGeom prst="rect">
             <a:avLst/>
@@ -4794,15 +4812,7 @@
                   <a:schemeClr val="bg1"/>
                 </a:solidFill>
               </a:rPr>
-              <a:t>Средства </a:t>
-            </a:r>
-            <a:r>
-              <a:rPr lang="ru-RU" sz="4800" dirty="0" smtClean="0">
-                <a:solidFill>
-                  <a:schemeClr val="bg1"/>
-                </a:solidFill>
-              </a:rPr>
-              <a:t>отладки. </a:t>
+              <a:t>Система контроля версий программного кода</a:t>
             </a:r>
             <a:endParaRPr lang="ru-RU" sz="4800" dirty="0">
               <a:solidFill>
@@ -4810,29 +4820,6 @@
               </a:solidFill>
             </a:endParaRPr>
           </a:p>
-          <a:p>
-            <a:r>
-              <a:rPr lang="ru-RU" sz="3600" dirty="0">
-                <a:solidFill>
-                  <a:schemeClr val="bg1"/>
-                </a:solidFill>
-              </a:rPr>
-              <a:t>С</a:t>
-            </a:r>
-            <a:r>
-              <a:rPr lang="ru-RU" sz="3600" dirty="0" smtClean="0">
-                <a:solidFill>
-                  <a:schemeClr val="bg1"/>
-                </a:solidFill>
-              </a:rPr>
-              <a:t>ерверная часть</a:t>
-            </a:r>
-            <a:endParaRPr lang="ru-RU" sz="3600" dirty="0">
-              <a:solidFill>
-                <a:schemeClr val="bg1"/>
-              </a:solidFill>
-            </a:endParaRPr>
-          </a:p>
         </p:txBody>
       </p:sp>
       <p:sp>
@@ -4843,8 +4830,8 @@
         </p:nvSpPr>
         <p:spPr>
           <a:xfrm>
-            <a:off x="69116" y="5505618"/>
-            <a:ext cx="9036496" cy="584775"/>
+            <a:off x="69116" y="5259397"/>
+            <a:ext cx="9036496" cy="1077218"/>
           </a:xfrm>
           <a:prstGeom prst="rect">
             <a:avLst/>
@@ -4859,20 +4846,12 @@
           <a:p>
             <a:pPr lvl="0"/>
             <a:r>
-              <a:rPr lang="ru-RU" sz="3200" dirty="0" err="1" smtClean="0">
-                <a:solidFill>
-                  <a:schemeClr val="bg1"/>
-                </a:solidFill>
-              </a:rPr>
-              <a:t>Xdebug</a:t>
-            </a:r>
-            <a:r>
-              <a:rPr lang="ru-RU" sz="3200" dirty="0" smtClean="0">
-                <a:solidFill>
-                  <a:schemeClr val="bg1"/>
-                </a:solidFill>
-              </a:rPr>
-              <a:t> </a:t>
+              <a:rPr lang="en-US" sz="3200" dirty="0" err="1" smtClean="0">
+                <a:solidFill>
+                  <a:schemeClr val="bg1"/>
+                </a:solidFill>
+              </a:rPr>
+              <a:t>Git</a:t>
             </a:r>
             <a:r>
               <a:rPr lang="en-US" sz="3200" dirty="0" smtClean="0">
@@ -4880,33 +4859,17 @@
                   <a:schemeClr val="bg1"/>
                 </a:solidFill>
               </a:rPr>
-              <a:t>– </a:t>
-            </a:r>
-            <a:r>
-              <a:rPr lang="ru-RU" sz="3200" dirty="0" smtClean="0">
-                <a:solidFill>
-                  <a:schemeClr val="bg1"/>
-                </a:solidFill>
-              </a:rPr>
-              <a:t>отладчик</a:t>
-            </a:r>
-            <a:r>
-              <a:rPr lang="en-US" sz="3200" dirty="0">
-                <a:solidFill>
-                  <a:schemeClr val="bg1"/>
-                </a:solidFill>
-              </a:rPr>
-              <a:t> </a:t>
-            </a:r>
-            <a:r>
-              <a:rPr lang="en-US" sz="3200" dirty="0" err="1">
-                <a:solidFill>
-                  <a:schemeClr val="bg1"/>
-                </a:solidFill>
-              </a:rPr>
-              <a:t>NetBeans</a:t>
-            </a:r>
-            <a:endParaRPr lang="ru-RU" sz="3200" dirty="0">
+              <a:t> – </a:t>
+            </a:r>
+            <a:r>
+              <a:rPr lang="ru-RU" sz="3200" dirty="0">
+                <a:solidFill>
+                  <a:schemeClr val="bg1"/>
+                </a:solidFill>
+              </a:rPr>
+              <a:t>распределённая система управления версиями программного кода</a:t>
+            </a:r>
+            <a:endParaRPr lang="ru-RU" sz="3200" dirty="0" smtClean="0">
               <a:solidFill>
                 <a:schemeClr val="bg1"/>
               </a:solidFill>
@@ -4916,7 +4879,7 @@
       </p:sp>
       <p:pic>
         <p:nvPicPr>
-          <p:cNvPr id="15362" name="Picture 2"/>
+          <p:cNvPr id="14338" name="Picture 2"/>
           <p:cNvPicPr>
             <a:picLocks noChangeAspect="1" noChangeArrowheads="1"/>
           </p:cNvPicPr>
@@ -4937,8 +4900,8 @@
         </p:blipFill>
         <p:spPr bwMode="auto">
           <a:xfrm>
-            <a:off x="1979613" y="1700213"/>
-            <a:ext cx="4680619" cy="3600476"/>
+            <a:off x="47625" y="2038350"/>
+            <a:ext cx="9048750" cy="2781300"/>
           </a:xfrm>
           <a:prstGeom prst="rect">
             <a:avLst/>
@@ -4981,7 +4944,7 @@
     </p:spTree>
     <p:extLst>
       <p:ext uri="{BB962C8B-B14F-4D97-AF65-F5344CB8AC3E}">
-        <p14:creationId xmlns:p14="http://schemas.microsoft.com/office/powerpoint/2010/main" val="3336450231"/>
+        <p14:creationId xmlns:p14="http://schemas.microsoft.com/office/powerpoint/2010/main" val="1741608221"/>
       </p:ext>
     </p:extLst>
   </p:cSld>
@@ -5062,8 +5025,8 @@
         </p:nvSpPr>
         <p:spPr>
           <a:xfrm>
-            <a:off x="323528" y="-36675"/>
-            <a:ext cx="8280920" cy="1569660"/>
+            <a:off x="323528" y="332656"/>
+            <a:ext cx="8280920" cy="830997"/>
           </a:xfrm>
           <a:prstGeom prst="rect">
             <a:avLst/>
@@ -5082,7 +5045,7 @@
                   <a:schemeClr val="bg1"/>
                 </a:solidFill>
               </a:rPr>
-              <a:t>Система контроля версий программного кода</a:t>
+              <a:t>Вспомогательные средства</a:t>
             </a:r>
             <a:endParaRPr lang="ru-RU" sz="4800" dirty="0">
               <a:solidFill>
@@ -5100,8 +5063,8 @@
         </p:nvSpPr>
         <p:spPr>
           <a:xfrm>
-            <a:off x="69116" y="5259397"/>
-            <a:ext cx="9036496" cy="1077218"/>
+            <a:off x="107504" y="2636912"/>
+            <a:ext cx="9036496" cy="1569660"/>
           </a:xfrm>
           <a:prstGeom prst="rect">
             <a:avLst/>
@@ -5114,22 +5077,25 @@
           </a:bodyPr>
           <a:lstStyle/>
           <a:p>
-            <a:pPr lvl="0"/>
-            <a:r>
-              <a:rPr lang="en-US" sz="3200" dirty="0" err="1" smtClean="0">
-                <a:solidFill>
-                  <a:schemeClr val="bg1"/>
-                </a:solidFill>
-              </a:rPr>
-              <a:t>Git</a:t>
-            </a:r>
+            <a:pPr marL="457200" lvl="0" indent="-457200">
+              <a:buFontTx/>
+              <a:buChar char="-"/>
+            </a:pPr>
             <a:r>
               <a:rPr lang="en-US" sz="3200" dirty="0" smtClean="0">
                 <a:solidFill>
                   <a:schemeClr val="bg1"/>
                 </a:solidFill>
               </a:rPr>
-              <a:t> – </a:t>
+              <a:t>Skype (</a:t>
+            </a:r>
+            <a:r>
+              <a:rPr lang="ru-RU" sz="3200" dirty="0" smtClean="0">
+                <a:solidFill>
+                  <a:schemeClr val="bg1"/>
+                </a:solidFill>
+              </a:rPr>
+              <a:t>программа </a:t>
             </a:r>
             <a:r>
               <a:rPr lang="ru-RU" sz="3200" dirty="0">
@@ -5137,7 +5103,59 @@
                   <a:schemeClr val="bg1"/>
                 </a:solidFill>
               </a:rPr>
-              <a:t>распределённая система управления версиями программного кода</a:t>
+              <a:t>интернет </a:t>
+            </a:r>
+            <a:r>
+              <a:rPr lang="ru-RU" sz="3200" dirty="0" smtClean="0">
+                <a:solidFill>
+                  <a:schemeClr val="bg1"/>
+                </a:solidFill>
+              </a:rPr>
+              <a:t>телефонии)</a:t>
+            </a:r>
+          </a:p>
+          <a:p>
+            <a:pPr marL="457200" lvl="0" indent="-457200">
+              <a:buFontTx/>
+              <a:buChar char="-"/>
+            </a:pPr>
+            <a:r>
+              <a:rPr lang="en-US" sz="3200" dirty="0" smtClean="0">
+                <a:solidFill>
+                  <a:schemeClr val="bg1"/>
+                </a:solidFill>
+              </a:rPr>
+              <a:t>Microsoft Visio (</a:t>
+            </a:r>
+            <a:r>
+              <a:rPr lang="ru-RU" sz="3200" dirty="0" smtClean="0">
+                <a:solidFill>
+                  <a:schemeClr val="bg1"/>
+                </a:solidFill>
+              </a:rPr>
+              <a:t>рисование схем)</a:t>
+            </a:r>
+          </a:p>
+          <a:p>
+            <a:pPr marL="457200" lvl="0" indent="-457200">
+              <a:buFontTx/>
+              <a:buChar char="-"/>
+            </a:pPr>
+            <a:r>
+              <a:rPr lang="ru-RU" sz="3200" dirty="0" smtClean="0">
+                <a:solidFill>
+                  <a:schemeClr val="bg1"/>
+                </a:solidFill>
+              </a:rPr>
+              <a:t>Браузеры </a:t>
+            </a:r>
+            <a:r>
+              <a:rPr lang="en-US" sz="3200" dirty="0" smtClean="0">
+                <a:solidFill>
+                  <a:schemeClr val="bg1"/>
+                </a:solidFill>
+              </a:rPr>
+              <a:t>(Opera, Google Chrome)</a:t>
             </a:r>
             <a:endParaRPr lang="ru-RU" sz="3200" dirty="0" smtClean="0">
               <a:solidFill>
@@ -5147,74 +5165,10 @@
           </a:p>
         </p:txBody>
       </p:sp>
-      <p:pic>
-        <p:nvPicPr>
-          <p:cNvPr id="14338" name="Picture 2"/>
-          <p:cNvPicPr>
-            <a:picLocks noChangeAspect="1" noChangeArrowheads="1"/>
-          </p:cNvPicPr>
-          <p:nvPr/>
-        </p:nvPicPr>
-        <p:blipFill>
-          <a:blip r:embed="rId4">
-            <a:extLst>
-              <a:ext uri="{28A0092B-C50C-407E-A947-70E740481C1C}">
-                <a14:useLocalDpi xmlns:a14="http://schemas.microsoft.com/office/drawing/2010/main" val="0"/>
-              </a:ext>
-            </a:extLst>
-          </a:blip>
-          <a:srcRect/>
-          <a:stretch>
-            <a:fillRect/>
-          </a:stretch>
-        </p:blipFill>
-        <p:spPr bwMode="auto">
-          <a:xfrm>
-            <a:off x="47625" y="2038350"/>
-            <a:ext cx="9048750" cy="2781300"/>
-          </a:xfrm>
-          <a:prstGeom prst="rect">
-            <a:avLst/>
-          </a:prstGeom>
-          <a:noFill/>
-          <a:ln>
-            <a:noFill/>
-          </a:ln>
-          <a:effectLst/>
-          <a:extLst>
-            <a:ext uri="{909E8E84-426E-40DD-AFC4-6F175D3DCCD1}">
-              <a14:hiddenFill xmlns:a14="http://schemas.microsoft.com/office/drawing/2010/main">
-                <a:solidFill>
-                  <a:schemeClr val="accent1"/>
-                </a:solidFill>
-              </a14:hiddenFill>
-            </a:ext>
-            <a:ext uri="{91240B29-F687-4F45-9708-019B960494DF}">
-              <a14:hiddenLine xmlns:a14="http://schemas.microsoft.com/office/drawing/2010/main" w="9525">
-                <a:solidFill>
-                  <a:schemeClr val="tx1"/>
-                </a:solidFill>
-                <a:miter lim="800000"/>
-                <a:headEnd/>
-                <a:tailEnd/>
-              </a14:hiddenLine>
-            </a:ext>
-            <a:ext uri="{AF507438-7753-43E0-B8FC-AC1667EBCBE1}">
-              <a14:hiddenEffects xmlns:a14="http://schemas.microsoft.com/office/drawing/2010/main">
-                <a:effectLst>
-                  <a:outerShdw dist="35921" dir="2700000" algn="ctr" rotWithShape="0">
-                    <a:schemeClr val="bg2"/>
-                  </a:outerShdw>
-                </a:effectLst>
-              </a14:hiddenEffects>
-            </a:ext>
-          </a:extLst>
-        </p:spPr>
-      </p:pic>
     </p:spTree>
     <p:extLst>
       <p:ext uri="{BB962C8B-B14F-4D97-AF65-F5344CB8AC3E}">
-        <p14:creationId xmlns:p14="http://schemas.microsoft.com/office/powerpoint/2010/main" val="1741608221"/>
+        <p14:creationId xmlns:p14="http://schemas.microsoft.com/office/powerpoint/2010/main" val="890096491"/>
       </p:ext>
     </p:extLst>
   </p:cSld>
@@ -5295,8 +5249,8 @@
         </p:nvSpPr>
         <p:spPr>
           <a:xfrm>
-            <a:off x="323528" y="332656"/>
-            <a:ext cx="8280920" cy="830997"/>
+            <a:off x="323528" y="-36675"/>
+            <a:ext cx="8280920" cy="1569660"/>
           </a:xfrm>
           <a:prstGeom prst="rect">
             <a:avLst/>
@@ -5315,7 +5269,7 @@
                   <a:schemeClr val="bg1"/>
                 </a:solidFill>
               </a:rPr>
-              <a:t>Вспомогательные средства</a:t>
+              <a:t>Логическое проектирование базы данных</a:t>
             </a:r>
             <a:endParaRPr lang="ru-RU" sz="4800" dirty="0">
               <a:solidFill>
@@ -5325,16 +5279,80 @@
           </a:p>
         </p:txBody>
       </p:sp>
-      <p:sp>
-        <p:nvSpPr>
-          <p:cNvPr id="3" name="TextBox 2"/>
+      <p:pic>
+        <p:nvPicPr>
+          <p:cNvPr id="16390" name="Picture 6"/>
+          <p:cNvPicPr>
+            <a:picLocks noChangeAspect="1" noChangeArrowheads="1"/>
+          </p:cNvPicPr>
+          <p:nvPr/>
+        </p:nvPicPr>
+        <p:blipFill>
+          <a:blip r:embed="rId4">
+            <a:extLst>
+              <a:ext uri="{28A0092B-C50C-407E-A947-70E740481C1C}">
+                <a14:useLocalDpi xmlns:a14="http://schemas.microsoft.com/office/drawing/2010/main" val="0"/>
+              </a:ext>
+            </a:extLst>
+          </a:blip>
+          <a:srcRect/>
+          <a:stretch>
+            <a:fillRect/>
+          </a:stretch>
+        </p:blipFill>
+        <p:spPr bwMode="auto">
+          <a:xfrm>
+            <a:off x="328712" y="2204864"/>
+            <a:ext cx="8282656" cy="2580237"/>
+          </a:xfrm>
+          <a:prstGeom prst="rect">
+            <a:avLst/>
+          </a:prstGeom>
+          <a:noFill/>
+          <a:ln>
+            <a:noFill/>
+          </a:ln>
+          <a:effectLst/>
+          <a:extLst>
+            <a:ext uri="{909E8E84-426E-40DD-AFC4-6F175D3DCCD1}">
+              <a14:hiddenFill xmlns:a14="http://schemas.microsoft.com/office/drawing/2010/main">
+                <a:solidFill>
+                  <a:schemeClr val="accent1"/>
+                </a:solidFill>
+              </a14:hiddenFill>
+            </a:ext>
+            <a:ext uri="{91240B29-F687-4F45-9708-019B960494DF}">
+              <a14:hiddenLine xmlns:a14="http://schemas.microsoft.com/office/drawing/2010/main" w="9525">
+                <a:solidFill>
+                  <a:schemeClr val="tx1"/>
+                </a:solidFill>
+                <a:miter lim="800000"/>
+                <a:headEnd/>
+                <a:tailEnd/>
+              </a14:hiddenLine>
+            </a:ext>
+            <a:ext uri="{AF507438-7753-43E0-B8FC-AC1667EBCBE1}">
+              <a14:hiddenEffects xmlns:a14="http://schemas.microsoft.com/office/drawing/2010/main">
+                <a:effectLst>
+                  <a:outerShdw dist="35921" dir="2700000" algn="ctr" rotWithShape="0">
+                    <a:schemeClr val="bg2"/>
+                  </a:outerShdw>
+                </a:effectLst>
+              </a14:hiddenEffects>
+            </a:ext>
+          </a:extLst>
+        </p:spPr>
+      </p:pic>
+      <p:sp>
+        <p:nvSpPr>
+          <p:cNvPr id="2" name="TextBox 1"/>
           <p:cNvSpPr txBox="1"/>
           <p:nvPr/>
         </p:nvSpPr>
         <p:spPr>
           <a:xfrm>
-            <a:off x="107504" y="2636912"/>
-            <a:ext cx="9036496" cy="1569660"/>
+            <a:off x="503548" y="5157192"/>
+            <a:ext cx="7920880" cy="369332"/>
           </a:xfrm>
           <a:prstGeom prst="rect">
             <a:avLst/>
@@ -5342,92 +5360,20 @@
           <a:noFill/>
         </p:spPr>
         <p:txBody>
-          <a:bodyPr wrap="square" rtlCol="0" anchor="ctr">
+          <a:bodyPr wrap="square" rtlCol="0">
             <a:spAutoFit/>
           </a:bodyPr>
           <a:lstStyle/>
           <a:p>
-            <a:pPr marL="457200" lvl="0" indent="-457200">
-              <a:buFontTx/>
-              <a:buChar char="-"/>
-            </a:pPr>
-            <a:r>
-              <a:rPr lang="en-US" sz="3200" dirty="0" smtClean="0">
-                <a:solidFill>
-                  <a:schemeClr val="bg1"/>
-                </a:solidFill>
-              </a:rPr>
-              <a:t>Skype (</a:t>
-            </a:r>
-            <a:r>
-              <a:rPr lang="ru-RU" sz="3200" dirty="0" smtClean="0">
-                <a:solidFill>
-                  <a:schemeClr val="bg1"/>
-                </a:solidFill>
-              </a:rPr>
-              <a:t>программа </a:t>
-            </a:r>
-            <a:r>
-              <a:rPr lang="ru-RU" sz="3200" dirty="0">
-                <a:solidFill>
-                  <a:schemeClr val="bg1"/>
-                </a:solidFill>
-              </a:rPr>
-              <a:t>интернет </a:t>
-            </a:r>
-            <a:r>
-              <a:rPr lang="ru-RU" sz="3200" dirty="0" smtClean="0">
-                <a:solidFill>
-                  <a:schemeClr val="bg1"/>
-                </a:solidFill>
-              </a:rPr>
-              <a:t>телефонии)</a:t>
-            </a:r>
-          </a:p>
-          <a:p>
-            <a:pPr marL="457200" lvl="0" indent="-457200">
-              <a:buFontTx/>
-              <a:buChar char="-"/>
-            </a:pPr>
-            <a:r>
-              <a:rPr lang="en-US" sz="3200" dirty="0" smtClean="0">
-                <a:solidFill>
-                  <a:schemeClr val="bg1"/>
-                </a:solidFill>
-              </a:rPr>
-              <a:t>Microsoft Visio (</a:t>
-            </a:r>
-            <a:r>
-              <a:rPr lang="ru-RU" sz="3200" dirty="0" smtClean="0">
-                <a:solidFill>
-                  <a:schemeClr val="bg1"/>
-                </a:solidFill>
-              </a:rPr>
-              <a:t>рисование схем)</a:t>
-            </a:r>
-          </a:p>
-          <a:p>
-            <a:pPr marL="457200" lvl="0" indent="-457200">
-              <a:buFontTx/>
-              <a:buChar char="-"/>
-            </a:pPr>
-            <a:r>
-              <a:rPr lang="ru-RU" sz="3200" dirty="0" smtClean="0">
-                <a:solidFill>
-                  <a:schemeClr val="bg1"/>
-                </a:solidFill>
-              </a:rPr>
-              <a:t>Браузеры </a:t>
-            </a:r>
-            <a:r>
-              <a:rPr lang="en-US" sz="3200" dirty="0" smtClean="0">
-                <a:solidFill>
-                  <a:schemeClr val="bg1"/>
-                </a:solidFill>
-              </a:rPr>
-              <a:t>(Opera, Google Chrome)</a:t>
-            </a:r>
-            <a:endParaRPr lang="ru-RU" sz="3200" dirty="0" smtClean="0">
+            <a:r>
+              <a:rPr lang="ru-RU" dirty="0" smtClean="0">
+                <a:solidFill>
+                  <a:schemeClr val="bg1"/>
+                </a:solidFill>
+              </a:rPr>
+              <a:t>Идентифицирующее отношение между сущностью «тема» и «категория»</a:t>
+            </a:r>
+            <a:endParaRPr lang="ru-RU" dirty="0">
               <a:solidFill>
                 <a:schemeClr val="bg1"/>
               </a:solidFill>
@@ -5438,7 +5384,7 @@
     </p:spTree>
     <p:extLst>
       <p:ext uri="{BB962C8B-B14F-4D97-AF65-F5344CB8AC3E}">
-        <p14:creationId xmlns:p14="http://schemas.microsoft.com/office/powerpoint/2010/main" val="890096491"/>
+        <p14:creationId xmlns:p14="http://schemas.microsoft.com/office/powerpoint/2010/main" val="875749854"/>
       </p:ext>
     </p:extLst>
   </p:cSld>
@@ -5539,7 +5485,7 @@
                   <a:schemeClr val="bg1"/>
                 </a:solidFill>
               </a:rPr>
-              <a:t>Логическое проектирование базы данных</a:t>
+              <a:t>Физическое проектирование базы данных</a:t>
             </a:r>
             <a:endParaRPr lang="ru-RU" sz="4800" dirty="0">
               <a:solidFill>
@@ -5551,7 +5497,7 @@
       </p:sp>
       <p:pic>
         <p:nvPicPr>
-          <p:cNvPr id="16390" name="Picture 6"/>
+          <p:cNvPr id="8195" name="Picture 3"/>
           <p:cNvPicPr>
             <a:picLocks noChangeAspect="1" noChangeArrowheads="1"/>
           </p:cNvPicPr>
@@ -5572,8 +5518,8 @@
         </p:blipFill>
         <p:spPr bwMode="auto">
           <a:xfrm>
-            <a:off x="328712" y="2204864"/>
-            <a:ext cx="8282656" cy="2580237"/>
+            <a:off x="3580160" y="3140968"/>
+            <a:ext cx="1676400" cy="990600"/>
           </a:xfrm>
           <a:prstGeom prst="rect">
             <a:avLst/>
@@ -5613,48 +5559,138 @@
           </a:extLst>
         </p:spPr>
       </p:pic>
-      <p:sp>
-        <p:nvSpPr>
-          <p:cNvPr id="2" name="TextBox 1"/>
-          <p:cNvSpPr txBox="1"/>
+      <p:pic>
+        <p:nvPicPr>
+          <p:cNvPr id="8196" name="Picture 4"/>
+          <p:cNvPicPr>
+            <a:picLocks noChangeAspect="1" noChangeArrowheads="1"/>
+          </p:cNvPicPr>
           <p:nvPr/>
-        </p:nvSpPr>
-        <p:spPr>
+        </p:nvPicPr>
+        <p:blipFill>
+          <a:blip r:embed="rId5">
+            <a:extLst>
+              <a:ext uri="{28A0092B-C50C-407E-A947-70E740481C1C}">
+                <a14:useLocalDpi xmlns:a14="http://schemas.microsoft.com/office/drawing/2010/main" val="0"/>
+              </a:ext>
+            </a:extLst>
+          </a:blip>
+          <a:srcRect/>
+          <a:stretch>
+            <a:fillRect/>
+          </a:stretch>
+        </p:blipFill>
+        <p:spPr bwMode="auto">
           <a:xfrm>
-            <a:off x="503548" y="5157192"/>
-            <a:ext cx="7920880" cy="369332"/>
+            <a:off x="6156176" y="3140968"/>
+            <a:ext cx="1943100" cy="708025"/>
           </a:xfrm>
           <a:prstGeom prst="rect">
             <a:avLst/>
           </a:prstGeom>
           <a:noFill/>
+          <a:ln>
+            <a:noFill/>
+          </a:ln>
+          <a:effectLst/>
+          <a:extLst>
+            <a:ext uri="{909E8E84-426E-40DD-AFC4-6F175D3DCCD1}">
+              <a14:hiddenFill xmlns:a14="http://schemas.microsoft.com/office/drawing/2010/main">
+                <a:solidFill>
+                  <a:schemeClr val="accent1"/>
+                </a:solidFill>
+              </a14:hiddenFill>
+            </a:ext>
+            <a:ext uri="{91240B29-F687-4F45-9708-019B960494DF}">
+              <a14:hiddenLine xmlns:a14="http://schemas.microsoft.com/office/drawing/2010/main" w="9525">
+                <a:solidFill>
+                  <a:schemeClr val="tx1"/>
+                </a:solidFill>
+                <a:miter lim="800000"/>
+                <a:headEnd/>
+                <a:tailEnd/>
+              </a14:hiddenLine>
+            </a:ext>
+            <a:ext uri="{AF507438-7753-43E0-B8FC-AC1667EBCBE1}">
+              <a14:hiddenEffects xmlns:a14="http://schemas.microsoft.com/office/drawing/2010/main">
+                <a:effectLst>
+                  <a:outerShdw dist="35921" dir="2700000" algn="ctr" rotWithShape="0">
+                    <a:schemeClr val="bg2"/>
+                  </a:outerShdw>
+                </a:effectLst>
+              </a14:hiddenEffects>
+            </a:ext>
+          </a:extLst>
         </p:spPr>
-        <p:txBody>
-          <a:bodyPr wrap="square" rtlCol="0">
-            <a:spAutoFit/>
-          </a:bodyPr>
-          <a:lstStyle/>
-          <a:p>
-            <a:r>
-              <a:rPr lang="ru-RU" dirty="0" smtClean="0">
-                <a:solidFill>
-                  <a:schemeClr val="bg1"/>
-                </a:solidFill>
-              </a:rPr>
-              <a:t>Идентифицирующее отношение между сущностью «тема» и «категория»</a:t>
-            </a:r>
-            <a:endParaRPr lang="ru-RU" dirty="0">
-              <a:solidFill>
-                <a:schemeClr val="bg1"/>
-              </a:solidFill>
-            </a:endParaRPr>
-          </a:p>
-        </p:txBody>
-      </p:sp>
+      </p:pic>
+      <p:pic>
+        <p:nvPicPr>
+          <p:cNvPr id="8197" name="Picture 5"/>
+          <p:cNvPicPr>
+            <a:picLocks noChangeAspect="1" noChangeArrowheads="1"/>
+          </p:cNvPicPr>
+          <p:nvPr/>
+        </p:nvPicPr>
+        <p:blipFill>
+          <a:blip r:embed="rId6">
+            <a:extLst>
+              <a:ext uri="{28A0092B-C50C-407E-A947-70E740481C1C}">
+                <a14:useLocalDpi xmlns:a14="http://schemas.microsoft.com/office/drawing/2010/main" val="0"/>
+              </a:ext>
+            </a:extLst>
+          </a:blip>
+          <a:srcRect/>
+          <a:stretch>
+            <a:fillRect/>
+          </a:stretch>
+        </p:blipFill>
+        <p:spPr bwMode="auto">
+          <a:xfrm>
+            <a:off x="827088" y="3068638"/>
+            <a:ext cx="1531937" cy="1760537"/>
+          </a:xfrm>
+          <a:prstGeom prst="rect">
+            <a:avLst/>
+          </a:prstGeom>
+          <a:noFill/>
+          <a:ln>
+            <a:noFill/>
+          </a:ln>
+          <a:effectLst/>
+          <a:extLst>
+            <a:ext uri="{909E8E84-426E-40DD-AFC4-6F175D3DCCD1}">
+              <a14:hiddenFill xmlns:a14="http://schemas.microsoft.com/office/drawing/2010/main">
+                <a:solidFill>
+                  <a:schemeClr val="accent1"/>
+                </a:solidFill>
+              </a14:hiddenFill>
+            </a:ext>
+            <a:ext uri="{91240B29-F687-4F45-9708-019B960494DF}">
+              <a14:hiddenLine xmlns:a14="http://schemas.microsoft.com/office/drawing/2010/main" w="9525">
+                <a:solidFill>
+                  <a:schemeClr val="tx1"/>
+                </a:solidFill>
+                <a:miter lim="800000"/>
+                <a:headEnd/>
+                <a:tailEnd/>
+              </a14:hiddenLine>
+            </a:ext>
+            <a:ext uri="{AF507438-7753-43E0-B8FC-AC1667EBCBE1}">
+              <a14:hiddenEffects xmlns:a14="http://schemas.microsoft.com/office/drawing/2010/main">
+                <a:effectLst>
+                  <a:outerShdw dist="35921" dir="2700000" algn="ctr" rotWithShape="0">
+                    <a:schemeClr val="bg2"/>
+                  </a:outerShdw>
+                </a:effectLst>
+              </a14:hiddenEffects>
+            </a:ext>
+          </a:extLst>
+        </p:spPr>
+      </p:pic>
     </p:spTree>
     <p:extLst>
       <p:ext uri="{BB962C8B-B14F-4D97-AF65-F5344CB8AC3E}">
-        <p14:creationId xmlns:p14="http://schemas.microsoft.com/office/powerpoint/2010/main" val="875749854"/>
+        <p14:creationId xmlns:p14="http://schemas.microsoft.com/office/powerpoint/2010/main" val="3414237432"/>
       </p:ext>
     </p:extLst>
   </p:cSld>
@@ -5735,8 +5771,8 @@
         </p:nvSpPr>
         <p:spPr>
           <a:xfrm>
-            <a:off x="323528" y="-36675"/>
-            <a:ext cx="8280920" cy="1569660"/>
+            <a:off x="323528" y="55657"/>
+            <a:ext cx="8280920" cy="1384995"/>
           </a:xfrm>
           <a:prstGeom prst="rect">
             <a:avLst/>
@@ -5755,9 +5791,19 @@
                   <a:schemeClr val="bg1"/>
                 </a:solidFill>
               </a:rPr>
-              <a:t>Физическое проектирование базы данных</a:t>
-            </a:r>
-            <a:endParaRPr lang="ru-RU" sz="4800" dirty="0">
+              <a:t>Проектирование модулей.</a:t>
+            </a:r>
+          </a:p>
+          <a:p>
+            <a:r>
+              <a:rPr lang="ru-RU" sz="3600" dirty="0" smtClean="0">
+                <a:solidFill>
+                  <a:schemeClr val="bg1"/>
+                </a:solidFill>
+              </a:rPr>
+              <a:t>Регистрация</a:t>
+            </a:r>
+            <a:endParaRPr lang="ru-RU" sz="3600" dirty="0">
               <a:solidFill>
                 <a:schemeClr val="bg1"/>
               </a:solidFill>
@@ -5767,7 +5813,7 @@
       </p:sp>
       <p:pic>
         <p:nvPicPr>
-          <p:cNvPr id="8195" name="Picture 3"/>
+          <p:cNvPr id="9219" name="Picture 3"/>
           <p:cNvPicPr>
             <a:picLocks noChangeAspect="1" noChangeArrowheads="1"/>
           </p:cNvPicPr>
@@ -5788,8 +5834,8 @@
         </p:blipFill>
         <p:spPr bwMode="auto">
           <a:xfrm>
-            <a:off x="3580160" y="3140968"/>
-            <a:ext cx="1676400" cy="990600"/>
+            <a:off x="352376" y="1532985"/>
+            <a:ext cx="4111612" cy="2055806"/>
           </a:xfrm>
           <a:prstGeom prst="rect">
             <a:avLst/>
@@ -5831,7 +5877,7 @@
       </p:pic>
       <p:pic>
         <p:nvPicPr>
-          <p:cNvPr id="8196" name="Picture 4"/>
+          <p:cNvPr id="9220" name="Picture 4"/>
           <p:cNvPicPr>
             <a:picLocks noChangeAspect="1" noChangeArrowheads="1"/>
           </p:cNvPicPr>
@@ -5852,8 +5898,8 @@
         </p:blipFill>
         <p:spPr bwMode="auto">
           <a:xfrm>
-            <a:off x="6156176" y="3140968"/>
-            <a:ext cx="1943100" cy="708025"/>
+            <a:off x="365324" y="3717032"/>
+            <a:ext cx="4131769" cy="2304256"/>
           </a:xfrm>
           <a:prstGeom prst="rect">
             <a:avLst/>
@@ -5893,74 +5939,86 @@
           </a:extLst>
         </p:spPr>
       </p:pic>
-      <p:pic>
-        <p:nvPicPr>
-          <p:cNvPr id="8197" name="Picture 5"/>
-          <p:cNvPicPr>
-            <a:picLocks noChangeAspect="1" noChangeArrowheads="1"/>
-          </p:cNvPicPr>
+      <p:sp>
+        <p:nvSpPr>
+          <p:cNvPr id="2" name="TextBox 1"/>
+          <p:cNvSpPr txBox="1"/>
           <p:nvPr/>
-        </p:nvPicPr>
-        <p:blipFill>
-          <a:blip r:embed="rId6">
-            <a:extLst>
-              <a:ext uri="{28A0092B-C50C-407E-A947-70E740481C1C}">
-                <a14:useLocalDpi xmlns:a14="http://schemas.microsoft.com/office/drawing/2010/main" val="0"/>
-              </a:ext>
-            </a:extLst>
-          </a:blip>
-          <a:srcRect/>
-          <a:stretch>
-            <a:fillRect/>
-          </a:stretch>
-        </p:blipFill>
-        <p:spPr bwMode="auto">
+        </p:nvSpPr>
+        <p:spPr>
           <a:xfrm>
-            <a:off x="827088" y="3068638"/>
-            <a:ext cx="1531937" cy="1760537"/>
+            <a:off x="4788024" y="2376222"/>
+            <a:ext cx="3816424" cy="369332"/>
           </a:xfrm>
           <a:prstGeom prst="rect">
             <a:avLst/>
           </a:prstGeom>
           <a:noFill/>
-          <a:ln>
-            <a:noFill/>
-          </a:ln>
-          <a:effectLst/>
-          <a:extLst>
-            <a:ext uri="{909E8E84-426E-40DD-AFC4-6F175D3DCCD1}">
-              <a14:hiddenFill xmlns:a14="http://schemas.microsoft.com/office/drawing/2010/main">
-                <a:solidFill>
-                  <a:schemeClr val="accent1"/>
-                </a:solidFill>
-              </a14:hiddenFill>
-            </a:ext>
-            <a:ext uri="{91240B29-F687-4F45-9708-019B960494DF}">
-              <a14:hiddenLine xmlns:a14="http://schemas.microsoft.com/office/drawing/2010/main" w="9525">
-                <a:solidFill>
-                  <a:schemeClr val="tx1"/>
-                </a:solidFill>
-                <a:miter lim="800000"/>
-                <a:headEnd/>
-                <a:tailEnd/>
-              </a14:hiddenLine>
-            </a:ext>
-            <a:ext uri="{AF507438-7753-43E0-B8FC-AC1667EBCBE1}">
-              <a14:hiddenEffects xmlns:a14="http://schemas.microsoft.com/office/drawing/2010/main">
-                <a:effectLst>
-                  <a:outerShdw dist="35921" dir="2700000" algn="ctr" rotWithShape="0">
-                    <a:schemeClr val="bg2"/>
-                  </a:outerShdw>
-                </a:effectLst>
-              </a14:hiddenEffects>
-            </a:ext>
-          </a:extLst>
         </p:spPr>
-      </p:pic>
+        <p:txBody>
+          <a:bodyPr wrap="square" rtlCol="0">
+            <a:spAutoFit/>
+          </a:bodyPr>
+          <a:lstStyle/>
+          <a:p>
+            <a:r>
+              <a:rPr lang="ru-RU" dirty="0" smtClean="0">
+                <a:solidFill>
+                  <a:schemeClr val="bg1"/>
+                </a:solidFill>
+              </a:rPr>
+              <a:t> - Верно введенные данные</a:t>
+            </a:r>
+            <a:endParaRPr lang="ru-RU" dirty="0">
+              <a:solidFill>
+                <a:schemeClr val="bg1"/>
+              </a:solidFill>
+            </a:endParaRPr>
+          </a:p>
+        </p:txBody>
+      </p:sp>
+      <p:sp>
+        <p:nvSpPr>
+          <p:cNvPr id="10" name="TextBox 9"/>
+          <p:cNvSpPr txBox="1"/>
+          <p:nvPr/>
+        </p:nvSpPr>
+        <p:spPr>
+          <a:xfrm>
+            <a:off x="4755728" y="4684494"/>
+            <a:ext cx="3816424" cy="369332"/>
+          </a:xfrm>
+          <a:prstGeom prst="rect">
+            <a:avLst/>
+          </a:prstGeom>
+          <a:noFill/>
+        </p:spPr>
+        <p:txBody>
+          <a:bodyPr wrap="square" rtlCol="0">
+            <a:spAutoFit/>
+          </a:bodyPr>
+          <a:lstStyle/>
+          <a:p>
+            <a:r>
+              <a:rPr lang="ru-RU" dirty="0" smtClean="0">
+                <a:solidFill>
+                  <a:schemeClr val="bg1"/>
+                </a:solidFill>
+              </a:rPr>
+              <a:t> - Неверно введенные данные</a:t>
+            </a:r>
+            <a:endParaRPr lang="ru-RU" dirty="0">
+              <a:solidFill>
+                <a:schemeClr val="bg1"/>
+              </a:solidFill>
+            </a:endParaRPr>
+          </a:p>
+        </p:txBody>
+      </p:sp>
     </p:spTree>
     <p:extLst>
       <p:ext uri="{BB962C8B-B14F-4D97-AF65-F5344CB8AC3E}">
-        <p14:creationId xmlns:p14="http://schemas.microsoft.com/office/powerpoint/2010/main" val="3414237432"/>
+        <p14:creationId xmlns:p14="http://schemas.microsoft.com/office/powerpoint/2010/main" val="3870283732"/>
       </p:ext>
     </p:extLst>
   </p:cSld>
@@ -6071,7 +6129,7 @@
                   <a:schemeClr val="bg1"/>
                 </a:solidFill>
               </a:rPr>
-              <a:t>Регистрация</a:t>
+              <a:t>Профиль пользователя</a:t>
             </a:r>
             <a:endParaRPr lang="ru-RU" sz="3600" dirty="0">
               <a:solidFill>
@@ -6083,7 +6141,7 @@
       </p:sp>
       <p:pic>
         <p:nvPicPr>
-          <p:cNvPr id="9219" name="Picture 3"/>
+          <p:cNvPr id="10242" name="Picture 2"/>
           <p:cNvPicPr>
             <a:picLocks noChangeAspect="1" noChangeArrowheads="1"/>
           </p:cNvPicPr>
@@ -6104,8 +6162,8 @@
         </p:blipFill>
         <p:spPr bwMode="auto">
           <a:xfrm>
-            <a:off x="352376" y="1532985"/>
-            <a:ext cx="4111612" cy="2055806"/>
+            <a:off x="395289" y="1628775"/>
+            <a:ext cx="3461946" cy="4608537"/>
           </a:xfrm>
           <a:prstGeom prst="rect">
             <a:avLst/>
@@ -6147,7 +6205,7 @@
       </p:pic>
       <p:pic>
         <p:nvPicPr>
-          <p:cNvPr id="9220" name="Picture 4"/>
+          <p:cNvPr id="10245" name="Picture 5"/>
           <p:cNvPicPr>
             <a:picLocks noChangeAspect="1" noChangeArrowheads="1"/>
           </p:cNvPicPr>
@@ -6168,8 +6226,8 @@
         </p:blipFill>
         <p:spPr bwMode="auto">
           <a:xfrm>
-            <a:off x="365324" y="3717032"/>
-            <a:ext cx="4131769" cy="2304256"/>
+            <a:off x="4211960" y="1628775"/>
+            <a:ext cx="4247366" cy="4608537"/>
           </a:xfrm>
           <a:prstGeom prst="rect">
             <a:avLst/>
@@ -6209,86 +6267,10 @@
           </a:extLst>
         </p:spPr>
       </p:pic>
-      <p:sp>
-        <p:nvSpPr>
-          <p:cNvPr id="2" name="TextBox 1"/>
-          <p:cNvSpPr txBox="1"/>
-          <p:nvPr/>
-        </p:nvSpPr>
-        <p:spPr>
-          <a:xfrm>
-            <a:off x="4788024" y="2376222"/>
-            <a:ext cx="3816424" cy="369332"/>
-          </a:xfrm>
-          <a:prstGeom prst="rect">
-            <a:avLst/>
-          </a:prstGeom>
-          <a:noFill/>
-        </p:spPr>
-        <p:txBody>
-          <a:bodyPr wrap="square" rtlCol="0">
-            <a:spAutoFit/>
-          </a:bodyPr>
-          <a:lstStyle/>
-          <a:p>
-            <a:r>
-              <a:rPr lang="ru-RU" dirty="0" smtClean="0">
-                <a:solidFill>
-                  <a:schemeClr val="bg1"/>
-                </a:solidFill>
-              </a:rPr>
-              <a:t> - Верно введенные данные</a:t>
-            </a:r>
-            <a:endParaRPr lang="ru-RU" dirty="0">
-              <a:solidFill>
-                <a:schemeClr val="bg1"/>
-              </a:solidFill>
-            </a:endParaRPr>
-          </a:p>
-        </p:txBody>
-      </p:sp>
-      <p:sp>
-        <p:nvSpPr>
-          <p:cNvPr id="10" name="TextBox 9"/>
-          <p:cNvSpPr txBox="1"/>
-          <p:nvPr/>
-        </p:nvSpPr>
-        <p:spPr>
-          <a:xfrm>
-            <a:off x="4755728" y="4684494"/>
-            <a:ext cx="3816424" cy="369332"/>
-          </a:xfrm>
-          <a:prstGeom prst="rect">
-            <a:avLst/>
-          </a:prstGeom>
-          <a:noFill/>
-        </p:spPr>
-        <p:txBody>
-          <a:bodyPr wrap="square" rtlCol="0">
-            <a:spAutoFit/>
-          </a:bodyPr>
-          <a:lstStyle/>
-          <a:p>
-            <a:r>
-              <a:rPr lang="ru-RU" dirty="0" smtClean="0">
-                <a:solidFill>
-                  <a:schemeClr val="bg1"/>
-                </a:solidFill>
-              </a:rPr>
-              <a:t> - Неверно введенные данные</a:t>
-            </a:r>
-            <a:endParaRPr lang="ru-RU" dirty="0">
-              <a:solidFill>
-                <a:schemeClr val="bg1"/>
-              </a:solidFill>
-            </a:endParaRPr>
-          </a:p>
-        </p:txBody>
-      </p:sp>
     </p:spTree>
     <p:extLst>
       <p:ext uri="{BB962C8B-B14F-4D97-AF65-F5344CB8AC3E}">
-        <p14:creationId xmlns:p14="http://schemas.microsoft.com/office/powerpoint/2010/main" val="3870283732"/>
+        <p14:creationId xmlns:p14="http://schemas.microsoft.com/office/powerpoint/2010/main" val="1776562215"/>
       </p:ext>
     </p:extLst>
   </p:cSld>
@@ -6399,7 +6381,7 @@
                   <a:schemeClr val="bg1"/>
                 </a:solidFill>
               </a:rPr>
-              <a:t>Профиль пользователя</a:t>
+              <a:t>Список категорий</a:t>
             </a:r>
             <a:endParaRPr lang="ru-RU" sz="3600" dirty="0">
               <a:solidFill>
@@ -6411,7 +6393,7 @@
       </p:sp>
       <p:pic>
         <p:nvPicPr>
-          <p:cNvPr id="10242" name="Picture 2"/>
+          <p:cNvPr id="11266" name="Picture 2"/>
           <p:cNvPicPr>
             <a:picLocks noChangeAspect="1" noChangeArrowheads="1"/>
           </p:cNvPicPr>
@@ -6432,72 +6414,8 @@
         </p:blipFill>
         <p:spPr bwMode="auto">
           <a:xfrm>
-            <a:off x="395289" y="1628775"/>
-            <a:ext cx="3461946" cy="4608537"/>
-          </a:xfrm>
-          <a:prstGeom prst="rect">
-            <a:avLst/>
-          </a:prstGeom>
-          <a:noFill/>
-          <a:ln>
-            <a:noFill/>
-          </a:ln>
-          <a:effectLst/>
-          <a:extLst>
-            <a:ext uri="{909E8E84-426E-40DD-AFC4-6F175D3DCCD1}">
-              <a14:hiddenFill xmlns:a14="http://schemas.microsoft.com/office/drawing/2010/main">
-                <a:solidFill>
-                  <a:schemeClr val="accent1"/>
-                </a:solidFill>
-              </a14:hiddenFill>
-            </a:ext>
-            <a:ext uri="{91240B29-F687-4F45-9708-019B960494DF}">
-              <a14:hiddenLine xmlns:a14="http://schemas.microsoft.com/office/drawing/2010/main" w="9525">
-                <a:solidFill>
-                  <a:schemeClr val="tx1"/>
-                </a:solidFill>
-                <a:miter lim="800000"/>
-                <a:headEnd/>
-                <a:tailEnd/>
-              </a14:hiddenLine>
-            </a:ext>
-            <a:ext uri="{AF507438-7753-43E0-B8FC-AC1667EBCBE1}">
-              <a14:hiddenEffects xmlns:a14="http://schemas.microsoft.com/office/drawing/2010/main">
-                <a:effectLst>
-                  <a:outerShdw dist="35921" dir="2700000" algn="ctr" rotWithShape="0">
-                    <a:schemeClr val="bg2"/>
-                  </a:outerShdw>
-                </a:effectLst>
-              </a14:hiddenEffects>
-            </a:ext>
-          </a:extLst>
-        </p:spPr>
-      </p:pic>
-      <p:pic>
-        <p:nvPicPr>
-          <p:cNvPr id="10245" name="Picture 5"/>
-          <p:cNvPicPr>
-            <a:picLocks noChangeAspect="1" noChangeArrowheads="1"/>
-          </p:cNvPicPr>
-          <p:nvPr/>
-        </p:nvPicPr>
-        <p:blipFill>
-          <a:blip r:embed="rId5">
-            <a:extLst>
-              <a:ext uri="{28A0092B-C50C-407E-A947-70E740481C1C}">
-                <a14:useLocalDpi xmlns:a14="http://schemas.microsoft.com/office/drawing/2010/main" val="0"/>
-              </a:ext>
-            </a:extLst>
-          </a:blip>
-          <a:srcRect/>
-          <a:stretch>
-            <a:fillRect/>
-          </a:stretch>
-        </p:blipFill>
-        <p:spPr bwMode="auto">
-          <a:xfrm>
-            <a:off x="4211960" y="1628775"/>
-            <a:ext cx="4247366" cy="4608537"/>
+            <a:off x="657225" y="2147888"/>
+            <a:ext cx="7829550" cy="2562225"/>
           </a:xfrm>
           <a:prstGeom prst="rect">
             <a:avLst/>
@@ -6540,7 +6458,7 @@
     </p:spTree>
     <p:extLst>
       <p:ext uri="{BB962C8B-B14F-4D97-AF65-F5344CB8AC3E}">
-        <p14:creationId xmlns:p14="http://schemas.microsoft.com/office/powerpoint/2010/main" val="1776562215"/>
+        <p14:creationId xmlns:p14="http://schemas.microsoft.com/office/powerpoint/2010/main" val="3896567051"/>
       </p:ext>
     </p:extLst>
   </p:cSld>
@@ -6958,7 +6876,7 @@
                   <a:schemeClr val="bg1"/>
                 </a:solidFill>
               </a:rPr>
-              <a:t>Список категорий</a:t>
+              <a:t>Список тем</a:t>
             </a:r>
             <a:endParaRPr lang="ru-RU" sz="3600" dirty="0">
               <a:solidFill>
@@ -6970,7 +6888,7 @@
       </p:sp>
       <p:pic>
         <p:nvPicPr>
-          <p:cNvPr id="11266" name="Picture 2"/>
+          <p:cNvPr id="15362" name="Picture 2"/>
           <p:cNvPicPr>
             <a:picLocks noChangeAspect="1" noChangeArrowheads="1"/>
           </p:cNvPicPr>
@@ -6991,8 +6909,8 @@
         </p:blipFill>
         <p:spPr bwMode="auto">
           <a:xfrm>
-            <a:off x="657225" y="2147888"/>
-            <a:ext cx="7829550" cy="2562225"/>
+            <a:off x="390661" y="1772816"/>
+            <a:ext cx="8172450" cy="4200525"/>
           </a:xfrm>
           <a:prstGeom prst="rect">
             <a:avLst/>
@@ -7035,7 +6953,7 @@
     </p:spTree>
     <p:extLst>
       <p:ext uri="{BB962C8B-B14F-4D97-AF65-F5344CB8AC3E}">
-        <p14:creationId xmlns:p14="http://schemas.microsoft.com/office/powerpoint/2010/main" val="3896567051"/>
+        <p14:creationId xmlns:p14="http://schemas.microsoft.com/office/powerpoint/2010/main" val="3523971740"/>
       </p:ext>
     </p:extLst>
   </p:cSld>
@@ -7146,7 +7064,7 @@
                   <a:schemeClr val="bg1"/>
                 </a:solidFill>
               </a:rPr>
-              <a:t>Список тем</a:t>
+              <a:t>Создание темы</a:t>
             </a:r>
             <a:endParaRPr lang="ru-RU" sz="3600" dirty="0">
               <a:solidFill>
@@ -7158,7 +7076,7 @@
       </p:sp>
       <p:pic>
         <p:nvPicPr>
-          <p:cNvPr id="15362" name="Picture 2"/>
+          <p:cNvPr id="16386" name="Picture 2"/>
           <p:cNvPicPr>
             <a:picLocks noChangeAspect="1" noChangeArrowheads="1"/>
           </p:cNvPicPr>
@@ -7179,8 +7097,8 @@
         </p:blipFill>
         <p:spPr bwMode="auto">
           <a:xfrm>
-            <a:off x="390661" y="1772816"/>
-            <a:ext cx="8172450" cy="4200525"/>
+            <a:off x="600075" y="1771650"/>
+            <a:ext cx="7943850" cy="3314700"/>
           </a:xfrm>
           <a:prstGeom prst="rect">
             <a:avLst/>
@@ -7223,7 +7141,7 @@
     </p:spTree>
     <p:extLst>
       <p:ext uri="{BB962C8B-B14F-4D97-AF65-F5344CB8AC3E}">
-        <p14:creationId xmlns:p14="http://schemas.microsoft.com/office/powerpoint/2010/main" val="3523971740"/>
+        <p14:creationId xmlns:p14="http://schemas.microsoft.com/office/powerpoint/2010/main" val="679413784"/>
       </p:ext>
     </p:extLst>
   </p:cSld>
@@ -7334,7 +7252,7 @@
                   <a:schemeClr val="bg1"/>
                 </a:solidFill>
               </a:rPr>
-              <a:t>Создание темы</a:t>
+              <a:t>Список сообщений</a:t>
             </a:r>
             <a:endParaRPr lang="ru-RU" sz="3600" dirty="0">
               <a:solidFill>
@@ -7346,7 +7264,7 @@
       </p:sp>
       <p:pic>
         <p:nvPicPr>
-          <p:cNvPr id="16386" name="Picture 2"/>
+          <p:cNvPr id="17411" name="Picture 3"/>
           <p:cNvPicPr>
             <a:picLocks noChangeAspect="1" noChangeArrowheads="1"/>
           </p:cNvPicPr>
@@ -7367,8 +7285,8 @@
         </p:blipFill>
         <p:spPr bwMode="auto">
           <a:xfrm>
-            <a:off x="600075" y="1771650"/>
-            <a:ext cx="7943850" cy="3314700"/>
+            <a:off x="511113" y="1844824"/>
+            <a:ext cx="8191500" cy="4533900"/>
           </a:xfrm>
           <a:prstGeom prst="rect">
             <a:avLst/>
@@ -7411,7 +7329,7 @@
     </p:spTree>
     <p:extLst>
       <p:ext uri="{BB962C8B-B14F-4D97-AF65-F5344CB8AC3E}">
-        <p14:creationId xmlns:p14="http://schemas.microsoft.com/office/powerpoint/2010/main" val="679413784"/>
+        <p14:creationId xmlns:p14="http://schemas.microsoft.com/office/powerpoint/2010/main" val="1489732951"/>
       </p:ext>
     </p:extLst>
   </p:cSld>
@@ -7522,7 +7440,7 @@
                   <a:schemeClr val="bg1"/>
                 </a:solidFill>
               </a:rPr>
-              <a:t>Список сообщений</a:t>
+              <a:t>Написание сообщения</a:t>
             </a:r>
             <a:endParaRPr lang="ru-RU" sz="3600" dirty="0">
               <a:solidFill>
@@ -7534,7 +7452,7 @@
       </p:sp>
       <p:pic>
         <p:nvPicPr>
-          <p:cNvPr id="17411" name="Picture 3"/>
+          <p:cNvPr id="18434" name="Picture 2"/>
           <p:cNvPicPr>
             <a:picLocks noChangeAspect="1" noChangeArrowheads="1"/>
           </p:cNvPicPr>
@@ -7555,8 +7473,8 @@
         </p:blipFill>
         <p:spPr bwMode="auto">
           <a:xfrm>
-            <a:off x="511113" y="1844824"/>
-            <a:ext cx="8191500" cy="4533900"/>
+            <a:off x="595313" y="1905000"/>
+            <a:ext cx="7953375" cy="3048000"/>
           </a:xfrm>
           <a:prstGeom prst="rect">
             <a:avLst/>
@@ -7599,7 +7517,7 @@
     </p:spTree>
     <p:extLst>
       <p:ext uri="{BB962C8B-B14F-4D97-AF65-F5344CB8AC3E}">
-        <p14:creationId xmlns:p14="http://schemas.microsoft.com/office/powerpoint/2010/main" val="1489732951"/>
+        <p14:creationId xmlns:p14="http://schemas.microsoft.com/office/powerpoint/2010/main" val="522519722"/>
       </p:ext>
     </p:extLst>
   </p:cSld>
@@ -7617,6 +7535,420 @@
 </file>
 
 <file path=ppt/slides/slide24.xml><?xml version="1.0" encoding="utf-8"?>
+<p:sld xmlns:a="http://schemas.openxmlformats.org/drawingml/2006/main" xmlns:r="http://schemas.openxmlformats.org/officeDocument/2006/relationships" xmlns:p="http://schemas.openxmlformats.org/presentationml/2006/main">
+  <p:cSld>
+    <p:bg>
+      <p:bgPr>
+        <a:blipFill dpi="0" rotWithShape="1">
+          <a:blip r:embed="rId3">
+            <a:alphaModFix amt="18000"/>
+            <a:duotone>
+              <a:prstClr val="black"/>
+              <a:schemeClr val="accent2">
+                <a:tint val="45000"/>
+                <a:satMod val="400000"/>
+              </a:schemeClr>
+            </a:duotone>
+            <a:lum/>
+            <a:extLst>
+              <a:ext uri="{BEBA8EAE-BF5A-486C-A8C5-ECC9F3942E4B}">
+                <a14:imgProps xmlns:a14="http://schemas.microsoft.com/office/drawing/2010/main">
+                  <a14:imgLayer r:embed="rId4">
+                    <a14:imgEffect>
+                      <a14:colorTemperature colorTemp="8250"/>
+                    </a14:imgEffect>
+                    <a14:imgEffect>
+                      <a14:saturation sat="115000"/>
+                    </a14:imgEffect>
+                    <a14:imgEffect>
+                      <a14:brightnessContrast bright="100000" contrast="1000"/>
+                    </a14:imgEffect>
+                  </a14:imgLayer>
+                </a14:imgProps>
+              </a:ext>
+            </a:extLst>
+          </a:blip>
+          <a:srcRect/>
+          <a:stretch>
+            <a:fillRect/>
+          </a:stretch>
+        </a:blipFill>
+        <a:effectLst/>
+      </p:bgPr>
+    </p:bg>
+    <p:spTree>
+      <p:nvGrpSpPr>
+        <p:cNvPr id="1" name=""/>
+        <p:cNvGrpSpPr/>
+        <p:nvPr/>
+      </p:nvGrpSpPr>
+      <p:grpSpPr>
+        <a:xfrm>
+          <a:off x="0" y="0"/>
+          <a:ext cx="0" cy="0"/>
+          <a:chOff x="0" y="0"/>
+          <a:chExt cx="0" cy="0"/>
+        </a:xfrm>
+      </p:grpSpPr>
+      <p:sp>
+        <p:nvSpPr>
+          <p:cNvPr id="4" name="TextBox 3"/>
+          <p:cNvSpPr txBox="1"/>
+          <p:nvPr/>
+        </p:nvSpPr>
+        <p:spPr>
+          <a:xfrm>
+            <a:off x="323528" y="332656"/>
+            <a:ext cx="8280920" cy="830997"/>
+          </a:xfrm>
+          <a:prstGeom prst="rect">
+            <a:avLst/>
+          </a:prstGeom>
+          <a:noFill/>
+        </p:spPr>
+        <p:txBody>
+          <a:bodyPr wrap="square" rtlCol="0" anchor="ctr">
+            <a:spAutoFit/>
+          </a:bodyPr>
+          <a:lstStyle/>
+          <a:p>
+            <a:r>
+              <a:rPr lang="ru-RU" sz="4800" dirty="0" smtClean="0">
+                <a:solidFill>
+                  <a:schemeClr val="bg1"/>
+                </a:solidFill>
+              </a:rPr>
+              <a:t>Проектирование модулей.</a:t>
+            </a:r>
+          </a:p>
+        </p:txBody>
+      </p:sp>
+      <p:sp>
+        <p:nvSpPr>
+          <p:cNvPr id="2" name="Rectangle 2"/>
+          <p:cNvSpPr>
+            <a:spLocks noChangeArrowheads="1"/>
+          </p:cNvSpPr>
+          <p:nvPr/>
+        </p:nvSpPr>
+        <p:spPr bwMode="auto">
+          <a:xfrm>
+            <a:off x="0" y="0"/>
+            <a:ext cx="9144000" cy="0"/>
+          </a:xfrm>
+          <a:prstGeom prst="rect">
+            <a:avLst/>
+          </a:prstGeom>
+          <a:noFill/>
+          <a:ln>
+            <a:noFill/>
+          </a:ln>
+          <a:effectLst/>
+          <a:extLst>
+            <a:ext uri="{909E8E84-426E-40DD-AFC4-6F175D3DCCD1}">
+              <a14:hiddenFill xmlns:a14="http://schemas.microsoft.com/office/drawing/2010/main">
+                <a:solidFill>
+                  <a:schemeClr val="accent1"/>
+                </a:solidFill>
+              </a14:hiddenFill>
+            </a:ext>
+            <a:ext uri="{91240B29-F687-4F45-9708-019B960494DF}">
+              <a14:hiddenLine xmlns:a14="http://schemas.microsoft.com/office/drawing/2010/main" w="9525">
+                <a:solidFill>
+                  <a:schemeClr val="tx1"/>
+                </a:solidFill>
+                <a:miter lim="800000"/>
+                <a:headEnd/>
+                <a:tailEnd/>
+              </a14:hiddenLine>
+            </a:ext>
+            <a:ext uri="{AF507438-7753-43E0-B8FC-AC1667EBCBE1}">
+              <a14:hiddenEffects xmlns:a14="http://schemas.microsoft.com/office/drawing/2010/main">
+                <a:effectLst>
+                  <a:outerShdw dist="35921" dir="2700000" algn="ctr" rotWithShape="0">
+                    <a:schemeClr val="bg2"/>
+                  </a:outerShdw>
+                </a:effectLst>
+              </a14:hiddenEffects>
+            </a:ext>
+          </a:extLst>
+        </p:spPr>
+        <p:txBody>
+          <a:bodyPr vert="horz" wrap="none" lIns="91440" tIns="45720" rIns="91440" bIns="45720" numCol="1" anchor="ctr" anchorCtr="0" compatLnSpc="1">
+            <a:prstTxWarp prst="textNoShape">
+              <a:avLst/>
+            </a:prstTxWarp>
+            <a:spAutoFit/>
+          </a:bodyPr>
+          <a:lstStyle/>
+          <a:p>
+            <a:endParaRPr lang="ru-RU"/>
+          </a:p>
+        </p:txBody>
+      </p:sp>
+      <p:graphicFrame>
+        <p:nvGraphicFramePr>
+          <p:cNvPr id="3" name="Объект 2"/>
+          <p:cNvGraphicFramePr>
+            <a:graphicFrameLocks noChangeAspect="1"/>
+          </p:cNvGraphicFramePr>
+          <p:nvPr>
+            <p:extLst>
+              <p:ext uri="{D42A27DB-BD31-4B8C-83A1-F6EECF244321}">
+                <p14:modId xmlns:p14="http://schemas.microsoft.com/office/powerpoint/2010/main" val="782826583"/>
+              </p:ext>
+            </p:extLst>
+          </p:nvPr>
+        </p:nvGraphicFramePr>
+        <p:xfrm>
+          <a:off x="4860032" y="1844824"/>
+          <a:ext cx="3905250" cy="3933825"/>
+        </p:xfrm>
+        <a:graphic>
+          <a:graphicData uri="http://schemas.openxmlformats.org/presentationml/2006/ole">
+            <mc:AlternateContent xmlns:mc="http://schemas.openxmlformats.org/markup-compatibility/2006">
+              <mc:Choice xmlns:v="urn:schemas-microsoft-com:vml" Requires="v">
+                <p:oleObj spid="_x0000_s12309" name="Visio" r:id="rId5" imgW="6322461" imgH="6354180" progId="Visio.Drawing.11">
+                  <p:embed/>
+                </p:oleObj>
+              </mc:Choice>
+              <mc:Fallback>
+                <p:oleObj name="Visio" r:id="rId5" imgW="6322461" imgH="6354180" progId="Visio.Drawing.11">
+                  <p:embed/>
+                  <p:pic>
+                    <p:nvPicPr>
+                      <p:cNvPr id="0" name="Object 1"/>
+                      <p:cNvPicPr>
+                        <a:picLocks noChangeAspect="1" noChangeArrowheads="1"/>
+                      </p:cNvPicPr>
+                      <p:nvPr/>
+                    </p:nvPicPr>
+                    <p:blipFill>
+                      <a:blip r:embed="rId6">
+                        <a:extLst>
+                          <a:ext uri="{28A0092B-C50C-407E-A947-70E740481C1C}">
+                            <a14:useLocalDpi xmlns:a14="http://schemas.microsoft.com/office/drawing/2010/main" val="0"/>
+                          </a:ext>
+                        </a:extLst>
+                      </a:blip>
+                      <a:srcRect/>
+                      <a:stretch>
+                        <a:fillRect/>
+                      </a:stretch>
+                    </p:blipFill>
+                    <p:spPr bwMode="auto">
+                      <a:xfrm>
+                        <a:off x="4860032" y="1844824"/>
+                        <a:ext cx="3905250" cy="3933825"/>
+                      </a:xfrm>
+                      <a:prstGeom prst="rect">
+                        <a:avLst/>
+                      </a:prstGeom>
+                      <a:noFill/>
+                      <a:extLst>
+                        <a:ext uri="{909E8E84-426E-40DD-AFC4-6F175D3DCCD1}">
+                          <a14:hiddenFill xmlns:a14="http://schemas.microsoft.com/office/drawing/2010/main">
+                            <a:solidFill>
+                              <a:srgbClr val="FFFFFF"/>
+                            </a:solidFill>
+                          </a14:hiddenFill>
+                        </a:ext>
+                      </a:extLst>
+                    </p:spPr>
+                  </p:pic>
+                </p:oleObj>
+              </mc:Fallback>
+            </mc:AlternateContent>
+          </a:graphicData>
+        </a:graphic>
+      </p:graphicFrame>
+      <p:sp>
+        <p:nvSpPr>
+          <p:cNvPr id="5" name="Rectangle 4"/>
+          <p:cNvSpPr>
+            <a:spLocks noChangeArrowheads="1"/>
+          </p:cNvSpPr>
+          <p:nvPr/>
+        </p:nvSpPr>
+        <p:spPr bwMode="auto">
+          <a:xfrm>
+            <a:off x="0" y="0"/>
+            <a:ext cx="9144000" cy="0"/>
+          </a:xfrm>
+          <a:prstGeom prst="rect">
+            <a:avLst/>
+          </a:prstGeom>
+          <a:noFill/>
+          <a:ln>
+            <a:noFill/>
+          </a:ln>
+          <a:effectLst/>
+          <a:extLst>
+            <a:ext uri="{909E8E84-426E-40DD-AFC4-6F175D3DCCD1}">
+              <a14:hiddenFill xmlns:a14="http://schemas.microsoft.com/office/drawing/2010/main">
+                <a:solidFill>
+                  <a:schemeClr val="accent1"/>
+                </a:solidFill>
+              </a14:hiddenFill>
+            </a:ext>
+            <a:ext uri="{91240B29-F687-4F45-9708-019B960494DF}">
+              <a14:hiddenLine xmlns:a14="http://schemas.microsoft.com/office/drawing/2010/main" w="9525">
+                <a:solidFill>
+                  <a:schemeClr val="tx1"/>
+                </a:solidFill>
+                <a:miter lim="800000"/>
+                <a:headEnd/>
+                <a:tailEnd/>
+              </a14:hiddenLine>
+            </a:ext>
+            <a:ext uri="{AF507438-7753-43E0-B8FC-AC1667EBCBE1}">
+              <a14:hiddenEffects xmlns:a14="http://schemas.microsoft.com/office/drawing/2010/main">
+                <a:effectLst>
+                  <a:outerShdw dist="35921" dir="2700000" algn="ctr" rotWithShape="0">
+                    <a:schemeClr val="bg2"/>
+                  </a:outerShdw>
+                </a:effectLst>
+              </a14:hiddenEffects>
+            </a:ext>
+          </a:extLst>
+        </p:spPr>
+        <p:txBody>
+          <a:bodyPr vert="horz" wrap="none" lIns="91440" tIns="45720" rIns="91440" bIns="45720" numCol="1" anchor="ctr" anchorCtr="0" compatLnSpc="1">
+            <a:prstTxWarp prst="textNoShape">
+              <a:avLst/>
+            </a:prstTxWarp>
+            <a:spAutoFit/>
+          </a:bodyPr>
+          <a:lstStyle/>
+          <a:p>
+            <a:endParaRPr lang="ru-RU"/>
+          </a:p>
+        </p:txBody>
+      </p:sp>
+      <p:graphicFrame>
+        <p:nvGraphicFramePr>
+          <p:cNvPr id="6" name="Объект 5"/>
+          <p:cNvGraphicFramePr>
+            <a:graphicFrameLocks noChangeAspect="1"/>
+          </p:cNvGraphicFramePr>
+          <p:nvPr>
+            <p:extLst>
+              <p:ext uri="{D42A27DB-BD31-4B8C-83A1-F6EECF244321}">
+                <p14:modId xmlns:p14="http://schemas.microsoft.com/office/powerpoint/2010/main" val="4138767967"/>
+              </p:ext>
+            </p:extLst>
+          </p:nvPr>
+        </p:nvGraphicFramePr>
+        <p:xfrm>
+          <a:off x="371475" y="1988840"/>
+          <a:ext cx="4200525" cy="3638550"/>
+        </p:xfrm>
+        <a:graphic>
+          <a:graphicData uri="http://schemas.openxmlformats.org/presentationml/2006/ole">
+            <mc:AlternateContent xmlns:mc="http://schemas.openxmlformats.org/markup-compatibility/2006">
+              <mc:Choice xmlns:v="urn:schemas-microsoft-com:vml" Requires="v">
+                <p:oleObj spid="_x0000_s12310" name="Visio" r:id="rId7" imgW="5741676" imgH="4985280" progId="Visio.Drawing.11">
+                  <p:embed/>
+                </p:oleObj>
+              </mc:Choice>
+              <mc:Fallback>
+                <p:oleObj name="Visio" r:id="rId7" imgW="5741676" imgH="4985280" progId="Visio.Drawing.11">
+                  <p:embed/>
+                  <p:pic>
+                    <p:nvPicPr>
+                      <p:cNvPr id="0" name="Object 3"/>
+                      <p:cNvPicPr>
+                        <a:picLocks noChangeAspect="1" noChangeArrowheads="1"/>
+                      </p:cNvPicPr>
+                      <p:nvPr/>
+                    </p:nvPicPr>
+                    <p:blipFill>
+                      <a:blip r:embed="rId8"/>
+                      <a:srcRect/>
+                      <a:stretch>
+                        <a:fillRect/>
+                      </a:stretch>
+                    </p:blipFill>
+                    <p:spPr bwMode="auto">
+                      <a:xfrm>
+                        <a:off x="371475" y="1988840"/>
+                        <a:ext cx="4200525" cy="3638550"/>
+                      </a:xfrm>
+                      <a:prstGeom prst="rect">
+                        <a:avLst/>
+                      </a:prstGeom>
+                      <a:noFill/>
+                      <a:extLst>
+                        <a:ext uri="{909E8E84-426E-40DD-AFC4-6F175D3DCCD1}">
+                          <a14:hiddenFill xmlns:a14="http://schemas.microsoft.com/office/drawing/2010/main">
+                            <a:solidFill>
+                              <a:srgbClr val="FFFFFF"/>
+                            </a:solidFill>
+                          </a14:hiddenFill>
+                        </a:ext>
+                      </a:extLst>
+                    </p:spPr>
+                  </p:pic>
+                </p:oleObj>
+              </mc:Fallback>
+            </mc:AlternateContent>
+          </a:graphicData>
+        </a:graphic>
+      </p:graphicFrame>
+      <p:sp>
+        <p:nvSpPr>
+          <p:cNvPr id="7" name="TextBox 6"/>
+          <p:cNvSpPr txBox="1"/>
+          <p:nvPr/>
+        </p:nvSpPr>
+        <p:spPr>
+          <a:xfrm>
+            <a:off x="323528" y="1196752"/>
+            <a:ext cx="5689748" cy="646331"/>
+          </a:xfrm>
+          <a:prstGeom prst="rect">
+            <a:avLst/>
+          </a:prstGeom>
+          <a:noFill/>
+        </p:spPr>
+        <p:txBody>
+          <a:bodyPr wrap="square" rtlCol="0">
+            <a:spAutoFit/>
+          </a:bodyPr>
+          <a:lstStyle/>
+          <a:p>
+            <a:r>
+              <a:rPr lang="ru-RU" sz="3600" dirty="0">
+                <a:solidFill>
+                  <a:schemeClr val="bg1"/>
+                </a:solidFill>
+              </a:rPr>
+              <a:t>Механизм разделения прав</a:t>
+            </a:r>
+          </a:p>
+        </p:txBody>
+      </p:sp>
+    </p:spTree>
+    <p:extLst>
+      <p:ext uri="{BB962C8B-B14F-4D97-AF65-F5344CB8AC3E}">
+        <p14:creationId xmlns:p14="http://schemas.microsoft.com/office/powerpoint/2010/main" val="589223620"/>
+      </p:ext>
+    </p:extLst>
+  </p:cSld>
+  <p:clrMapOvr>
+    <a:masterClrMapping/>
+  </p:clrMapOvr>
+  <p:timing>
+    <p:tnLst>
+      <p:par>
+        <p:cTn id="1" dur="indefinite" restart="never" nodeType="tmRoot"/>
+      </p:par>
+    </p:tnLst>
+  </p:timing>
+</p:sld>
+</file>
+
+<file path=ppt/slides/slide25.xml><?xml version="1.0" encoding="utf-8"?>
 <p:sld xmlns:a="http://schemas.openxmlformats.org/drawingml/2006/main" xmlns:r="http://schemas.openxmlformats.org/officeDocument/2006/relationships" xmlns:p="http://schemas.openxmlformats.org/presentationml/2006/main">
   <p:cSld>
     <p:bg>
@@ -7680,626 +8012,6 @@
         </p:nvSpPr>
         <p:spPr>
           <a:xfrm>
-            <a:off x="323528" y="55657"/>
-            <a:ext cx="8280920" cy="1384995"/>
-          </a:xfrm>
-          <a:prstGeom prst="rect">
-            <a:avLst/>
-          </a:prstGeom>
-          <a:noFill/>
-        </p:spPr>
-        <p:txBody>
-          <a:bodyPr wrap="square" rtlCol="0" anchor="ctr">
-            <a:spAutoFit/>
-          </a:bodyPr>
-          <a:lstStyle/>
-          <a:p>
-            <a:r>
-              <a:rPr lang="ru-RU" sz="4800" dirty="0" smtClean="0">
-                <a:solidFill>
-                  <a:schemeClr val="bg1"/>
-                </a:solidFill>
-              </a:rPr>
-              <a:t>Проектирование модулей.</a:t>
-            </a:r>
-          </a:p>
-          <a:p>
-            <a:r>
-              <a:rPr lang="ru-RU" sz="3600" dirty="0" smtClean="0">
-                <a:solidFill>
-                  <a:schemeClr val="bg1"/>
-                </a:solidFill>
-              </a:rPr>
-              <a:t>Написание сообщения</a:t>
-            </a:r>
-            <a:endParaRPr lang="ru-RU" sz="3600" dirty="0">
-              <a:solidFill>
-                <a:schemeClr val="bg1"/>
-              </a:solidFill>
-            </a:endParaRPr>
-          </a:p>
-        </p:txBody>
-      </p:sp>
-      <p:pic>
-        <p:nvPicPr>
-          <p:cNvPr id="18434" name="Picture 2"/>
-          <p:cNvPicPr>
-            <a:picLocks noChangeAspect="1" noChangeArrowheads="1"/>
-          </p:cNvPicPr>
-          <p:nvPr/>
-        </p:nvPicPr>
-        <p:blipFill>
-          <a:blip r:embed="rId4">
-            <a:extLst>
-              <a:ext uri="{28A0092B-C50C-407E-A947-70E740481C1C}">
-                <a14:useLocalDpi xmlns:a14="http://schemas.microsoft.com/office/drawing/2010/main" val="0"/>
-              </a:ext>
-            </a:extLst>
-          </a:blip>
-          <a:srcRect/>
-          <a:stretch>
-            <a:fillRect/>
-          </a:stretch>
-        </p:blipFill>
-        <p:spPr bwMode="auto">
-          <a:xfrm>
-            <a:off x="595313" y="1905000"/>
-            <a:ext cx="7953375" cy="3048000"/>
-          </a:xfrm>
-          <a:prstGeom prst="rect">
-            <a:avLst/>
-          </a:prstGeom>
-          <a:noFill/>
-          <a:ln>
-            <a:noFill/>
-          </a:ln>
-          <a:effectLst/>
-          <a:extLst>
-            <a:ext uri="{909E8E84-426E-40DD-AFC4-6F175D3DCCD1}">
-              <a14:hiddenFill xmlns:a14="http://schemas.microsoft.com/office/drawing/2010/main">
-                <a:solidFill>
-                  <a:schemeClr val="accent1"/>
-                </a:solidFill>
-              </a14:hiddenFill>
-            </a:ext>
-            <a:ext uri="{91240B29-F687-4F45-9708-019B960494DF}">
-              <a14:hiddenLine xmlns:a14="http://schemas.microsoft.com/office/drawing/2010/main" w="9525">
-                <a:solidFill>
-                  <a:schemeClr val="tx1"/>
-                </a:solidFill>
-                <a:miter lim="800000"/>
-                <a:headEnd/>
-                <a:tailEnd/>
-              </a14:hiddenLine>
-            </a:ext>
-            <a:ext uri="{AF507438-7753-43E0-B8FC-AC1667EBCBE1}">
-              <a14:hiddenEffects xmlns:a14="http://schemas.microsoft.com/office/drawing/2010/main">
-                <a:effectLst>
-                  <a:outerShdw dist="35921" dir="2700000" algn="ctr" rotWithShape="0">
-                    <a:schemeClr val="bg2"/>
-                  </a:outerShdw>
-                </a:effectLst>
-              </a14:hiddenEffects>
-            </a:ext>
-          </a:extLst>
-        </p:spPr>
-      </p:pic>
-    </p:spTree>
-    <p:extLst>
-      <p:ext uri="{BB962C8B-B14F-4D97-AF65-F5344CB8AC3E}">
-        <p14:creationId xmlns:p14="http://schemas.microsoft.com/office/powerpoint/2010/main" val="522519722"/>
-      </p:ext>
-    </p:extLst>
-  </p:cSld>
-  <p:clrMapOvr>
-    <a:masterClrMapping/>
-  </p:clrMapOvr>
-  <p:timing>
-    <p:tnLst>
-      <p:par>
-        <p:cTn id="1" dur="indefinite" restart="never" nodeType="tmRoot"/>
-      </p:par>
-    </p:tnLst>
-  </p:timing>
-</p:sld>
-</file>
-
-<file path=ppt/slides/slide25.xml><?xml version="1.0" encoding="utf-8"?>
-<p:sld xmlns:a="http://schemas.openxmlformats.org/drawingml/2006/main" xmlns:r="http://schemas.openxmlformats.org/officeDocument/2006/relationships" xmlns:p="http://schemas.openxmlformats.org/presentationml/2006/main">
-  <p:cSld>
-    <p:bg>
-      <p:bgPr>
-        <a:blipFill dpi="0" rotWithShape="1">
-          <a:blip r:embed="rId3">
-            <a:alphaModFix amt="18000"/>
-            <a:duotone>
-              <a:prstClr val="black"/>
-              <a:schemeClr val="accent2">
-                <a:tint val="45000"/>
-                <a:satMod val="400000"/>
-              </a:schemeClr>
-            </a:duotone>
-            <a:lum/>
-            <a:extLst>
-              <a:ext uri="{BEBA8EAE-BF5A-486C-A8C5-ECC9F3942E4B}">
-                <a14:imgProps xmlns:a14="http://schemas.microsoft.com/office/drawing/2010/main">
-                  <a14:imgLayer r:embed="rId4">
-                    <a14:imgEffect>
-                      <a14:colorTemperature colorTemp="8250"/>
-                    </a14:imgEffect>
-                    <a14:imgEffect>
-                      <a14:saturation sat="115000"/>
-                    </a14:imgEffect>
-                    <a14:imgEffect>
-                      <a14:brightnessContrast bright="100000" contrast="1000"/>
-                    </a14:imgEffect>
-                  </a14:imgLayer>
-                </a14:imgProps>
-              </a:ext>
-            </a:extLst>
-          </a:blip>
-          <a:srcRect/>
-          <a:stretch>
-            <a:fillRect/>
-          </a:stretch>
-        </a:blipFill>
-        <a:effectLst/>
-      </p:bgPr>
-    </p:bg>
-    <p:spTree>
-      <p:nvGrpSpPr>
-        <p:cNvPr id="1" name=""/>
-        <p:cNvGrpSpPr/>
-        <p:nvPr/>
-      </p:nvGrpSpPr>
-      <p:grpSpPr>
-        <a:xfrm>
-          <a:off x="0" y="0"/>
-          <a:ext cx="0" cy="0"/>
-          <a:chOff x="0" y="0"/>
-          <a:chExt cx="0" cy="0"/>
-        </a:xfrm>
-      </p:grpSpPr>
-      <p:sp>
-        <p:nvSpPr>
-          <p:cNvPr id="4" name="TextBox 3"/>
-          <p:cNvSpPr txBox="1"/>
-          <p:nvPr/>
-        </p:nvSpPr>
-        <p:spPr>
-          <a:xfrm>
-            <a:off x="323528" y="332656"/>
-            <a:ext cx="8280920" cy="830997"/>
-          </a:xfrm>
-          <a:prstGeom prst="rect">
-            <a:avLst/>
-          </a:prstGeom>
-          <a:noFill/>
-        </p:spPr>
-        <p:txBody>
-          <a:bodyPr wrap="square" rtlCol="0" anchor="ctr">
-            <a:spAutoFit/>
-          </a:bodyPr>
-          <a:lstStyle/>
-          <a:p>
-            <a:r>
-              <a:rPr lang="ru-RU" sz="4800" dirty="0" smtClean="0">
-                <a:solidFill>
-                  <a:schemeClr val="bg1"/>
-                </a:solidFill>
-              </a:rPr>
-              <a:t>Проектирование модулей</a:t>
-            </a:r>
-            <a:r>
-              <a:rPr lang="ru-RU" sz="4800" dirty="0" smtClean="0">
-                <a:solidFill>
-                  <a:schemeClr val="bg1"/>
-                </a:solidFill>
-              </a:rPr>
-              <a:t>.</a:t>
-            </a:r>
-            <a:endParaRPr lang="ru-RU" sz="4800" dirty="0" smtClean="0">
-              <a:solidFill>
-                <a:schemeClr val="bg1"/>
-              </a:solidFill>
-            </a:endParaRPr>
-          </a:p>
-        </p:txBody>
-      </p:sp>
-      <p:sp>
-        <p:nvSpPr>
-          <p:cNvPr id="2" name="Rectangle 2"/>
-          <p:cNvSpPr>
-            <a:spLocks noChangeArrowheads="1"/>
-          </p:cNvSpPr>
-          <p:nvPr/>
-        </p:nvSpPr>
-        <p:spPr bwMode="auto">
-          <a:xfrm>
-            <a:off x="0" y="0"/>
-            <a:ext cx="9144000" cy="0"/>
-          </a:xfrm>
-          <a:prstGeom prst="rect">
-            <a:avLst/>
-          </a:prstGeom>
-          <a:noFill/>
-          <a:ln>
-            <a:noFill/>
-          </a:ln>
-          <a:effectLst/>
-          <a:extLst>
-            <a:ext uri="{909E8E84-426E-40DD-AFC4-6F175D3DCCD1}">
-              <a14:hiddenFill xmlns:a14="http://schemas.microsoft.com/office/drawing/2010/main">
-                <a:solidFill>
-                  <a:schemeClr val="accent1"/>
-                </a:solidFill>
-              </a14:hiddenFill>
-            </a:ext>
-            <a:ext uri="{91240B29-F687-4F45-9708-019B960494DF}">
-              <a14:hiddenLine xmlns:a14="http://schemas.microsoft.com/office/drawing/2010/main" w="9525">
-                <a:solidFill>
-                  <a:schemeClr val="tx1"/>
-                </a:solidFill>
-                <a:miter lim="800000"/>
-                <a:headEnd/>
-                <a:tailEnd/>
-              </a14:hiddenLine>
-            </a:ext>
-            <a:ext uri="{AF507438-7753-43E0-B8FC-AC1667EBCBE1}">
-              <a14:hiddenEffects xmlns:a14="http://schemas.microsoft.com/office/drawing/2010/main">
-                <a:effectLst>
-                  <a:outerShdw dist="35921" dir="2700000" algn="ctr" rotWithShape="0">
-                    <a:schemeClr val="bg2"/>
-                  </a:outerShdw>
-                </a:effectLst>
-              </a14:hiddenEffects>
-            </a:ext>
-          </a:extLst>
-        </p:spPr>
-        <p:txBody>
-          <a:bodyPr vert="horz" wrap="none" lIns="91440" tIns="45720" rIns="91440" bIns="45720" numCol="1" anchor="ctr" anchorCtr="0" compatLnSpc="1">
-            <a:prstTxWarp prst="textNoShape">
-              <a:avLst/>
-            </a:prstTxWarp>
-            <a:spAutoFit/>
-          </a:bodyPr>
-          <a:lstStyle/>
-          <a:p>
-            <a:endParaRPr lang="ru-RU"/>
-          </a:p>
-        </p:txBody>
-      </p:sp>
-      <p:graphicFrame>
-        <p:nvGraphicFramePr>
-          <p:cNvPr id="3" name="Объект 2"/>
-          <p:cNvGraphicFramePr>
-            <a:graphicFrameLocks noChangeAspect="1"/>
-          </p:cNvGraphicFramePr>
-          <p:nvPr>
-            <p:extLst>
-              <p:ext uri="{D42A27DB-BD31-4B8C-83A1-F6EECF244321}">
-                <p14:modId xmlns:p14="http://schemas.microsoft.com/office/powerpoint/2010/main" val="782826583"/>
-              </p:ext>
-            </p:extLst>
-          </p:nvPr>
-        </p:nvGraphicFramePr>
-        <p:xfrm>
-          <a:off x="4860032" y="1844824"/>
-          <a:ext cx="3905250" cy="3933825"/>
-        </p:xfrm>
-        <a:graphic>
-          <a:graphicData uri="http://schemas.openxmlformats.org/presentationml/2006/ole">
-            <mc:AlternateContent xmlns:mc="http://schemas.openxmlformats.org/markup-compatibility/2006">
-              <mc:Choice xmlns:v="urn:schemas-microsoft-com:vml" Requires="v">
-                <p:oleObj spid="_x0000_s12305" name="Visio" r:id="rId5" imgW="6322461" imgH="6354180" progId="Visio.Drawing.11">
-                  <p:embed/>
-                </p:oleObj>
-              </mc:Choice>
-              <mc:Fallback>
-                <p:oleObj name="Visio" r:id="rId5" imgW="6322461" imgH="6354180" progId="Visio.Drawing.11">
-                  <p:embed/>
-                  <p:pic>
-                    <p:nvPicPr>
-                      <p:cNvPr id="0" name="Object 1"/>
-                      <p:cNvPicPr>
-                        <a:picLocks noChangeAspect="1" noChangeArrowheads="1"/>
-                      </p:cNvPicPr>
-                      <p:nvPr/>
-                    </p:nvPicPr>
-                    <p:blipFill>
-                      <a:blip r:embed="rId6">
-                        <a:extLst>
-                          <a:ext uri="{28A0092B-C50C-407E-A947-70E740481C1C}">
-                            <a14:useLocalDpi xmlns:a14="http://schemas.microsoft.com/office/drawing/2010/main" val="0"/>
-                          </a:ext>
-                        </a:extLst>
-                      </a:blip>
-                      <a:srcRect/>
-                      <a:stretch>
-                        <a:fillRect/>
-                      </a:stretch>
-                    </p:blipFill>
-                    <p:spPr bwMode="auto">
-                      <a:xfrm>
-                        <a:off x="4860032" y="1844824"/>
-                        <a:ext cx="3905250" cy="3933825"/>
-                      </a:xfrm>
-                      <a:prstGeom prst="rect">
-                        <a:avLst/>
-                      </a:prstGeom>
-                      <a:noFill/>
-                      <a:extLst>
-                        <a:ext uri="{909E8E84-426E-40DD-AFC4-6F175D3DCCD1}">
-                          <a14:hiddenFill xmlns:a14="http://schemas.microsoft.com/office/drawing/2010/main">
-                            <a:solidFill>
-                              <a:srgbClr val="FFFFFF"/>
-                            </a:solidFill>
-                          </a14:hiddenFill>
-                        </a:ext>
-                      </a:extLst>
-                    </p:spPr>
-                  </p:pic>
-                </p:oleObj>
-              </mc:Fallback>
-            </mc:AlternateContent>
-          </a:graphicData>
-        </a:graphic>
-      </p:graphicFrame>
-      <p:sp>
-        <p:nvSpPr>
-          <p:cNvPr id="5" name="Rectangle 4"/>
-          <p:cNvSpPr>
-            <a:spLocks noChangeArrowheads="1"/>
-          </p:cNvSpPr>
-          <p:nvPr/>
-        </p:nvSpPr>
-        <p:spPr bwMode="auto">
-          <a:xfrm>
-            <a:off x="0" y="0"/>
-            <a:ext cx="9144000" cy="0"/>
-          </a:xfrm>
-          <a:prstGeom prst="rect">
-            <a:avLst/>
-          </a:prstGeom>
-          <a:noFill/>
-          <a:ln>
-            <a:noFill/>
-          </a:ln>
-          <a:effectLst/>
-          <a:extLst>
-            <a:ext uri="{909E8E84-426E-40DD-AFC4-6F175D3DCCD1}">
-              <a14:hiddenFill xmlns:a14="http://schemas.microsoft.com/office/drawing/2010/main">
-                <a:solidFill>
-                  <a:schemeClr val="accent1"/>
-                </a:solidFill>
-              </a14:hiddenFill>
-            </a:ext>
-            <a:ext uri="{91240B29-F687-4F45-9708-019B960494DF}">
-              <a14:hiddenLine xmlns:a14="http://schemas.microsoft.com/office/drawing/2010/main" w="9525">
-                <a:solidFill>
-                  <a:schemeClr val="tx1"/>
-                </a:solidFill>
-                <a:miter lim="800000"/>
-                <a:headEnd/>
-                <a:tailEnd/>
-              </a14:hiddenLine>
-            </a:ext>
-            <a:ext uri="{AF507438-7753-43E0-B8FC-AC1667EBCBE1}">
-              <a14:hiddenEffects xmlns:a14="http://schemas.microsoft.com/office/drawing/2010/main">
-                <a:effectLst>
-                  <a:outerShdw dist="35921" dir="2700000" algn="ctr" rotWithShape="0">
-                    <a:schemeClr val="bg2"/>
-                  </a:outerShdw>
-                </a:effectLst>
-              </a14:hiddenEffects>
-            </a:ext>
-          </a:extLst>
-        </p:spPr>
-        <p:txBody>
-          <a:bodyPr vert="horz" wrap="none" lIns="91440" tIns="45720" rIns="91440" bIns="45720" numCol="1" anchor="ctr" anchorCtr="0" compatLnSpc="1">
-            <a:prstTxWarp prst="textNoShape">
-              <a:avLst/>
-            </a:prstTxWarp>
-            <a:spAutoFit/>
-          </a:bodyPr>
-          <a:lstStyle/>
-          <a:p>
-            <a:endParaRPr lang="ru-RU"/>
-          </a:p>
-        </p:txBody>
-      </p:sp>
-      <p:graphicFrame>
-        <p:nvGraphicFramePr>
-          <p:cNvPr id="6" name="Объект 5"/>
-          <p:cNvGraphicFramePr>
-            <a:graphicFrameLocks noChangeAspect="1"/>
-          </p:cNvGraphicFramePr>
-          <p:nvPr>
-            <p:extLst>
-              <p:ext uri="{D42A27DB-BD31-4B8C-83A1-F6EECF244321}">
-                <p14:modId xmlns:p14="http://schemas.microsoft.com/office/powerpoint/2010/main" val="4138767967"/>
-              </p:ext>
-            </p:extLst>
-          </p:nvPr>
-        </p:nvGraphicFramePr>
-        <p:xfrm>
-          <a:off x="371475" y="1988840"/>
-          <a:ext cx="4200525" cy="3638550"/>
-        </p:xfrm>
-        <a:graphic>
-          <a:graphicData uri="http://schemas.openxmlformats.org/presentationml/2006/ole">
-            <mc:AlternateContent xmlns:mc="http://schemas.openxmlformats.org/markup-compatibility/2006">
-              <mc:Choice xmlns:v="urn:schemas-microsoft-com:vml" Requires="v">
-                <p:oleObj spid="_x0000_s12306" name="Visio" r:id="rId7" imgW="5741676" imgH="4985280" progId="Visio.Drawing.11">
-                  <p:embed/>
-                </p:oleObj>
-              </mc:Choice>
-              <mc:Fallback>
-                <p:oleObj name="Visio" r:id="rId7" imgW="5741676" imgH="4985280" progId="Visio.Drawing.11">
-                  <p:embed/>
-                  <p:pic>
-                    <p:nvPicPr>
-                      <p:cNvPr id="0" name="Object 3"/>
-                      <p:cNvPicPr>
-                        <a:picLocks noChangeAspect="1" noChangeArrowheads="1"/>
-                      </p:cNvPicPr>
-                      <p:nvPr/>
-                    </p:nvPicPr>
-                    <p:blipFill>
-                      <a:blip r:embed="rId8"/>
-                      <a:srcRect/>
-                      <a:stretch>
-                        <a:fillRect/>
-                      </a:stretch>
-                    </p:blipFill>
-                    <p:spPr bwMode="auto">
-                      <a:xfrm>
-                        <a:off x="371475" y="1988840"/>
-                        <a:ext cx="4200525" cy="3638550"/>
-                      </a:xfrm>
-                      <a:prstGeom prst="rect">
-                        <a:avLst/>
-                      </a:prstGeom>
-                      <a:noFill/>
-                      <a:extLst>
-                        <a:ext uri="{909E8E84-426E-40DD-AFC4-6F175D3DCCD1}">
-                          <a14:hiddenFill xmlns:a14="http://schemas.microsoft.com/office/drawing/2010/main">
-                            <a:solidFill>
-                              <a:srgbClr val="FFFFFF"/>
-                            </a:solidFill>
-                          </a14:hiddenFill>
-                        </a:ext>
-                      </a:extLst>
-                    </p:spPr>
-                  </p:pic>
-                </p:oleObj>
-              </mc:Fallback>
-            </mc:AlternateContent>
-          </a:graphicData>
-        </a:graphic>
-      </p:graphicFrame>
-      <p:sp>
-        <p:nvSpPr>
-          <p:cNvPr id="7" name="TextBox 6"/>
-          <p:cNvSpPr txBox="1"/>
-          <p:nvPr/>
-        </p:nvSpPr>
-        <p:spPr>
-          <a:xfrm>
-            <a:off x="323528" y="1196752"/>
-            <a:ext cx="5689748" cy="646331"/>
-          </a:xfrm>
-          <a:prstGeom prst="rect">
-            <a:avLst/>
-          </a:prstGeom>
-          <a:noFill/>
-        </p:spPr>
-        <p:txBody>
-          <a:bodyPr wrap="square" rtlCol="0">
-            <a:spAutoFit/>
-          </a:bodyPr>
-          <a:lstStyle/>
-          <a:p>
-            <a:r>
-              <a:rPr lang="ru-RU" sz="3600" dirty="0">
-                <a:solidFill>
-                  <a:schemeClr val="bg1"/>
-                </a:solidFill>
-              </a:rPr>
-              <a:t>Механизм разделения прав</a:t>
-            </a:r>
-            <a:endParaRPr lang="ru-RU" sz="3600" dirty="0">
-              <a:solidFill>
-                <a:schemeClr val="bg1"/>
-              </a:solidFill>
-            </a:endParaRPr>
-          </a:p>
-        </p:txBody>
-      </p:sp>
-    </p:spTree>
-    <p:extLst>
-      <p:ext uri="{BB962C8B-B14F-4D97-AF65-F5344CB8AC3E}">
-        <p14:creationId xmlns:p14="http://schemas.microsoft.com/office/powerpoint/2010/main" val="589223620"/>
-      </p:ext>
-    </p:extLst>
-  </p:cSld>
-  <p:clrMapOvr>
-    <a:masterClrMapping/>
-  </p:clrMapOvr>
-  <p:timing>
-    <p:tnLst>
-      <p:par>
-        <p:cTn id="1" dur="indefinite" restart="never" nodeType="tmRoot"/>
-      </p:par>
-    </p:tnLst>
-  </p:timing>
-</p:sld>
-</file>
-
-<file path=ppt/slides/slide26.xml><?xml version="1.0" encoding="utf-8"?>
-<p:sld xmlns:a="http://schemas.openxmlformats.org/drawingml/2006/main" xmlns:r="http://schemas.openxmlformats.org/officeDocument/2006/relationships" xmlns:p="http://schemas.openxmlformats.org/presentationml/2006/main">
-  <p:cSld>
-    <p:bg>
-      <p:bgPr>
-        <a:blipFill dpi="0" rotWithShape="1">
-          <a:blip r:embed="rId2">
-            <a:alphaModFix amt="18000"/>
-            <a:duotone>
-              <a:prstClr val="black"/>
-              <a:schemeClr val="accent2">
-                <a:tint val="45000"/>
-                <a:satMod val="400000"/>
-              </a:schemeClr>
-            </a:duotone>
-            <a:lum/>
-            <a:extLst>
-              <a:ext uri="{BEBA8EAE-BF5A-486C-A8C5-ECC9F3942E4B}">
-                <a14:imgProps xmlns:a14="http://schemas.microsoft.com/office/drawing/2010/main">
-                  <a14:imgLayer r:embed="rId3">
-                    <a14:imgEffect>
-                      <a14:colorTemperature colorTemp="8250"/>
-                    </a14:imgEffect>
-                    <a14:imgEffect>
-                      <a14:saturation sat="115000"/>
-                    </a14:imgEffect>
-                    <a14:imgEffect>
-                      <a14:brightnessContrast bright="100000" contrast="1000"/>
-                    </a14:imgEffect>
-                  </a14:imgLayer>
-                </a14:imgProps>
-              </a:ext>
-            </a:extLst>
-          </a:blip>
-          <a:srcRect/>
-          <a:stretch>
-            <a:fillRect/>
-          </a:stretch>
-        </a:blipFill>
-        <a:effectLst/>
-      </p:bgPr>
-    </p:bg>
-    <p:spTree>
-      <p:nvGrpSpPr>
-        <p:cNvPr id="1" name=""/>
-        <p:cNvGrpSpPr/>
-        <p:nvPr/>
-      </p:nvGrpSpPr>
-      <p:grpSpPr>
-        <a:xfrm>
-          <a:off x="0" y="0"/>
-          <a:ext cx="0" cy="0"/>
-          <a:chOff x="0" y="0"/>
-          <a:chExt cx="0" cy="0"/>
-        </a:xfrm>
-      </p:grpSpPr>
-      <p:sp>
-        <p:nvSpPr>
-          <p:cNvPr id="4" name="TextBox 3"/>
-          <p:cNvSpPr txBox="1"/>
-          <p:nvPr/>
-        </p:nvSpPr>
-        <p:spPr>
-          <a:xfrm>
             <a:off x="323528" y="322412"/>
             <a:ext cx="8280920" cy="830997"/>
           </a:xfrm>
@@ -8320,21 +8032,8 @@
                   <a:schemeClr val="bg1"/>
                 </a:solidFill>
               </a:rPr>
-              <a:t>Проектирование модулей</a:t>
-            </a:r>
-            <a:r>
-              <a:rPr lang="ru-RU" sz="4800" dirty="0" smtClean="0">
-                <a:solidFill>
-                  <a:schemeClr val="bg1"/>
-                </a:solidFill>
-              </a:rPr>
-              <a:t>.</a:t>
-            </a:r>
-            <a:endParaRPr lang="ru-RU" sz="4800" dirty="0" smtClean="0">
-              <a:solidFill>
-                <a:schemeClr val="bg1"/>
-              </a:solidFill>
-            </a:endParaRPr>
+              <a:t>Проектирование модулей.</a:t>
+            </a:r>
           </a:p>
         </p:txBody>
       </p:sp>
@@ -9926,7 +9625,15 @@
                   <a:schemeClr val="bg1"/>
                 </a:solidFill>
               </a:rPr>
-              <a:t>Постановка задачи(1)</a:t>
+              <a:t>Постановка </a:t>
+            </a:r>
+            <a:r>
+              <a:rPr lang="ru-RU" sz="4800" dirty="0" smtClean="0">
+                <a:solidFill>
+                  <a:schemeClr val="bg1"/>
+                </a:solidFill>
+              </a:rPr>
+              <a:t>задачи</a:t>
             </a:r>
             <a:endParaRPr lang="ru-RU" sz="4800" dirty="0">
               <a:solidFill>
@@ -9944,8 +9651,8 @@
         </p:nvSpPr>
         <p:spPr>
           <a:xfrm>
-            <a:off x="91320" y="1045770"/>
-            <a:ext cx="9036496" cy="5016758"/>
+            <a:off x="107504" y="2049237"/>
+            <a:ext cx="9036496" cy="4031873"/>
           </a:xfrm>
           <a:prstGeom prst="rect">
             <a:avLst/>
@@ -9958,18 +9665,45 @@
           </a:bodyPr>
           <a:lstStyle/>
           <a:p>
-            <a:pPr lvl="0"/>
-            <a:r>
-              <a:rPr lang="ru-RU" sz="3200" dirty="0" smtClean="0"/>
+            <a:r>
+              <a:rPr lang="ru-RU" sz="3200" dirty="0" smtClean="0">
+                <a:solidFill>
+                  <a:schemeClr val="bg1"/>
+                </a:solidFill>
+              </a:rPr>
+              <a:t>Реализовать </a:t>
+            </a:r>
+            <a:r>
+              <a:rPr lang="ru-RU" sz="3200" dirty="0" err="1" smtClean="0">
+                <a:solidFill>
+                  <a:schemeClr val="bg1"/>
+                </a:solidFill>
+              </a:rPr>
+              <a:t>форумную</a:t>
+            </a:r>
+            <a:r>
+              <a:rPr lang="ru-RU" sz="3200" dirty="0" smtClean="0">
+                <a:solidFill>
+                  <a:schemeClr val="bg1"/>
+                </a:solidFill>
+              </a:rPr>
               <a:t> </a:t>
             </a:r>
             <a:r>
+              <a:rPr lang="en-US" sz="3200" dirty="0" smtClean="0">
+                <a:solidFill>
+                  <a:schemeClr val="bg1"/>
+                </a:solidFill>
+              </a:rPr>
+              <a:t>CMS</a:t>
+            </a:r>
+            <a:r>
               <a:rPr lang="ru-RU" sz="3200" dirty="0" smtClean="0">
                 <a:solidFill>
                   <a:schemeClr val="bg1"/>
                 </a:solidFill>
               </a:rPr>
-              <a:t>- возможность </a:t>
+              <a:t>, </a:t>
             </a:r>
             <a:r>
               <a:rPr lang="ru-RU" sz="3200" dirty="0">
@@ -9977,18 +9711,25 @@
                   <a:schemeClr val="bg1"/>
                 </a:solidFill>
               </a:rPr>
-              <a:t>закрытия темы для обсуждения </a:t>
-            </a:r>
-          </a:p>
-          <a:p>
-            <a:pPr lvl="0"/>
+              <a:t>удовлетворяющую следующим </a:t>
+            </a:r>
             <a:r>
               <a:rPr lang="ru-RU" sz="3200" dirty="0" smtClean="0">
                 <a:solidFill>
                   <a:schemeClr val="bg1"/>
                 </a:solidFill>
               </a:rPr>
-              <a:t> - создание </a:t>
+              <a:t>требованиям:</a:t>
+            </a:r>
+          </a:p>
+          <a:p>
+            <a:r>
+              <a:rPr lang="ru-RU" sz="3200" dirty="0" smtClean="0">
+                <a:solidFill>
+                  <a:schemeClr val="bg1"/>
+                </a:solidFill>
+              </a:rPr>
+              <a:t> </a:t>
             </a:r>
             <a:r>
               <a:rPr lang="ru-RU" sz="3200" dirty="0">
@@ -9996,18 +9737,61 @@
                   <a:schemeClr val="bg1"/>
                 </a:solidFill>
               </a:rPr>
-              <a:t>темы</a:t>
-            </a:r>
-          </a:p>
-          <a:p>
-            <a:pPr lvl="0"/>
+              <a:t>- </a:t>
+            </a:r>
             <a:r>
               <a:rPr lang="ru-RU" sz="3200" dirty="0" smtClean="0">
                 <a:solidFill>
                   <a:schemeClr val="bg1"/>
                 </a:solidFill>
               </a:rPr>
-              <a:t> - создание </a:t>
+              <a:t>русскоязычный интерфейс</a:t>
+            </a:r>
+            <a:r>
+              <a:rPr lang="en-US" sz="3200" dirty="0" smtClean="0">
+                <a:solidFill>
+                  <a:schemeClr val="bg1"/>
+                </a:solidFill>
+              </a:rPr>
+              <a:t>;</a:t>
+            </a:r>
+            <a:endParaRPr lang="ru-RU" sz="3200" dirty="0">
+              <a:solidFill>
+                <a:schemeClr val="bg1"/>
+              </a:solidFill>
+            </a:endParaRPr>
+          </a:p>
+          <a:p>
+            <a:r>
+              <a:rPr lang="ru-RU" sz="3200" dirty="0" smtClean="0">
+                <a:solidFill>
+                  <a:schemeClr val="bg1"/>
+                </a:solidFill>
+              </a:rPr>
+              <a:t>- отсутствие перегруженности интерфейса</a:t>
+            </a:r>
+            <a:r>
+              <a:rPr lang="en-US" sz="3200" dirty="0" smtClean="0">
+                <a:solidFill>
+                  <a:schemeClr val="bg1"/>
+                </a:solidFill>
+              </a:rPr>
+              <a:t>;</a:t>
+            </a:r>
+            <a:endParaRPr lang="ru-RU" sz="3200" dirty="0">
+              <a:solidFill>
+                <a:schemeClr val="bg1"/>
+              </a:solidFill>
+            </a:endParaRPr>
+          </a:p>
+          <a:p>
+            <a:r>
+              <a:rPr lang="ru-RU" sz="3200" dirty="0" smtClean="0">
+                <a:solidFill>
+                  <a:schemeClr val="bg1"/>
+                </a:solidFill>
+              </a:rPr>
+              <a:t>- основн</a:t>
             </a:r>
             <a:r>
               <a:rPr lang="ru-RU" sz="3200" dirty="0">
@@ -10015,18 +9799,15 @@
                   <a:schemeClr val="bg1"/>
                 </a:solidFill>
               </a:rPr>
-              <a:t>сообщения</a:t>
-            </a:r>
-          </a:p>
-          <a:p>
-            <a:pPr lvl="0"/>
+              <a:t>ы</a:t>
+            </a:r>
             <a:r>
               <a:rPr lang="ru-RU" sz="3200" dirty="0" smtClean="0">
                 <a:solidFill>
                   <a:schemeClr val="bg1"/>
                 </a:solidFill>
               </a:rPr>
-              <a:t> - удаление </a:t>
+              <a:t>е </a:t>
             </a:r>
             <a:r>
               <a:rPr lang="ru-RU" sz="3200" dirty="0">
@@ -10034,18 +9815,61 @@
                   <a:schemeClr val="bg1"/>
                 </a:solidFill>
               </a:rPr>
-              <a:t>сообщения участником форума, имеющим такое право</a:t>
-            </a:r>
-          </a:p>
-          <a:p>
-            <a:pPr lvl="0"/>
+              <a:t>функции </a:t>
+            </a:r>
             <a:r>
               <a:rPr lang="ru-RU" sz="3200" dirty="0" smtClean="0">
                 <a:solidFill>
                   <a:schemeClr val="bg1"/>
                 </a:solidFill>
               </a:rPr>
-              <a:t> - создание </a:t>
+              <a:t>форума</a:t>
+            </a:r>
+            <a:r>
+              <a:rPr lang="en-US" sz="3200" dirty="0" smtClean="0">
+                <a:solidFill>
+                  <a:schemeClr val="bg1"/>
+                </a:solidFill>
+              </a:rPr>
+              <a:t>;</a:t>
+            </a:r>
+            <a:endParaRPr lang="ru-RU" sz="3200" dirty="0">
+              <a:solidFill>
+                <a:schemeClr val="bg1"/>
+              </a:solidFill>
+            </a:endParaRPr>
+          </a:p>
+          <a:p>
+            <a:r>
+              <a:rPr lang="ru-RU" sz="3200" dirty="0" smtClean="0">
+                <a:solidFill>
+                  <a:schemeClr val="bg1"/>
+                </a:solidFill>
+              </a:rPr>
+              <a:t>- идентификация пользователя в системе</a:t>
+            </a:r>
+            <a:r>
+              <a:rPr lang="en-US" sz="3200" dirty="0" smtClean="0">
+                <a:solidFill>
+                  <a:schemeClr val="bg1"/>
+                </a:solidFill>
+              </a:rPr>
+              <a:t>;</a:t>
+            </a:r>
+            <a:endParaRPr lang="ru-RU" sz="3200" dirty="0">
+              <a:solidFill>
+                <a:schemeClr val="bg1"/>
+              </a:solidFill>
+            </a:endParaRPr>
+          </a:p>
+          <a:p>
+            <a:r>
+              <a:rPr lang="ru-RU" sz="3200" dirty="0" smtClean="0">
+                <a:solidFill>
+                  <a:schemeClr val="bg1"/>
+                </a:solidFill>
+              </a:rPr>
+              <a:t>- разделение </a:t>
             </a:r>
             <a:r>
               <a:rPr lang="ru-RU" sz="3200" dirty="0">
@@ -10053,7 +9877,7 @@
                   <a:schemeClr val="bg1"/>
                 </a:solidFill>
               </a:rPr>
-              <a:t>скрытых категорий, которые видны ограниченному количеству групп </a:t>
+              <a:t>прав </a:t>
             </a:r>
             <a:r>
               <a:rPr lang="ru-RU" sz="3200" dirty="0" smtClean="0">
@@ -10063,12 +9887,13 @@
               </a:rPr>
               <a:t>пользователей</a:t>
             </a:r>
-          </a:p>
-          <a:p>
-            <a:pPr lvl="0"/>
-            <a:r>
-              <a:rPr lang="ru-RU" sz="3200" dirty="0" smtClean="0"/>
-              <a:t> </a:t>
+            <a:r>
+              <a:rPr lang="en-US" sz="3200" dirty="0" smtClean="0">
+                <a:solidFill>
+                  <a:schemeClr val="bg1"/>
+                </a:solidFill>
+              </a:rPr>
+              <a:t>;</a:t>
             </a:r>
             <a:r>
               <a:rPr lang="ru-RU" sz="3200" dirty="0" smtClean="0">
@@ -10076,28 +9901,36 @@
                   <a:schemeClr val="bg1"/>
                 </a:solidFill>
               </a:rPr>
-              <a:t>- </a:t>
-            </a:r>
-            <a:r>
-              <a:rPr lang="ru-RU" sz="3200" dirty="0">
-                <a:solidFill>
-                  <a:schemeClr val="bg1"/>
-                </a:solidFill>
-              </a:rPr>
-              <a:t>наличие панели администратора, через которую будет производится управление форумом</a:t>
-            </a:r>
-          </a:p>
-          <a:p>
-            <a:pPr lvl="0"/>
-            <a:r>
+              <a:t/>
+            </a:r>
+            <a:br>
               <a:rPr lang="ru-RU" sz="3200" dirty="0" smtClean="0">
                 <a:solidFill>
                   <a:schemeClr val="bg1"/>
                 </a:solidFill>
               </a:rPr>
-              <a:t> </a:t>
-            </a:r>
-            <a:endParaRPr lang="ru-RU" sz="3200" dirty="0"/>
+            </a:br>
+            <a:r>
+              <a:rPr lang="ru-RU" sz="3200" dirty="0" smtClean="0">
+                <a:solidFill>
+                  <a:schemeClr val="bg1"/>
+                </a:solidFill>
+              </a:rPr>
+              <a:t>- функции администрирования</a:t>
+            </a:r>
+            <a:r>
+              <a:rPr lang="en-US" sz="3200" dirty="0" smtClean="0">
+                <a:solidFill>
+                  <a:schemeClr val="bg1"/>
+                </a:solidFill>
+              </a:rPr>
+              <a:t>.</a:t>
+            </a:r>
+            <a:endParaRPr lang="ru-RU" sz="3200" dirty="0" smtClean="0">
+              <a:solidFill>
+                <a:schemeClr val="bg1"/>
+              </a:solidFill>
+            </a:endParaRPr>
           </a:p>
         </p:txBody>
       </p:sp>
@@ -10205,7 +10038,7 @@
                   <a:schemeClr val="bg1"/>
                 </a:solidFill>
               </a:rPr>
-              <a:t>Постановка задачи(2)</a:t>
+              <a:t>Используемые средства:</a:t>
             </a:r>
             <a:endParaRPr lang="ru-RU" sz="4800" dirty="0">
               <a:solidFill>
@@ -10223,8 +10056,8 @@
         </p:nvSpPr>
         <p:spPr>
           <a:xfrm>
-            <a:off x="91320" y="1045770"/>
-            <a:ext cx="9036496" cy="5016758"/>
+            <a:off x="91320" y="2030656"/>
+            <a:ext cx="9036496" cy="3046988"/>
           </a:xfrm>
           <a:prstGeom prst="rect">
             <a:avLst/>
@@ -10239,8 +10072,34 @@
           <a:p>
             <a:pPr lvl="0"/>
             <a:r>
-              <a:rPr lang="ru-RU" sz="3200" dirty="0" smtClean="0"/>
-              <a:t> </a:t>
+              <a:rPr lang="ru-RU" sz="3200" dirty="0" smtClean="0">
+                <a:solidFill>
+                  <a:schemeClr val="bg1"/>
+                </a:solidFill>
+              </a:rPr>
+              <a:t>- Веб сервер</a:t>
+            </a:r>
+          </a:p>
+          <a:p>
+            <a:pPr lvl="0"/>
+            <a:r>
+              <a:rPr lang="ru-RU" sz="3200" dirty="0" smtClean="0">
+                <a:solidFill>
+                  <a:schemeClr val="bg1"/>
+                </a:solidFill>
+              </a:rPr>
+              <a:t>- Среды разработки</a:t>
+            </a:r>
+          </a:p>
+          <a:p>
+            <a:pPr lvl="0"/>
+            <a:r>
+              <a:rPr lang="ru-RU" sz="3200" dirty="0" smtClean="0">
+                <a:solidFill>
+                  <a:schemeClr val="bg1"/>
+                </a:solidFill>
+              </a:rPr>
+              <a:t>- Средства </a:t>
             </a:r>
             <a:r>
               <a:rPr lang="ru-RU" sz="3200" dirty="0">
@@ -10248,7 +10107,7 @@
                   <a:schemeClr val="bg1"/>
                 </a:solidFill>
               </a:rPr>
-              <a:t>- страница регистрации новых пользователей</a:t>
+              <a:t>отладки программного кода</a:t>
             </a:r>
           </a:p>
           <a:p>
@@ -10259,7 +10118,7 @@
                   <a:schemeClr val="bg1"/>
                 </a:solidFill>
               </a:rPr>
-              <a:t> - модуль </a:t>
+              <a:t>- Системы </a:t>
             </a:r>
             <a:r>
               <a:rPr lang="ru-RU" sz="3200" dirty="0">
@@ -10267,7 +10126,7 @@
                   <a:schemeClr val="bg1"/>
                 </a:solidFill>
               </a:rPr>
-              <a:t>авторизации пользователей в системе</a:t>
+              <a:t>контроля версий программного кода</a:t>
             </a:r>
           </a:p>
           <a:p>
@@ -10278,123 +10137,15 @@
                   <a:schemeClr val="bg1"/>
                 </a:solidFill>
               </a:rPr>
-              <a:t> - шифрованная передача паролей </a:t>
-            </a:r>
-          </a:p>
-          <a:p>
-            <a:pPr lvl="0"/>
+              <a:t>- Вспомогательные </a:t>
+            </a:r>
             <a:r>
               <a:rPr lang="ru-RU" sz="3200" dirty="0">
                 <a:solidFill>
                   <a:schemeClr val="bg1"/>
                 </a:solidFill>
               </a:rPr>
-              <a:t> </a:t>
-            </a:r>
-            <a:r>
-              <a:rPr lang="ru-RU" sz="3200" dirty="0" smtClean="0">
-                <a:solidFill>
-                  <a:schemeClr val="bg1"/>
-                </a:solidFill>
-              </a:rPr>
-              <a:t>- защита </a:t>
-            </a:r>
-            <a:r>
-              <a:rPr lang="ru-RU" sz="3200" dirty="0">
-                <a:solidFill>
-                  <a:schemeClr val="bg1"/>
-                </a:solidFill>
-              </a:rPr>
-              <a:t>от </a:t>
-            </a:r>
-            <a:r>
-              <a:rPr lang="en-US" sz="3200" dirty="0">
-                <a:solidFill>
-                  <a:schemeClr val="bg1"/>
-                </a:solidFill>
-              </a:rPr>
-              <a:t>SQL </a:t>
-            </a:r>
-            <a:r>
-              <a:rPr lang="ru-RU" sz="3200" dirty="0">
-                <a:solidFill>
-                  <a:schemeClr val="bg1"/>
-                </a:solidFill>
-              </a:rPr>
-              <a:t>инъекций</a:t>
-            </a:r>
-          </a:p>
-          <a:p>
-            <a:pPr lvl="0"/>
-            <a:r>
-              <a:rPr lang="ru-RU" sz="3200" dirty="0" smtClean="0">
-                <a:solidFill>
-                  <a:schemeClr val="bg1"/>
-                </a:solidFill>
-              </a:rPr>
-              <a:t> - наличие </a:t>
-            </a:r>
-            <a:r>
-              <a:rPr lang="ru-RU" sz="3200" dirty="0">
-                <a:solidFill>
-                  <a:schemeClr val="bg1"/>
-                </a:solidFill>
-              </a:rPr>
-              <a:t>панели навигации по сайту</a:t>
-            </a:r>
-          </a:p>
-          <a:p>
-            <a:pPr lvl="0"/>
-            <a:r>
-              <a:rPr lang="ru-RU" sz="3200" dirty="0" smtClean="0">
-                <a:solidFill>
-                  <a:schemeClr val="bg1"/>
-                </a:solidFill>
-              </a:rPr>
-              <a:t> - масштабируемый </a:t>
-            </a:r>
-            <a:r>
-              <a:rPr lang="ru-RU" sz="3200" dirty="0">
-                <a:solidFill>
-                  <a:schemeClr val="bg1"/>
-                </a:solidFill>
-              </a:rPr>
-              <a:t>механизм разделения прав</a:t>
-            </a:r>
-          </a:p>
-          <a:p>
-            <a:pPr lvl="0"/>
-            <a:r>
-              <a:rPr lang="ru-RU" sz="3200" dirty="0" smtClean="0">
-                <a:solidFill>
-                  <a:schemeClr val="bg1"/>
-                </a:solidFill>
-              </a:rPr>
-              <a:t> - </a:t>
-            </a:r>
-            <a:r>
-              <a:rPr lang="en-US" sz="3200" dirty="0" smtClean="0">
-                <a:solidFill>
-                  <a:schemeClr val="bg1"/>
-                </a:solidFill>
-              </a:rPr>
-              <a:t>CMS</a:t>
-            </a:r>
-            <a:r>
-              <a:rPr lang="ru-RU" sz="3200" dirty="0" smtClean="0">
-                <a:solidFill>
-                  <a:schemeClr val="bg1"/>
-                </a:solidFill>
-              </a:rPr>
-              <a:t> </a:t>
-            </a:r>
-            <a:r>
-              <a:rPr lang="ru-RU" sz="3200" dirty="0">
-                <a:solidFill>
-                  <a:schemeClr val="bg1"/>
-                </a:solidFill>
-              </a:rPr>
-              <a:t>должна иметь определенную архитектуру, чтобы другие разработчики могли в ней разобраться</a:t>
+              <a:t>средства</a:t>
             </a:r>
           </a:p>
           <a:p>
@@ -10406,7 +10157,7 @@
     </p:spTree>
     <p:extLst>
       <p:ext uri="{BB962C8B-B14F-4D97-AF65-F5344CB8AC3E}">
-        <p14:creationId xmlns:p14="http://schemas.microsoft.com/office/powerpoint/2010/main" val="581960398"/>
+        <p14:creationId xmlns:p14="http://schemas.microsoft.com/office/powerpoint/2010/main" val="3335938389"/>
       </p:ext>
     </p:extLst>
   </p:cSld>
@@ -10507,7 +10258,7 @@
                   <a:schemeClr val="bg1"/>
                 </a:solidFill>
               </a:rPr>
-              <a:t>Используемые средства:</a:t>
+              <a:t>Веб сервер</a:t>
             </a:r>
             <a:endParaRPr lang="ru-RU" sz="4800" dirty="0">
               <a:solidFill>
@@ -10525,8 +10276,8 @@
         </p:nvSpPr>
         <p:spPr>
           <a:xfrm>
-            <a:off x="91320" y="2030656"/>
-            <a:ext cx="9036496" cy="3046988"/>
+            <a:off x="69116" y="5013176"/>
+            <a:ext cx="9036496" cy="1569660"/>
           </a:xfrm>
           <a:prstGeom prst="rect">
             <a:avLst/>
@@ -10546,29 +10297,7 @@
                   <a:schemeClr val="bg1"/>
                 </a:solidFill>
               </a:rPr>
-              <a:t>- Веб сервер</a:t>
-            </a:r>
-          </a:p>
-          <a:p>
-            <a:pPr lvl="0"/>
-            <a:r>
-              <a:rPr lang="ru-RU" sz="3200" dirty="0" smtClean="0">
-                <a:solidFill>
-                  <a:schemeClr val="bg1"/>
-                </a:solidFill>
-              </a:rPr>
-              <a:t>- Среды разработки</a:t>
-            </a:r>
-          </a:p>
-          <a:p>
-            <a:pPr lvl="0"/>
-            <a:r>
-              <a:rPr lang="ru-RU" sz="3200" dirty="0" smtClean="0">
-                <a:solidFill>
-                  <a:schemeClr val="bg1"/>
-                </a:solidFill>
-              </a:rPr>
-              <a:t>- Средства </a:t>
+              <a:t>XAMPP </a:t>
             </a:r>
             <a:r>
               <a:rPr lang="ru-RU" sz="3200" dirty="0">
@@ -10576,18 +10305,15 @@
                   <a:schemeClr val="bg1"/>
                 </a:solidFill>
               </a:rPr>
-              <a:t>отладки программного кода</a:t>
-            </a:r>
-          </a:p>
-          <a:p>
-            <a:pPr lvl="0"/>
-            <a:r>
-              <a:rPr lang="ru-RU" sz="3200" dirty="0" smtClean="0">
-                <a:solidFill>
-                  <a:schemeClr val="bg1"/>
-                </a:solidFill>
-              </a:rPr>
-              <a:t>- Системы </a:t>
+              <a:t>— кроссплатформенная сборка веб-сервера, содержащая </a:t>
+            </a:r>
+            <a:r>
+              <a:rPr lang="ru-RU" sz="3200" dirty="0" err="1">
+                <a:solidFill>
+                  <a:schemeClr val="bg1"/>
+                </a:solidFill>
+              </a:rPr>
+              <a:t>Apache</a:t>
             </a:r>
             <a:r>
               <a:rPr lang="ru-RU" sz="3200" dirty="0">
@@ -10595,18 +10321,15 @@
                   <a:schemeClr val="bg1"/>
                 </a:solidFill>
               </a:rPr>
-              <a:t>контроля версий программного кода</a:t>
-            </a:r>
-          </a:p>
-          <a:p>
-            <a:pPr lvl="0"/>
-            <a:r>
-              <a:rPr lang="ru-RU" sz="3200" dirty="0" smtClean="0">
-                <a:solidFill>
-                  <a:schemeClr val="bg1"/>
-                </a:solidFill>
-              </a:rPr>
-              <a:t>- Вспомогательные </a:t>
+              <a:t>, </a:t>
+            </a:r>
+            <a:r>
+              <a:rPr lang="ru-RU" sz="3200" dirty="0" err="1">
+                <a:solidFill>
+                  <a:schemeClr val="bg1"/>
+                </a:solidFill>
+              </a:rPr>
+              <a:t>MySQL</a:t>
             </a:r>
             <a:r>
               <a:rPr lang="ru-RU" sz="3200" dirty="0">
@@ -10614,19 +10337,79 @@
                   <a:schemeClr val="bg1"/>
                 </a:solidFill>
               </a:rPr>
-              <a:t>средства</a:t>
-            </a:r>
-          </a:p>
-          <a:p>
-            <a:pPr lvl="0"/>
-            <a:endParaRPr lang="ru-RU" sz="3200" dirty="0"/>
-          </a:p>
-        </p:txBody>
-      </p:sp>
+              <a:t>, интерпретатор скриптов PHP</a:t>
+            </a:r>
+          </a:p>
+        </p:txBody>
+      </p:sp>
+      <p:pic>
+        <p:nvPicPr>
+          <p:cNvPr id="11266" name="Picture 2"/>
+          <p:cNvPicPr>
+            <a:picLocks noChangeAspect="1" noChangeArrowheads="1"/>
+          </p:cNvPicPr>
+          <p:nvPr/>
+        </p:nvPicPr>
+        <p:blipFill>
+          <a:blip r:embed="rId4">
+            <a:extLst>
+              <a:ext uri="{28A0092B-C50C-407E-A947-70E740481C1C}">
+                <a14:useLocalDpi xmlns:a14="http://schemas.microsoft.com/office/drawing/2010/main" val="0"/>
+              </a:ext>
+            </a:extLst>
+          </a:blip>
+          <a:srcRect/>
+          <a:stretch>
+            <a:fillRect/>
+          </a:stretch>
+        </p:blipFill>
+        <p:spPr bwMode="auto">
+          <a:xfrm>
+            <a:off x="2268538" y="1125538"/>
+            <a:ext cx="4327525" cy="3832225"/>
+          </a:xfrm>
+          <a:prstGeom prst="rect">
+            <a:avLst/>
+          </a:prstGeom>
+          <a:noFill/>
+          <a:ln>
+            <a:noFill/>
+          </a:ln>
+          <a:effectLst/>
+          <a:extLst>
+            <a:ext uri="{909E8E84-426E-40DD-AFC4-6F175D3DCCD1}">
+              <a14:hiddenFill xmlns:a14="http://schemas.microsoft.com/office/drawing/2010/main">
+                <a:solidFill>
+                  <a:schemeClr val="accent1"/>
+                </a:solidFill>
+              </a14:hiddenFill>
+            </a:ext>
+            <a:ext uri="{91240B29-F687-4F45-9708-019B960494DF}">
+              <a14:hiddenLine xmlns:a14="http://schemas.microsoft.com/office/drawing/2010/main" w="9525">
+                <a:solidFill>
+                  <a:schemeClr val="tx1"/>
+                </a:solidFill>
+                <a:miter lim="800000"/>
+                <a:headEnd/>
+                <a:tailEnd/>
+              </a14:hiddenLine>
+            </a:ext>
+            <a:ext uri="{AF507438-7753-43E0-B8FC-AC1667EBCBE1}">
+              <a14:hiddenEffects xmlns:a14="http://schemas.microsoft.com/office/drawing/2010/main">
+                <a:effectLst>
+                  <a:outerShdw dist="35921" dir="2700000" algn="ctr" rotWithShape="0">
+                    <a:schemeClr val="bg2"/>
+                  </a:outerShdw>
+                </a:effectLst>
+              </a14:hiddenEffects>
+            </a:ext>
+          </a:extLst>
+        </p:spPr>
+      </p:pic>
     </p:spTree>
     <p:extLst>
       <p:ext uri="{BB962C8B-B14F-4D97-AF65-F5344CB8AC3E}">
-        <p14:creationId xmlns:p14="http://schemas.microsoft.com/office/powerpoint/2010/main" val="3335938389"/>
+        <p14:creationId xmlns:p14="http://schemas.microsoft.com/office/powerpoint/2010/main" val="2770537170"/>
       </p:ext>
     </p:extLst>
   </p:cSld>

--- a/!docs/Presentation (Serpikov).pptx
+++ b/!docs/Presentation (Serpikov).pptx
@@ -403,7 +403,7 @@
           <a:p>
             <a:fld id="{F34D2577-27A9-48D8-B09C-5DF8AFE9C2EC}" type="datetimeFigureOut">
               <a:rPr lang="ru-RU" smtClean="0"/>
-              <a:t>02.06.2012</a:t>
+              <a:t>03.06.2012</a:t>
             </a:fld>
             <a:endParaRPr lang="ru-RU"/>
           </a:p>
@@ -573,7 +573,7 @@
           <a:p>
             <a:fld id="{F34D2577-27A9-48D8-B09C-5DF8AFE9C2EC}" type="datetimeFigureOut">
               <a:rPr lang="ru-RU" smtClean="0"/>
-              <a:t>02.06.2012</a:t>
+              <a:t>03.06.2012</a:t>
             </a:fld>
             <a:endParaRPr lang="ru-RU"/>
           </a:p>
@@ -748,7 +748,7 @@
           <a:p>
             <a:fld id="{F34D2577-27A9-48D8-B09C-5DF8AFE9C2EC}" type="datetimeFigureOut">
               <a:rPr lang="ru-RU" smtClean="0"/>
-              <a:t>02.06.2012</a:t>
+              <a:t>03.06.2012</a:t>
             </a:fld>
             <a:endParaRPr lang="ru-RU"/>
           </a:p>
@@ -913,7 +913,7 @@
           <a:p>
             <a:fld id="{F34D2577-27A9-48D8-B09C-5DF8AFE9C2EC}" type="datetimeFigureOut">
               <a:rPr lang="ru-RU" smtClean="0"/>
-              <a:t>02.06.2012</a:t>
+              <a:t>03.06.2012</a:t>
             </a:fld>
             <a:endParaRPr lang="ru-RU"/>
           </a:p>
@@ -1170,7 +1170,7 @@
           <a:p>
             <a:fld id="{F34D2577-27A9-48D8-B09C-5DF8AFE9C2EC}" type="datetimeFigureOut">
               <a:rPr lang="ru-RU" smtClean="0"/>
-              <a:t>02.06.2012</a:t>
+              <a:t>03.06.2012</a:t>
             </a:fld>
             <a:endParaRPr lang="ru-RU"/>
           </a:p>
@@ -1310,7 +1310,7 @@
           <a:p>
             <a:fld id="{F34D2577-27A9-48D8-B09C-5DF8AFE9C2EC}" type="datetimeFigureOut">
               <a:rPr lang="ru-RU" smtClean="0"/>
-              <a:t>02.06.2012</a:t>
+              <a:t>03.06.2012</a:t>
             </a:fld>
             <a:endParaRPr lang="ru-RU"/>
           </a:p>
@@ -1960,7 +1960,7 @@
           <a:p>
             <a:fld id="{F34D2577-27A9-48D8-B09C-5DF8AFE9C2EC}" type="datetimeFigureOut">
               <a:rPr lang="ru-RU" smtClean="0"/>
-              <a:t>02.06.2012</a:t>
+              <a:t>03.06.2012</a:t>
             </a:fld>
             <a:endParaRPr lang="ru-RU"/>
           </a:p>
@@ -2073,7 +2073,7 @@
           <a:p>
             <a:fld id="{F34D2577-27A9-48D8-B09C-5DF8AFE9C2EC}" type="datetimeFigureOut">
               <a:rPr lang="ru-RU" smtClean="0"/>
-              <a:t>02.06.2012</a:t>
+              <a:t>03.06.2012</a:t>
             </a:fld>
             <a:endParaRPr lang="ru-RU"/>
           </a:p>
@@ -2163,7 +2163,7 @@
           <a:p>
             <a:fld id="{F34D2577-27A9-48D8-B09C-5DF8AFE9C2EC}" type="datetimeFigureOut">
               <a:rPr lang="ru-RU" smtClean="0"/>
-              <a:t>02.06.2012</a:t>
+              <a:t>03.06.2012</a:t>
             </a:fld>
             <a:endParaRPr lang="ru-RU"/>
           </a:p>
@@ -2453,7 +2453,7 @@
           <a:p>
             <a:fld id="{F34D2577-27A9-48D8-B09C-5DF8AFE9C2EC}" type="datetimeFigureOut">
               <a:rPr lang="ru-RU" smtClean="0"/>
-              <a:t>02.06.2012</a:t>
+              <a:t>03.06.2012</a:t>
             </a:fld>
             <a:endParaRPr lang="ru-RU"/>
           </a:p>
@@ -2776,7 +2776,7 @@
           <a:p>
             <a:fld id="{F34D2577-27A9-48D8-B09C-5DF8AFE9C2EC}" type="datetimeFigureOut">
               <a:rPr lang="ru-RU" smtClean="0"/>
-              <a:t>02.06.2012</a:t>
+              <a:t>03.06.2012</a:t>
             </a:fld>
             <a:endParaRPr lang="ru-RU"/>
           </a:p>
@@ -3233,7 +3233,7 @@
           <a:p>
             <a:fld id="{F34D2577-27A9-48D8-B09C-5DF8AFE9C2EC}" type="datetimeFigureOut">
               <a:rPr lang="ru-RU" smtClean="0"/>
-              <a:t>02.06.2012</a:t>
+              <a:t>03.06.2012</a:t>
             </a:fld>
             <a:endParaRPr lang="ru-RU"/>
           </a:p>
@@ -5111,8 +5111,29 @@
                   <a:schemeClr val="bg1"/>
                 </a:solidFill>
               </a:rPr>
-              <a:t>телефонии)</a:t>
-            </a:r>
+              <a:t>телефонии</a:t>
+            </a:r>
+            <a:r>
+              <a:rPr lang="ru-RU" sz="3200" dirty="0" smtClean="0">
+                <a:solidFill>
+                  <a:schemeClr val="bg1"/>
+                </a:solidFill>
+              </a:rPr>
+              <a:t>)</a:t>
+            </a:r>
+            <a:r>
+              <a:rPr lang="en-US" sz="3200" dirty="0" smtClean="0">
+                <a:solidFill>
+                  <a:schemeClr val="bg1"/>
+                </a:solidFill>
+              </a:rPr>
+              <a:t>;</a:t>
+            </a:r>
+            <a:endParaRPr lang="ru-RU" sz="3200" dirty="0" smtClean="0">
+              <a:solidFill>
+                <a:schemeClr val="bg1"/>
+              </a:solidFill>
+            </a:endParaRPr>
           </a:p>
           <a:p>
             <a:pPr marL="457200" lvl="0" indent="-457200">
@@ -5133,8 +5154,29 @@
                   <a:schemeClr val="bg1"/>
                 </a:solidFill>
               </a:rPr>
-              <a:t>рисование схем)</a:t>
-            </a:r>
+              <a:t>рисование схем</a:t>
+            </a:r>
+            <a:r>
+              <a:rPr lang="ru-RU" sz="3200" dirty="0" smtClean="0">
+                <a:solidFill>
+                  <a:schemeClr val="bg1"/>
+                </a:solidFill>
+              </a:rPr>
+              <a:t>)</a:t>
+            </a:r>
+            <a:r>
+              <a:rPr lang="en-US" sz="3200" dirty="0" smtClean="0">
+                <a:solidFill>
+                  <a:schemeClr val="bg1"/>
+                </a:solidFill>
+              </a:rPr>
+              <a:t>;</a:t>
+            </a:r>
+            <a:endParaRPr lang="ru-RU" sz="3200" dirty="0" smtClean="0">
+              <a:solidFill>
+                <a:schemeClr val="bg1"/>
+              </a:solidFill>
+            </a:endParaRPr>
           </a:p>
           <a:p>
             <a:pPr marL="457200" lvl="0" indent="-457200">
@@ -5155,7 +5197,15 @@
                   <a:schemeClr val="bg1"/>
                 </a:solidFill>
               </a:rPr>
-              <a:t>(Opera, Google Chrome)</a:t>
+              <a:t>(Opera, Google Chrome</a:t>
+            </a:r>
+            <a:r>
+              <a:rPr lang="en-US" sz="3200" dirty="0" smtClean="0">
+                <a:solidFill>
+                  <a:schemeClr val="bg1"/>
+                </a:solidFill>
+              </a:rPr>
+              <a:t>).</a:t>
             </a:r>
             <a:endParaRPr lang="ru-RU" sz="3200" dirty="0" smtClean="0">
               <a:solidFill>
@@ -7708,7 +7758,7 @@
           <a:graphicData uri="http://schemas.openxmlformats.org/presentationml/2006/ole">
             <mc:AlternateContent xmlns:mc="http://schemas.openxmlformats.org/markup-compatibility/2006">
               <mc:Choice xmlns:v="urn:schemas-microsoft-com:vml" Requires="v">
-                <p:oleObj spid="_x0000_s12309" name="Visio" r:id="rId5" imgW="6322461" imgH="6354180" progId="Visio.Drawing.11">
+                <p:oleObj spid="_x0000_s12311" name="Visio" r:id="rId5" imgW="6322461" imgH="6354180" progId="Visio.Drawing.11">
                   <p:embed/>
                 </p:oleObj>
               </mc:Choice>
@@ -7847,7 +7897,7 @@
           <a:graphicData uri="http://schemas.openxmlformats.org/presentationml/2006/ole">
             <mc:AlternateContent xmlns:mc="http://schemas.openxmlformats.org/markup-compatibility/2006">
               <mc:Choice xmlns:v="urn:schemas-microsoft-com:vml" Requires="v">
-                <p:oleObj spid="_x0000_s12310" name="Visio" r:id="rId7" imgW="5741676" imgH="4985280" progId="Visio.Drawing.11">
+                <p:oleObj spid="_x0000_s12312" name="Visio" r:id="rId7" imgW="5741676" imgH="4985280" progId="Visio.Drawing.11">
                   <p:embed/>
                 </p:oleObj>
               </mc:Choice>
@@ -9516,8 +9566,29 @@
                   <a:schemeClr val="bg1"/>
                 </a:solidFill>
               </a:rPr>
-              <a:t>производительность из-за сложных запросов к базе данных</a:t>
-            </a:r>
+              <a:t>производительность из-за сложных запросов к базе </a:t>
+            </a:r>
+            <a:r>
+              <a:rPr lang="ru-RU" sz="3200" dirty="0" smtClean="0">
+                <a:solidFill>
+                  <a:schemeClr val="bg1"/>
+                </a:solidFill>
+              </a:rPr>
+              <a:t>данных</a:t>
+            </a:r>
+            <a:r>
+              <a:rPr lang="en-US" sz="3200" dirty="0" smtClean="0">
+                <a:solidFill>
+                  <a:schemeClr val="bg1"/>
+                </a:solidFill>
+              </a:rPr>
+              <a:t>.</a:t>
+            </a:r>
+            <a:endParaRPr lang="ru-RU" sz="3200" dirty="0">
+              <a:solidFill>
+                <a:schemeClr val="bg1"/>
+              </a:solidFill>
+            </a:endParaRPr>
           </a:p>
         </p:txBody>
       </p:sp>
@@ -9625,15 +9696,7 @@
                   <a:schemeClr val="bg1"/>
                 </a:solidFill>
               </a:rPr>
-              <a:t>Постановка </a:t>
-            </a:r>
-            <a:r>
-              <a:rPr lang="ru-RU" sz="4800" dirty="0" smtClean="0">
-                <a:solidFill>
-                  <a:schemeClr val="bg1"/>
-                </a:solidFill>
-              </a:rPr>
-              <a:t>задачи</a:t>
+              <a:t>Постановка задачи</a:t>
             </a:r>
             <a:endParaRPr lang="ru-RU" sz="4800" dirty="0">
               <a:solidFill>
@@ -10077,8 +10140,29 @@
                   <a:schemeClr val="bg1"/>
                 </a:solidFill>
               </a:rPr>
-              <a:t>- Веб сервер</a:t>
-            </a:r>
+              <a:t>- Веб </a:t>
+            </a:r>
+            <a:r>
+              <a:rPr lang="ru-RU" sz="3200" dirty="0" smtClean="0">
+                <a:solidFill>
+                  <a:schemeClr val="bg1"/>
+                </a:solidFill>
+              </a:rPr>
+              <a:t>сервер</a:t>
+            </a:r>
+            <a:r>
+              <a:rPr lang="en-US" sz="3200" dirty="0" smtClean="0">
+                <a:solidFill>
+                  <a:schemeClr val="bg1"/>
+                </a:solidFill>
+              </a:rPr>
+              <a:t>;</a:t>
+            </a:r>
+            <a:endParaRPr lang="ru-RU" sz="3200" dirty="0" smtClean="0">
+              <a:solidFill>
+                <a:schemeClr val="bg1"/>
+              </a:solidFill>
+            </a:endParaRPr>
           </a:p>
           <a:p>
             <a:pPr lvl="0"/>
@@ -10088,8 +10172,29 @@
                   <a:schemeClr val="bg1"/>
                 </a:solidFill>
               </a:rPr>
-              <a:t>- Среды разработки</a:t>
-            </a:r>
+              <a:t>- Среды </a:t>
+            </a:r>
+            <a:r>
+              <a:rPr lang="ru-RU" sz="3200" dirty="0" smtClean="0">
+                <a:solidFill>
+                  <a:schemeClr val="bg1"/>
+                </a:solidFill>
+              </a:rPr>
+              <a:t>разработки</a:t>
+            </a:r>
+            <a:r>
+              <a:rPr lang="en-US" sz="3200" dirty="0" smtClean="0">
+                <a:solidFill>
+                  <a:schemeClr val="bg1"/>
+                </a:solidFill>
+              </a:rPr>
+              <a:t>;</a:t>
+            </a:r>
+            <a:endParaRPr lang="ru-RU" sz="3200" dirty="0" smtClean="0">
+              <a:solidFill>
+                <a:schemeClr val="bg1"/>
+              </a:solidFill>
+            </a:endParaRPr>
           </a:p>
           <a:p>
             <a:pPr lvl="0"/>
@@ -10107,8 +10212,29 @@
                   <a:schemeClr val="bg1"/>
                 </a:solidFill>
               </a:rPr>
-              <a:t>отладки программного кода</a:t>
-            </a:r>
+              <a:t>отладки программного </a:t>
+            </a:r>
+            <a:r>
+              <a:rPr lang="ru-RU" sz="3200" dirty="0" smtClean="0">
+                <a:solidFill>
+                  <a:schemeClr val="bg1"/>
+                </a:solidFill>
+              </a:rPr>
+              <a:t>кода</a:t>
+            </a:r>
+            <a:r>
+              <a:rPr lang="en-US" sz="3200" dirty="0" smtClean="0">
+                <a:solidFill>
+                  <a:schemeClr val="bg1"/>
+                </a:solidFill>
+              </a:rPr>
+              <a:t>;</a:t>
+            </a:r>
+            <a:endParaRPr lang="ru-RU" sz="3200" dirty="0">
+              <a:solidFill>
+                <a:schemeClr val="bg1"/>
+              </a:solidFill>
+            </a:endParaRPr>
           </a:p>
           <a:p>
             <a:pPr lvl="0"/>
@@ -10126,8 +10252,29 @@
                   <a:schemeClr val="bg1"/>
                 </a:solidFill>
               </a:rPr>
-              <a:t>контроля версий программного кода</a:t>
-            </a:r>
+              <a:t>контроля версий программного </a:t>
+            </a:r>
+            <a:r>
+              <a:rPr lang="ru-RU" sz="3200" dirty="0" smtClean="0">
+                <a:solidFill>
+                  <a:schemeClr val="bg1"/>
+                </a:solidFill>
+              </a:rPr>
+              <a:t>кода</a:t>
+            </a:r>
+            <a:r>
+              <a:rPr lang="en-US" sz="3200" dirty="0" smtClean="0">
+                <a:solidFill>
+                  <a:schemeClr val="bg1"/>
+                </a:solidFill>
+              </a:rPr>
+              <a:t>;</a:t>
+            </a:r>
+            <a:endParaRPr lang="ru-RU" sz="3200" dirty="0">
+              <a:solidFill>
+                <a:schemeClr val="bg1"/>
+              </a:solidFill>
+            </a:endParaRPr>
           </a:p>
           <a:p>
             <a:pPr lvl="0"/>
@@ -10140,13 +10287,26 @@
               <a:t>- Вспомогательные </a:t>
             </a:r>
             <a:r>
-              <a:rPr lang="ru-RU" sz="3200" dirty="0">
+              <a:rPr lang="ru-RU" sz="3200" dirty="0" smtClean="0">
                 <a:solidFill>
                   <a:schemeClr val="bg1"/>
                 </a:solidFill>
               </a:rPr>
               <a:t>средства</a:t>
             </a:r>
+            <a:r>
+              <a:rPr lang="en-US" sz="3200" dirty="0" smtClean="0">
+                <a:solidFill>
+                  <a:schemeClr val="bg1"/>
+                </a:solidFill>
+              </a:rPr>
+              <a:t>.</a:t>
+            </a:r>
+            <a:endParaRPr lang="ru-RU" sz="3200" dirty="0">
+              <a:solidFill>
+                <a:schemeClr val="bg1"/>
+              </a:solidFill>
+            </a:endParaRPr>
           </a:p>
           <a:p>
             <a:pPr lvl="0"/>

--- a/!docs/Presentation (Serpikov).pptx
+++ b/!docs/Presentation (Serpikov).pptx
@@ -379,7 +379,7 @@
           <a:p>
             <a:fld id="{F34D2577-27A9-48D8-B09C-5DF8AFE9C2EC}" type="datetimeFigureOut">
               <a:rPr lang="ru-RU" smtClean="0"/>
-              <a:t>11.06.2012</a:t>
+              <a:t>12.06.2012</a:t>
             </a:fld>
             <a:endParaRPr lang="ru-RU"/>
           </a:p>
@@ -549,7 +549,7 @@
           <a:p>
             <a:fld id="{F34D2577-27A9-48D8-B09C-5DF8AFE9C2EC}" type="datetimeFigureOut">
               <a:rPr lang="ru-RU" smtClean="0"/>
-              <a:t>11.06.2012</a:t>
+              <a:t>12.06.2012</a:t>
             </a:fld>
             <a:endParaRPr lang="ru-RU"/>
           </a:p>
@@ -724,7 +724,7 @@
           <a:p>
             <a:fld id="{F34D2577-27A9-48D8-B09C-5DF8AFE9C2EC}" type="datetimeFigureOut">
               <a:rPr lang="ru-RU" smtClean="0"/>
-              <a:t>11.06.2012</a:t>
+              <a:t>12.06.2012</a:t>
             </a:fld>
             <a:endParaRPr lang="ru-RU"/>
           </a:p>
@@ -1028,7 +1028,7 @@
                 </a:solidFill>
               </a:rPr>
               <a:pPr/>
-              <a:t>11.06.2012</a:t>
+              <a:t>12.06.2012</a:t>
             </a:fld>
             <a:endParaRPr lang="ru-RU">
               <a:solidFill>
@@ -1230,7 +1230,7 @@
                 </a:solidFill>
               </a:rPr>
               <a:pPr/>
-              <a:t>11.06.2012</a:t>
+              <a:t>12.06.2012</a:t>
             </a:fld>
             <a:endParaRPr lang="ru-RU">
               <a:solidFill>
@@ -1528,7 +1528,7 @@
                 </a:solidFill>
               </a:rPr>
               <a:pPr/>
-              <a:t>11.06.2012</a:t>
+              <a:t>12.06.2012</a:t>
             </a:fld>
             <a:endParaRPr lang="ru-RU">
               <a:solidFill>
@@ -1705,7 +1705,7 @@
                 </a:solidFill>
               </a:rPr>
               <a:pPr/>
-              <a:t>11.06.2012</a:t>
+              <a:t>12.06.2012</a:t>
             </a:fld>
             <a:endParaRPr lang="ru-RU">
               <a:solidFill>
@@ -2400,7 +2400,7 @@
                 </a:solidFill>
               </a:rPr>
               <a:pPr/>
-              <a:t>11.06.2012</a:t>
+              <a:t>12.06.2012</a:t>
             </a:fld>
             <a:endParaRPr lang="ru-RU">
               <a:solidFill>
@@ -2550,7 +2550,7 @@
                 </a:solidFill>
               </a:rPr>
               <a:pPr/>
-              <a:t>11.06.2012</a:t>
+              <a:t>12.06.2012</a:t>
             </a:fld>
             <a:endParaRPr lang="ru-RU">
               <a:solidFill>
@@ -2677,7 +2677,7 @@
                 </a:solidFill>
               </a:rPr>
               <a:pPr/>
-              <a:t>11.06.2012</a:t>
+              <a:t>12.06.2012</a:t>
             </a:fld>
             <a:endParaRPr lang="ru-RU">
               <a:solidFill>
@@ -3008,7 +3008,7 @@
                 </a:solidFill>
               </a:rPr>
               <a:pPr/>
-              <a:t>11.06.2012</a:t>
+              <a:t>12.06.2012</a:t>
             </a:fld>
             <a:endParaRPr lang="ru-RU">
               <a:solidFill>
@@ -3226,7 +3226,7 @@
           <a:p>
             <a:fld id="{F34D2577-27A9-48D8-B09C-5DF8AFE9C2EC}" type="datetimeFigureOut">
               <a:rPr lang="ru-RU" smtClean="0"/>
-              <a:t>11.06.2012</a:t>
+              <a:t>12.06.2012</a:t>
             </a:fld>
             <a:endParaRPr lang="ru-RU"/>
           </a:p>
@@ -3537,7 +3537,7 @@
                 </a:solidFill>
               </a:rPr>
               <a:pPr/>
-              <a:t>11.06.2012</a:t>
+              <a:t>12.06.2012</a:t>
             </a:fld>
             <a:endParaRPr lang="ru-RU">
               <a:solidFill>
@@ -3744,7 +3744,7 @@
                 </a:solidFill>
               </a:rPr>
               <a:pPr/>
-              <a:t>11.06.2012</a:t>
+              <a:t>12.06.2012</a:t>
             </a:fld>
             <a:endParaRPr lang="ru-RU">
               <a:solidFill>
@@ -3956,7 +3956,7 @@
                 </a:solidFill>
               </a:rPr>
               <a:pPr/>
-              <a:t>11.06.2012</a:t>
+              <a:t>12.06.2012</a:t>
             </a:fld>
             <a:endParaRPr lang="ru-RU">
               <a:solidFill>
@@ -4290,7 +4290,7 @@
                 </a:solidFill>
               </a:rPr>
               <a:pPr/>
-              <a:t>11.06.2012</a:t>
+              <a:t>12.06.2012</a:t>
             </a:fld>
             <a:endParaRPr lang="ru-RU">
               <a:solidFill>
@@ -4492,7 +4492,7 @@
                 </a:solidFill>
               </a:rPr>
               <a:pPr/>
-              <a:t>11.06.2012</a:t>
+              <a:t>12.06.2012</a:t>
             </a:fld>
             <a:endParaRPr lang="ru-RU">
               <a:solidFill>
@@ -4790,7 +4790,7 @@
                 </a:solidFill>
               </a:rPr>
               <a:pPr/>
-              <a:t>11.06.2012</a:t>
+              <a:t>12.06.2012</a:t>
             </a:fld>
             <a:endParaRPr lang="ru-RU">
               <a:solidFill>
@@ -4967,7 +4967,7 @@
                 </a:solidFill>
               </a:rPr>
               <a:pPr/>
-              <a:t>11.06.2012</a:t>
+              <a:t>12.06.2012</a:t>
             </a:fld>
             <a:endParaRPr lang="ru-RU">
               <a:solidFill>
@@ -5662,7 +5662,7 @@
                 </a:solidFill>
               </a:rPr>
               <a:pPr/>
-              <a:t>11.06.2012</a:t>
+              <a:t>12.06.2012</a:t>
             </a:fld>
             <a:endParaRPr lang="ru-RU">
               <a:solidFill>
@@ -5812,7 +5812,7 @@
                 </a:solidFill>
               </a:rPr>
               <a:pPr/>
-              <a:t>11.06.2012</a:t>
+              <a:t>12.06.2012</a:t>
             </a:fld>
             <a:endParaRPr lang="ru-RU">
               <a:solidFill>
@@ -5939,7 +5939,7 @@
                 </a:solidFill>
               </a:rPr>
               <a:pPr/>
-              <a:t>11.06.2012</a:t>
+              <a:t>12.06.2012</a:t>
             </a:fld>
             <a:endParaRPr lang="ru-RU">
               <a:solidFill>
@@ -6226,7 +6226,7 @@
           <a:p>
             <a:fld id="{F34D2577-27A9-48D8-B09C-5DF8AFE9C2EC}" type="datetimeFigureOut">
               <a:rPr lang="ru-RU" smtClean="0"/>
-              <a:t>11.06.2012</a:t>
+              <a:t>12.06.2012</a:t>
             </a:fld>
             <a:endParaRPr lang="ru-RU"/>
           </a:p>
@@ -6577,7 +6577,7 @@
                 </a:solidFill>
               </a:rPr>
               <a:pPr/>
-              <a:t>11.06.2012</a:t>
+              <a:t>12.06.2012</a:t>
             </a:fld>
             <a:endParaRPr lang="ru-RU">
               <a:solidFill>
@@ -6941,7 +6941,7 @@
                 </a:solidFill>
               </a:rPr>
               <a:pPr/>
-              <a:t>11.06.2012</a:t>
+              <a:t>12.06.2012</a:t>
             </a:fld>
             <a:endParaRPr lang="ru-RU">
               <a:solidFill>
@@ -7148,7 +7148,7 @@
                 </a:solidFill>
               </a:rPr>
               <a:pPr/>
-              <a:t>11.06.2012</a:t>
+              <a:t>12.06.2012</a:t>
             </a:fld>
             <a:endParaRPr lang="ru-RU">
               <a:solidFill>
@@ -7360,7 +7360,7 @@
                 </a:solidFill>
               </a:rPr>
               <a:pPr/>
-              <a:t>11.06.2012</a:t>
+              <a:t>12.06.2012</a:t>
             </a:fld>
             <a:endParaRPr lang="ru-RU">
               <a:solidFill>
@@ -7480,7 +7480,7 @@
           <a:p>
             <a:fld id="{F34D2577-27A9-48D8-B09C-5DF8AFE9C2EC}" type="datetimeFigureOut">
               <a:rPr lang="ru-RU" smtClean="0"/>
-              <a:t>11.06.2012</a:t>
+              <a:t>12.06.2012</a:t>
             </a:fld>
             <a:endParaRPr lang="ru-RU"/>
           </a:p>
@@ -8130,7 +8130,7 @@
           <a:p>
             <a:fld id="{F34D2577-27A9-48D8-B09C-5DF8AFE9C2EC}" type="datetimeFigureOut">
               <a:rPr lang="ru-RU" smtClean="0"/>
-              <a:t>11.06.2012</a:t>
+              <a:t>12.06.2012</a:t>
             </a:fld>
             <a:endParaRPr lang="ru-RU"/>
           </a:p>
@@ -8243,7 +8243,7 @@
           <a:p>
             <a:fld id="{F34D2577-27A9-48D8-B09C-5DF8AFE9C2EC}" type="datetimeFigureOut">
               <a:rPr lang="ru-RU" smtClean="0"/>
-              <a:t>11.06.2012</a:t>
+              <a:t>12.06.2012</a:t>
             </a:fld>
             <a:endParaRPr lang="ru-RU"/>
           </a:p>
@@ -8333,7 +8333,7 @@
           <a:p>
             <a:fld id="{F34D2577-27A9-48D8-B09C-5DF8AFE9C2EC}" type="datetimeFigureOut">
               <a:rPr lang="ru-RU" smtClean="0"/>
-              <a:t>11.06.2012</a:t>
+              <a:t>12.06.2012</a:t>
             </a:fld>
             <a:endParaRPr lang="ru-RU"/>
           </a:p>
@@ -8623,7 +8623,7 @@
           <a:p>
             <a:fld id="{F34D2577-27A9-48D8-B09C-5DF8AFE9C2EC}" type="datetimeFigureOut">
               <a:rPr lang="ru-RU" smtClean="0"/>
-              <a:t>11.06.2012</a:t>
+              <a:t>12.06.2012</a:t>
             </a:fld>
             <a:endParaRPr lang="ru-RU"/>
           </a:p>
@@ -8946,7 +8946,7 @@
           <a:p>
             <a:fld id="{F34D2577-27A9-48D8-B09C-5DF8AFE9C2EC}" type="datetimeFigureOut">
               <a:rPr lang="ru-RU" smtClean="0"/>
-              <a:t>11.06.2012</a:t>
+              <a:t>12.06.2012</a:t>
             </a:fld>
             <a:endParaRPr lang="ru-RU"/>
           </a:p>
@@ -9403,7 +9403,7 @@
           <a:p>
             <a:fld id="{F34D2577-27A9-48D8-B09C-5DF8AFE9C2EC}" type="datetimeFigureOut">
               <a:rPr lang="ru-RU" smtClean="0"/>
-              <a:t>11.06.2012</a:t>
+              <a:t>12.06.2012</a:t>
             </a:fld>
             <a:endParaRPr lang="ru-RU"/>
           </a:p>
@@ -10320,7 +10320,7 @@
                 </a:solidFill>
               </a:rPr>
               <a:pPr/>
-              <a:t>11.06.2012</a:t>
+              <a:t>12.06.2012</a:t>
             </a:fld>
             <a:endParaRPr lang="ru-RU">
               <a:solidFill>
@@ -11267,7 +11267,7 @@
                 </a:solidFill>
               </a:rPr>
               <a:pPr/>
-              <a:t>11.06.2012</a:t>
+              <a:t>12.06.2012</a:t>
             </a:fld>
             <a:endParaRPr lang="ru-RU">
               <a:solidFill>
@@ -12719,7 +12719,7 @@
           <a:graphicData uri="http://schemas.openxmlformats.org/presentationml/2006/ole">
             <mc:AlternateContent xmlns:mc="http://schemas.openxmlformats.org/markup-compatibility/2006">
               <mc:Choice xmlns:v="urn:schemas-microsoft-com:vml" Requires="v">
-                <p:oleObj spid="_x0000_s12315" name="Visio" r:id="rId5" imgW="6322461" imgH="6354180" progId="Visio.Drawing.11">
+                <p:oleObj spid="_x0000_s12319" name="Visio" r:id="rId5" imgW="6322461" imgH="6354180" progId="Visio.Drawing.11">
                   <p:embed/>
                 </p:oleObj>
               </mc:Choice>
@@ -12858,7 +12858,7 @@
           <a:graphicData uri="http://schemas.openxmlformats.org/presentationml/2006/ole">
             <mc:AlternateContent xmlns:mc="http://schemas.openxmlformats.org/markup-compatibility/2006">
               <mc:Choice xmlns:v="urn:schemas-microsoft-com:vml" Requires="v">
-                <p:oleObj spid="_x0000_s12316" name="Visio" r:id="rId7" imgW="5741676" imgH="4985280" progId="Visio.Drawing.11">
+                <p:oleObj spid="_x0000_s12320" name="Visio" r:id="rId7" imgW="5741676" imgH="4985280" progId="Visio.Drawing.11">
                   <p:embed/>
                 </p:oleObj>
               </mc:Choice>
@@ -13975,6 +13975,14 @@
               <a:t>Реализовать </a:t>
             </a:r>
             <a:r>
+              <a:rPr lang="ru-RU" sz="3200" dirty="0" smtClean="0">
+                <a:solidFill>
+                  <a:prstClr val="black"/>
+                </a:solidFill>
+              </a:rPr>
+              <a:t>самостоятельную </a:t>
+            </a:r>
+            <a:r>
               <a:rPr lang="ru-RU" sz="3200" dirty="0" err="1" smtClean="0">
                 <a:solidFill>
                   <a:prstClr val="black"/>
@@ -14026,14 +14034,6 @@
           <a:p>
             <a:r>
               <a:rPr lang="ru-RU" sz="3200" dirty="0" smtClean="0">
-                <a:solidFill>
-                  <a:prstClr val="black"/>
-                </a:solidFill>
-              </a:rPr>
-              <a:t> </a:t>
-            </a:r>
-            <a:r>
-              <a:rPr lang="ru-RU" sz="3200" dirty="0">
                 <a:solidFill>
                   <a:prstClr val="black"/>
                 </a:solidFill>
@@ -14357,7 +14357,7 @@
         </p:nvSpPr>
         <p:spPr>
           <a:xfrm>
-            <a:off x="91320" y="2030656"/>
+            <a:off x="91320" y="4941168"/>
             <a:ext cx="4984736" cy="3046988"/>
           </a:xfrm>
           <a:prstGeom prst="rect">
@@ -14380,11 +14380,6 @@
               </a:rPr>
               <a:t>Веб сервер</a:t>
             </a:r>
-            <a:endParaRPr lang="ru-RU" sz="3200" dirty="0" smtClean="0">
-              <a:solidFill>
-                <a:schemeClr val="bg1"/>
-              </a:solidFill>
-            </a:endParaRPr>
           </a:p>
           <a:p>
             <a:pPr lvl="0"/>
@@ -14396,11 +14391,6 @@
               </a:rPr>
               <a:t>Среда разработки</a:t>
             </a:r>
-            <a:endParaRPr lang="ru-RU" sz="3200" dirty="0" smtClean="0">
-              <a:solidFill>
-                <a:schemeClr val="bg1"/>
-              </a:solidFill>
-            </a:endParaRPr>
           </a:p>
           <a:p>
             <a:pPr lvl="0"/>
@@ -14480,7 +14470,7 @@
         </p:nvSpPr>
         <p:spPr>
           <a:xfrm>
-            <a:off x="5319329" y="2030656"/>
+            <a:off x="2070877" y="1445881"/>
             <a:ext cx="4984736" cy="584775"/>
           </a:xfrm>
           <a:prstGeom prst="rect">
@@ -14519,7 +14509,7 @@
         </p:nvSpPr>
         <p:spPr>
           <a:xfrm>
-            <a:off x="5309804" y="2515373"/>
+            <a:off x="1475656" y="2242808"/>
             <a:ext cx="4984736" cy="584775"/>
           </a:xfrm>
           <a:prstGeom prst="rect">
@@ -14634,7 +14624,7 @@
                   <a:schemeClr val="bg1"/>
                 </a:solidFill>
               </a:rPr>
-              <a:t>GitHub</a:t>
+              <a:t>Git</a:t>
             </a:r>
             <a:endParaRPr lang="ru-RU" sz="3200" dirty="0" smtClean="0">
               <a:solidFill>
@@ -14673,7 +14663,15 @@
                   <a:schemeClr val="bg1"/>
                 </a:solidFill>
               </a:rPr>
-              <a:t>- Skype, Visio, Opera</a:t>
+              <a:t>- Skype, </a:t>
+            </a:r>
+            <a:r>
+              <a:rPr lang="en-US" sz="3100" dirty="0" smtClean="0">
+                <a:solidFill>
+                  <a:schemeClr val="bg1"/>
+                </a:solidFill>
+              </a:rPr>
+              <a:t>Visio</a:t>
             </a:r>
             <a:endParaRPr lang="ru-RU" sz="3100" dirty="0" smtClean="0">
               <a:solidFill>

--- a/!docs/Presentation (Serpikov).pptx
+++ b/!docs/Presentation (Serpikov).pptx
@@ -5,20 +5,21 @@
     <p:sldMasterId id="2147483696" r:id="rId1"/>
     <p:sldMasterId id="2147483708" r:id="rId2"/>
     <p:sldMasterId id="2147483720" r:id="rId3"/>
+    <p:sldMasterId id="2147483732" r:id="rId4"/>
   </p:sldMasterIdLst>
   <p:sldIdLst>
-    <p:sldId id="256" r:id="rId4"/>
-    <p:sldId id="291" r:id="rId5"/>
-    <p:sldId id="292" r:id="rId6"/>
-    <p:sldId id="293" r:id="rId7"/>
-    <p:sldId id="271" r:id="rId8"/>
-    <p:sldId id="278" r:id="rId9"/>
-    <p:sldId id="280" r:id="rId10"/>
-    <p:sldId id="281" r:id="rId11"/>
-    <p:sldId id="283" r:id="rId12"/>
-    <p:sldId id="294" r:id="rId13"/>
-    <p:sldId id="285" r:id="rId14"/>
-    <p:sldId id="286" r:id="rId15"/>
+    <p:sldId id="256" r:id="rId5"/>
+    <p:sldId id="291" r:id="rId6"/>
+    <p:sldId id="295" r:id="rId7"/>
+    <p:sldId id="293" r:id="rId8"/>
+    <p:sldId id="296" r:id="rId9"/>
+    <p:sldId id="278" r:id="rId10"/>
+    <p:sldId id="280" r:id="rId11"/>
+    <p:sldId id="281" r:id="rId12"/>
+    <p:sldId id="283" r:id="rId13"/>
+    <p:sldId id="294" r:id="rId14"/>
+    <p:sldId id="285" r:id="rId15"/>
+    <p:sldId id="286" r:id="rId16"/>
   </p:sldIdLst>
   <p:sldSz cx="9144000" cy="6858000" type="screen4x3"/>
   <p:notesSz cx="6858000" cy="9144000"/>
@@ -124,9 +125,9 @@
           <p14:sldIdLst>
             <p14:sldId id="256"/>
             <p14:sldId id="291"/>
-            <p14:sldId id="292"/>
+            <p14:sldId id="295"/>
             <p14:sldId id="293"/>
-            <p14:sldId id="271"/>
+            <p14:sldId id="296"/>
             <p14:sldId id="278"/>
             <p14:sldId id="280"/>
             <p14:sldId id="281"/>
@@ -379,7 +380,7 @@
           <a:p>
             <a:fld id="{F34D2577-27A9-48D8-B09C-5DF8AFE9C2EC}" type="datetimeFigureOut">
               <a:rPr lang="ru-RU" smtClean="0"/>
-              <a:t>12.06.2012</a:t>
+              <a:t>17.06.2012</a:t>
             </a:fld>
             <a:endParaRPr lang="ru-RU"/>
           </a:p>
@@ -549,7 +550,7 @@
           <a:p>
             <a:fld id="{F34D2577-27A9-48D8-B09C-5DF8AFE9C2EC}" type="datetimeFigureOut">
               <a:rPr lang="ru-RU" smtClean="0"/>
-              <a:t>12.06.2012</a:t>
+              <a:t>17.06.2012</a:t>
             </a:fld>
             <a:endParaRPr lang="ru-RU"/>
           </a:p>
@@ -724,7 +725,7 @@
           <a:p>
             <a:fld id="{F34D2577-27A9-48D8-B09C-5DF8AFE9C2EC}" type="datetimeFigureOut">
               <a:rPr lang="ru-RU" smtClean="0"/>
-              <a:t>12.06.2012</a:t>
+              <a:t>17.06.2012</a:t>
             </a:fld>
             <a:endParaRPr lang="ru-RU"/>
           </a:p>
@@ -1028,7 +1029,7 @@
                 </a:solidFill>
               </a:rPr>
               <a:pPr/>
-              <a:t>12.06.2012</a:t>
+              <a:t>17.06.2012</a:t>
             </a:fld>
             <a:endParaRPr lang="ru-RU">
               <a:solidFill>
@@ -1230,7 +1231,7 @@
                 </a:solidFill>
               </a:rPr>
               <a:pPr/>
-              <a:t>12.06.2012</a:t>
+              <a:t>17.06.2012</a:t>
             </a:fld>
             <a:endParaRPr lang="ru-RU">
               <a:solidFill>
@@ -1528,7 +1529,7 @@
                 </a:solidFill>
               </a:rPr>
               <a:pPr/>
-              <a:t>12.06.2012</a:t>
+              <a:t>17.06.2012</a:t>
             </a:fld>
             <a:endParaRPr lang="ru-RU">
               <a:solidFill>
@@ -1705,7 +1706,7 @@
                 </a:solidFill>
               </a:rPr>
               <a:pPr/>
-              <a:t>12.06.2012</a:t>
+              <a:t>17.06.2012</a:t>
             </a:fld>
             <a:endParaRPr lang="ru-RU">
               <a:solidFill>
@@ -2400,7 +2401,7 @@
                 </a:solidFill>
               </a:rPr>
               <a:pPr/>
-              <a:t>12.06.2012</a:t>
+              <a:t>17.06.2012</a:t>
             </a:fld>
             <a:endParaRPr lang="ru-RU">
               <a:solidFill>
@@ -2550,7 +2551,7 @@
                 </a:solidFill>
               </a:rPr>
               <a:pPr/>
-              <a:t>12.06.2012</a:t>
+              <a:t>17.06.2012</a:t>
             </a:fld>
             <a:endParaRPr lang="ru-RU">
               <a:solidFill>
@@ -2677,7 +2678,7 @@
                 </a:solidFill>
               </a:rPr>
               <a:pPr/>
-              <a:t>12.06.2012</a:t>
+              <a:t>17.06.2012</a:t>
             </a:fld>
             <a:endParaRPr lang="ru-RU">
               <a:solidFill>
@@ -3008,7 +3009,7 @@
                 </a:solidFill>
               </a:rPr>
               <a:pPr/>
-              <a:t>12.06.2012</a:t>
+              <a:t>17.06.2012</a:t>
             </a:fld>
             <a:endParaRPr lang="ru-RU">
               <a:solidFill>
@@ -3226,7 +3227,7 @@
           <a:p>
             <a:fld id="{F34D2577-27A9-48D8-B09C-5DF8AFE9C2EC}" type="datetimeFigureOut">
               <a:rPr lang="ru-RU" smtClean="0"/>
-              <a:t>12.06.2012</a:t>
+              <a:t>17.06.2012</a:t>
             </a:fld>
             <a:endParaRPr lang="ru-RU"/>
           </a:p>
@@ -3537,7 +3538,7 @@
                 </a:solidFill>
               </a:rPr>
               <a:pPr/>
-              <a:t>12.06.2012</a:t>
+              <a:t>17.06.2012</a:t>
             </a:fld>
             <a:endParaRPr lang="ru-RU">
               <a:solidFill>
@@ -3744,7 +3745,7 @@
                 </a:solidFill>
               </a:rPr>
               <a:pPr/>
-              <a:t>12.06.2012</a:t>
+              <a:t>17.06.2012</a:t>
             </a:fld>
             <a:endParaRPr lang="ru-RU">
               <a:solidFill>
@@ -3956,7 +3957,7 @@
                 </a:solidFill>
               </a:rPr>
               <a:pPr/>
-              <a:t>12.06.2012</a:t>
+              <a:t>17.06.2012</a:t>
             </a:fld>
             <a:endParaRPr lang="ru-RU">
               <a:solidFill>
@@ -4290,7 +4291,7 @@
                 </a:solidFill>
               </a:rPr>
               <a:pPr/>
-              <a:t>12.06.2012</a:t>
+              <a:t>17.06.2012</a:t>
             </a:fld>
             <a:endParaRPr lang="ru-RU">
               <a:solidFill>
@@ -4492,7 +4493,7 @@
                 </a:solidFill>
               </a:rPr>
               <a:pPr/>
-              <a:t>12.06.2012</a:t>
+              <a:t>17.06.2012</a:t>
             </a:fld>
             <a:endParaRPr lang="ru-RU">
               <a:solidFill>
@@ -4790,7 +4791,7 @@
                 </a:solidFill>
               </a:rPr>
               <a:pPr/>
-              <a:t>12.06.2012</a:t>
+              <a:t>17.06.2012</a:t>
             </a:fld>
             <a:endParaRPr lang="ru-RU">
               <a:solidFill>
@@ -4967,7 +4968,7 @@
                 </a:solidFill>
               </a:rPr>
               <a:pPr/>
-              <a:t>12.06.2012</a:t>
+              <a:t>17.06.2012</a:t>
             </a:fld>
             <a:endParaRPr lang="ru-RU">
               <a:solidFill>
@@ -5662,7 +5663,7 @@
                 </a:solidFill>
               </a:rPr>
               <a:pPr/>
-              <a:t>12.06.2012</a:t>
+              <a:t>17.06.2012</a:t>
             </a:fld>
             <a:endParaRPr lang="ru-RU">
               <a:solidFill>
@@ -5812,7 +5813,7 @@
                 </a:solidFill>
               </a:rPr>
               <a:pPr/>
-              <a:t>12.06.2012</a:t>
+              <a:t>17.06.2012</a:t>
             </a:fld>
             <a:endParaRPr lang="ru-RU">
               <a:solidFill>
@@ -5939,7 +5940,7 @@
                 </a:solidFill>
               </a:rPr>
               <a:pPr/>
-              <a:t>12.06.2012</a:t>
+              <a:t>17.06.2012</a:t>
             </a:fld>
             <a:endParaRPr lang="ru-RU">
               <a:solidFill>
@@ -6226,7 +6227,7 @@
           <a:p>
             <a:fld id="{F34D2577-27A9-48D8-B09C-5DF8AFE9C2EC}" type="datetimeFigureOut">
               <a:rPr lang="ru-RU" smtClean="0"/>
-              <a:t>12.06.2012</a:t>
+              <a:t>17.06.2012</a:t>
             </a:fld>
             <a:endParaRPr lang="ru-RU"/>
           </a:p>
@@ -6577,7 +6578,7 @@
                 </a:solidFill>
               </a:rPr>
               <a:pPr/>
-              <a:t>12.06.2012</a:t>
+              <a:t>17.06.2012</a:t>
             </a:fld>
             <a:endParaRPr lang="ru-RU">
               <a:solidFill>
@@ -6941,7 +6942,7 @@
                 </a:solidFill>
               </a:rPr>
               <a:pPr/>
-              <a:t>12.06.2012</a:t>
+              <a:t>17.06.2012</a:t>
             </a:fld>
             <a:endParaRPr lang="ru-RU">
               <a:solidFill>
@@ -7148,7 +7149,7 @@
                 </a:solidFill>
               </a:rPr>
               <a:pPr/>
-              <a:t>12.06.2012</a:t>
+              <a:t>17.06.2012</a:t>
             </a:fld>
             <a:endParaRPr lang="ru-RU">
               <a:solidFill>
@@ -7360,7 +7361,7 @@
                 </a:solidFill>
               </a:rPr>
               <a:pPr/>
-              <a:t>12.06.2012</a:t>
+              <a:t>17.06.2012</a:t>
             </a:fld>
             <a:endParaRPr lang="ru-RU">
               <a:solidFill>
@@ -7446,7 +7447,891 @@
 </p:sldLayout>
 </file>
 
-<file path=ppt/slideLayouts/slideLayout4.xml><?xml version="1.0" encoding="utf-8"?>
+<file path=ppt/slideLayouts/slideLayout34.xml><?xml version="1.0" encoding="utf-8"?>
+<p:sldLayout xmlns:a="http://schemas.openxmlformats.org/drawingml/2006/main" xmlns:r="http://schemas.openxmlformats.org/officeDocument/2006/relationships" xmlns:p="http://schemas.openxmlformats.org/presentationml/2006/main" type="title" preserve="1">
+  <p:cSld name="Титульный слайд">
+    <p:spTree>
+      <p:nvGrpSpPr>
+        <p:cNvPr id="1" name=""/>
+        <p:cNvGrpSpPr/>
+        <p:nvPr/>
+      </p:nvGrpSpPr>
+      <p:grpSpPr>
+        <a:xfrm>
+          <a:off x="0" y="0"/>
+          <a:ext cx="0" cy="0"/>
+          <a:chOff x="0" y="0"/>
+          <a:chExt cx="0" cy="0"/>
+        </a:xfrm>
+      </p:grpSpPr>
+      <p:sp>
+        <p:nvSpPr>
+          <p:cNvPr id="8" name="TextBox 7"/>
+          <p:cNvSpPr txBox="1"/>
+          <p:nvPr/>
+        </p:nvSpPr>
+        <p:spPr>
+          <a:xfrm>
+            <a:off x="1828800" y="3159760"/>
+            <a:ext cx="457200" cy="1034129"/>
+          </a:xfrm>
+          <a:prstGeom prst="rect">
+            <a:avLst/>
+          </a:prstGeom>
+          <a:noFill/>
+        </p:spPr>
+        <p:txBody>
+          <a:bodyPr wrap="square" lIns="0" tIns="9144" rIns="0" bIns="9144" rtlCol="0" anchor="ctr" anchorCtr="0">
+            <a:spAutoFit/>
+          </a:bodyPr>
+          <a:lstStyle/>
+          <a:p>
+            <a:r>
+              <a:rPr lang="en-US" sz="6600" dirty="0" smtClean="0">
+                <a:solidFill>
+                  <a:prstClr val="black"/>
+                </a:solidFill>
+                <a:effectLst>
+                  <a:outerShdw blurRad="38100" dist="38100" dir="2700000" algn="tl">
+                    <a:srgbClr val="000000">
+                      <a:alpha val="43137"/>
+                    </a:srgbClr>
+                  </a:outerShdw>
+                </a:effectLst>
+              </a:rPr>
+              <a:t>{</a:t>
+            </a:r>
+            <a:endParaRPr lang="en-US" sz="6600" dirty="0">
+              <a:solidFill>
+                <a:prstClr val="black"/>
+              </a:solidFill>
+              <a:effectLst>
+                <a:outerShdw blurRad="38100" dist="38100" dir="2700000" algn="tl">
+                  <a:srgbClr val="000000">
+                    <a:alpha val="43137"/>
+                  </a:srgbClr>
+                </a:outerShdw>
+              </a:effectLst>
+            </a:endParaRPr>
+          </a:p>
+        </p:txBody>
+      </p:sp>
+      <p:sp>
+        <p:nvSpPr>
+          <p:cNvPr id="2" name="Title 1"/>
+          <p:cNvSpPr>
+            <a:spLocks noGrp="1"/>
+          </p:cNvSpPr>
+          <p:nvPr>
+            <p:ph type="ctrTitle"/>
+          </p:nvPr>
+        </p:nvSpPr>
+        <p:spPr>
+          <a:xfrm>
+            <a:off x="777240" y="1219200"/>
+            <a:ext cx="7543800" cy="2152650"/>
+          </a:xfrm>
+        </p:spPr>
+        <p:txBody>
+          <a:bodyPr>
+            <a:noAutofit/>
+          </a:bodyPr>
+          <a:lstStyle>
+            <a:lvl1pPr>
+              <a:defRPr sz="6000">
+                <a:solidFill>
+                  <a:schemeClr val="tx1"/>
+                </a:solidFill>
+              </a:defRPr>
+            </a:lvl1pPr>
+          </a:lstStyle>
+          <a:p>
+            <a:r>
+              <a:rPr lang="ru-RU" smtClean="0"/>
+              <a:t>Образец заголовка</a:t>
+            </a:r>
+            <a:endParaRPr lang="en-US" dirty="0"/>
+          </a:p>
+        </p:txBody>
+      </p:sp>
+      <p:sp>
+        <p:nvSpPr>
+          <p:cNvPr id="3" name="Subtitle 2"/>
+          <p:cNvSpPr>
+            <a:spLocks noGrp="1"/>
+          </p:cNvSpPr>
+          <p:nvPr>
+            <p:ph type="subTitle" idx="1"/>
+          </p:nvPr>
+        </p:nvSpPr>
+        <p:spPr>
+          <a:xfrm>
+            <a:off x="2133600" y="3375491"/>
+            <a:ext cx="6172200" cy="685800"/>
+          </a:xfrm>
+        </p:spPr>
+        <p:txBody>
+          <a:bodyPr anchor="ctr"/>
+          <a:lstStyle>
+            <a:lvl1pPr marL="0" indent="0" algn="l">
+              <a:buNone/>
+              <a:defRPr>
+                <a:solidFill>
+                  <a:schemeClr val="tx1"/>
+                </a:solidFill>
+              </a:defRPr>
+            </a:lvl1pPr>
+            <a:lvl2pPr marL="457200" indent="0" algn="ctr">
+              <a:buNone/>
+              <a:defRPr>
+                <a:solidFill>
+                  <a:schemeClr val="tx1">
+                    <a:tint val="75000"/>
+                  </a:schemeClr>
+                </a:solidFill>
+              </a:defRPr>
+            </a:lvl2pPr>
+            <a:lvl3pPr marL="914400" indent="0" algn="ctr">
+              <a:buNone/>
+              <a:defRPr>
+                <a:solidFill>
+                  <a:schemeClr val="tx1">
+                    <a:tint val="75000"/>
+                  </a:schemeClr>
+                </a:solidFill>
+              </a:defRPr>
+            </a:lvl3pPr>
+            <a:lvl4pPr marL="1371600" indent="0" algn="ctr">
+              <a:buNone/>
+              <a:defRPr>
+                <a:solidFill>
+                  <a:schemeClr val="tx1">
+                    <a:tint val="75000"/>
+                  </a:schemeClr>
+                </a:solidFill>
+              </a:defRPr>
+            </a:lvl4pPr>
+            <a:lvl5pPr marL="1828800" indent="0" algn="ctr">
+              <a:buNone/>
+              <a:defRPr>
+                <a:solidFill>
+                  <a:schemeClr val="tx1">
+                    <a:tint val="75000"/>
+                  </a:schemeClr>
+                </a:solidFill>
+              </a:defRPr>
+            </a:lvl5pPr>
+            <a:lvl6pPr marL="2286000" indent="0" algn="ctr">
+              <a:buNone/>
+              <a:defRPr>
+                <a:solidFill>
+                  <a:schemeClr val="tx1">
+                    <a:tint val="75000"/>
+                  </a:schemeClr>
+                </a:solidFill>
+              </a:defRPr>
+            </a:lvl6pPr>
+            <a:lvl7pPr marL="2743200" indent="0" algn="ctr">
+              <a:buNone/>
+              <a:defRPr>
+                <a:solidFill>
+                  <a:schemeClr val="tx1">
+                    <a:tint val="75000"/>
+                  </a:schemeClr>
+                </a:solidFill>
+              </a:defRPr>
+            </a:lvl7pPr>
+            <a:lvl8pPr marL="3200400" indent="0" algn="ctr">
+              <a:buNone/>
+              <a:defRPr>
+                <a:solidFill>
+                  <a:schemeClr val="tx1">
+                    <a:tint val="75000"/>
+                  </a:schemeClr>
+                </a:solidFill>
+              </a:defRPr>
+            </a:lvl8pPr>
+            <a:lvl9pPr marL="3657600" indent="0" algn="ctr">
+              <a:buNone/>
+              <a:defRPr>
+                <a:solidFill>
+                  <a:schemeClr val="tx1">
+                    <a:tint val="75000"/>
+                  </a:schemeClr>
+                </a:solidFill>
+              </a:defRPr>
+            </a:lvl9pPr>
+          </a:lstStyle>
+          <a:p>
+            <a:r>
+              <a:rPr lang="ru-RU" smtClean="0"/>
+              <a:t>Образец подзаголовка</a:t>
+            </a:r>
+            <a:endParaRPr lang="en-US" dirty="0"/>
+          </a:p>
+        </p:txBody>
+      </p:sp>
+      <p:sp>
+        <p:nvSpPr>
+          <p:cNvPr id="15" name="Date Placeholder 14"/>
+          <p:cNvSpPr>
+            <a:spLocks noGrp="1"/>
+          </p:cNvSpPr>
+          <p:nvPr>
+            <p:ph type="dt" sz="half" idx="10"/>
+          </p:nvPr>
+        </p:nvSpPr>
+        <p:spPr/>
+        <p:txBody>
+          <a:bodyPr/>
+          <a:lstStyle/>
+          <a:p>
+            <a:fld id="{F34D2577-27A9-48D8-B09C-5DF8AFE9C2EC}" type="datetimeFigureOut">
+              <a:rPr lang="ru-RU" smtClean="0">
+                <a:solidFill>
+                  <a:prstClr val="black">
+                    <a:alpha val="60000"/>
+                  </a:prstClr>
+                </a:solidFill>
+              </a:rPr>
+              <a:pPr/>
+              <a:t>17.06.2012</a:t>
+            </a:fld>
+            <a:endParaRPr lang="ru-RU">
+              <a:solidFill>
+                <a:prstClr val="black">
+                  <a:alpha val="60000"/>
+                </a:prstClr>
+              </a:solidFill>
+            </a:endParaRPr>
+          </a:p>
+        </p:txBody>
+      </p:sp>
+      <p:sp>
+        <p:nvSpPr>
+          <p:cNvPr id="16" name="Slide Number Placeholder 15"/>
+          <p:cNvSpPr>
+            <a:spLocks noGrp="1"/>
+          </p:cNvSpPr>
+          <p:nvPr>
+            <p:ph type="sldNum" sz="quarter" idx="11"/>
+          </p:nvPr>
+        </p:nvSpPr>
+        <p:spPr/>
+        <p:txBody>
+          <a:bodyPr/>
+          <a:lstStyle/>
+          <a:p>
+            <a:fld id="{62FD049D-D713-4090-9976-7AFA76CAD437}" type="slidenum">
+              <a:rPr lang="ru-RU" smtClean="0">
+                <a:solidFill>
+                  <a:prstClr val="black">
+                    <a:alpha val="60000"/>
+                  </a:prstClr>
+                </a:solidFill>
+              </a:rPr>
+              <a:pPr/>
+              <a:t>‹#›</a:t>
+            </a:fld>
+            <a:endParaRPr lang="ru-RU">
+              <a:solidFill>
+                <a:prstClr val="black">
+                  <a:alpha val="60000"/>
+                </a:prstClr>
+              </a:solidFill>
+            </a:endParaRPr>
+          </a:p>
+        </p:txBody>
+      </p:sp>
+      <p:sp>
+        <p:nvSpPr>
+          <p:cNvPr id="17" name="Footer Placeholder 16"/>
+          <p:cNvSpPr>
+            <a:spLocks noGrp="1"/>
+          </p:cNvSpPr>
+          <p:nvPr>
+            <p:ph type="ftr" sz="quarter" idx="12"/>
+          </p:nvPr>
+        </p:nvSpPr>
+        <p:spPr/>
+        <p:txBody>
+          <a:bodyPr/>
+          <a:lstStyle/>
+          <a:p>
+            <a:endParaRPr lang="ru-RU">
+              <a:solidFill>
+                <a:prstClr val="black">
+                  <a:alpha val="60000"/>
+                </a:prstClr>
+              </a:solidFill>
+            </a:endParaRPr>
+          </a:p>
+        </p:txBody>
+      </p:sp>
+    </p:spTree>
+    <p:extLst>
+      <p:ext uri="{BB962C8B-B14F-4D97-AF65-F5344CB8AC3E}">
+        <p14:creationId xmlns:p14="http://schemas.microsoft.com/office/powerpoint/2010/main" val="3402310173"/>
+      </p:ext>
+    </p:extLst>
+  </p:cSld>
+  <p:clrMapOvr>
+    <a:masterClrMapping/>
+  </p:clrMapOvr>
+</p:sldLayout>
+</file>
+
+<file path=ppt/slideLayouts/slideLayout35.xml><?xml version="1.0" encoding="utf-8"?>
+<p:sldLayout xmlns:a="http://schemas.openxmlformats.org/drawingml/2006/main" xmlns:r="http://schemas.openxmlformats.org/officeDocument/2006/relationships" xmlns:p="http://schemas.openxmlformats.org/presentationml/2006/main" type="obj" preserve="1">
+  <p:cSld name="Заголовок и объект">
+    <p:spTree>
+      <p:nvGrpSpPr>
+        <p:cNvPr id="1" name=""/>
+        <p:cNvGrpSpPr/>
+        <p:nvPr/>
+      </p:nvGrpSpPr>
+      <p:grpSpPr>
+        <a:xfrm>
+          <a:off x="0" y="0"/>
+          <a:ext cx="0" cy="0"/>
+          <a:chOff x="0" y="0"/>
+          <a:chExt cx="0" cy="0"/>
+        </a:xfrm>
+      </p:grpSpPr>
+      <p:sp>
+        <p:nvSpPr>
+          <p:cNvPr id="3" name="Content Placeholder 2"/>
+          <p:cNvSpPr>
+            <a:spLocks noGrp="1"/>
+          </p:cNvSpPr>
+          <p:nvPr>
+            <p:ph idx="1"/>
+          </p:nvPr>
+        </p:nvSpPr>
+        <p:spPr/>
+        <p:txBody>
+          <a:bodyPr/>
+          <a:lstStyle/>
+          <a:p>
+            <a:pPr lvl="0"/>
+            <a:r>
+              <a:rPr lang="ru-RU" smtClean="0"/>
+              <a:t>Образец текста</a:t>
+            </a:r>
+          </a:p>
+          <a:p>
+            <a:pPr lvl="1"/>
+            <a:r>
+              <a:rPr lang="ru-RU" smtClean="0"/>
+              <a:t>Второй уровень</a:t>
+            </a:r>
+          </a:p>
+          <a:p>
+            <a:pPr lvl="2"/>
+            <a:r>
+              <a:rPr lang="ru-RU" smtClean="0"/>
+              <a:t>Третий уровень</a:t>
+            </a:r>
+          </a:p>
+          <a:p>
+            <a:pPr lvl="3"/>
+            <a:r>
+              <a:rPr lang="ru-RU" smtClean="0"/>
+              <a:t>Четвертый уровень</a:t>
+            </a:r>
+          </a:p>
+          <a:p>
+            <a:pPr lvl="4"/>
+            <a:r>
+              <a:rPr lang="ru-RU" smtClean="0"/>
+              <a:t>Пятый уровень</a:t>
+            </a:r>
+            <a:endParaRPr lang="en-US"/>
+          </a:p>
+        </p:txBody>
+      </p:sp>
+      <p:sp>
+        <p:nvSpPr>
+          <p:cNvPr id="13" name="Title 12"/>
+          <p:cNvSpPr>
+            <a:spLocks noGrp="1"/>
+          </p:cNvSpPr>
+          <p:nvPr>
+            <p:ph type="title"/>
+          </p:nvPr>
+        </p:nvSpPr>
+        <p:spPr/>
+        <p:txBody>
+          <a:bodyPr/>
+          <a:lstStyle/>
+          <a:p>
+            <a:r>
+              <a:rPr lang="ru-RU" smtClean="0"/>
+              <a:t>Образец заголовка</a:t>
+            </a:r>
+            <a:endParaRPr lang="en-US"/>
+          </a:p>
+        </p:txBody>
+      </p:sp>
+      <p:sp>
+        <p:nvSpPr>
+          <p:cNvPr id="14" name="Date Placeholder 13"/>
+          <p:cNvSpPr>
+            <a:spLocks noGrp="1"/>
+          </p:cNvSpPr>
+          <p:nvPr>
+            <p:ph type="dt" sz="half" idx="10"/>
+          </p:nvPr>
+        </p:nvSpPr>
+        <p:spPr/>
+        <p:txBody>
+          <a:bodyPr/>
+          <a:lstStyle/>
+          <a:p>
+            <a:fld id="{F34D2577-27A9-48D8-B09C-5DF8AFE9C2EC}" type="datetimeFigureOut">
+              <a:rPr lang="ru-RU" smtClean="0">
+                <a:solidFill>
+                  <a:prstClr val="black">
+                    <a:alpha val="60000"/>
+                  </a:prstClr>
+                </a:solidFill>
+              </a:rPr>
+              <a:pPr/>
+              <a:t>17.06.2012</a:t>
+            </a:fld>
+            <a:endParaRPr lang="ru-RU">
+              <a:solidFill>
+                <a:prstClr val="black">
+                  <a:alpha val="60000"/>
+                </a:prstClr>
+              </a:solidFill>
+            </a:endParaRPr>
+          </a:p>
+        </p:txBody>
+      </p:sp>
+      <p:sp>
+        <p:nvSpPr>
+          <p:cNvPr id="15" name="Slide Number Placeholder 14"/>
+          <p:cNvSpPr>
+            <a:spLocks noGrp="1"/>
+          </p:cNvSpPr>
+          <p:nvPr>
+            <p:ph type="sldNum" sz="quarter" idx="11"/>
+          </p:nvPr>
+        </p:nvSpPr>
+        <p:spPr/>
+        <p:txBody>
+          <a:bodyPr/>
+          <a:lstStyle/>
+          <a:p>
+            <a:fld id="{62FD049D-D713-4090-9976-7AFA76CAD437}" type="slidenum">
+              <a:rPr lang="ru-RU" smtClean="0">
+                <a:solidFill>
+                  <a:prstClr val="black">
+                    <a:alpha val="60000"/>
+                  </a:prstClr>
+                </a:solidFill>
+              </a:rPr>
+              <a:pPr/>
+              <a:t>‹#›</a:t>
+            </a:fld>
+            <a:endParaRPr lang="ru-RU">
+              <a:solidFill>
+                <a:prstClr val="black">
+                  <a:alpha val="60000"/>
+                </a:prstClr>
+              </a:solidFill>
+            </a:endParaRPr>
+          </a:p>
+        </p:txBody>
+      </p:sp>
+      <p:sp>
+        <p:nvSpPr>
+          <p:cNvPr id="16" name="Footer Placeholder 15"/>
+          <p:cNvSpPr>
+            <a:spLocks noGrp="1"/>
+          </p:cNvSpPr>
+          <p:nvPr>
+            <p:ph type="ftr" sz="quarter" idx="12"/>
+          </p:nvPr>
+        </p:nvSpPr>
+        <p:spPr/>
+        <p:txBody>
+          <a:bodyPr/>
+          <a:lstStyle/>
+          <a:p>
+            <a:endParaRPr lang="ru-RU">
+              <a:solidFill>
+                <a:prstClr val="black">
+                  <a:alpha val="60000"/>
+                </a:prstClr>
+              </a:solidFill>
+            </a:endParaRPr>
+          </a:p>
+        </p:txBody>
+      </p:sp>
+    </p:spTree>
+    <p:extLst>
+      <p:ext uri="{BB962C8B-B14F-4D97-AF65-F5344CB8AC3E}">
+        <p14:creationId xmlns:p14="http://schemas.microsoft.com/office/powerpoint/2010/main" val="2236250760"/>
+      </p:ext>
+    </p:extLst>
+  </p:cSld>
+  <p:clrMapOvr>
+    <a:masterClrMapping/>
+  </p:clrMapOvr>
+</p:sldLayout>
+</file>
+
+<file path=ppt/slideLayouts/slideLayout36.xml><?xml version="1.0" encoding="utf-8"?>
+<p:sldLayout xmlns:a="http://schemas.openxmlformats.org/drawingml/2006/main" xmlns:r="http://schemas.openxmlformats.org/officeDocument/2006/relationships" xmlns:p="http://schemas.openxmlformats.org/presentationml/2006/main" type="secHead" preserve="1">
+  <p:cSld name="Заголовок раздела">
+    <p:spTree>
+      <p:nvGrpSpPr>
+        <p:cNvPr id="1" name=""/>
+        <p:cNvGrpSpPr/>
+        <p:nvPr/>
+      </p:nvGrpSpPr>
+      <p:grpSpPr>
+        <a:xfrm>
+          <a:off x="0" y="0"/>
+          <a:ext cx="0" cy="0"/>
+          <a:chOff x="0" y="0"/>
+          <a:chExt cx="0" cy="0"/>
+        </a:xfrm>
+      </p:grpSpPr>
+      <p:sp>
+        <p:nvSpPr>
+          <p:cNvPr id="8" name="TextBox 7"/>
+          <p:cNvSpPr txBox="1"/>
+          <p:nvPr/>
+        </p:nvSpPr>
+        <p:spPr>
+          <a:xfrm>
+            <a:off x="4267200" y="4074497"/>
+            <a:ext cx="457200" cy="1015663"/>
+          </a:xfrm>
+          <a:prstGeom prst="rect">
+            <a:avLst/>
+          </a:prstGeom>
+          <a:noFill/>
+        </p:spPr>
+        <p:txBody>
+          <a:bodyPr wrap="square" lIns="0" tIns="0" rIns="0" bIns="0" rtlCol="0" anchor="t" anchorCtr="0">
+            <a:spAutoFit/>
+          </a:bodyPr>
+          <a:lstStyle/>
+          <a:p>
+            <a:r>
+              <a:rPr lang="en-US" sz="6600" dirty="0" smtClean="0">
+                <a:solidFill>
+                  <a:prstClr val="black"/>
+                </a:solidFill>
+                <a:effectLst>
+                  <a:outerShdw blurRad="38100" dist="38100" dir="2700000" algn="tl">
+                    <a:srgbClr val="000000">
+                      <a:alpha val="43137"/>
+                    </a:srgbClr>
+                  </a:outerShdw>
+                </a:effectLst>
+              </a:rPr>
+              <a:t>{</a:t>
+            </a:r>
+            <a:endParaRPr lang="en-US" sz="6600" dirty="0">
+              <a:solidFill>
+                <a:prstClr val="black"/>
+              </a:solidFill>
+              <a:effectLst>
+                <a:outerShdw blurRad="38100" dist="38100" dir="2700000" algn="tl">
+                  <a:srgbClr val="000000">
+                    <a:alpha val="43137"/>
+                  </a:srgbClr>
+                </a:outerShdw>
+              </a:effectLst>
+            </a:endParaRPr>
+          </a:p>
+        </p:txBody>
+      </p:sp>
+      <p:sp>
+        <p:nvSpPr>
+          <p:cNvPr id="3" name="Text Placeholder 2"/>
+          <p:cNvSpPr>
+            <a:spLocks noGrp="1"/>
+          </p:cNvSpPr>
+          <p:nvPr>
+            <p:ph type="body" idx="1"/>
+          </p:nvPr>
+        </p:nvSpPr>
+        <p:spPr>
+          <a:xfrm>
+            <a:off x="4572000" y="4267368"/>
+            <a:ext cx="3733800" cy="731520"/>
+          </a:xfrm>
+        </p:spPr>
+        <p:txBody>
+          <a:bodyPr anchor="ctr">
+            <a:normAutofit/>
+          </a:bodyPr>
+          <a:lstStyle>
+            <a:lvl1pPr marL="0" indent="0">
+              <a:buNone/>
+              <a:defRPr sz="1800">
+                <a:solidFill>
+                  <a:schemeClr val="tx1"/>
+                </a:solidFill>
+              </a:defRPr>
+            </a:lvl1pPr>
+            <a:lvl2pPr marL="457200" indent="0">
+              <a:buNone/>
+              <a:defRPr sz="1800">
+                <a:solidFill>
+                  <a:schemeClr val="tx1">
+                    <a:tint val="75000"/>
+                  </a:schemeClr>
+                </a:solidFill>
+              </a:defRPr>
+            </a:lvl2pPr>
+            <a:lvl3pPr marL="914400" indent="0">
+              <a:buNone/>
+              <a:defRPr sz="1600">
+                <a:solidFill>
+                  <a:schemeClr val="tx1">
+                    <a:tint val="75000"/>
+                  </a:schemeClr>
+                </a:solidFill>
+              </a:defRPr>
+            </a:lvl3pPr>
+            <a:lvl4pPr marL="1371600" indent="0">
+              <a:buNone/>
+              <a:defRPr sz="1400">
+                <a:solidFill>
+                  <a:schemeClr val="tx1">
+                    <a:tint val="75000"/>
+                  </a:schemeClr>
+                </a:solidFill>
+              </a:defRPr>
+            </a:lvl4pPr>
+            <a:lvl5pPr marL="1828800" indent="0">
+              <a:buNone/>
+              <a:defRPr sz="1400">
+                <a:solidFill>
+                  <a:schemeClr val="tx1">
+                    <a:tint val="75000"/>
+                  </a:schemeClr>
+                </a:solidFill>
+              </a:defRPr>
+            </a:lvl5pPr>
+            <a:lvl6pPr marL="2286000" indent="0">
+              <a:buNone/>
+              <a:defRPr sz="1400">
+                <a:solidFill>
+                  <a:schemeClr val="tx1">
+                    <a:tint val="75000"/>
+                  </a:schemeClr>
+                </a:solidFill>
+              </a:defRPr>
+            </a:lvl6pPr>
+            <a:lvl7pPr marL="2743200" indent="0">
+              <a:buNone/>
+              <a:defRPr sz="1400">
+                <a:solidFill>
+                  <a:schemeClr val="tx1">
+                    <a:tint val="75000"/>
+                  </a:schemeClr>
+                </a:solidFill>
+              </a:defRPr>
+            </a:lvl7pPr>
+            <a:lvl8pPr marL="3200400" indent="0">
+              <a:buNone/>
+              <a:defRPr sz="1400">
+                <a:solidFill>
+                  <a:schemeClr val="tx1">
+                    <a:tint val="75000"/>
+                  </a:schemeClr>
+                </a:solidFill>
+              </a:defRPr>
+            </a:lvl8pPr>
+            <a:lvl9pPr marL="3657600" indent="0">
+              <a:buNone/>
+              <a:defRPr sz="1400">
+                <a:solidFill>
+                  <a:schemeClr val="tx1">
+                    <a:tint val="75000"/>
+                  </a:schemeClr>
+                </a:solidFill>
+              </a:defRPr>
+            </a:lvl9pPr>
+          </a:lstStyle>
+          <a:p>
+            <a:pPr lvl="0"/>
+            <a:r>
+              <a:rPr lang="ru-RU" smtClean="0"/>
+              <a:t>Образец текста</a:t>
+            </a:r>
+          </a:p>
+        </p:txBody>
+      </p:sp>
+      <p:sp>
+        <p:nvSpPr>
+          <p:cNvPr id="12" name="Date Placeholder 11"/>
+          <p:cNvSpPr>
+            <a:spLocks noGrp="1"/>
+          </p:cNvSpPr>
+          <p:nvPr>
+            <p:ph type="dt" sz="half" idx="10"/>
+          </p:nvPr>
+        </p:nvSpPr>
+        <p:spPr/>
+        <p:txBody>
+          <a:bodyPr/>
+          <a:lstStyle/>
+          <a:p>
+            <a:fld id="{F34D2577-27A9-48D8-B09C-5DF8AFE9C2EC}" type="datetimeFigureOut">
+              <a:rPr lang="ru-RU" smtClean="0">
+                <a:solidFill>
+                  <a:prstClr val="black">
+                    <a:alpha val="60000"/>
+                  </a:prstClr>
+                </a:solidFill>
+              </a:rPr>
+              <a:pPr/>
+              <a:t>17.06.2012</a:t>
+            </a:fld>
+            <a:endParaRPr lang="ru-RU">
+              <a:solidFill>
+                <a:prstClr val="black">
+                  <a:alpha val="60000"/>
+                </a:prstClr>
+              </a:solidFill>
+            </a:endParaRPr>
+          </a:p>
+        </p:txBody>
+      </p:sp>
+      <p:sp>
+        <p:nvSpPr>
+          <p:cNvPr id="13" name="Slide Number Placeholder 12"/>
+          <p:cNvSpPr>
+            <a:spLocks noGrp="1"/>
+          </p:cNvSpPr>
+          <p:nvPr>
+            <p:ph type="sldNum" sz="quarter" idx="11"/>
+          </p:nvPr>
+        </p:nvSpPr>
+        <p:spPr/>
+        <p:txBody>
+          <a:bodyPr/>
+          <a:lstStyle/>
+          <a:p>
+            <a:fld id="{62FD049D-D713-4090-9976-7AFA76CAD437}" type="slidenum">
+              <a:rPr lang="ru-RU" smtClean="0">
+                <a:solidFill>
+                  <a:prstClr val="black">
+                    <a:alpha val="60000"/>
+                  </a:prstClr>
+                </a:solidFill>
+              </a:rPr>
+              <a:pPr/>
+              <a:t>‹#›</a:t>
+            </a:fld>
+            <a:endParaRPr lang="ru-RU">
+              <a:solidFill>
+                <a:prstClr val="black">
+                  <a:alpha val="60000"/>
+                </a:prstClr>
+              </a:solidFill>
+            </a:endParaRPr>
+          </a:p>
+        </p:txBody>
+      </p:sp>
+      <p:sp>
+        <p:nvSpPr>
+          <p:cNvPr id="14" name="Footer Placeholder 13"/>
+          <p:cNvSpPr>
+            <a:spLocks noGrp="1"/>
+          </p:cNvSpPr>
+          <p:nvPr>
+            <p:ph type="ftr" sz="quarter" idx="12"/>
+          </p:nvPr>
+        </p:nvSpPr>
+        <p:spPr/>
+        <p:txBody>
+          <a:bodyPr/>
+          <a:lstStyle/>
+          <a:p>
+            <a:endParaRPr lang="ru-RU">
+              <a:solidFill>
+                <a:prstClr val="black">
+                  <a:alpha val="60000"/>
+                </a:prstClr>
+              </a:solidFill>
+            </a:endParaRPr>
+          </a:p>
+        </p:txBody>
+      </p:sp>
+      <p:sp>
+        <p:nvSpPr>
+          <p:cNvPr id="4" name="Title 3"/>
+          <p:cNvSpPr>
+            <a:spLocks noGrp="1"/>
+          </p:cNvSpPr>
+          <p:nvPr>
+            <p:ph type="title"/>
+          </p:nvPr>
+        </p:nvSpPr>
+        <p:spPr>
+          <a:xfrm>
+            <a:off x="2286000" y="1905000"/>
+            <a:ext cx="6035040" cy="2350008"/>
+          </a:xfrm>
+        </p:spPr>
+        <p:txBody>
+          <a:bodyPr/>
+          <a:lstStyle>
+            <a:lvl1pPr marL="0" algn="l" defTabSz="914400" rtl="0" eaLnBrk="1" latinLnBrk="0" hangingPunct="1">
+              <a:spcBef>
+                <a:spcPct val="0"/>
+              </a:spcBef>
+              <a:buNone/>
+              <a:defRPr lang="en-US" sz="5400" b="0" kern="1200" cap="none" dirty="0" smtClean="0">
+                <a:solidFill>
+                  <a:schemeClr val="tx1"/>
+                </a:solidFill>
+                <a:effectLst>
+                  <a:outerShdw blurRad="38100" dist="38100" dir="2700000" algn="tl">
+                    <a:srgbClr val="000000">
+                      <a:alpha val="43137"/>
+                    </a:srgbClr>
+                  </a:outerShdw>
+                </a:effectLst>
+                <a:latin typeface="+mj-lt"/>
+                <a:ea typeface="+mj-ea"/>
+                <a:cs typeface="+mj-cs"/>
+              </a:defRPr>
+            </a:lvl1pPr>
+          </a:lstStyle>
+          <a:p>
+            <a:r>
+              <a:rPr lang="ru-RU" smtClean="0"/>
+              <a:t>Образец заголовка</a:t>
+            </a:r>
+            <a:endParaRPr lang="en-US" dirty="0"/>
+          </a:p>
+        </p:txBody>
+      </p:sp>
+    </p:spTree>
+    <p:extLst>
+      <p:ext uri="{BB962C8B-B14F-4D97-AF65-F5344CB8AC3E}">
+        <p14:creationId xmlns:p14="http://schemas.microsoft.com/office/powerpoint/2010/main" val="1769407724"/>
+      </p:ext>
+    </p:extLst>
+  </p:cSld>
+  <p:clrMapOvr>
+    <a:masterClrMapping/>
+  </p:clrMapOvr>
+</p:sldLayout>
+</file>
+
+<file path=ppt/slideLayouts/slideLayout37.xml><?xml version="1.0" encoding="utf-8"?>
 <p:sldLayout xmlns:a="http://schemas.openxmlformats.org/drawingml/2006/main" xmlns:r="http://schemas.openxmlformats.org/officeDocument/2006/relationships" xmlns:p="http://schemas.openxmlformats.org/presentationml/2006/main" type="twoObj" preserve="1">
   <p:cSld name="Два объекта">
     <p:spTree>
@@ -7479,10 +8364,23 @@
           <a:lstStyle/>
           <a:p>
             <a:fld id="{F34D2577-27A9-48D8-B09C-5DF8AFE9C2EC}" type="datetimeFigureOut">
-              <a:rPr lang="ru-RU" smtClean="0"/>
-              <a:t>12.06.2012</a:t>
+              <a:rPr lang="ru-RU" smtClean="0">
+                <a:solidFill>
+                  <a:prstClr val="black">
+                    <a:alpha val="60000"/>
+                  </a:prstClr>
+                </a:solidFill>
+              </a:rPr>
+              <a:pPr/>
+              <a:t>17.06.2012</a:t>
             </a:fld>
-            <a:endParaRPr lang="ru-RU"/>
+            <a:endParaRPr lang="ru-RU">
+              <a:solidFill>
+                <a:prstClr val="black">
+                  <a:alpha val="60000"/>
+                </a:prstClr>
+              </a:solidFill>
+            </a:endParaRPr>
           </a:p>
         </p:txBody>
       </p:sp>
@@ -7502,10 +8400,23 @@
           <a:lstStyle/>
           <a:p>
             <a:fld id="{62FD049D-D713-4090-9976-7AFA76CAD437}" type="slidenum">
-              <a:rPr lang="ru-RU" smtClean="0"/>
+              <a:rPr lang="ru-RU" smtClean="0">
+                <a:solidFill>
+                  <a:prstClr val="black">
+                    <a:alpha val="60000"/>
+                  </a:prstClr>
+                </a:solidFill>
+              </a:rPr>
+              <a:pPr/>
               <a:t>‹#›</a:t>
             </a:fld>
-            <a:endParaRPr lang="ru-RU"/>
+            <a:endParaRPr lang="ru-RU">
+              <a:solidFill>
+                <a:prstClr val="black">
+                  <a:alpha val="60000"/>
+                </a:prstClr>
+              </a:solidFill>
+            </a:endParaRPr>
           </a:p>
         </p:txBody>
       </p:sp>
@@ -7524,7 +8435,13 @@
           <a:bodyPr/>
           <a:lstStyle/>
           <a:p>
-            <a:endParaRPr lang="ru-RU"/>
+            <a:endParaRPr lang="ru-RU">
+              <a:solidFill>
+                <a:prstClr val="black">
+                  <a:alpha val="60000"/>
+                </a:prstClr>
+              </a:solidFill>
+            </a:endParaRPr>
           </a:p>
         </p:txBody>
       </p:sp>
@@ -7666,6 +8583,11 @@
         </p:txBody>
       </p:sp>
     </p:spTree>
+    <p:extLst>
+      <p:ext uri="{BB962C8B-B14F-4D97-AF65-F5344CB8AC3E}">
+        <p14:creationId xmlns:p14="http://schemas.microsoft.com/office/powerpoint/2010/main" val="76513372"/>
+      </p:ext>
+    </p:extLst>
   </p:cSld>
   <p:clrMapOvr>
     <a:masterClrMapping/>
@@ -7673,7 +8595,7 @@
 </p:sldLayout>
 </file>
 
-<file path=ppt/slideLayouts/slideLayout5.xml><?xml version="1.0" encoding="utf-8"?>
+<file path=ppt/slideLayouts/slideLayout38.xml><?xml version="1.0" encoding="utf-8"?>
 <p:sldLayout xmlns:a="http://schemas.openxmlformats.org/drawingml/2006/main" xmlns:r="http://schemas.openxmlformats.org/officeDocument/2006/relationships" xmlns:p="http://schemas.openxmlformats.org/presentationml/2006/main" type="twoTxTwoObj" preserve="1">
   <p:cSld name="Сравнение">
     <p:spTree>
@@ -8018,6 +8940,9 @@
           <a:p>
             <a:r>
               <a:rPr lang="en-US" sz="6000" dirty="0" smtClean="0">
+                <a:solidFill>
+                  <a:prstClr val="black"/>
+                </a:solidFill>
                 <a:effectLst>
                   <a:outerShdw blurRad="38100" dist="38100" dir="2700000" algn="tl">
                     <a:srgbClr val="000000">
@@ -8025,11 +8950,13 @@
                     </a:srgbClr>
                   </a:outerShdw>
                 </a:effectLst>
-                <a:latin typeface="+mn-lt"/>
               </a:rPr>
               <a:t>{</a:t>
             </a:r>
             <a:endParaRPr lang="en-US" sz="6000" dirty="0">
+              <a:solidFill>
+                <a:prstClr val="black"/>
+              </a:solidFill>
               <a:effectLst>
                 <a:outerShdw blurRad="38100" dist="38100" dir="2700000" algn="tl">
                   <a:srgbClr val="000000">
@@ -8037,7 +8964,6 @@
                   </a:srgbClr>
                 </a:outerShdw>
               </a:effectLst>
-              <a:latin typeface="+mn-lt"/>
             </a:endParaRPr>
           </a:p>
         </p:txBody>
@@ -8066,6 +8992,9 @@
           <a:p>
             <a:r>
               <a:rPr lang="en-US" sz="6000" dirty="0" smtClean="0">
+                <a:solidFill>
+                  <a:prstClr val="black"/>
+                </a:solidFill>
                 <a:effectLst>
                   <a:outerShdw blurRad="38100" dist="38100" dir="2700000" algn="tl">
                     <a:srgbClr val="000000">
@@ -8073,11 +9002,13 @@
                     </a:srgbClr>
                   </a:outerShdw>
                 </a:effectLst>
-                <a:latin typeface="+mn-lt"/>
               </a:rPr>
               <a:t>{</a:t>
             </a:r>
             <a:endParaRPr lang="en-US" sz="6000" dirty="0">
+              <a:solidFill>
+                <a:prstClr val="black"/>
+              </a:solidFill>
               <a:effectLst>
                 <a:outerShdw blurRad="38100" dist="38100" dir="2700000" algn="tl">
                   <a:srgbClr val="000000">
@@ -8085,7 +9016,6 @@
                   </a:srgbClr>
                 </a:outerShdw>
               </a:effectLst>
-              <a:latin typeface="+mn-lt"/>
             </a:endParaRPr>
           </a:p>
         </p:txBody>
@@ -8129,10 +9059,23 @@
           <a:lstStyle/>
           <a:p>
             <a:fld id="{F34D2577-27A9-48D8-B09C-5DF8AFE9C2EC}" type="datetimeFigureOut">
-              <a:rPr lang="ru-RU" smtClean="0"/>
-              <a:t>12.06.2012</a:t>
+              <a:rPr lang="ru-RU" smtClean="0">
+                <a:solidFill>
+                  <a:prstClr val="black">
+                    <a:alpha val="60000"/>
+                  </a:prstClr>
+                </a:solidFill>
+              </a:rPr>
+              <a:pPr/>
+              <a:t>17.06.2012</a:t>
             </a:fld>
-            <a:endParaRPr lang="ru-RU"/>
+            <a:endParaRPr lang="ru-RU">
+              <a:solidFill>
+                <a:prstClr val="black">
+                  <a:alpha val="60000"/>
+                </a:prstClr>
+              </a:solidFill>
+            </a:endParaRPr>
           </a:p>
         </p:txBody>
       </p:sp>
@@ -8152,10 +9095,23 @@
           <a:lstStyle/>
           <a:p>
             <a:fld id="{62FD049D-D713-4090-9976-7AFA76CAD437}" type="slidenum">
-              <a:rPr lang="ru-RU" smtClean="0"/>
+              <a:rPr lang="ru-RU" smtClean="0">
+                <a:solidFill>
+                  <a:prstClr val="black">
+                    <a:alpha val="60000"/>
+                  </a:prstClr>
+                </a:solidFill>
+              </a:rPr>
+              <a:pPr/>
               <a:t>‹#›</a:t>
             </a:fld>
-            <a:endParaRPr lang="ru-RU"/>
+            <a:endParaRPr lang="ru-RU">
+              <a:solidFill>
+                <a:prstClr val="black">
+                  <a:alpha val="60000"/>
+                </a:prstClr>
+              </a:solidFill>
+            </a:endParaRPr>
           </a:p>
         </p:txBody>
       </p:sp>
@@ -8174,11 +9130,22 @@
           <a:bodyPr/>
           <a:lstStyle/>
           <a:p>
-            <a:endParaRPr lang="ru-RU"/>
+            <a:endParaRPr lang="ru-RU">
+              <a:solidFill>
+                <a:prstClr val="black">
+                  <a:alpha val="60000"/>
+                </a:prstClr>
+              </a:solidFill>
+            </a:endParaRPr>
           </a:p>
         </p:txBody>
       </p:sp>
     </p:spTree>
+    <p:extLst>
+      <p:ext uri="{BB962C8B-B14F-4D97-AF65-F5344CB8AC3E}">
+        <p14:creationId xmlns:p14="http://schemas.microsoft.com/office/powerpoint/2010/main" val="993193209"/>
+      </p:ext>
+    </p:extLst>
   </p:cSld>
   <p:clrMapOvr>
     <a:masterClrMapping/>
@@ -8186,7 +9153,7 @@
 </p:sldLayout>
 </file>
 
-<file path=ppt/slideLayouts/slideLayout6.xml><?xml version="1.0" encoding="utf-8"?>
+<file path=ppt/slideLayouts/slideLayout39.xml><?xml version="1.0" encoding="utf-8"?>
 <p:sldLayout xmlns:a="http://schemas.openxmlformats.org/drawingml/2006/main" xmlns:r="http://schemas.openxmlformats.org/officeDocument/2006/relationships" xmlns:p="http://schemas.openxmlformats.org/presentationml/2006/main" type="titleOnly" preserve="1">
   <p:cSld name="Только заголовок">
     <p:spTree>
@@ -8242,8 +9209,135 @@
           <a:lstStyle/>
           <a:p>
             <a:fld id="{F34D2577-27A9-48D8-B09C-5DF8AFE9C2EC}" type="datetimeFigureOut">
-              <a:rPr lang="ru-RU" smtClean="0"/>
-              <a:t>12.06.2012</a:t>
+              <a:rPr lang="ru-RU" smtClean="0">
+                <a:solidFill>
+                  <a:prstClr val="black">
+                    <a:alpha val="60000"/>
+                  </a:prstClr>
+                </a:solidFill>
+              </a:rPr>
+              <a:pPr/>
+              <a:t>17.06.2012</a:t>
+            </a:fld>
+            <a:endParaRPr lang="ru-RU">
+              <a:solidFill>
+                <a:prstClr val="black">
+                  <a:alpha val="60000"/>
+                </a:prstClr>
+              </a:solidFill>
+            </a:endParaRPr>
+          </a:p>
+        </p:txBody>
+      </p:sp>
+      <p:sp>
+        <p:nvSpPr>
+          <p:cNvPr id="8" name="Slide Number Placeholder 7"/>
+          <p:cNvSpPr>
+            <a:spLocks noGrp="1"/>
+          </p:cNvSpPr>
+          <p:nvPr>
+            <p:ph type="sldNum" sz="quarter" idx="11"/>
+          </p:nvPr>
+        </p:nvSpPr>
+        <p:spPr/>
+        <p:txBody>
+          <a:bodyPr/>
+          <a:lstStyle/>
+          <a:p>
+            <a:fld id="{62FD049D-D713-4090-9976-7AFA76CAD437}" type="slidenum">
+              <a:rPr lang="ru-RU" smtClean="0">
+                <a:solidFill>
+                  <a:prstClr val="black">
+                    <a:alpha val="60000"/>
+                  </a:prstClr>
+                </a:solidFill>
+              </a:rPr>
+              <a:pPr/>
+              <a:t>‹#›</a:t>
+            </a:fld>
+            <a:endParaRPr lang="ru-RU">
+              <a:solidFill>
+                <a:prstClr val="black">
+                  <a:alpha val="60000"/>
+                </a:prstClr>
+              </a:solidFill>
+            </a:endParaRPr>
+          </a:p>
+        </p:txBody>
+      </p:sp>
+      <p:sp>
+        <p:nvSpPr>
+          <p:cNvPr id="9" name="Footer Placeholder 8"/>
+          <p:cNvSpPr>
+            <a:spLocks noGrp="1"/>
+          </p:cNvSpPr>
+          <p:nvPr>
+            <p:ph type="ftr" sz="quarter" idx="12"/>
+          </p:nvPr>
+        </p:nvSpPr>
+        <p:spPr/>
+        <p:txBody>
+          <a:bodyPr/>
+          <a:lstStyle/>
+          <a:p>
+            <a:endParaRPr lang="ru-RU">
+              <a:solidFill>
+                <a:prstClr val="black">
+                  <a:alpha val="60000"/>
+                </a:prstClr>
+              </a:solidFill>
+            </a:endParaRPr>
+          </a:p>
+        </p:txBody>
+      </p:sp>
+    </p:spTree>
+    <p:extLst>
+      <p:ext uri="{BB962C8B-B14F-4D97-AF65-F5344CB8AC3E}">
+        <p14:creationId xmlns:p14="http://schemas.microsoft.com/office/powerpoint/2010/main" val="2289225818"/>
+      </p:ext>
+    </p:extLst>
+  </p:cSld>
+  <p:clrMapOvr>
+    <a:masterClrMapping/>
+  </p:clrMapOvr>
+</p:sldLayout>
+</file>
+
+<file path=ppt/slideLayouts/slideLayout4.xml><?xml version="1.0" encoding="utf-8"?>
+<p:sldLayout xmlns:a="http://schemas.openxmlformats.org/drawingml/2006/main" xmlns:r="http://schemas.openxmlformats.org/officeDocument/2006/relationships" xmlns:p="http://schemas.openxmlformats.org/presentationml/2006/main" type="twoObj" preserve="1">
+  <p:cSld name="Два объекта">
+    <p:spTree>
+      <p:nvGrpSpPr>
+        <p:cNvPr id="1" name=""/>
+        <p:cNvGrpSpPr/>
+        <p:nvPr/>
+      </p:nvGrpSpPr>
+      <p:grpSpPr>
+        <a:xfrm>
+          <a:off x="0" y="0"/>
+          <a:ext cx="0" cy="0"/>
+          <a:chOff x="0" y="0"/>
+          <a:chExt cx="0" cy="0"/>
+        </a:xfrm>
+      </p:grpSpPr>
+      <p:sp>
+        <p:nvSpPr>
+          <p:cNvPr id="8" name="Date Placeholder 7"/>
+          <p:cNvSpPr>
+            <a:spLocks noGrp="1"/>
+          </p:cNvSpPr>
+          <p:nvPr>
+            <p:ph type="dt" sz="half" idx="10"/>
+          </p:nvPr>
+        </p:nvSpPr>
+        <p:spPr/>
+        <p:txBody>
+          <a:bodyPr/>
+          <a:lstStyle/>
+          <a:p>
+            <a:fld id="{F34D2577-27A9-48D8-B09C-5DF8AFE9C2EC}" type="datetimeFigureOut">
+              <a:rPr lang="ru-RU" smtClean="0"/>
+              <a:t>17.06.2012</a:t>
             </a:fld>
             <a:endParaRPr lang="ru-RU"/>
           </a:p>
@@ -8251,7 +9345,7 @@
       </p:sp>
       <p:sp>
         <p:nvSpPr>
-          <p:cNvPr id="8" name="Slide Number Placeholder 7"/>
+          <p:cNvPr id="9" name="Slide Number Placeholder 8"/>
           <p:cNvSpPr>
             <a:spLocks noGrp="1"/>
           </p:cNvSpPr>
@@ -8274,7 +9368,7 @@
       </p:sp>
       <p:sp>
         <p:nvSpPr>
-          <p:cNvPr id="9" name="Footer Placeholder 8"/>
+          <p:cNvPr id="10" name="Footer Placeholder 9"/>
           <p:cNvSpPr>
             <a:spLocks noGrp="1"/>
           </p:cNvSpPr>
@@ -8288,6 +9382,143 @@
           <a:lstStyle/>
           <a:p>
             <a:endParaRPr lang="ru-RU"/>
+          </a:p>
+        </p:txBody>
+      </p:sp>
+      <p:sp>
+        <p:nvSpPr>
+          <p:cNvPr id="11" name="Title 10"/>
+          <p:cNvSpPr>
+            <a:spLocks noGrp="1"/>
+          </p:cNvSpPr>
+          <p:nvPr>
+            <p:ph type="title"/>
+          </p:nvPr>
+        </p:nvSpPr>
+        <p:spPr/>
+        <p:txBody>
+          <a:bodyPr/>
+          <a:lstStyle/>
+          <a:p>
+            <a:r>
+              <a:rPr lang="ru-RU" smtClean="0"/>
+              <a:t>Образец заголовка</a:t>
+            </a:r>
+            <a:endParaRPr lang="en-US" dirty="0"/>
+          </a:p>
+        </p:txBody>
+      </p:sp>
+      <p:sp>
+        <p:nvSpPr>
+          <p:cNvPr id="5" name="Content Placeholder 4"/>
+          <p:cNvSpPr>
+            <a:spLocks noGrp="1"/>
+          </p:cNvSpPr>
+          <p:nvPr>
+            <p:ph sz="quarter" idx="13"/>
+          </p:nvPr>
+        </p:nvSpPr>
+        <p:spPr>
+          <a:xfrm>
+            <a:off x="1344168" y="658368"/>
+            <a:ext cx="3273552" cy="3429000"/>
+          </a:xfrm>
+        </p:spPr>
+        <p:txBody>
+          <a:bodyPr/>
+          <a:lstStyle/>
+          <a:p>
+            <a:pPr lvl="0"/>
+            <a:r>
+              <a:rPr lang="ru-RU" smtClean="0"/>
+              <a:t>Образец текста</a:t>
+            </a:r>
+          </a:p>
+          <a:p>
+            <a:pPr lvl="1"/>
+            <a:r>
+              <a:rPr lang="ru-RU" smtClean="0"/>
+              <a:t>Второй уровень</a:t>
+            </a:r>
+          </a:p>
+          <a:p>
+            <a:pPr lvl="2"/>
+            <a:r>
+              <a:rPr lang="ru-RU" smtClean="0"/>
+              <a:t>Третий уровень</a:t>
+            </a:r>
+          </a:p>
+          <a:p>
+            <a:pPr lvl="3"/>
+            <a:r>
+              <a:rPr lang="ru-RU" smtClean="0"/>
+              <a:t>Четвертый уровень</a:t>
+            </a:r>
+          </a:p>
+          <a:p>
+            <a:pPr lvl="4"/>
+            <a:r>
+              <a:rPr lang="ru-RU" smtClean="0"/>
+              <a:t>Пятый уровень</a:t>
+            </a:r>
+            <a:endParaRPr lang="en-US" dirty="0"/>
+          </a:p>
+        </p:txBody>
+      </p:sp>
+      <p:sp>
+        <p:nvSpPr>
+          <p:cNvPr id="7" name="Content Placeholder 6"/>
+          <p:cNvSpPr>
+            <a:spLocks noGrp="1"/>
+          </p:cNvSpPr>
+          <p:nvPr>
+            <p:ph sz="quarter" idx="14"/>
+          </p:nvPr>
+        </p:nvSpPr>
+        <p:spPr>
+          <a:xfrm>
+            <a:off x="5029200" y="658368"/>
+            <a:ext cx="3273552" cy="3432175"/>
+          </a:xfrm>
+        </p:spPr>
+        <p:txBody>
+          <a:bodyPr/>
+          <a:lstStyle/>
+          <a:p>
+            <a:pPr lvl="0"/>
+            <a:r>
+              <a:rPr lang="ru-RU" smtClean="0"/>
+              <a:t>Образец текста</a:t>
+            </a:r>
+          </a:p>
+          <a:p>
+            <a:pPr lvl="1"/>
+            <a:r>
+              <a:rPr lang="ru-RU" smtClean="0"/>
+              <a:t>Второй уровень</a:t>
+            </a:r>
+          </a:p>
+          <a:p>
+            <a:pPr lvl="2"/>
+            <a:r>
+              <a:rPr lang="ru-RU" smtClean="0"/>
+              <a:t>Третий уровень</a:t>
+            </a:r>
+          </a:p>
+          <a:p>
+            <a:pPr lvl="3"/>
+            <a:r>
+              <a:rPr lang="ru-RU" smtClean="0"/>
+              <a:t>Четвертый уровень</a:t>
+            </a:r>
+          </a:p>
+          <a:p>
+            <a:pPr lvl="4"/>
+            <a:r>
+              <a:rPr lang="ru-RU" smtClean="0"/>
+              <a:t>Пятый уровень</a:t>
+            </a:r>
+            <a:endParaRPr lang="en-US"/>
           </a:p>
         </p:txBody>
       </p:sp>
@@ -8299,7 +9530,7 @@
 </p:sldLayout>
 </file>
 
-<file path=ppt/slideLayouts/slideLayout7.xml><?xml version="1.0" encoding="utf-8"?>
+<file path=ppt/slideLayouts/slideLayout40.xml><?xml version="1.0" encoding="utf-8"?>
 <p:sldLayout xmlns:a="http://schemas.openxmlformats.org/drawingml/2006/main" xmlns:r="http://schemas.openxmlformats.org/officeDocument/2006/relationships" xmlns:p="http://schemas.openxmlformats.org/presentationml/2006/main" type="blank" preserve="1">
   <p:cSld name="Пустой слайд">
     <p:spTree>
@@ -8332,10 +9563,23 @@
           <a:lstStyle/>
           <a:p>
             <a:fld id="{F34D2577-27A9-48D8-B09C-5DF8AFE9C2EC}" type="datetimeFigureOut">
-              <a:rPr lang="ru-RU" smtClean="0"/>
-              <a:t>12.06.2012</a:t>
+              <a:rPr lang="ru-RU" smtClean="0">
+                <a:solidFill>
+                  <a:prstClr val="black">
+                    <a:alpha val="60000"/>
+                  </a:prstClr>
+                </a:solidFill>
+              </a:rPr>
+              <a:pPr/>
+              <a:t>17.06.2012</a:t>
             </a:fld>
-            <a:endParaRPr lang="ru-RU"/>
+            <a:endParaRPr lang="ru-RU">
+              <a:solidFill>
+                <a:prstClr val="black">
+                  <a:alpha val="60000"/>
+                </a:prstClr>
+              </a:solidFill>
+            </a:endParaRPr>
           </a:p>
         </p:txBody>
       </p:sp>
@@ -8355,10 +9599,23 @@
           <a:lstStyle/>
           <a:p>
             <a:fld id="{62FD049D-D713-4090-9976-7AFA76CAD437}" type="slidenum">
-              <a:rPr lang="ru-RU" smtClean="0"/>
+              <a:rPr lang="ru-RU" smtClean="0">
+                <a:solidFill>
+                  <a:prstClr val="black">
+                    <a:alpha val="60000"/>
+                  </a:prstClr>
+                </a:solidFill>
+              </a:rPr>
+              <a:pPr/>
               <a:t>‹#›</a:t>
             </a:fld>
-            <a:endParaRPr lang="ru-RU"/>
+            <a:endParaRPr lang="ru-RU">
+              <a:solidFill>
+                <a:prstClr val="black">
+                  <a:alpha val="60000"/>
+                </a:prstClr>
+              </a:solidFill>
+            </a:endParaRPr>
           </a:p>
         </p:txBody>
       </p:sp>
@@ -8377,11 +9634,22 @@
           <a:bodyPr/>
           <a:lstStyle/>
           <a:p>
-            <a:endParaRPr lang="ru-RU"/>
+            <a:endParaRPr lang="ru-RU">
+              <a:solidFill>
+                <a:prstClr val="black">
+                  <a:alpha val="60000"/>
+                </a:prstClr>
+              </a:solidFill>
+            </a:endParaRPr>
           </a:p>
         </p:txBody>
       </p:sp>
     </p:spTree>
+    <p:extLst>
+      <p:ext uri="{BB962C8B-B14F-4D97-AF65-F5344CB8AC3E}">
+        <p14:creationId xmlns:p14="http://schemas.microsoft.com/office/powerpoint/2010/main" val="464445082"/>
+      </p:ext>
+    </p:extLst>
   </p:cSld>
   <p:clrMapOvr>
     <a:masterClrMapping/>
@@ -8389,7 +9657,7 @@
 </p:sldLayout>
 </file>
 
-<file path=ppt/slideLayouts/slideLayout8.xml><?xml version="1.0" encoding="utf-8"?>
+<file path=ppt/slideLayouts/slideLayout41.xml><?xml version="1.0" encoding="utf-8"?>
 <p:sldLayout xmlns:a="http://schemas.openxmlformats.org/drawingml/2006/main" xmlns:r="http://schemas.openxmlformats.org/officeDocument/2006/relationships" xmlns:p="http://schemas.openxmlformats.org/presentationml/2006/main" type="objTx" preserve="1">
   <p:cSld name="Объект с подписью">
     <p:spTree>
@@ -8430,6 +9698,9 @@
           <a:p>
             <a:r>
               <a:rPr lang="en-US" sz="8000" dirty="0" smtClean="0">
+                <a:solidFill>
+                  <a:prstClr val="black"/>
+                </a:solidFill>
                 <a:effectLst>
                   <a:outerShdw blurRad="38100" dist="38100" dir="2700000" algn="tl">
                     <a:srgbClr val="000000">
@@ -8437,11 +9708,13 @@
                     </a:srgbClr>
                   </a:outerShdw>
                 </a:effectLst>
-                <a:latin typeface="+mn-lt"/>
               </a:rPr>
               <a:t>{</a:t>
             </a:r>
             <a:endParaRPr lang="en-US" sz="8000" dirty="0">
+              <a:solidFill>
+                <a:prstClr val="black"/>
+              </a:solidFill>
               <a:effectLst>
                 <a:outerShdw blurRad="38100" dist="38100" dir="2700000" algn="tl">
                   <a:srgbClr val="000000">
@@ -8449,7 +9722,6 @@
                   </a:srgbClr>
                 </a:outerShdw>
               </a:effectLst>
-              <a:latin typeface="+mn-lt"/>
             </a:endParaRPr>
           </a:p>
         </p:txBody>
@@ -8622,8 +9894,1834 @@
           <a:lstStyle/>
           <a:p>
             <a:fld id="{F34D2577-27A9-48D8-B09C-5DF8AFE9C2EC}" type="datetimeFigureOut">
-              <a:rPr lang="ru-RU" smtClean="0"/>
-              <a:t>12.06.2012</a:t>
+              <a:rPr lang="ru-RU" smtClean="0">
+                <a:solidFill>
+                  <a:prstClr val="black">
+                    <a:alpha val="60000"/>
+                  </a:prstClr>
+                </a:solidFill>
+              </a:rPr>
+              <a:pPr/>
+              <a:t>17.06.2012</a:t>
+            </a:fld>
+            <a:endParaRPr lang="ru-RU">
+              <a:solidFill>
+                <a:prstClr val="black">
+                  <a:alpha val="60000"/>
+                </a:prstClr>
+              </a:solidFill>
+            </a:endParaRPr>
+          </a:p>
+        </p:txBody>
+      </p:sp>
+      <p:sp>
+        <p:nvSpPr>
+          <p:cNvPr id="16" name="Slide Number Placeholder 15"/>
+          <p:cNvSpPr>
+            <a:spLocks noGrp="1"/>
+          </p:cNvSpPr>
+          <p:nvPr>
+            <p:ph type="sldNum" sz="quarter" idx="11"/>
+          </p:nvPr>
+        </p:nvSpPr>
+        <p:spPr/>
+        <p:txBody>
+          <a:bodyPr/>
+          <a:lstStyle/>
+          <a:p>
+            <a:fld id="{62FD049D-D713-4090-9976-7AFA76CAD437}" type="slidenum">
+              <a:rPr lang="ru-RU" smtClean="0">
+                <a:solidFill>
+                  <a:prstClr val="black">
+                    <a:alpha val="60000"/>
+                  </a:prstClr>
+                </a:solidFill>
+              </a:rPr>
+              <a:pPr/>
+              <a:t>‹#›</a:t>
+            </a:fld>
+            <a:endParaRPr lang="ru-RU">
+              <a:solidFill>
+                <a:prstClr val="black">
+                  <a:alpha val="60000"/>
+                </a:prstClr>
+              </a:solidFill>
+            </a:endParaRPr>
+          </a:p>
+        </p:txBody>
+      </p:sp>
+      <p:sp>
+        <p:nvSpPr>
+          <p:cNvPr id="17" name="Footer Placeholder 16"/>
+          <p:cNvSpPr>
+            <a:spLocks noGrp="1"/>
+          </p:cNvSpPr>
+          <p:nvPr>
+            <p:ph type="ftr" sz="quarter" idx="12"/>
+          </p:nvPr>
+        </p:nvSpPr>
+        <p:spPr/>
+        <p:txBody>
+          <a:bodyPr/>
+          <a:lstStyle/>
+          <a:p>
+            <a:endParaRPr lang="ru-RU">
+              <a:solidFill>
+                <a:prstClr val="black">
+                  <a:alpha val="60000"/>
+                </a:prstClr>
+              </a:solidFill>
+            </a:endParaRPr>
+          </a:p>
+        </p:txBody>
+      </p:sp>
+      <p:sp>
+        <p:nvSpPr>
+          <p:cNvPr id="18" name="Title 17"/>
+          <p:cNvSpPr>
+            <a:spLocks noGrp="1"/>
+          </p:cNvSpPr>
+          <p:nvPr>
+            <p:ph type="title"/>
+          </p:nvPr>
+        </p:nvSpPr>
+        <p:spPr/>
+        <p:txBody>
+          <a:bodyPr/>
+          <a:lstStyle/>
+          <a:p>
+            <a:r>
+              <a:rPr lang="ru-RU" smtClean="0"/>
+              <a:t>Образец заголовка</a:t>
+            </a:r>
+            <a:endParaRPr lang="en-US" dirty="0"/>
+          </a:p>
+        </p:txBody>
+      </p:sp>
+    </p:spTree>
+    <p:extLst>
+      <p:ext uri="{BB962C8B-B14F-4D97-AF65-F5344CB8AC3E}">
+        <p14:creationId xmlns:p14="http://schemas.microsoft.com/office/powerpoint/2010/main" val="4272917705"/>
+      </p:ext>
+    </p:extLst>
+  </p:cSld>
+  <p:clrMapOvr>
+    <a:masterClrMapping/>
+  </p:clrMapOvr>
+</p:sldLayout>
+</file>
+
+<file path=ppt/slideLayouts/slideLayout42.xml><?xml version="1.0" encoding="utf-8"?>
+<p:sldLayout xmlns:a="http://schemas.openxmlformats.org/drawingml/2006/main" xmlns:r="http://schemas.openxmlformats.org/officeDocument/2006/relationships" xmlns:p="http://schemas.openxmlformats.org/presentationml/2006/main" type="picTx" preserve="1">
+  <p:cSld name="Рисунок с подписью">
+    <p:spTree>
+      <p:nvGrpSpPr>
+        <p:cNvPr id="1" name=""/>
+        <p:cNvGrpSpPr/>
+        <p:nvPr/>
+      </p:nvGrpSpPr>
+      <p:grpSpPr>
+        <a:xfrm>
+          <a:off x="0" y="0"/>
+          <a:ext cx="0" cy="0"/>
+          <a:chOff x="0" y="0"/>
+          <a:chExt cx="0" cy="0"/>
+        </a:xfrm>
+      </p:grpSpPr>
+      <p:sp>
+        <p:nvSpPr>
+          <p:cNvPr id="3" name="Picture Placeholder 2"/>
+          <p:cNvSpPr>
+            <a:spLocks noGrp="1"/>
+          </p:cNvSpPr>
+          <p:nvPr>
+            <p:ph type="pic" idx="1"/>
+          </p:nvPr>
+        </p:nvSpPr>
+        <p:spPr>
+          <a:xfrm>
+            <a:off x="1219200" y="612775"/>
+            <a:ext cx="6705600" cy="2546985"/>
+          </a:xfrm>
+          <a:effectLst>
+            <a:outerShdw blurRad="152400" dist="317500" dir="5400000" sx="90000" sy="-19000" rotWithShape="0">
+              <a:prstClr val="black">
+                <a:alpha val="15000"/>
+              </a:prstClr>
+            </a:outerShdw>
+          </a:effectLst>
+        </p:spPr>
+        <p:txBody>
+          <a:bodyPr/>
+          <a:lstStyle>
+            <a:lvl1pPr marL="0" indent="0">
+              <a:buNone/>
+              <a:defRPr sz="3200"/>
+            </a:lvl1pPr>
+            <a:lvl2pPr marL="457200" indent="0">
+              <a:buNone/>
+              <a:defRPr sz="2800"/>
+            </a:lvl2pPr>
+            <a:lvl3pPr marL="914400" indent="0">
+              <a:buNone/>
+              <a:defRPr sz="2400"/>
+            </a:lvl3pPr>
+            <a:lvl4pPr marL="1371600" indent="0">
+              <a:buNone/>
+              <a:defRPr sz="2000"/>
+            </a:lvl4pPr>
+            <a:lvl5pPr marL="1828800" indent="0">
+              <a:buNone/>
+              <a:defRPr sz="2000"/>
+            </a:lvl5pPr>
+            <a:lvl6pPr marL="2286000" indent="0">
+              <a:buNone/>
+              <a:defRPr sz="2000"/>
+            </a:lvl6pPr>
+            <a:lvl7pPr marL="2743200" indent="0">
+              <a:buNone/>
+              <a:defRPr sz="2000"/>
+            </a:lvl7pPr>
+            <a:lvl8pPr marL="3200400" indent="0">
+              <a:buNone/>
+              <a:defRPr sz="2000"/>
+            </a:lvl8pPr>
+            <a:lvl9pPr marL="3657600" indent="0">
+              <a:buNone/>
+              <a:defRPr sz="2000"/>
+            </a:lvl9pPr>
+          </a:lstStyle>
+          <a:p>
+            <a:r>
+              <a:rPr lang="ru-RU" smtClean="0"/>
+              <a:t>Вставка рисунка</a:t>
+            </a:r>
+            <a:endParaRPr lang="en-US"/>
+          </a:p>
+        </p:txBody>
+      </p:sp>
+      <p:sp>
+        <p:nvSpPr>
+          <p:cNvPr id="4" name="Text Placeholder 3"/>
+          <p:cNvSpPr>
+            <a:spLocks noGrp="1"/>
+          </p:cNvSpPr>
+          <p:nvPr>
+            <p:ph type="body" sz="half" idx="2"/>
+          </p:nvPr>
+        </p:nvSpPr>
+        <p:spPr>
+          <a:xfrm>
+            <a:off x="2743200" y="3453047"/>
+            <a:ext cx="5029200" cy="720804"/>
+          </a:xfrm>
+        </p:spPr>
+        <p:txBody>
+          <a:bodyPr anchor="ctr">
+            <a:normAutofit/>
+          </a:bodyPr>
+          <a:lstStyle>
+            <a:lvl1pPr marL="0" indent="0">
+              <a:buNone/>
+              <a:defRPr sz="1600"/>
+            </a:lvl1pPr>
+            <a:lvl2pPr marL="457200" indent="0">
+              <a:buNone/>
+              <a:defRPr sz="1200"/>
+            </a:lvl2pPr>
+            <a:lvl3pPr marL="914400" indent="0">
+              <a:buNone/>
+              <a:defRPr sz="1000"/>
+            </a:lvl3pPr>
+            <a:lvl4pPr marL="1371600" indent="0">
+              <a:buNone/>
+              <a:defRPr sz="900"/>
+            </a:lvl4pPr>
+            <a:lvl5pPr marL="1828800" indent="0">
+              <a:buNone/>
+              <a:defRPr sz="900"/>
+            </a:lvl5pPr>
+            <a:lvl6pPr marL="2286000" indent="0">
+              <a:buNone/>
+              <a:defRPr sz="900"/>
+            </a:lvl6pPr>
+            <a:lvl7pPr marL="2743200" indent="0">
+              <a:buNone/>
+              <a:defRPr sz="900"/>
+            </a:lvl7pPr>
+            <a:lvl8pPr marL="3200400" indent="0">
+              <a:buNone/>
+              <a:defRPr sz="900"/>
+            </a:lvl8pPr>
+            <a:lvl9pPr marL="3657600" indent="0">
+              <a:buNone/>
+              <a:defRPr sz="900"/>
+            </a:lvl9pPr>
+          </a:lstStyle>
+          <a:p>
+            <a:pPr lvl="0"/>
+            <a:r>
+              <a:rPr lang="ru-RU" smtClean="0"/>
+              <a:t>Образец текста</a:t>
+            </a:r>
+          </a:p>
+        </p:txBody>
+      </p:sp>
+      <p:sp>
+        <p:nvSpPr>
+          <p:cNvPr id="9" name="TextBox 8"/>
+          <p:cNvSpPr txBox="1"/>
+          <p:nvPr/>
+        </p:nvSpPr>
+        <p:spPr>
+          <a:xfrm>
+            <a:off x="2435352" y="3331464"/>
+            <a:ext cx="457200" cy="923330"/>
+          </a:xfrm>
+          <a:prstGeom prst="rect">
+            <a:avLst/>
+          </a:prstGeom>
+          <a:noFill/>
+        </p:spPr>
+        <p:txBody>
+          <a:bodyPr wrap="square" lIns="0" tIns="0" rIns="0" bIns="0" rtlCol="0" anchor="t" anchorCtr="0">
+            <a:spAutoFit/>
+          </a:bodyPr>
+          <a:lstStyle/>
+          <a:p>
+            <a:r>
+              <a:rPr lang="en-US" sz="6000" dirty="0" smtClean="0">
+                <a:solidFill>
+                  <a:prstClr val="black"/>
+                </a:solidFill>
+                <a:effectLst>
+                  <a:outerShdw blurRad="38100" dist="38100" dir="2700000" algn="tl">
+                    <a:srgbClr val="000000">
+                      <a:alpha val="43137"/>
+                    </a:srgbClr>
+                  </a:outerShdw>
+                </a:effectLst>
+              </a:rPr>
+              <a:t>{</a:t>
+            </a:r>
+            <a:endParaRPr lang="en-US" sz="6000" dirty="0">
+              <a:solidFill>
+                <a:prstClr val="black"/>
+              </a:solidFill>
+              <a:effectLst>
+                <a:outerShdw blurRad="38100" dist="38100" dir="2700000" algn="tl">
+                  <a:srgbClr val="000000">
+                    <a:alpha val="43137"/>
+                  </a:srgbClr>
+                </a:outerShdw>
+              </a:effectLst>
+            </a:endParaRPr>
+          </a:p>
+        </p:txBody>
+      </p:sp>
+      <p:sp>
+        <p:nvSpPr>
+          <p:cNvPr id="11" name="Title 10"/>
+          <p:cNvSpPr>
+            <a:spLocks noGrp="1"/>
+          </p:cNvSpPr>
+          <p:nvPr>
+            <p:ph type="title"/>
+          </p:nvPr>
+        </p:nvSpPr>
+        <p:spPr/>
+        <p:txBody>
+          <a:bodyPr/>
+          <a:lstStyle/>
+          <a:p>
+            <a:r>
+              <a:rPr lang="ru-RU" smtClean="0"/>
+              <a:t>Образец заголовка</a:t>
+            </a:r>
+            <a:endParaRPr lang="en-US"/>
+          </a:p>
+        </p:txBody>
+      </p:sp>
+      <p:sp>
+        <p:nvSpPr>
+          <p:cNvPr id="13" name="Date Placeholder 12"/>
+          <p:cNvSpPr>
+            <a:spLocks noGrp="1"/>
+          </p:cNvSpPr>
+          <p:nvPr>
+            <p:ph type="dt" sz="half" idx="10"/>
+          </p:nvPr>
+        </p:nvSpPr>
+        <p:spPr/>
+        <p:txBody>
+          <a:bodyPr/>
+          <a:lstStyle/>
+          <a:p>
+            <a:fld id="{F34D2577-27A9-48D8-B09C-5DF8AFE9C2EC}" type="datetimeFigureOut">
+              <a:rPr lang="ru-RU" smtClean="0">
+                <a:solidFill>
+                  <a:prstClr val="black">
+                    <a:alpha val="60000"/>
+                  </a:prstClr>
+                </a:solidFill>
+              </a:rPr>
+              <a:pPr/>
+              <a:t>17.06.2012</a:t>
+            </a:fld>
+            <a:endParaRPr lang="ru-RU">
+              <a:solidFill>
+                <a:prstClr val="black">
+                  <a:alpha val="60000"/>
+                </a:prstClr>
+              </a:solidFill>
+            </a:endParaRPr>
+          </a:p>
+        </p:txBody>
+      </p:sp>
+      <p:sp>
+        <p:nvSpPr>
+          <p:cNvPr id="14" name="Slide Number Placeholder 13"/>
+          <p:cNvSpPr>
+            <a:spLocks noGrp="1"/>
+          </p:cNvSpPr>
+          <p:nvPr>
+            <p:ph type="sldNum" sz="quarter" idx="11"/>
+          </p:nvPr>
+        </p:nvSpPr>
+        <p:spPr/>
+        <p:txBody>
+          <a:bodyPr/>
+          <a:lstStyle/>
+          <a:p>
+            <a:fld id="{62FD049D-D713-4090-9976-7AFA76CAD437}" type="slidenum">
+              <a:rPr lang="ru-RU" smtClean="0">
+                <a:solidFill>
+                  <a:prstClr val="black">
+                    <a:alpha val="60000"/>
+                  </a:prstClr>
+                </a:solidFill>
+              </a:rPr>
+              <a:pPr/>
+              <a:t>‹#›</a:t>
+            </a:fld>
+            <a:endParaRPr lang="ru-RU">
+              <a:solidFill>
+                <a:prstClr val="black">
+                  <a:alpha val="60000"/>
+                </a:prstClr>
+              </a:solidFill>
+            </a:endParaRPr>
+          </a:p>
+        </p:txBody>
+      </p:sp>
+      <p:sp>
+        <p:nvSpPr>
+          <p:cNvPr id="15" name="Footer Placeholder 14"/>
+          <p:cNvSpPr>
+            <a:spLocks noGrp="1"/>
+          </p:cNvSpPr>
+          <p:nvPr>
+            <p:ph type="ftr" sz="quarter" idx="12"/>
+          </p:nvPr>
+        </p:nvSpPr>
+        <p:spPr/>
+        <p:txBody>
+          <a:bodyPr/>
+          <a:lstStyle/>
+          <a:p>
+            <a:endParaRPr lang="ru-RU">
+              <a:solidFill>
+                <a:prstClr val="black">
+                  <a:alpha val="60000"/>
+                </a:prstClr>
+              </a:solidFill>
+            </a:endParaRPr>
+          </a:p>
+        </p:txBody>
+      </p:sp>
+    </p:spTree>
+    <p:extLst>
+      <p:ext uri="{BB962C8B-B14F-4D97-AF65-F5344CB8AC3E}">
+        <p14:creationId xmlns:p14="http://schemas.microsoft.com/office/powerpoint/2010/main" val="3793243799"/>
+      </p:ext>
+    </p:extLst>
+  </p:cSld>
+  <p:clrMapOvr>
+    <a:masterClrMapping/>
+  </p:clrMapOvr>
+</p:sldLayout>
+</file>
+
+<file path=ppt/slideLayouts/slideLayout43.xml><?xml version="1.0" encoding="utf-8"?>
+<p:sldLayout xmlns:a="http://schemas.openxmlformats.org/drawingml/2006/main" xmlns:r="http://schemas.openxmlformats.org/officeDocument/2006/relationships" xmlns:p="http://schemas.openxmlformats.org/presentationml/2006/main" type="vertTx" preserve="1">
+  <p:cSld name="Заголовок и вертикальный текст">
+    <p:spTree>
+      <p:nvGrpSpPr>
+        <p:cNvPr id="1" name=""/>
+        <p:cNvGrpSpPr/>
+        <p:nvPr/>
+      </p:nvGrpSpPr>
+      <p:grpSpPr>
+        <a:xfrm>
+          <a:off x="0" y="0"/>
+          <a:ext cx="0" cy="0"/>
+          <a:chOff x="0" y="0"/>
+          <a:chExt cx="0" cy="0"/>
+        </a:xfrm>
+      </p:grpSpPr>
+      <p:sp>
+        <p:nvSpPr>
+          <p:cNvPr id="2" name="Title 1"/>
+          <p:cNvSpPr>
+            <a:spLocks noGrp="1"/>
+          </p:cNvSpPr>
+          <p:nvPr>
+            <p:ph type="title"/>
+          </p:nvPr>
+        </p:nvSpPr>
+        <p:spPr/>
+        <p:txBody>
+          <a:bodyPr/>
+          <a:lstStyle/>
+          <a:p>
+            <a:r>
+              <a:rPr lang="ru-RU" smtClean="0"/>
+              <a:t>Образец заголовка</a:t>
+            </a:r>
+            <a:endParaRPr lang="en-US" dirty="0"/>
+          </a:p>
+        </p:txBody>
+      </p:sp>
+      <p:sp>
+        <p:nvSpPr>
+          <p:cNvPr id="3" name="Vertical Text Placeholder 2"/>
+          <p:cNvSpPr>
+            <a:spLocks noGrp="1"/>
+          </p:cNvSpPr>
+          <p:nvPr>
+            <p:ph type="body" orient="vert" idx="1"/>
+          </p:nvPr>
+        </p:nvSpPr>
+        <p:spPr>
+          <a:xfrm>
+            <a:off x="2133600" y="685801"/>
+            <a:ext cx="5791200" cy="3505199"/>
+          </a:xfrm>
+        </p:spPr>
+        <p:txBody>
+          <a:bodyPr vert="eaVert" anchor="t"/>
+          <a:lstStyle/>
+          <a:p>
+            <a:pPr lvl="0"/>
+            <a:r>
+              <a:rPr lang="ru-RU" smtClean="0"/>
+              <a:t>Образец текста</a:t>
+            </a:r>
+          </a:p>
+          <a:p>
+            <a:pPr lvl="1"/>
+            <a:r>
+              <a:rPr lang="ru-RU" smtClean="0"/>
+              <a:t>Второй уровень</a:t>
+            </a:r>
+          </a:p>
+          <a:p>
+            <a:pPr lvl="2"/>
+            <a:r>
+              <a:rPr lang="ru-RU" smtClean="0"/>
+              <a:t>Третий уровень</a:t>
+            </a:r>
+          </a:p>
+          <a:p>
+            <a:pPr lvl="3"/>
+            <a:r>
+              <a:rPr lang="ru-RU" smtClean="0"/>
+              <a:t>Четвертый уровень</a:t>
+            </a:r>
+          </a:p>
+          <a:p>
+            <a:pPr lvl="4"/>
+            <a:r>
+              <a:rPr lang="ru-RU" smtClean="0"/>
+              <a:t>Пятый уровень</a:t>
+            </a:r>
+            <a:endParaRPr lang="en-US"/>
+          </a:p>
+        </p:txBody>
+      </p:sp>
+      <p:sp>
+        <p:nvSpPr>
+          <p:cNvPr id="4" name="Date Placeholder 3"/>
+          <p:cNvSpPr>
+            <a:spLocks noGrp="1"/>
+          </p:cNvSpPr>
+          <p:nvPr>
+            <p:ph type="dt" sz="half" idx="10"/>
+          </p:nvPr>
+        </p:nvSpPr>
+        <p:spPr/>
+        <p:txBody>
+          <a:bodyPr/>
+          <a:lstStyle/>
+          <a:p>
+            <a:fld id="{F34D2577-27A9-48D8-B09C-5DF8AFE9C2EC}" type="datetimeFigureOut">
+              <a:rPr lang="ru-RU" smtClean="0">
+                <a:solidFill>
+                  <a:prstClr val="black">
+                    <a:alpha val="60000"/>
+                  </a:prstClr>
+                </a:solidFill>
+              </a:rPr>
+              <a:pPr/>
+              <a:t>17.06.2012</a:t>
+            </a:fld>
+            <a:endParaRPr lang="ru-RU">
+              <a:solidFill>
+                <a:prstClr val="black">
+                  <a:alpha val="60000"/>
+                </a:prstClr>
+              </a:solidFill>
+            </a:endParaRPr>
+          </a:p>
+        </p:txBody>
+      </p:sp>
+      <p:sp>
+        <p:nvSpPr>
+          <p:cNvPr id="5" name="Footer Placeholder 4"/>
+          <p:cNvSpPr>
+            <a:spLocks noGrp="1"/>
+          </p:cNvSpPr>
+          <p:nvPr>
+            <p:ph type="ftr" sz="quarter" idx="11"/>
+          </p:nvPr>
+        </p:nvSpPr>
+        <p:spPr/>
+        <p:txBody>
+          <a:bodyPr/>
+          <a:lstStyle/>
+          <a:p>
+            <a:endParaRPr lang="ru-RU">
+              <a:solidFill>
+                <a:prstClr val="black">
+                  <a:alpha val="60000"/>
+                </a:prstClr>
+              </a:solidFill>
+            </a:endParaRPr>
+          </a:p>
+        </p:txBody>
+      </p:sp>
+      <p:sp>
+        <p:nvSpPr>
+          <p:cNvPr id="6" name="Slide Number Placeholder 5"/>
+          <p:cNvSpPr>
+            <a:spLocks noGrp="1"/>
+          </p:cNvSpPr>
+          <p:nvPr>
+            <p:ph type="sldNum" sz="quarter" idx="12"/>
+          </p:nvPr>
+        </p:nvSpPr>
+        <p:spPr/>
+        <p:txBody>
+          <a:bodyPr/>
+          <a:lstStyle/>
+          <a:p>
+            <a:fld id="{62FD049D-D713-4090-9976-7AFA76CAD437}" type="slidenum">
+              <a:rPr lang="ru-RU" smtClean="0">
+                <a:solidFill>
+                  <a:prstClr val="black">
+                    <a:alpha val="60000"/>
+                  </a:prstClr>
+                </a:solidFill>
+              </a:rPr>
+              <a:pPr/>
+              <a:t>‹#›</a:t>
+            </a:fld>
+            <a:endParaRPr lang="ru-RU">
+              <a:solidFill>
+                <a:prstClr val="black">
+                  <a:alpha val="60000"/>
+                </a:prstClr>
+              </a:solidFill>
+            </a:endParaRPr>
+          </a:p>
+        </p:txBody>
+      </p:sp>
+    </p:spTree>
+    <p:extLst>
+      <p:ext uri="{BB962C8B-B14F-4D97-AF65-F5344CB8AC3E}">
+        <p14:creationId xmlns:p14="http://schemas.microsoft.com/office/powerpoint/2010/main" val="504038421"/>
+      </p:ext>
+    </p:extLst>
+  </p:cSld>
+  <p:clrMapOvr>
+    <a:masterClrMapping/>
+  </p:clrMapOvr>
+</p:sldLayout>
+</file>
+
+<file path=ppt/slideLayouts/slideLayout44.xml><?xml version="1.0" encoding="utf-8"?>
+<p:sldLayout xmlns:a="http://schemas.openxmlformats.org/drawingml/2006/main" xmlns:r="http://schemas.openxmlformats.org/officeDocument/2006/relationships" xmlns:p="http://schemas.openxmlformats.org/presentationml/2006/main" type="vertTitleAndTx" preserve="1">
+  <p:cSld name="Вертикальный заголовок и текст">
+    <p:spTree>
+      <p:nvGrpSpPr>
+        <p:cNvPr id="1" name=""/>
+        <p:cNvGrpSpPr/>
+        <p:nvPr/>
+      </p:nvGrpSpPr>
+      <p:grpSpPr>
+        <a:xfrm>
+          <a:off x="0" y="0"/>
+          <a:ext cx="0" cy="0"/>
+          <a:chOff x="0" y="0"/>
+          <a:chExt cx="0" cy="0"/>
+        </a:xfrm>
+      </p:grpSpPr>
+      <p:sp>
+        <p:nvSpPr>
+          <p:cNvPr id="2" name="Vertical Title 1"/>
+          <p:cNvSpPr>
+            <a:spLocks noGrp="1"/>
+          </p:cNvSpPr>
+          <p:nvPr>
+            <p:ph type="title" orient="vert"/>
+          </p:nvPr>
+        </p:nvSpPr>
+        <p:spPr>
+          <a:xfrm>
+            <a:off x="609600" y="609601"/>
+            <a:ext cx="2133600" cy="5181600"/>
+          </a:xfrm>
+        </p:spPr>
+        <p:txBody>
+          <a:bodyPr vert="eaVert"/>
+          <a:lstStyle/>
+          <a:p>
+            <a:r>
+              <a:rPr lang="ru-RU" smtClean="0"/>
+              <a:t>Образец заголовка</a:t>
+            </a:r>
+            <a:endParaRPr lang="en-US" dirty="0"/>
+          </a:p>
+        </p:txBody>
+      </p:sp>
+      <p:sp>
+        <p:nvSpPr>
+          <p:cNvPr id="3" name="Vertical Text Placeholder 2"/>
+          <p:cNvSpPr>
+            <a:spLocks noGrp="1"/>
+          </p:cNvSpPr>
+          <p:nvPr>
+            <p:ph type="body" orient="vert" idx="1"/>
+          </p:nvPr>
+        </p:nvSpPr>
+        <p:spPr>
+          <a:xfrm>
+            <a:off x="2895600" y="685801"/>
+            <a:ext cx="5029200" cy="4572000"/>
+          </a:xfrm>
+        </p:spPr>
+        <p:txBody>
+          <a:bodyPr vert="eaVert" anchor="t"/>
+          <a:lstStyle/>
+          <a:p>
+            <a:pPr lvl="0"/>
+            <a:r>
+              <a:rPr lang="ru-RU" smtClean="0"/>
+              <a:t>Образец текста</a:t>
+            </a:r>
+          </a:p>
+          <a:p>
+            <a:pPr lvl="1"/>
+            <a:r>
+              <a:rPr lang="ru-RU" smtClean="0"/>
+              <a:t>Второй уровень</a:t>
+            </a:r>
+          </a:p>
+          <a:p>
+            <a:pPr lvl="2"/>
+            <a:r>
+              <a:rPr lang="ru-RU" smtClean="0"/>
+              <a:t>Третий уровень</a:t>
+            </a:r>
+          </a:p>
+          <a:p>
+            <a:pPr lvl="3"/>
+            <a:r>
+              <a:rPr lang="ru-RU" smtClean="0"/>
+              <a:t>Четвертый уровень</a:t>
+            </a:r>
+          </a:p>
+          <a:p>
+            <a:pPr lvl="4"/>
+            <a:r>
+              <a:rPr lang="ru-RU" smtClean="0"/>
+              <a:t>Пятый уровень</a:t>
+            </a:r>
+            <a:endParaRPr lang="en-US" dirty="0"/>
+          </a:p>
+        </p:txBody>
+      </p:sp>
+      <p:sp>
+        <p:nvSpPr>
+          <p:cNvPr id="4" name="Date Placeholder 3"/>
+          <p:cNvSpPr>
+            <a:spLocks noGrp="1"/>
+          </p:cNvSpPr>
+          <p:nvPr>
+            <p:ph type="dt" sz="half" idx="10"/>
+          </p:nvPr>
+        </p:nvSpPr>
+        <p:spPr/>
+        <p:txBody>
+          <a:bodyPr/>
+          <a:lstStyle/>
+          <a:p>
+            <a:fld id="{F34D2577-27A9-48D8-B09C-5DF8AFE9C2EC}" type="datetimeFigureOut">
+              <a:rPr lang="ru-RU" smtClean="0">
+                <a:solidFill>
+                  <a:prstClr val="black">
+                    <a:alpha val="60000"/>
+                  </a:prstClr>
+                </a:solidFill>
+              </a:rPr>
+              <a:pPr/>
+              <a:t>17.06.2012</a:t>
+            </a:fld>
+            <a:endParaRPr lang="ru-RU">
+              <a:solidFill>
+                <a:prstClr val="black">
+                  <a:alpha val="60000"/>
+                </a:prstClr>
+              </a:solidFill>
+            </a:endParaRPr>
+          </a:p>
+        </p:txBody>
+      </p:sp>
+      <p:sp>
+        <p:nvSpPr>
+          <p:cNvPr id="5" name="Footer Placeholder 4"/>
+          <p:cNvSpPr>
+            <a:spLocks noGrp="1"/>
+          </p:cNvSpPr>
+          <p:nvPr>
+            <p:ph type="ftr" sz="quarter" idx="11"/>
+          </p:nvPr>
+        </p:nvSpPr>
+        <p:spPr/>
+        <p:txBody>
+          <a:bodyPr/>
+          <a:lstStyle/>
+          <a:p>
+            <a:endParaRPr lang="ru-RU">
+              <a:solidFill>
+                <a:prstClr val="black">
+                  <a:alpha val="60000"/>
+                </a:prstClr>
+              </a:solidFill>
+            </a:endParaRPr>
+          </a:p>
+        </p:txBody>
+      </p:sp>
+      <p:sp>
+        <p:nvSpPr>
+          <p:cNvPr id="6" name="Slide Number Placeholder 5"/>
+          <p:cNvSpPr>
+            <a:spLocks noGrp="1"/>
+          </p:cNvSpPr>
+          <p:nvPr>
+            <p:ph type="sldNum" sz="quarter" idx="12"/>
+          </p:nvPr>
+        </p:nvSpPr>
+        <p:spPr/>
+        <p:txBody>
+          <a:bodyPr/>
+          <a:lstStyle/>
+          <a:p>
+            <a:fld id="{62FD049D-D713-4090-9976-7AFA76CAD437}" type="slidenum">
+              <a:rPr lang="ru-RU" smtClean="0">
+                <a:solidFill>
+                  <a:prstClr val="black">
+                    <a:alpha val="60000"/>
+                  </a:prstClr>
+                </a:solidFill>
+              </a:rPr>
+              <a:pPr/>
+              <a:t>‹#›</a:t>
+            </a:fld>
+            <a:endParaRPr lang="ru-RU">
+              <a:solidFill>
+                <a:prstClr val="black">
+                  <a:alpha val="60000"/>
+                </a:prstClr>
+              </a:solidFill>
+            </a:endParaRPr>
+          </a:p>
+        </p:txBody>
+      </p:sp>
+    </p:spTree>
+    <p:extLst>
+      <p:ext uri="{BB962C8B-B14F-4D97-AF65-F5344CB8AC3E}">
+        <p14:creationId xmlns:p14="http://schemas.microsoft.com/office/powerpoint/2010/main" val="575059161"/>
+      </p:ext>
+    </p:extLst>
+  </p:cSld>
+  <p:clrMapOvr>
+    <a:masterClrMapping/>
+  </p:clrMapOvr>
+</p:sldLayout>
+</file>
+
+<file path=ppt/slideLayouts/slideLayout5.xml><?xml version="1.0" encoding="utf-8"?>
+<p:sldLayout xmlns:a="http://schemas.openxmlformats.org/drawingml/2006/main" xmlns:r="http://schemas.openxmlformats.org/officeDocument/2006/relationships" xmlns:p="http://schemas.openxmlformats.org/presentationml/2006/main" type="twoTxTwoObj" preserve="1">
+  <p:cSld name="Сравнение">
+    <p:spTree>
+      <p:nvGrpSpPr>
+        <p:cNvPr id="1" name=""/>
+        <p:cNvGrpSpPr/>
+        <p:nvPr/>
+      </p:nvGrpSpPr>
+      <p:grpSpPr>
+        <a:xfrm>
+          <a:off x="0" y="0"/>
+          <a:ext cx="0" cy="0"/>
+          <a:chOff x="0" y="0"/>
+          <a:chExt cx="0" cy="0"/>
+        </a:xfrm>
+      </p:grpSpPr>
+      <p:sp>
+        <p:nvSpPr>
+          <p:cNvPr id="3" name="Text Placeholder 2"/>
+          <p:cNvSpPr>
+            <a:spLocks noGrp="1"/>
+          </p:cNvSpPr>
+          <p:nvPr>
+            <p:ph type="body" idx="1"/>
+          </p:nvPr>
+        </p:nvSpPr>
+        <p:spPr>
+          <a:xfrm>
+            <a:off x="1341120" y="661976"/>
+            <a:ext cx="3273552" cy="639762"/>
+          </a:xfrm>
+        </p:spPr>
+        <p:txBody>
+          <a:bodyPr anchor="ctr">
+            <a:noAutofit/>
+          </a:bodyPr>
+          <a:lstStyle>
+            <a:lvl1pPr marL="0" indent="0">
+              <a:buNone/>
+              <a:defRPr sz="2200" b="0"/>
+            </a:lvl1pPr>
+            <a:lvl2pPr marL="457200" indent="0">
+              <a:buNone/>
+              <a:defRPr sz="2000" b="1"/>
+            </a:lvl2pPr>
+            <a:lvl3pPr marL="914400" indent="0">
+              <a:buNone/>
+              <a:defRPr sz="1800" b="1"/>
+            </a:lvl3pPr>
+            <a:lvl4pPr marL="1371600" indent="0">
+              <a:buNone/>
+              <a:defRPr sz="1600" b="1"/>
+            </a:lvl4pPr>
+            <a:lvl5pPr marL="1828800" indent="0">
+              <a:buNone/>
+              <a:defRPr sz="1600" b="1"/>
+            </a:lvl5pPr>
+            <a:lvl6pPr marL="2286000" indent="0">
+              <a:buNone/>
+              <a:defRPr sz="1600" b="1"/>
+            </a:lvl6pPr>
+            <a:lvl7pPr marL="2743200" indent="0">
+              <a:buNone/>
+              <a:defRPr sz="1600" b="1"/>
+            </a:lvl7pPr>
+            <a:lvl8pPr marL="3200400" indent="0">
+              <a:buNone/>
+              <a:defRPr sz="1600" b="1"/>
+            </a:lvl8pPr>
+            <a:lvl9pPr marL="3657600" indent="0">
+              <a:buNone/>
+              <a:defRPr sz="1600" b="1"/>
+            </a:lvl9pPr>
+          </a:lstStyle>
+          <a:p>
+            <a:pPr lvl="0"/>
+            <a:r>
+              <a:rPr lang="ru-RU" smtClean="0"/>
+              <a:t>Образец текста</a:t>
+            </a:r>
+          </a:p>
+        </p:txBody>
+      </p:sp>
+      <p:sp>
+        <p:nvSpPr>
+          <p:cNvPr id="4" name="Content Placeholder 3"/>
+          <p:cNvSpPr>
+            <a:spLocks noGrp="1"/>
+          </p:cNvSpPr>
+          <p:nvPr>
+            <p:ph sz="half" idx="2"/>
+          </p:nvPr>
+        </p:nvSpPr>
+        <p:spPr>
+          <a:xfrm>
+            <a:off x="1344168" y="1371600"/>
+            <a:ext cx="3276600" cy="2743200"/>
+          </a:xfrm>
+        </p:spPr>
+        <p:txBody>
+          <a:bodyPr anchor="t"/>
+          <a:lstStyle>
+            <a:lvl1pPr>
+              <a:defRPr sz="2400"/>
+            </a:lvl1pPr>
+            <a:lvl2pPr>
+              <a:defRPr sz="2000"/>
+            </a:lvl2pPr>
+            <a:lvl3pPr>
+              <a:defRPr sz="1800"/>
+            </a:lvl3pPr>
+            <a:lvl4pPr>
+              <a:defRPr sz="1600"/>
+            </a:lvl4pPr>
+            <a:lvl5pPr>
+              <a:defRPr sz="1600"/>
+            </a:lvl5pPr>
+            <a:lvl6pPr>
+              <a:defRPr sz="1600"/>
+            </a:lvl6pPr>
+            <a:lvl7pPr>
+              <a:defRPr sz="1600"/>
+            </a:lvl7pPr>
+            <a:lvl8pPr>
+              <a:defRPr sz="1600"/>
+            </a:lvl8pPr>
+            <a:lvl9pPr>
+              <a:defRPr sz="1600"/>
+            </a:lvl9pPr>
+          </a:lstStyle>
+          <a:p>
+            <a:pPr lvl="0"/>
+            <a:r>
+              <a:rPr lang="ru-RU" smtClean="0"/>
+              <a:t>Образец текста</a:t>
+            </a:r>
+          </a:p>
+          <a:p>
+            <a:pPr lvl="1"/>
+            <a:r>
+              <a:rPr lang="ru-RU" smtClean="0"/>
+              <a:t>Второй уровень</a:t>
+            </a:r>
+          </a:p>
+          <a:p>
+            <a:pPr lvl="2"/>
+            <a:r>
+              <a:rPr lang="ru-RU" smtClean="0"/>
+              <a:t>Третий уровень</a:t>
+            </a:r>
+          </a:p>
+          <a:p>
+            <a:pPr lvl="3"/>
+            <a:r>
+              <a:rPr lang="ru-RU" smtClean="0"/>
+              <a:t>Четвертый уровень</a:t>
+            </a:r>
+          </a:p>
+          <a:p>
+            <a:pPr lvl="4"/>
+            <a:r>
+              <a:rPr lang="ru-RU" smtClean="0"/>
+              <a:t>Пятый уровень</a:t>
+            </a:r>
+            <a:endParaRPr lang="en-US" dirty="0"/>
+          </a:p>
+        </p:txBody>
+      </p:sp>
+      <p:sp>
+        <p:nvSpPr>
+          <p:cNvPr id="5" name="Text Placeholder 4"/>
+          <p:cNvSpPr>
+            <a:spLocks noGrp="1"/>
+          </p:cNvSpPr>
+          <p:nvPr>
+            <p:ph type="body" sz="quarter" idx="3"/>
+          </p:nvPr>
+        </p:nvSpPr>
+        <p:spPr>
+          <a:xfrm>
+            <a:off x="5029200" y="661976"/>
+            <a:ext cx="3273552" cy="639762"/>
+          </a:xfrm>
+        </p:spPr>
+        <p:txBody>
+          <a:bodyPr anchor="ctr">
+            <a:noAutofit/>
+          </a:bodyPr>
+          <a:lstStyle>
+            <a:lvl1pPr marL="0" indent="0">
+              <a:buNone/>
+              <a:defRPr sz="2200" b="0"/>
+            </a:lvl1pPr>
+            <a:lvl2pPr marL="457200" indent="0">
+              <a:buNone/>
+              <a:defRPr sz="2000" b="1"/>
+            </a:lvl2pPr>
+            <a:lvl3pPr marL="914400" indent="0">
+              <a:buNone/>
+              <a:defRPr sz="1800" b="1"/>
+            </a:lvl3pPr>
+            <a:lvl4pPr marL="1371600" indent="0">
+              <a:buNone/>
+              <a:defRPr sz="1600" b="1"/>
+            </a:lvl4pPr>
+            <a:lvl5pPr marL="1828800" indent="0">
+              <a:buNone/>
+              <a:defRPr sz="1600" b="1"/>
+            </a:lvl5pPr>
+            <a:lvl6pPr marL="2286000" indent="0">
+              <a:buNone/>
+              <a:defRPr sz="1600" b="1"/>
+            </a:lvl6pPr>
+            <a:lvl7pPr marL="2743200" indent="0">
+              <a:buNone/>
+              <a:defRPr sz="1600" b="1"/>
+            </a:lvl7pPr>
+            <a:lvl8pPr marL="3200400" indent="0">
+              <a:buNone/>
+              <a:defRPr sz="1600" b="1"/>
+            </a:lvl8pPr>
+            <a:lvl9pPr marL="3657600" indent="0">
+              <a:buNone/>
+              <a:defRPr sz="1600" b="1"/>
+            </a:lvl9pPr>
+          </a:lstStyle>
+          <a:p>
+            <a:pPr lvl="0"/>
+            <a:r>
+              <a:rPr lang="ru-RU" smtClean="0"/>
+              <a:t>Образец текста</a:t>
+            </a:r>
+          </a:p>
+        </p:txBody>
+      </p:sp>
+      <p:sp>
+        <p:nvSpPr>
+          <p:cNvPr id="6" name="Content Placeholder 5"/>
+          <p:cNvSpPr>
+            <a:spLocks noGrp="1"/>
+          </p:cNvSpPr>
+          <p:nvPr>
+            <p:ph sz="quarter" idx="4"/>
+          </p:nvPr>
+        </p:nvSpPr>
+        <p:spPr>
+          <a:xfrm>
+            <a:off x="5029200" y="1371600"/>
+            <a:ext cx="3273552" cy="2743200"/>
+          </a:xfrm>
+        </p:spPr>
+        <p:txBody>
+          <a:bodyPr anchor="t"/>
+          <a:lstStyle>
+            <a:lvl1pPr>
+              <a:defRPr sz="2400"/>
+            </a:lvl1pPr>
+            <a:lvl2pPr>
+              <a:defRPr sz="2000"/>
+            </a:lvl2pPr>
+            <a:lvl3pPr>
+              <a:defRPr sz="1800"/>
+            </a:lvl3pPr>
+            <a:lvl4pPr>
+              <a:defRPr sz="1600"/>
+            </a:lvl4pPr>
+            <a:lvl5pPr>
+              <a:defRPr sz="1600"/>
+            </a:lvl5pPr>
+            <a:lvl6pPr>
+              <a:defRPr sz="1600"/>
+            </a:lvl6pPr>
+            <a:lvl7pPr>
+              <a:defRPr sz="1600"/>
+            </a:lvl7pPr>
+            <a:lvl8pPr>
+              <a:defRPr sz="1600"/>
+            </a:lvl8pPr>
+            <a:lvl9pPr>
+              <a:defRPr sz="1600"/>
+            </a:lvl9pPr>
+          </a:lstStyle>
+          <a:p>
+            <a:pPr lvl="0"/>
+            <a:r>
+              <a:rPr lang="ru-RU" smtClean="0"/>
+              <a:t>Образец текста</a:t>
+            </a:r>
+          </a:p>
+          <a:p>
+            <a:pPr lvl="1"/>
+            <a:r>
+              <a:rPr lang="ru-RU" smtClean="0"/>
+              <a:t>Второй уровень</a:t>
+            </a:r>
+          </a:p>
+          <a:p>
+            <a:pPr lvl="2"/>
+            <a:r>
+              <a:rPr lang="ru-RU" smtClean="0"/>
+              <a:t>Третий уровень</a:t>
+            </a:r>
+          </a:p>
+          <a:p>
+            <a:pPr lvl="3"/>
+            <a:r>
+              <a:rPr lang="ru-RU" smtClean="0"/>
+              <a:t>Четвертый уровень</a:t>
+            </a:r>
+          </a:p>
+          <a:p>
+            <a:pPr lvl="4"/>
+            <a:r>
+              <a:rPr lang="ru-RU" smtClean="0"/>
+              <a:t>Пятый уровень</a:t>
+            </a:r>
+            <a:endParaRPr lang="en-US" dirty="0"/>
+          </a:p>
+        </p:txBody>
+      </p:sp>
+      <p:sp>
+        <p:nvSpPr>
+          <p:cNvPr id="13" name="TextBox 12"/>
+          <p:cNvSpPr txBox="1"/>
+          <p:nvPr/>
+        </p:nvSpPr>
+        <p:spPr>
+          <a:xfrm>
+            <a:off x="1056640" y="520192"/>
+            <a:ext cx="457200" cy="923330"/>
+          </a:xfrm>
+          <a:prstGeom prst="rect">
+            <a:avLst/>
+          </a:prstGeom>
+          <a:noFill/>
+        </p:spPr>
+        <p:txBody>
+          <a:bodyPr wrap="square" lIns="0" tIns="0" rIns="0" bIns="0" rtlCol="0" anchor="t" anchorCtr="0">
+            <a:spAutoFit/>
+          </a:bodyPr>
+          <a:lstStyle/>
+          <a:p>
+            <a:r>
+              <a:rPr lang="en-US" sz="6000" dirty="0" smtClean="0">
+                <a:effectLst>
+                  <a:outerShdw blurRad="38100" dist="38100" dir="2700000" algn="tl">
+                    <a:srgbClr val="000000">
+                      <a:alpha val="43137"/>
+                    </a:srgbClr>
+                  </a:outerShdw>
+                </a:effectLst>
+                <a:latin typeface="+mn-lt"/>
+              </a:rPr>
+              <a:t>{</a:t>
+            </a:r>
+            <a:endParaRPr lang="en-US" sz="6000" dirty="0">
+              <a:effectLst>
+                <a:outerShdw blurRad="38100" dist="38100" dir="2700000" algn="tl">
+                  <a:srgbClr val="000000">
+                    <a:alpha val="43137"/>
+                  </a:srgbClr>
+                </a:outerShdw>
+              </a:effectLst>
+              <a:latin typeface="+mn-lt"/>
+            </a:endParaRPr>
+          </a:p>
+        </p:txBody>
+      </p:sp>
+      <p:sp>
+        <p:nvSpPr>
+          <p:cNvPr id="18" name="TextBox 17"/>
+          <p:cNvSpPr txBox="1"/>
+          <p:nvPr/>
+        </p:nvSpPr>
+        <p:spPr>
+          <a:xfrm>
+            <a:off x="4780280" y="520192"/>
+            <a:ext cx="457200" cy="923330"/>
+          </a:xfrm>
+          <a:prstGeom prst="rect">
+            <a:avLst/>
+          </a:prstGeom>
+          <a:noFill/>
+        </p:spPr>
+        <p:txBody>
+          <a:bodyPr wrap="square" lIns="0" tIns="0" rIns="0" bIns="0" rtlCol="0" anchor="t" anchorCtr="0">
+            <a:spAutoFit/>
+          </a:bodyPr>
+          <a:lstStyle/>
+          <a:p>
+            <a:r>
+              <a:rPr lang="en-US" sz="6000" dirty="0" smtClean="0">
+                <a:effectLst>
+                  <a:outerShdw blurRad="38100" dist="38100" dir="2700000" algn="tl">
+                    <a:srgbClr val="000000">
+                      <a:alpha val="43137"/>
+                    </a:srgbClr>
+                  </a:outerShdw>
+                </a:effectLst>
+                <a:latin typeface="+mn-lt"/>
+              </a:rPr>
+              <a:t>{</a:t>
+            </a:r>
+            <a:endParaRPr lang="en-US" sz="6000" dirty="0">
+              <a:effectLst>
+                <a:outerShdw blurRad="38100" dist="38100" dir="2700000" algn="tl">
+                  <a:srgbClr val="000000">
+                    <a:alpha val="43137"/>
+                  </a:srgbClr>
+                </a:outerShdw>
+              </a:effectLst>
+              <a:latin typeface="+mn-lt"/>
+            </a:endParaRPr>
+          </a:p>
+        </p:txBody>
+      </p:sp>
+      <p:sp>
+        <p:nvSpPr>
+          <p:cNvPr id="12" name="Title 11"/>
+          <p:cNvSpPr>
+            <a:spLocks noGrp="1"/>
+          </p:cNvSpPr>
+          <p:nvPr>
+            <p:ph type="title"/>
+          </p:nvPr>
+        </p:nvSpPr>
+        <p:spPr/>
+        <p:txBody>
+          <a:bodyPr/>
+          <a:lstStyle/>
+          <a:p>
+            <a:r>
+              <a:rPr lang="ru-RU" smtClean="0"/>
+              <a:t>Образец заголовка</a:t>
+            </a:r>
+            <a:endParaRPr lang="en-US" dirty="0"/>
+          </a:p>
+        </p:txBody>
+      </p:sp>
+      <p:sp>
+        <p:nvSpPr>
+          <p:cNvPr id="14" name="Date Placeholder 13"/>
+          <p:cNvSpPr>
+            <a:spLocks noGrp="1"/>
+          </p:cNvSpPr>
+          <p:nvPr>
+            <p:ph type="dt" sz="half" idx="10"/>
+          </p:nvPr>
+        </p:nvSpPr>
+        <p:spPr/>
+        <p:txBody>
+          <a:bodyPr/>
+          <a:lstStyle/>
+          <a:p>
+            <a:fld id="{F34D2577-27A9-48D8-B09C-5DF8AFE9C2EC}" type="datetimeFigureOut">
+              <a:rPr lang="ru-RU" smtClean="0"/>
+              <a:t>17.06.2012</a:t>
+            </a:fld>
+            <a:endParaRPr lang="ru-RU"/>
+          </a:p>
+        </p:txBody>
+      </p:sp>
+      <p:sp>
+        <p:nvSpPr>
+          <p:cNvPr id="15" name="Slide Number Placeholder 14"/>
+          <p:cNvSpPr>
+            <a:spLocks noGrp="1"/>
+          </p:cNvSpPr>
+          <p:nvPr>
+            <p:ph type="sldNum" sz="quarter" idx="11"/>
+          </p:nvPr>
+        </p:nvSpPr>
+        <p:spPr/>
+        <p:txBody>
+          <a:bodyPr/>
+          <a:lstStyle/>
+          <a:p>
+            <a:fld id="{62FD049D-D713-4090-9976-7AFA76CAD437}" type="slidenum">
+              <a:rPr lang="ru-RU" smtClean="0"/>
+              <a:t>‹#›</a:t>
+            </a:fld>
+            <a:endParaRPr lang="ru-RU"/>
+          </a:p>
+        </p:txBody>
+      </p:sp>
+      <p:sp>
+        <p:nvSpPr>
+          <p:cNvPr id="16" name="Footer Placeholder 15"/>
+          <p:cNvSpPr>
+            <a:spLocks noGrp="1"/>
+          </p:cNvSpPr>
+          <p:nvPr>
+            <p:ph type="ftr" sz="quarter" idx="12"/>
+          </p:nvPr>
+        </p:nvSpPr>
+        <p:spPr/>
+        <p:txBody>
+          <a:bodyPr/>
+          <a:lstStyle/>
+          <a:p>
+            <a:endParaRPr lang="ru-RU"/>
+          </a:p>
+        </p:txBody>
+      </p:sp>
+    </p:spTree>
+  </p:cSld>
+  <p:clrMapOvr>
+    <a:masterClrMapping/>
+  </p:clrMapOvr>
+</p:sldLayout>
+</file>
+
+<file path=ppt/slideLayouts/slideLayout6.xml><?xml version="1.0" encoding="utf-8"?>
+<p:sldLayout xmlns:a="http://schemas.openxmlformats.org/drawingml/2006/main" xmlns:r="http://schemas.openxmlformats.org/officeDocument/2006/relationships" xmlns:p="http://schemas.openxmlformats.org/presentationml/2006/main" type="titleOnly" preserve="1">
+  <p:cSld name="Только заголовок">
+    <p:spTree>
+      <p:nvGrpSpPr>
+        <p:cNvPr id="1" name=""/>
+        <p:cNvGrpSpPr/>
+        <p:nvPr/>
+      </p:nvGrpSpPr>
+      <p:grpSpPr>
+        <a:xfrm>
+          <a:off x="0" y="0"/>
+          <a:ext cx="0" cy="0"/>
+          <a:chOff x="0" y="0"/>
+          <a:chExt cx="0" cy="0"/>
+        </a:xfrm>
+      </p:grpSpPr>
+      <p:sp>
+        <p:nvSpPr>
+          <p:cNvPr id="6" name="Title 5"/>
+          <p:cNvSpPr>
+            <a:spLocks noGrp="1"/>
+          </p:cNvSpPr>
+          <p:nvPr>
+            <p:ph type="title"/>
+          </p:nvPr>
+        </p:nvSpPr>
+        <p:spPr/>
+        <p:txBody>
+          <a:bodyPr/>
+          <a:lstStyle/>
+          <a:p>
+            <a:r>
+              <a:rPr lang="ru-RU" smtClean="0"/>
+              <a:t>Образец заголовка</a:t>
+            </a:r>
+            <a:endParaRPr lang="en-US"/>
+          </a:p>
+        </p:txBody>
+      </p:sp>
+      <p:sp>
+        <p:nvSpPr>
+          <p:cNvPr id="7" name="Date Placeholder 6"/>
+          <p:cNvSpPr>
+            <a:spLocks noGrp="1"/>
+          </p:cNvSpPr>
+          <p:nvPr>
+            <p:ph type="dt" sz="half" idx="10"/>
+          </p:nvPr>
+        </p:nvSpPr>
+        <p:spPr/>
+        <p:txBody>
+          <a:bodyPr/>
+          <a:lstStyle/>
+          <a:p>
+            <a:fld id="{F34D2577-27A9-48D8-B09C-5DF8AFE9C2EC}" type="datetimeFigureOut">
+              <a:rPr lang="ru-RU" smtClean="0"/>
+              <a:t>17.06.2012</a:t>
+            </a:fld>
+            <a:endParaRPr lang="ru-RU"/>
+          </a:p>
+        </p:txBody>
+      </p:sp>
+      <p:sp>
+        <p:nvSpPr>
+          <p:cNvPr id="8" name="Slide Number Placeholder 7"/>
+          <p:cNvSpPr>
+            <a:spLocks noGrp="1"/>
+          </p:cNvSpPr>
+          <p:nvPr>
+            <p:ph type="sldNum" sz="quarter" idx="11"/>
+          </p:nvPr>
+        </p:nvSpPr>
+        <p:spPr/>
+        <p:txBody>
+          <a:bodyPr/>
+          <a:lstStyle/>
+          <a:p>
+            <a:fld id="{62FD049D-D713-4090-9976-7AFA76CAD437}" type="slidenum">
+              <a:rPr lang="ru-RU" smtClean="0"/>
+              <a:t>‹#›</a:t>
+            </a:fld>
+            <a:endParaRPr lang="ru-RU"/>
+          </a:p>
+        </p:txBody>
+      </p:sp>
+      <p:sp>
+        <p:nvSpPr>
+          <p:cNvPr id="9" name="Footer Placeholder 8"/>
+          <p:cNvSpPr>
+            <a:spLocks noGrp="1"/>
+          </p:cNvSpPr>
+          <p:nvPr>
+            <p:ph type="ftr" sz="quarter" idx="12"/>
+          </p:nvPr>
+        </p:nvSpPr>
+        <p:spPr/>
+        <p:txBody>
+          <a:bodyPr/>
+          <a:lstStyle/>
+          <a:p>
+            <a:endParaRPr lang="ru-RU"/>
+          </a:p>
+        </p:txBody>
+      </p:sp>
+    </p:spTree>
+  </p:cSld>
+  <p:clrMapOvr>
+    <a:masterClrMapping/>
+  </p:clrMapOvr>
+</p:sldLayout>
+</file>
+
+<file path=ppt/slideLayouts/slideLayout7.xml><?xml version="1.0" encoding="utf-8"?>
+<p:sldLayout xmlns:a="http://schemas.openxmlformats.org/drawingml/2006/main" xmlns:r="http://schemas.openxmlformats.org/officeDocument/2006/relationships" xmlns:p="http://schemas.openxmlformats.org/presentationml/2006/main" type="blank" preserve="1">
+  <p:cSld name="Пустой слайд">
+    <p:spTree>
+      <p:nvGrpSpPr>
+        <p:cNvPr id="1" name=""/>
+        <p:cNvGrpSpPr/>
+        <p:nvPr/>
+      </p:nvGrpSpPr>
+      <p:grpSpPr>
+        <a:xfrm>
+          <a:off x="0" y="0"/>
+          <a:ext cx="0" cy="0"/>
+          <a:chOff x="0" y="0"/>
+          <a:chExt cx="0" cy="0"/>
+        </a:xfrm>
+      </p:grpSpPr>
+      <p:sp>
+        <p:nvSpPr>
+          <p:cNvPr id="5" name="Date Placeholder 4"/>
+          <p:cNvSpPr>
+            <a:spLocks noGrp="1"/>
+          </p:cNvSpPr>
+          <p:nvPr>
+            <p:ph type="dt" sz="half" idx="10"/>
+          </p:nvPr>
+        </p:nvSpPr>
+        <p:spPr/>
+        <p:txBody>
+          <a:bodyPr/>
+          <a:lstStyle/>
+          <a:p>
+            <a:fld id="{F34D2577-27A9-48D8-B09C-5DF8AFE9C2EC}" type="datetimeFigureOut">
+              <a:rPr lang="ru-RU" smtClean="0"/>
+              <a:t>17.06.2012</a:t>
+            </a:fld>
+            <a:endParaRPr lang="ru-RU"/>
+          </a:p>
+        </p:txBody>
+      </p:sp>
+      <p:sp>
+        <p:nvSpPr>
+          <p:cNvPr id="6" name="Slide Number Placeholder 5"/>
+          <p:cNvSpPr>
+            <a:spLocks noGrp="1"/>
+          </p:cNvSpPr>
+          <p:nvPr>
+            <p:ph type="sldNum" sz="quarter" idx="11"/>
+          </p:nvPr>
+        </p:nvSpPr>
+        <p:spPr/>
+        <p:txBody>
+          <a:bodyPr/>
+          <a:lstStyle/>
+          <a:p>
+            <a:fld id="{62FD049D-D713-4090-9976-7AFA76CAD437}" type="slidenum">
+              <a:rPr lang="ru-RU" smtClean="0"/>
+              <a:t>‹#›</a:t>
+            </a:fld>
+            <a:endParaRPr lang="ru-RU"/>
+          </a:p>
+        </p:txBody>
+      </p:sp>
+      <p:sp>
+        <p:nvSpPr>
+          <p:cNvPr id="7" name="Footer Placeholder 6"/>
+          <p:cNvSpPr>
+            <a:spLocks noGrp="1"/>
+          </p:cNvSpPr>
+          <p:nvPr>
+            <p:ph type="ftr" sz="quarter" idx="12"/>
+          </p:nvPr>
+        </p:nvSpPr>
+        <p:spPr/>
+        <p:txBody>
+          <a:bodyPr/>
+          <a:lstStyle/>
+          <a:p>
+            <a:endParaRPr lang="ru-RU"/>
+          </a:p>
+        </p:txBody>
+      </p:sp>
+    </p:spTree>
+  </p:cSld>
+  <p:clrMapOvr>
+    <a:masterClrMapping/>
+  </p:clrMapOvr>
+</p:sldLayout>
+</file>
+
+<file path=ppt/slideLayouts/slideLayout8.xml><?xml version="1.0" encoding="utf-8"?>
+<p:sldLayout xmlns:a="http://schemas.openxmlformats.org/drawingml/2006/main" xmlns:r="http://schemas.openxmlformats.org/officeDocument/2006/relationships" xmlns:p="http://schemas.openxmlformats.org/presentationml/2006/main" type="objTx" preserve="1">
+  <p:cSld name="Объект с подписью">
+    <p:spTree>
+      <p:nvGrpSpPr>
+        <p:cNvPr id="1" name=""/>
+        <p:cNvGrpSpPr/>
+        <p:nvPr/>
+      </p:nvGrpSpPr>
+      <p:grpSpPr>
+        <a:xfrm>
+          <a:off x="0" y="0"/>
+          <a:ext cx="0" cy="0"/>
+          <a:chOff x="0" y="0"/>
+          <a:chExt cx="0" cy="0"/>
+        </a:xfrm>
+      </p:grpSpPr>
+      <p:sp>
+        <p:nvSpPr>
+          <p:cNvPr id="9" name="TextBox 8"/>
+          <p:cNvSpPr txBox="1"/>
+          <p:nvPr/>
+        </p:nvSpPr>
+        <p:spPr>
+          <a:xfrm>
+            <a:off x="5328920" y="1774588"/>
+            <a:ext cx="457200" cy="1231106"/>
+          </a:xfrm>
+          <a:prstGeom prst="rect">
+            <a:avLst/>
+          </a:prstGeom>
+          <a:noFill/>
+        </p:spPr>
+        <p:txBody>
+          <a:bodyPr wrap="square" lIns="0" tIns="0" rIns="0" bIns="0" rtlCol="0" anchor="t" anchorCtr="0">
+            <a:spAutoFit/>
+          </a:bodyPr>
+          <a:lstStyle/>
+          <a:p>
+            <a:r>
+              <a:rPr lang="en-US" sz="8000" dirty="0" smtClean="0">
+                <a:effectLst>
+                  <a:outerShdw blurRad="38100" dist="38100" dir="2700000" algn="tl">
+                    <a:srgbClr val="000000">
+                      <a:alpha val="43137"/>
+                    </a:srgbClr>
+                  </a:outerShdw>
+                </a:effectLst>
+                <a:latin typeface="+mn-lt"/>
+              </a:rPr>
+              <a:t>{</a:t>
+            </a:r>
+            <a:endParaRPr lang="en-US" sz="8000" dirty="0">
+              <a:effectLst>
+                <a:outerShdw blurRad="38100" dist="38100" dir="2700000" algn="tl">
+                  <a:srgbClr val="000000">
+                    <a:alpha val="43137"/>
+                  </a:srgbClr>
+                </a:outerShdw>
+              </a:effectLst>
+              <a:latin typeface="+mn-lt"/>
+            </a:endParaRPr>
+          </a:p>
+        </p:txBody>
+      </p:sp>
+      <p:sp>
+        <p:nvSpPr>
+          <p:cNvPr id="3" name="Content Placeholder 2"/>
+          <p:cNvSpPr>
+            <a:spLocks noGrp="1"/>
+          </p:cNvSpPr>
+          <p:nvPr>
+            <p:ph idx="1"/>
+          </p:nvPr>
+        </p:nvSpPr>
+        <p:spPr>
+          <a:xfrm>
+            <a:off x="838200" y="685801"/>
+            <a:ext cx="4343400" cy="3429000"/>
+          </a:xfrm>
+        </p:spPr>
+        <p:txBody>
+          <a:bodyPr anchor="ctr"/>
+          <a:lstStyle>
+            <a:lvl1pPr>
+              <a:defRPr sz="2400"/>
+            </a:lvl1pPr>
+            <a:lvl2pPr>
+              <a:defRPr sz="2200"/>
+            </a:lvl2pPr>
+            <a:lvl3pPr>
+              <a:defRPr sz="2000"/>
+            </a:lvl3pPr>
+            <a:lvl4pPr>
+              <a:defRPr sz="1800"/>
+            </a:lvl4pPr>
+            <a:lvl5pPr>
+              <a:defRPr sz="1800"/>
+            </a:lvl5pPr>
+            <a:lvl6pPr>
+              <a:defRPr sz="2000"/>
+            </a:lvl6pPr>
+            <a:lvl7pPr>
+              <a:defRPr sz="2000"/>
+            </a:lvl7pPr>
+            <a:lvl8pPr>
+              <a:defRPr sz="2000"/>
+            </a:lvl8pPr>
+            <a:lvl9pPr>
+              <a:defRPr sz="2000"/>
+            </a:lvl9pPr>
+          </a:lstStyle>
+          <a:p>
+            <a:pPr lvl="0"/>
+            <a:r>
+              <a:rPr lang="ru-RU" smtClean="0"/>
+              <a:t>Образец текста</a:t>
+            </a:r>
+          </a:p>
+          <a:p>
+            <a:pPr lvl="1"/>
+            <a:r>
+              <a:rPr lang="ru-RU" smtClean="0"/>
+              <a:t>Второй уровень</a:t>
+            </a:r>
+          </a:p>
+          <a:p>
+            <a:pPr lvl="2"/>
+            <a:r>
+              <a:rPr lang="ru-RU" smtClean="0"/>
+              <a:t>Третий уровень</a:t>
+            </a:r>
+          </a:p>
+          <a:p>
+            <a:pPr lvl="3"/>
+            <a:r>
+              <a:rPr lang="ru-RU" smtClean="0"/>
+              <a:t>Четвертый уровень</a:t>
+            </a:r>
+          </a:p>
+          <a:p>
+            <a:pPr lvl="4"/>
+            <a:r>
+              <a:rPr lang="ru-RU" smtClean="0"/>
+              <a:t>Пятый уровень</a:t>
+            </a:r>
+            <a:endParaRPr lang="en-US" dirty="0"/>
+          </a:p>
+        </p:txBody>
+      </p:sp>
+      <p:sp>
+        <p:nvSpPr>
+          <p:cNvPr id="4" name="Text Placeholder 3"/>
+          <p:cNvSpPr>
+            <a:spLocks noGrp="1"/>
+          </p:cNvSpPr>
+          <p:nvPr>
+            <p:ph type="body" sz="half" idx="2"/>
+          </p:nvPr>
+        </p:nvSpPr>
+        <p:spPr>
+          <a:xfrm>
+            <a:off x="5715000" y="685801"/>
+            <a:ext cx="2590800" cy="3429000"/>
+          </a:xfrm>
+        </p:spPr>
+        <p:txBody>
+          <a:bodyPr anchor="ctr">
+            <a:normAutofit/>
+          </a:bodyPr>
+          <a:lstStyle>
+            <a:lvl1pPr marL="0" indent="0">
+              <a:buNone/>
+              <a:defRPr sz="1600"/>
+            </a:lvl1pPr>
+            <a:lvl2pPr marL="457200" indent="0">
+              <a:buNone/>
+              <a:defRPr sz="1200"/>
+            </a:lvl2pPr>
+            <a:lvl3pPr marL="914400" indent="0">
+              <a:buNone/>
+              <a:defRPr sz="1000"/>
+            </a:lvl3pPr>
+            <a:lvl4pPr marL="1371600" indent="0">
+              <a:buNone/>
+              <a:defRPr sz="900"/>
+            </a:lvl4pPr>
+            <a:lvl5pPr marL="1828800" indent="0">
+              <a:buNone/>
+              <a:defRPr sz="900"/>
+            </a:lvl5pPr>
+            <a:lvl6pPr marL="2286000" indent="0">
+              <a:buNone/>
+              <a:defRPr sz="900"/>
+            </a:lvl6pPr>
+            <a:lvl7pPr marL="2743200" indent="0">
+              <a:buNone/>
+              <a:defRPr sz="900"/>
+            </a:lvl7pPr>
+            <a:lvl8pPr marL="3200400" indent="0">
+              <a:buNone/>
+              <a:defRPr sz="900"/>
+            </a:lvl8pPr>
+            <a:lvl9pPr marL="3657600" indent="0">
+              <a:buNone/>
+              <a:defRPr sz="900"/>
+            </a:lvl9pPr>
+          </a:lstStyle>
+          <a:p>
+            <a:pPr lvl="0"/>
+            <a:r>
+              <a:rPr lang="ru-RU" smtClean="0"/>
+              <a:t>Образец текста</a:t>
+            </a:r>
+          </a:p>
+        </p:txBody>
+      </p:sp>
+      <p:sp>
+        <p:nvSpPr>
+          <p:cNvPr id="15" name="Date Placeholder 14"/>
+          <p:cNvSpPr>
+            <a:spLocks noGrp="1"/>
+          </p:cNvSpPr>
+          <p:nvPr>
+            <p:ph type="dt" sz="half" idx="10"/>
+          </p:nvPr>
+        </p:nvSpPr>
+        <p:spPr/>
+        <p:txBody>
+          <a:bodyPr/>
+          <a:lstStyle/>
+          <a:p>
+            <a:fld id="{F34D2577-27A9-48D8-B09C-5DF8AFE9C2EC}" type="datetimeFigureOut">
+              <a:rPr lang="ru-RU" smtClean="0"/>
+              <a:t>17.06.2012</a:t>
             </a:fld>
             <a:endParaRPr lang="ru-RU"/>
           </a:p>
@@ -8946,7 +12044,7 @@
           <a:p>
             <a:fld id="{F34D2577-27A9-48D8-B09C-5DF8AFE9C2EC}" type="datetimeFigureOut">
               <a:rPr lang="ru-RU" smtClean="0"/>
-              <a:t>12.06.2012</a:t>
+              <a:t>17.06.2012</a:t>
             </a:fld>
             <a:endParaRPr lang="ru-RU"/>
           </a:p>
@@ -9403,7 +12501,7 @@
           <a:p>
             <a:fld id="{F34D2577-27A9-48D8-B09C-5DF8AFE9C2EC}" type="datetimeFigureOut">
               <a:rPr lang="ru-RU" smtClean="0"/>
-              <a:t>12.06.2012</a:t>
+              <a:t>17.06.2012</a:t>
             </a:fld>
             <a:endParaRPr lang="ru-RU"/>
           </a:p>
@@ -10320,7 +13418,7 @@
                 </a:solidFill>
               </a:rPr>
               <a:pPr/>
-              <a:t>12.06.2012</a:t>
+              <a:t>17.06.2012</a:t>
             </a:fld>
             <a:endParaRPr lang="ru-RU">
               <a:solidFill>
@@ -11267,7 +14365,7 @@
                 </a:solidFill>
               </a:rPr>
               <a:pPr/>
-              <a:t>12.06.2012</a:t>
+              <a:t>17.06.2012</a:t>
             </a:fld>
             <a:endParaRPr lang="ru-RU">
               <a:solidFill>
@@ -11398,6 +14496,953 @@
     <p:sldLayoutId id="2147483729" r:id="rId9"/>
     <p:sldLayoutId id="2147483730" r:id="rId10"/>
     <p:sldLayoutId id="2147483731" r:id="rId11"/>
+  </p:sldLayoutIdLst>
+  <p:txStyles>
+    <p:titleStyle>
+      <a:lvl1pPr algn="l" defTabSz="914400" rtl="0" eaLnBrk="1" latinLnBrk="0" hangingPunct="1">
+        <a:spcBef>
+          <a:spcPct val="0"/>
+        </a:spcBef>
+        <a:buNone/>
+        <a:defRPr sz="4900" kern="1200">
+          <a:solidFill>
+            <a:schemeClr val="tx1"/>
+          </a:solidFill>
+          <a:effectLst>
+            <a:outerShdw blurRad="38100" dist="38100" dir="2700000" algn="tl">
+              <a:srgbClr val="000000">
+                <a:alpha val="43137"/>
+              </a:srgbClr>
+            </a:outerShdw>
+          </a:effectLst>
+          <a:latin typeface="+mj-lt"/>
+          <a:ea typeface="+mj-ea"/>
+          <a:cs typeface="+mj-cs"/>
+        </a:defRPr>
+      </a:lvl1pPr>
+      <a:lvl2pPr eaLnBrk="1" hangingPunct="1">
+        <a:defRPr>
+          <a:solidFill>
+            <a:schemeClr val="tx2"/>
+          </a:solidFill>
+        </a:defRPr>
+      </a:lvl2pPr>
+      <a:lvl3pPr eaLnBrk="1" hangingPunct="1">
+        <a:defRPr>
+          <a:solidFill>
+            <a:schemeClr val="tx2"/>
+          </a:solidFill>
+        </a:defRPr>
+      </a:lvl3pPr>
+      <a:lvl4pPr eaLnBrk="1" hangingPunct="1">
+        <a:defRPr>
+          <a:solidFill>
+            <a:schemeClr val="tx2"/>
+          </a:solidFill>
+        </a:defRPr>
+      </a:lvl4pPr>
+      <a:lvl5pPr eaLnBrk="1" hangingPunct="1">
+        <a:defRPr>
+          <a:solidFill>
+            <a:schemeClr val="tx2"/>
+          </a:solidFill>
+        </a:defRPr>
+      </a:lvl5pPr>
+      <a:lvl6pPr eaLnBrk="1" hangingPunct="1">
+        <a:defRPr>
+          <a:solidFill>
+            <a:schemeClr val="tx2"/>
+          </a:solidFill>
+        </a:defRPr>
+      </a:lvl6pPr>
+      <a:lvl7pPr eaLnBrk="1" hangingPunct="1">
+        <a:defRPr>
+          <a:solidFill>
+            <a:schemeClr val="tx2"/>
+          </a:solidFill>
+        </a:defRPr>
+      </a:lvl7pPr>
+      <a:lvl8pPr eaLnBrk="1" hangingPunct="1">
+        <a:defRPr>
+          <a:solidFill>
+            <a:schemeClr val="tx2"/>
+          </a:solidFill>
+        </a:defRPr>
+      </a:lvl8pPr>
+      <a:lvl9pPr eaLnBrk="1" hangingPunct="1">
+        <a:defRPr>
+          <a:solidFill>
+            <a:schemeClr val="tx2"/>
+          </a:solidFill>
+        </a:defRPr>
+      </a:lvl9pPr>
+    </p:titleStyle>
+    <p:bodyStyle>
+      <a:lvl1pPr marL="274320" indent="-256032" algn="l" defTabSz="914400" rtl="0" eaLnBrk="1" latinLnBrk="0" hangingPunct="1">
+        <a:spcBef>
+          <a:spcPct val="20000"/>
+        </a:spcBef>
+        <a:spcAft>
+          <a:spcPts val="0"/>
+        </a:spcAft>
+        <a:buSzPct val="60000"/>
+        <a:buFont typeface="Wingdings" pitchFamily="2" charset="2"/>
+        <a:buChar char=""/>
+        <a:defRPr sz="2100" kern="1200">
+          <a:solidFill>
+            <a:schemeClr val="tx1"/>
+          </a:solidFill>
+          <a:effectLst>
+            <a:outerShdw blurRad="38100" dist="38100" dir="2700000" algn="tl">
+              <a:srgbClr val="000000">
+                <a:alpha val="43137"/>
+              </a:srgbClr>
+            </a:outerShdw>
+          </a:effectLst>
+          <a:latin typeface="+mn-lt"/>
+          <a:ea typeface="+mn-ea"/>
+          <a:cs typeface="+mn-cs"/>
+        </a:defRPr>
+      </a:lvl1pPr>
+      <a:lvl2pPr marL="640080" indent="-256032" algn="l" defTabSz="914400" rtl="0" eaLnBrk="1" latinLnBrk="0" hangingPunct="1">
+        <a:spcBef>
+          <a:spcPct val="20000"/>
+        </a:spcBef>
+        <a:buSzPct val="60000"/>
+        <a:buFont typeface="Wingdings" pitchFamily="2" charset="2"/>
+        <a:buChar char=""/>
+        <a:defRPr sz="1900" kern="1200">
+          <a:solidFill>
+            <a:schemeClr val="tx1"/>
+          </a:solidFill>
+          <a:effectLst>
+            <a:outerShdw blurRad="38100" dist="38100" dir="2700000" algn="tl">
+              <a:srgbClr val="000000">
+                <a:alpha val="43137"/>
+              </a:srgbClr>
+            </a:outerShdw>
+          </a:effectLst>
+          <a:latin typeface="+mn-lt"/>
+          <a:ea typeface="+mn-ea"/>
+          <a:cs typeface="+mn-cs"/>
+        </a:defRPr>
+      </a:lvl2pPr>
+      <a:lvl3pPr marL="1005840" indent="-256032" algn="l" defTabSz="914400" rtl="0" eaLnBrk="1" latinLnBrk="0" hangingPunct="1">
+        <a:spcBef>
+          <a:spcPct val="20000"/>
+        </a:spcBef>
+        <a:buSzPct val="60000"/>
+        <a:buFont typeface="Wingdings" pitchFamily="2" charset="2"/>
+        <a:buChar char=""/>
+        <a:defRPr sz="1700" kern="1200">
+          <a:solidFill>
+            <a:schemeClr val="tx1"/>
+          </a:solidFill>
+          <a:effectLst>
+            <a:outerShdw blurRad="38100" dist="38100" dir="2700000" algn="tl">
+              <a:srgbClr val="000000">
+                <a:alpha val="43137"/>
+              </a:srgbClr>
+            </a:outerShdw>
+          </a:effectLst>
+          <a:latin typeface="+mn-lt"/>
+          <a:ea typeface="+mn-ea"/>
+          <a:cs typeface="+mn-cs"/>
+        </a:defRPr>
+      </a:lvl3pPr>
+      <a:lvl4pPr marL="1371600" indent="-256032" algn="l" defTabSz="914400" rtl="0" eaLnBrk="1" latinLnBrk="0" hangingPunct="1">
+        <a:spcBef>
+          <a:spcPct val="20000"/>
+        </a:spcBef>
+        <a:buSzPct val="60000"/>
+        <a:buFont typeface="Wingdings" pitchFamily="2" charset="2"/>
+        <a:buChar char=""/>
+        <a:defRPr sz="1600" kern="1200">
+          <a:solidFill>
+            <a:schemeClr val="tx1"/>
+          </a:solidFill>
+          <a:effectLst>
+            <a:outerShdw blurRad="38100" dist="38100" dir="2700000" algn="tl">
+              <a:srgbClr val="000000">
+                <a:alpha val="43137"/>
+              </a:srgbClr>
+            </a:outerShdw>
+          </a:effectLst>
+          <a:latin typeface="+mn-lt"/>
+          <a:ea typeface="+mn-ea"/>
+          <a:cs typeface="+mn-cs"/>
+        </a:defRPr>
+      </a:lvl4pPr>
+      <a:lvl5pPr marL="1645920" indent="-256032" algn="l" defTabSz="914400" rtl="0" eaLnBrk="1" latinLnBrk="0" hangingPunct="1">
+        <a:spcBef>
+          <a:spcPct val="20000"/>
+        </a:spcBef>
+        <a:buSzPct val="60000"/>
+        <a:buFont typeface="Wingdings" pitchFamily="2" charset="2"/>
+        <a:buChar char=""/>
+        <a:defRPr sz="1500" kern="1200">
+          <a:solidFill>
+            <a:schemeClr val="tx1"/>
+          </a:solidFill>
+          <a:effectLst>
+            <a:outerShdw blurRad="38100" dist="38100" dir="2700000" algn="tl">
+              <a:srgbClr val="000000">
+                <a:alpha val="43137"/>
+              </a:srgbClr>
+            </a:outerShdw>
+          </a:effectLst>
+          <a:latin typeface="+mn-lt"/>
+          <a:ea typeface="+mn-ea"/>
+          <a:cs typeface="+mn-cs"/>
+        </a:defRPr>
+      </a:lvl5pPr>
+      <a:lvl6pPr marL="1965960" indent="-256032" algn="l" defTabSz="914400" rtl="0" eaLnBrk="1" latinLnBrk="0" hangingPunct="1">
+        <a:spcBef>
+          <a:spcPct val="20000"/>
+        </a:spcBef>
+        <a:buSzPct val="60000"/>
+        <a:buFont typeface="Wingdings" pitchFamily="2" charset="2"/>
+        <a:buChar char=""/>
+        <a:defRPr sz="1400" kern="1200">
+          <a:solidFill>
+            <a:schemeClr val="tx1"/>
+          </a:solidFill>
+          <a:effectLst>
+            <a:outerShdw blurRad="38100" dist="38100" dir="2700000" algn="ctr" rotWithShape="0">
+              <a:srgbClr val="000000">
+                <a:alpha val="43000"/>
+              </a:srgbClr>
+            </a:outerShdw>
+          </a:effectLst>
+          <a:latin typeface="+mn-lt"/>
+          <a:ea typeface="+mn-ea"/>
+          <a:cs typeface="+mn-cs"/>
+        </a:defRPr>
+      </a:lvl6pPr>
+      <a:lvl7pPr marL="2240280" indent="-256032" algn="l" defTabSz="914400" rtl="0" eaLnBrk="1" latinLnBrk="0" hangingPunct="1">
+        <a:spcBef>
+          <a:spcPct val="20000"/>
+        </a:spcBef>
+        <a:buSzPct val="60000"/>
+        <a:buFont typeface="Wingdings" pitchFamily="2" charset="2"/>
+        <a:buChar char=""/>
+        <a:defRPr sz="1400" kern="1200">
+          <a:solidFill>
+            <a:schemeClr val="tx1"/>
+          </a:solidFill>
+          <a:effectLst>
+            <a:outerShdw blurRad="38100" dist="38100" dir="2700000" algn="ctr" rotWithShape="0">
+              <a:srgbClr val="000000">
+                <a:alpha val="43000"/>
+              </a:srgbClr>
+            </a:outerShdw>
+          </a:effectLst>
+          <a:latin typeface="+mn-lt"/>
+          <a:ea typeface="+mn-ea"/>
+          <a:cs typeface="+mn-cs"/>
+        </a:defRPr>
+      </a:lvl7pPr>
+      <a:lvl8pPr marL="2514600" indent="-256032" algn="l" defTabSz="914400" rtl="0" eaLnBrk="1" latinLnBrk="0" hangingPunct="1">
+        <a:spcBef>
+          <a:spcPct val="20000"/>
+        </a:spcBef>
+        <a:buSzPct val="60000"/>
+        <a:buFont typeface="Wingdings" pitchFamily="2" charset="2"/>
+        <a:buChar char=""/>
+        <a:defRPr sz="1400" kern="1200">
+          <a:solidFill>
+            <a:schemeClr val="tx1"/>
+          </a:solidFill>
+          <a:effectLst>
+            <a:outerShdw blurRad="38100" dist="38100" dir="2700000" algn="ctr" rotWithShape="0">
+              <a:srgbClr val="000000">
+                <a:alpha val="43000"/>
+              </a:srgbClr>
+            </a:outerShdw>
+          </a:effectLst>
+          <a:latin typeface="+mn-lt"/>
+          <a:ea typeface="+mn-ea"/>
+          <a:cs typeface="+mn-cs"/>
+        </a:defRPr>
+      </a:lvl8pPr>
+      <a:lvl9pPr marL="2834640" indent="-256032" algn="l" defTabSz="914400" rtl="0" eaLnBrk="1" latinLnBrk="0" hangingPunct="1">
+        <a:spcBef>
+          <a:spcPct val="20000"/>
+        </a:spcBef>
+        <a:buSzPct val="60000"/>
+        <a:buFont typeface="Wingdings" pitchFamily="2" charset="2"/>
+        <a:buChar char=""/>
+        <a:defRPr sz="1400" kern="1200">
+          <a:solidFill>
+            <a:schemeClr val="tx1"/>
+          </a:solidFill>
+          <a:effectLst>
+            <a:outerShdw blurRad="38100" dist="38100" dir="2700000" algn="ctr" rotWithShape="0">
+              <a:srgbClr val="000000">
+                <a:alpha val="43000"/>
+              </a:srgbClr>
+            </a:outerShdw>
+          </a:effectLst>
+          <a:latin typeface="+mn-lt"/>
+          <a:ea typeface="+mn-ea"/>
+          <a:cs typeface="+mn-cs"/>
+        </a:defRPr>
+      </a:lvl9pPr>
+    </p:bodyStyle>
+    <p:otherStyle>
+      <a:defPPr>
+        <a:defRPr lang="en-US"/>
+      </a:defPPr>
+      <a:lvl1pPr marL="0" algn="l" defTabSz="914400" rtl="0" eaLnBrk="1" latinLnBrk="0" hangingPunct="1">
+        <a:defRPr sz="1800" kern="1200">
+          <a:solidFill>
+            <a:schemeClr val="tx1"/>
+          </a:solidFill>
+          <a:latin typeface="+mn-lt"/>
+          <a:ea typeface="+mn-ea"/>
+          <a:cs typeface="+mn-cs"/>
+        </a:defRPr>
+      </a:lvl1pPr>
+      <a:lvl2pPr marL="457200" algn="l" defTabSz="914400" rtl="0" eaLnBrk="1" latinLnBrk="0" hangingPunct="1">
+        <a:defRPr sz="1800" kern="1200">
+          <a:solidFill>
+            <a:schemeClr val="tx1"/>
+          </a:solidFill>
+          <a:latin typeface="+mn-lt"/>
+          <a:ea typeface="+mn-ea"/>
+          <a:cs typeface="+mn-cs"/>
+        </a:defRPr>
+      </a:lvl2pPr>
+      <a:lvl3pPr marL="914400" algn="l" defTabSz="914400" rtl="0" eaLnBrk="1" latinLnBrk="0" hangingPunct="1">
+        <a:defRPr sz="1800" kern="1200">
+          <a:solidFill>
+            <a:schemeClr val="tx1"/>
+          </a:solidFill>
+          <a:latin typeface="+mn-lt"/>
+          <a:ea typeface="+mn-ea"/>
+          <a:cs typeface="+mn-cs"/>
+        </a:defRPr>
+      </a:lvl3pPr>
+      <a:lvl4pPr marL="1371600" algn="l" defTabSz="914400" rtl="0" eaLnBrk="1" latinLnBrk="0" hangingPunct="1">
+        <a:defRPr sz="1800" kern="1200">
+          <a:solidFill>
+            <a:schemeClr val="tx1"/>
+          </a:solidFill>
+          <a:latin typeface="+mn-lt"/>
+          <a:ea typeface="+mn-ea"/>
+          <a:cs typeface="+mn-cs"/>
+        </a:defRPr>
+      </a:lvl4pPr>
+      <a:lvl5pPr marL="1828800" algn="l" defTabSz="914400" rtl="0" eaLnBrk="1" latinLnBrk="0" hangingPunct="1">
+        <a:defRPr sz="1800" kern="1200">
+          <a:solidFill>
+            <a:schemeClr val="tx1"/>
+          </a:solidFill>
+          <a:latin typeface="+mn-lt"/>
+          <a:ea typeface="+mn-ea"/>
+          <a:cs typeface="+mn-cs"/>
+        </a:defRPr>
+      </a:lvl5pPr>
+      <a:lvl6pPr marL="2286000" algn="l" defTabSz="914400" rtl="0" eaLnBrk="1" latinLnBrk="0" hangingPunct="1">
+        <a:defRPr sz="1800" kern="1200">
+          <a:solidFill>
+            <a:schemeClr val="tx1"/>
+          </a:solidFill>
+          <a:latin typeface="+mn-lt"/>
+          <a:ea typeface="+mn-ea"/>
+          <a:cs typeface="+mn-cs"/>
+        </a:defRPr>
+      </a:lvl6pPr>
+      <a:lvl7pPr marL="2743200" algn="l" defTabSz="914400" rtl="0" eaLnBrk="1" latinLnBrk="0" hangingPunct="1">
+        <a:defRPr sz="1800" kern="1200">
+          <a:solidFill>
+            <a:schemeClr val="tx1"/>
+          </a:solidFill>
+          <a:latin typeface="+mn-lt"/>
+          <a:ea typeface="+mn-ea"/>
+          <a:cs typeface="+mn-cs"/>
+        </a:defRPr>
+      </a:lvl7pPr>
+      <a:lvl8pPr marL="3200400" algn="l" defTabSz="914400" rtl="0" eaLnBrk="1" latinLnBrk="0" hangingPunct="1">
+        <a:defRPr sz="1800" kern="1200">
+          <a:solidFill>
+            <a:schemeClr val="tx1"/>
+          </a:solidFill>
+          <a:latin typeface="+mn-lt"/>
+          <a:ea typeface="+mn-ea"/>
+          <a:cs typeface="+mn-cs"/>
+        </a:defRPr>
+      </a:lvl8pPr>
+      <a:lvl9pPr marL="3657600" algn="l" defTabSz="914400" rtl="0" eaLnBrk="1" latinLnBrk="0" hangingPunct="1">
+        <a:defRPr sz="1800" kern="1200">
+          <a:solidFill>
+            <a:schemeClr val="tx1"/>
+          </a:solidFill>
+          <a:latin typeface="+mn-lt"/>
+          <a:ea typeface="+mn-ea"/>
+          <a:cs typeface="+mn-cs"/>
+        </a:defRPr>
+      </a:lvl9pPr>
+    </p:otherStyle>
+  </p:txStyles>
+</p:sldMaster>
+</file>
+
+<file path=ppt/slideMasters/slideMaster4.xml><?xml version="1.0" encoding="utf-8"?>
+<p:sldMaster xmlns:a="http://schemas.openxmlformats.org/drawingml/2006/main" xmlns:r="http://schemas.openxmlformats.org/officeDocument/2006/relationships" xmlns:p="http://schemas.openxmlformats.org/presentationml/2006/main">
+  <p:cSld>
+    <p:bg>
+      <p:bgRef idx="1002">
+        <a:schemeClr val="bg1"/>
+      </p:bgRef>
+    </p:bg>
+    <p:spTree>
+      <p:nvGrpSpPr>
+        <p:cNvPr id="1" name=""/>
+        <p:cNvGrpSpPr/>
+        <p:nvPr/>
+      </p:nvGrpSpPr>
+      <p:grpSpPr>
+        <a:xfrm>
+          <a:off x="0" y="0"/>
+          <a:ext cx="0" cy="0"/>
+          <a:chOff x="0" y="0"/>
+          <a:chExt cx="0" cy="0"/>
+        </a:xfrm>
+      </p:grpSpPr>
+      <p:sp>
+        <p:nvSpPr>
+          <p:cNvPr id="7" name="Rectangle 6"/>
+          <p:cNvSpPr/>
+          <p:nvPr/>
+        </p:nvSpPr>
+        <p:spPr>
+          <a:xfrm>
+            <a:off x="0" y="0"/>
+            <a:ext cx="9144000" cy="6858000"/>
+          </a:xfrm>
+          <a:prstGeom prst="rect">
+            <a:avLst/>
+          </a:prstGeom>
+          <a:gradFill>
+            <a:gsLst>
+              <a:gs pos="0">
+                <a:schemeClr val="accent6">
+                  <a:lumMod val="50000"/>
+                  <a:alpha val="36000"/>
+                </a:schemeClr>
+              </a:gs>
+              <a:gs pos="100000">
+                <a:schemeClr val="bg2">
+                  <a:alpha val="10000"/>
+                </a:schemeClr>
+              </a:gs>
+            </a:gsLst>
+            <a:lin ang="5400000" scaled="0"/>
+          </a:gradFill>
+          <a:ln>
+            <a:noFill/>
+          </a:ln>
+        </p:spPr>
+        <p:style>
+          <a:lnRef idx="2">
+            <a:schemeClr val="accent1">
+              <a:shade val="50000"/>
+            </a:schemeClr>
+          </a:lnRef>
+          <a:fillRef idx="1">
+            <a:schemeClr val="accent1"/>
+          </a:fillRef>
+          <a:effectRef idx="0">
+            <a:schemeClr val="accent1"/>
+          </a:effectRef>
+          <a:fontRef idx="minor">
+            <a:schemeClr val="lt1"/>
+          </a:fontRef>
+        </p:style>
+        <p:txBody>
+          <a:bodyPr rtlCol="0" anchor="ctr"/>
+          <a:lstStyle/>
+          <a:p>
+            <a:pPr algn="ctr"/>
+            <a:endParaRPr lang="en-US">
+              <a:solidFill>
+                <a:prstClr val="white"/>
+              </a:solidFill>
+            </a:endParaRPr>
+          </a:p>
+        </p:txBody>
+      </p:sp>
+      <p:sp>
+        <p:nvSpPr>
+          <p:cNvPr id="8" name="Oval 7"/>
+          <p:cNvSpPr/>
+          <p:nvPr/>
+        </p:nvSpPr>
+        <p:spPr>
+          <a:xfrm rot="19724275">
+            <a:off x="1373221" y="1038440"/>
+            <a:ext cx="7240620" cy="5706987"/>
+          </a:xfrm>
+          <a:prstGeom prst="ellipse">
+            <a:avLst/>
+          </a:prstGeom>
+          <a:gradFill flip="none" rotWithShape="1">
+            <a:gsLst>
+              <a:gs pos="0">
+                <a:schemeClr val="accent6">
+                  <a:lumMod val="60000"/>
+                  <a:lumOff val="40000"/>
+                  <a:alpha val="7000"/>
+                </a:schemeClr>
+              </a:gs>
+              <a:gs pos="58000">
+                <a:schemeClr val="bg2">
+                  <a:alpha val="0"/>
+                </a:schemeClr>
+              </a:gs>
+            </a:gsLst>
+            <a:path path="circle">
+              <a:fillToRect l="50000" t="50000" r="50000" b="50000"/>
+            </a:path>
+            <a:tileRect/>
+          </a:gradFill>
+          <a:ln>
+            <a:noFill/>
+          </a:ln>
+        </p:spPr>
+        <p:style>
+          <a:lnRef idx="2">
+            <a:schemeClr val="accent1">
+              <a:shade val="50000"/>
+            </a:schemeClr>
+          </a:lnRef>
+          <a:fillRef idx="1">
+            <a:schemeClr val="accent1"/>
+          </a:fillRef>
+          <a:effectRef idx="0">
+            <a:schemeClr val="accent1"/>
+          </a:effectRef>
+          <a:fontRef idx="minor">
+            <a:schemeClr val="lt1"/>
+          </a:fontRef>
+        </p:style>
+        <p:txBody>
+          <a:bodyPr rtlCol="0" anchor="ctr"/>
+          <a:lstStyle/>
+          <a:p>
+            <a:pPr algn="ctr"/>
+            <a:endParaRPr lang="en-US">
+              <a:solidFill>
+                <a:prstClr val="white"/>
+              </a:solidFill>
+            </a:endParaRPr>
+          </a:p>
+        </p:txBody>
+      </p:sp>
+      <p:sp>
+        <p:nvSpPr>
+          <p:cNvPr id="9" name="Oval 8"/>
+          <p:cNvSpPr/>
+          <p:nvPr/>
+        </p:nvSpPr>
+        <p:spPr>
+          <a:xfrm rot="17656910">
+            <a:off x="-274211" y="1165875"/>
+            <a:ext cx="5538472" cy="4480459"/>
+          </a:xfrm>
+          <a:prstGeom prst="ellipse">
+            <a:avLst/>
+          </a:prstGeom>
+          <a:gradFill flip="none" rotWithShape="1">
+            <a:gsLst>
+              <a:gs pos="0">
+                <a:schemeClr val="accent6">
+                  <a:lumMod val="60000"/>
+                  <a:lumOff val="40000"/>
+                  <a:alpha val="8000"/>
+                </a:schemeClr>
+              </a:gs>
+              <a:gs pos="58000">
+                <a:schemeClr val="bg2">
+                  <a:alpha val="0"/>
+                </a:schemeClr>
+              </a:gs>
+            </a:gsLst>
+            <a:path path="circle">
+              <a:fillToRect l="50000" t="50000" r="50000" b="50000"/>
+            </a:path>
+            <a:tileRect/>
+          </a:gradFill>
+          <a:ln>
+            <a:noFill/>
+          </a:ln>
+        </p:spPr>
+        <p:style>
+          <a:lnRef idx="2">
+            <a:schemeClr val="accent1">
+              <a:shade val="50000"/>
+            </a:schemeClr>
+          </a:lnRef>
+          <a:fillRef idx="1">
+            <a:schemeClr val="accent1"/>
+          </a:fillRef>
+          <a:effectRef idx="0">
+            <a:schemeClr val="accent1"/>
+          </a:effectRef>
+          <a:fontRef idx="minor">
+            <a:schemeClr val="lt1"/>
+          </a:fontRef>
+        </p:style>
+        <p:txBody>
+          <a:bodyPr rtlCol="0" anchor="ctr"/>
+          <a:lstStyle/>
+          <a:p>
+            <a:pPr algn="ctr"/>
+            <a:endParaRPr lang="en-US">
+              <a:solidFill>
+                <a:prstClr val="white"/>
+              </a:solidFill>
+            </a:endParaRPr>
+          </a:p>
+        </p:txBody>
+      </p:sp>
+      <p:sp>
+        <p:nvSpPr>
+          <p:cNvPr id="10" name="Oval 9"/>
+          <p:cNvSpPr/>
+          <p:nvPr/>
+        </p:nvSpPr>
+        <p:spPr>
+          <a:xfrm rot="19724275">
+            <a:off x="3277955" y="116854"/>
+            <a:ext cx="6479362" cy="4754757"/>
+          </a:xfrm>
+          <a:prstGeom prst="ellipse">
+            <a:avLst/>
+          </a:prstGeom>
+          <a:gradFill flip="none" rotWithShape="1">
+            <a:gsLst>
+              <a:gs pos="0">
+                <a:schemeClr val="accent6">
+                  <a:lumMod val="60000"/>
+                  <a:lumOff val="40000"/>
+                  <a:alpha val="8000"/>
+                </a:schemeClr>
+              </a:gs>
+              <a:gs pos="58000">
+                <a:schemeClr val="bg2">
+                  <a:alpha val="0"/>
+                </a:schemeClr>
+              </a:gs>
+            </a:gsLst>
+            <a:path path="circle">
+              <a:fillToRect l="50000" t="50000" r="50000" b="50000"/>
+            </a:path>
+            <a:tileRect/>
+          </a:gradFill>
+          <a:ln>
+            <a:noFill/>
+          </a:ln>
+        </p:spPr>
+        <p:style>
+          <a:lnRef idx="2">
+            <a:schemeClr val="accent1">
+              <a:shade val="50000"/>
+            </a:schemeClr>
+          </a:lnRef>
+          <a:fillRef idx="1">
+            <a:schemeClr val="accent1"/>
+          </a:fillRef>
+          <a:effectRef idx="0">
+            <a:schemeClr val="accent1"/>
+          </a:effectRef>
+          <a:fontRef idx="minor">
+            <a:schemeClr val="lt1"/>
+          </a:fontRef>
+        </p:style>
+        <p:txBody>
+          <a:bodyPr rtlCol="0" anchor="ctr"/>
+          <a:lstStyle/>
+          <a:p>
+            <a:pPr algn="ctr"/>
+            <a:endParaRPr lang="en-US">
+              <a:solidFill>
+                <a:prstClr val="white"/>
+              </a:solidFill>
+            </a:endParaRPr>
+          </a:p>
+        </p:txBody>
+      </p:sp>
+      <p:sp>
+        <p:nvSpPr>
+          <p:cNvPr id="2" name="Title Placeholder 1"/>
+          <p:cNvSpPr>
+            <a:spLocks noGrp="1"/>
+          </p:cNvSpPr>
+          <p:nvPr>
+            <p:ph type="title"/>
+          </p:nvPr>
+        </p:nvSpPr>
+        <p:spPr>
+          <a:xfrm>
+            <a:off x="777240" y="4876800"/>
+            <a:ext cx="7543800" cy="914400"/>
+          </a:xfrm>
+          <a:prstGeom prst="rect">
+            <a:avLst/>
+          </a:prstGeom>
+        </p:spPr>
+        <p:txBody>
+          <a:bodyPr vert="horz" lIns="91440" tIns="45720" rIns="91440" bIns="45720" rtlCol="0" anchor="b">
+            <a:noAutofit/>
+          </a:bodyPr>
+          <a:lstStyle/>
+          <a:p>
+            <a:r>
+              <a:rPr lang="ru-RU" smtClean="0"/>
+              <a:t>Образец заголовка</a:t>
+            </a:r>
+            <a:endParaRPr lang="en-US" dirty="0"/>
+          </a:p>
+        </p:txBody>
+      </p:sp>
+      <p:sp>
+        <p:nvSpPr>
+          <p:cNvPr id="3" name="Text Placeholder 2"/>
+          <p:cNvSpPr>
+            <a:spLocks noGrp="1"/>
+          </p:cNvSpPr>
+          <p:nvPr>
+            <p:ph type="body" idx="1"/>
+          </p:nvPr>
+        </p:nvSpPr>
+        <p:spPr>
+          <a:xfrm>
+            <a:off x="2133600" y="685801"/>
+            <a:ext cx="6096000" cy="3657599"/>
+          </a:xfrm>
+          <a:prstGeom prst="rect">
+            <a:avLst/>
+          </a:prstGeom>
+        </p:spPr>
+        <p:txBody>
+          <a:bodyPr vert="horz" lIns="91440" tIns="45720" rIns="91440" bIns="45720" rtlCol="0" anchor="ctr">
+            <a:normAutofit/>
+          </a:bodyPr>
+          <a:lstStyle/>
+          <a:p>
+            <a:pPr lvl="0"/>
+            <a:r>
+              <a:rPr lang="ru-RU" smtClean="0"/>
+              <a:t>Образец текста</a:t>
+            </a:r>
+          </a:p>
+          <a:p>
+            <a:pPr lvl="1"/>
+            <a:r>
+              <a:rPr lang="ru-RU" smtClean="0"/>
+              <a:t>Второй уровень</a:t>
+            </a:r>
+          </a:p>
+          <a:p>
+            <a:pPr lvl="2"/>
+            <a:r>
+              <a:rPr lang="ru-RU" smtClean="0"/>
+              <a:t>Третий уровень</a:t>
+            </a:r>
+          </a:p>
+          <a:p>
+            <a:pPr lvl="3"/>
+            <a:r>
+              <a:rPr lang="ru-RU" smtClean="0"/>
+              <a:t>Четвертый уровень</a:t>
+            </a:r>
+          </a:p>
+          <a:p>
+            <a:pPr lvl="4"/>
+            <a:r>
+              <a:rPr lang="ru-RU" smtClean="0"/>
+              <a:t>Пятый уровень</a:t>
+            </a:r>
+            <a:endParaRPr lang="en-US" dirty="0"/>
+          </a:p>
+        </p:txBody>
+      </p:sp>
+      <p:sp>
+        <p:nvSpPr>
+          <p:cNvPr id="4" name="Date Placeholder 3"/>
+          <p:cNvSpPr>
+            <a:spLocks noGrp="1"/>
+          </p:cNvSpPr>
+          <p:nvPr>
+            <p:ph type="dt" sz="half" idx="2"/>
+          </p:nvPr>
+        </p:nvSpPr>
+        <p:spPr>
+          <a:xfrm>
+            <a:off x="6172200" y="6154738"/>
+            <a:ext cx="2133600" cy="365125"/>
+          </a:xfrm>
+          <a:prstGeom prst="rect">
+            <a:avLst/>
+          </a:prstGeom>
+        </p:spPr>
+        <p:txBody>
+          <a:bodyPr vert="horz" lIns="91440" tIns="45720" rIns="91440" bIns="45720" rtlCol="0" anchor="t"/>
+          <a:lstStyle>
+            <a:lvl1pPr algn="r">
+              <a:defRPr sz="1100">
+                <a:solidFill>
+                  <a:schemeClr val="tx1">
+                    <a:alpha val="60000"/>
+                  </a:schemeClr>
+                </a:solidFill>
+                <a:effectLst/>
+              </a:defRPr>
+            </a:lvl1pPr>
+          </a:lstStyle>
+          <a:p>
+            <a:fld id="{F34D2577-27A9-48D8-B09C-5DF8AFE9C2EC}" type="datetimeFigureOut">
+              <a:rPr lang="ru-RU" smtClean="0">
+                <a:solidFill>
+                  <a:prstClr val="black">
+                    <a:alpha val="60000"/>
+                  </a:prstClr>
+                </a:solidFill>
+              </a:rPr>
+              <a:pPr/>
+              <a:t>17.06.2012</a:t>
+            </a:fld>
+            <a:endParaRPr lang="ru-RU">
+              <a:solidFill>
+                <a:prstClr val="black">
+                  <a:alpha val="60000"/>
+                </a:prstClr>
+              </a:solidFill>
+            </a:endParaRPr>
+          </a:p>
+        </p:txBody>
+      </p:sp>
+      <p:sp>
+        <p:nvSpPr>
+          <p:cNvPr id="5" name="Footer Placeholder 4"/>
+          <p:cNvSpPr>
+            <a:spLocks noGrp="1"/>
+          </p:cNvSpPr>
+          <p:nvPr>
+            <p:ph type="ftr" sz="quarter" idx="3"/>
+          </p:nvPr>
+        </p:nvSpPr>
+        <p:spPr>
+          <a:xfrm>
+            <a:off x="822960" y="6154738"/>
+            <a:ext cx="4572000" cy="365125"/>
+          </a:xfrm>
+          <a:prstGeom prst="rect">
+            <a:avLst/>
+          </a:prstGeom>
+        </p:spPr>
+        <p:txBody>
+          <a:bodyPr vert="horz" lIns="91440" tIns="45720" rIns="91440" bIns="45720" rtlCol="0" anchor="t"/>
+          <a:lstStyle>
+            <a:lvl1pPr algn="l">
+              <a:defRPr sz="1100">
+                <a:solidFill>
+                  <a:schemeClr val="tx1">
+                    <a:alpha val="60000"/>
+                  </a:schemeClr>
+                </a:solidFill>
+                <a:effectLst/>
+              </a:defRPr>
+            </a:lvl1pPr>
+          </a:lstStyle>
+          <a:p>
+            <a:endParaRPr lang="ru-RU">
+              <a:solidFill>
+                <a:prstClr val="black">
+                  <a:alpha val="60000"/>
+                </a:prstClr>
+              </a:solidFill>
+            </a:endParaRPr>
+          </a:p>
+        </p:txBody>
+      </p:sp>
+      <p:sp>
+        <p:nvSpPr>
+          <p:cNvPr id="6" name="Slide Number Placeholder 5"/>
+          <p:cNvSpPr>
+            <a:spLocks noGrp="1"/>
+          </p:cNvSpPr>
+          <p:nvPr>
+            <p:ph type="sldNum" sz="quarter" idx="4"/>
+          </p:nvPr>
+        </p:nvSpPr>
+        <p:spPr>
+          <a:xfrm>
+            <a:off x="822960" y="5842000"/>
+            <a:ext cx="2133600" cy="304800"/>
+          </a:xfrm>
+          <a:prstGeom prst="rect">
+            <a:avLst/>
+          </a:prstGeom>
+        </p:spPr>
+        <p:txBody>
+          <a:bodyPr vert="horz" lIns="91440" tIns="45720" rIns="91440" bIns="9144" rtlCol="0" anchor="b"/>
+          <a:lstStyle>
+            <a:lvl1pPr algn="l">
+              <a:defRPr sz="1600">
+                <a:solidFill>
+                  <a:schemeClr val="tx1">
+                    <a:alpha val="60000"/>
+                  </a:schemeClr>
+                </a:solidFill>
+                <a:effectLst/>
+              </a:defRPr>
+            </a:lvl1pPr>
+          </a:lstStyle>
+          <a:p>
+            <a:fld id="{62FD049D-D713-4090-9976-7AFA76CAD437}" type="slidenum">
+              <a:rPr lang="ru-RU" smtClean="0">
+                <a:solidFill>
+                  <a:prstClr val="black">
+                    <a:alpha val="60000"/>
+                  </a:prstClr>
+                </a:solidFill>
+              </a:rPr>
+              <a:pPr/>
+              <a:t>‹#›</a:t>
+            </a:fld>
+            <a:endParaRPr lang="ru-RU">
+              <a:solidFill>
+                <a:prstClr val="black">
+                  <a:alpha val="60000"/>
+                </a:prstClr>
+              </a:solidFill>
+            </a:endParaRPr>
+          </a:p>
+        </p:txBody>
+      </p:sp>
+    </p:spTree>
+    <p:extLst>
+      <p:ext uri="{BB962C8B-B14F-4D97-AF65-F5344CB8AC3E}">
+        <p14:creationId xmlns:p14="http://schemas.microsoft.com/office/powerpoint/2010/main" val="1247281832"/>
+      </p:ext>
+    </p:extLst>
+  </p:cSld>
+  <p:clrMap bg1="lt1" tx1="dk1" bg2="lt2" tx2="dk2" accent1="accent1" accent2="accent2" accent3="accent3" accent4="accent4" accent5="accent5" accent6="accent6" hlink="hlink" folHlink="folHlink"/>
+  <p:sldLayoutIdLst>
+    <p:sldLayoutId id="2147483733" r:id="rId1"/>
+    <p:sldLayoutId id="2147483734" r:id="rId2"/>
+    <p:sldLayoutId id="2147483735" r:id="rId3"/>
+    <p:sldLayoutId id="2147483736" r:id="rId4"/>
+    <p:sldLayoutId id="2147483737" r:id="rId5"/>
+    <p:sldLayoutId id="2147483738" r:id="rId6"/>
+    <p:sldLayoutId id="2147483739" r:id="rId7"/>
+    <p:sldLayoutId id="2147483740" r:id="rId8"/>
+    <p:sldLayoutId id="2147483741" r:id="rId9"/>
+    <p:sldLayoutId id="2147483742" r:id="rId10"/>
+    <p:sldLayoutId id="2147483743" r:id="rId11"/>
   </p:sldLayoutIdLst>
   <p:txStyles>
     <p:titleStyle>
@@ -11854,8 +15899,8 @@
         </p:nvSpPr>
         <p:spPr>
           <a:xfrm>
-            <a:off x="431540" y="1905506"/>
-            <a:ext cx="8280920" cy="3046988"/>
+            <a:off x="431540" y="2274838"/>
+            <a:ext cx="8280920" cy="2308324"/>
           </a:xfrm>
           <a:prstGeom prst="rect">
             <a:avLst/>
@@ -11869,7 +15914,7 @@
           <a:lstStyle/>
           <a:p>
             <a:r>
-              <a:rPr lang="ru-RU" sz="4800" dirty="0" smtClean="0">
+              <a:rPr lang="ru-RU" sz="4800" dirty="0">
                 <a:solidFill>
                   <a:schemeClr val="tx2">
                     <a:lumMod val="25000"/>
@@ -11885,10 +15930,10 @@
                 <a:latin typeface="Calibri" pitchFamily="34" charset="0"/>
                 <a:cs typeface="Calibri" pitchFamily="34" charset="0"/>
               </a:rPr>
-              <a:t>Проектирование и разработка системы управления контентом веб-приложения (</a:t>
-            </a:r>
-            <a:r>
-              <a:rPr lang="en-US" sz="4800" dirty="0" smtClean="0">
+              <a:t>Разработка системы управления контентом (</a:t>
+            </a:r>
+            <a:r>
+              <a:rPr lang="en-US" sz="4800" dirty="0">
                 <a:solidFill>
                   <a:schemeClr val="tx2">
                     <a:lumMod val="25000"/>
@@ -11904,10 +15949,10 @@
                 <a:latin typeface="Calibri" pitchFamily="34" charset="0"/>
                 <a:cs typeface="Calibri" pitchFamily="34" charset="0"/>
               </a:rPr>
-              <a:t>CMS) </a:t>
-            </a:r>
-            <a:r>
-              <a:rPr lang="ru-RU" sz="4800" dirty="0" smtClean="0">
+              <a:t>CMS</a:t>
+            </a:r>
+            <a:r>
+              <a:rPr lang="ru-RU" sz="4800" dirty="0">
                 <a:solidFill>
                   <a:schemeClr val="tx2">
                     <a:lumMod val="25000"/>
@@ -11923,7 +15968,64 @@
                 <a:latin typeface="Calibri" pitchFamily="34" charset="0"/>
                 <a:cs typeface="Calibri" pitchFamily="34" charset="0"/>
               </a:rPr>
-              <a:t>в виде веб-форума</a:t>
+              <a:t>)</a:t>
+            </a:r>
+            <a:r>
+              <a:rPr lang="en-US" sz="4800" dirty="0">
+                <a:solidFill>
+                  <a:schemeClr val="tx2">
+                    <a:lumMod val="25000"/>
+                  </a:schemeClr>
+                </a:solidFill>
+                <a:effectLst>
+                  <a:outerShdw blurRad="38100" dist="38100" dir="2700000" algn="tl">
+                    <a:srgbClr val="000000">
+                      <a:alpha val="43137"/>
+                    </a:srgbClr>
+                  </a:outerShdw>
+                </a:effectLst>
+                <a:latin typeface="Calibri" pitchFamily="34" charset="0"/>
+                <a:cs typeface="Calibri" pitchFamily="34" charset="0"/>
+              </a:rPr>
+              <a:t> </a:t>
+            </a:r>
+            <a:r>
+              <a:rPr lang="ru-RU" sz="4800" dirty="0" err="1">
+                <a:solidFill>
+                  <a:schemeClr val="tx2">
+                    <a:lumMod val="25000"/>
+                  </a:schemeClr>
+                </a:solidFill>
+                <a:effectLst>
+                  <a:outerShdw blurRad="38100" dist="38100" dir="2700000" algn="tl">
+                    <a:srgbClr val="000000">
+                      <a:alpha val="43137"/>
+                    </a:srgbClr>
+                  </a:outerShdw>
+                </a:effectLst>
+                <a:latin typeface="Calibri" pitchFamily="34" charset="0"/>
+                <a:cs typeface="Calibri" pitchFamily="34" charset="0"/>
+              </a:rPr>
+              <a:t>форумного</a:t>
+            </a:r>
+            <a:r>
+              <a:rPr lang="ru-RU" sz="4800" dirty="0">
+                <a:solidFill>
+                  <a:schemeClr val="tx2">
+                    <a:lumMod val="25000"/>
+                  </a:schemeClr>
+                </a:solidFill>
+                <a:effectLst>
+                  <a:outerShdw blurRad="38100" dist="38100" dir="2700000" algn="tl">
+                    <a:srgbClr val="000000">
+                      <a:alpha val="43137"/>
+                    </a:srgbClr>
+                  </a:outerShdw>
+                </a:effectLst>
+                <a:latin typeface="Calibri" pitchFamily="34" charset="0"/>
+                <a:cs typeface="Calibri" pitchFamily="34" charset="0"/>
+              </a:rPr>
+              <a:t> веб-сайта</a:t>
             </a:r>
             <a:endParaRPr lang="ru-RU" sz="4800" dirty="0">
               <a:solidFill>
@@ -12719,7 +16821,7 @@
           <a:graphicData uri="http://schemas.openxmlformats.org/presentationml/2006/ole">
             <mc:AlternateContent xmlns:mc="http://schemas.openxmlformats.org/markup-compatibility/2006">
               <mc:Choice xmlns:v="urn:schemas-microsoft-com:vml" Requires="v">
-                <p:oleObj spid="_x0000_s12319" name="Visio" r:id="rId5" imgW="6322461" imgH="6354180" progId="Visio.Drawing.11">
+                <p:oleObj spid="_x0000_s12323" name="Visio" r:id="rId5" imgW="6322461" imgH="6354180" progId="Visio.Drawing.11">
                   <p:embed/>
                 </p:oleObj>
               </mc:Choice>
@@ -12858,7 +16960,7 @@
           <a:graphicData uri="http://schemas.openxmlformats.org/presentationml/2006/ole">
             <mc:AlternateContent xmlns:mc="http://schemas.openxmlformats.org/markup-compatibility/2006">
               <mc:Choice xmlns:v="urn:schemas-microsoft-com:vml" Requires="v">
-                <p:oleObj spid="_x0000_s12320" name="Visio" r:id="rId7" imgW="5741676" imgH="4985280" progId="Visio.Drawing.11">
+                <p:oleObj spid="_x0000_s12324" name="Visio" r:id="rId7" imgW="5741676" imgH="4985280" progId="Visio.Drawing.11">
                   <p:embed/>
                 </p:oleObj>
               </mc:Choice>
@@ -13589,8 +17691,8 @@
         </p:nvSpPr>
         <p:spPr>
           <a:xfrm>
-            <a:off x="431540" y="188640"/>
-            <a:ext cx="8280920" cy="1384995"/>
+            <a:off x="431540" y="260648"/>
+            <a:ext cx="8280920" cy="830997"/>
           </a:xfrm>
           <a:prstGeom prst="rect">
             <a:avLst/>
@@ -13609,23 +17711,8 @@
                   <a:prstClr val="black"/>
                 </a:solidFill>
               </a:rPr>
-              <a:t>Аналогичные продукты</a:t>
-            </a:r>
-          </a:p>
-          <a:p>
-            <a:r>
-              <a:rPr lang="ru-RU" sz="3600" dirty="0" smtClean="0">
-                <a:solidFill>
-                  <a:prstClr val="black"/>
-                </a:solidFill>
-              </a:rPr>
-              <a:t>Общие недостатки</a:t>
-            </a:r>
-            <a:endParaRPr lang="ru-RU" sz="3600" dirty="0">
-              <a:solidFill>
-                <a:prstClr val="black"/>
-              </a:solidFill>
-            </a:endParaRPr>
+              <a:t>Анализ аналогов</a:t>
+            </a:r>
           </a:p>
         </p:txBody>
       </p:sp>
@@ -13637,7 +17724,7 @@
         </p:nvSpPr>
         <p:spPr>
           <a:xfrm>
-            <a:off x="395536" y="1916832"/>
+            <a:off x="323528" y="1785005"/>
             <a:ext cx="9036496" cy="4524315"/>
           </a:xfrm>
           <a:prstGeom prst="rect">
@@ -13651,35 +17738,25 @@
           </a:bodyPr>
           <a:lstStyle/>
           <a:p>
-            <a:r>
-              <a:rPr lang="ru-RU" sz="3200" dirty="0" smtClean="0">
-                <a:solidFill>
-                  <a:prstClr val="black"/>
-                </a:solidFill>
-              </a:rPr>
-              <a:t>Были рассмотрены следующие </a:t>
-            </a:r>
-            <a:r>
-              <a:rPr lang="en-US" sz="3200" dirty="0" smtClean="0">
-                <a:solidFill>
-                  <a:prstClr val="black"/>
-                </a:solidFill>
-              </a:rPr>
-              <a:t>CMS:</a:t>
-            </a:r>
-          </a:p>
-          <a:p>
             <a:pPr marL="457200" indent="-457200">
               <a:buFont typeface="Arial" pitchFamily="34" charset="0"/>
               <a:buChar char="•"/>
             </a:pPr>
             <a:r>
+              <a:rPr lang="ru-RU" sz="3200" dirty="0" smtClean="0">
+                <a:solidFill>
+                  <a:prstClr val="black"/>
+                </a:solidFill>
+              </a:rPr>
+              <a:t>Плагин </a:t>
+            </a:r>
+            <a:r>
               <a:rPr lang="ru-RU" sz="3200" dirty="0">
                 <a:solidFill>
                   <a:prstClr val="black"/>
                 </a:solidFill>
               </a:rPr>
-              <a:t>Плагин для </a:t>
+              <a:t>для </a:t>
             </a:r>
             <a:r>
               <a:rPr lang="ru-RU" sz="3200" dirty="0" err="1">
@@ -13774,27 +17851,30 @@
             </a:endParaRPr>
           </a:p>
           <a:p>
+            <a:endParaRPr lang="ru-RU" sz="3200" dirty="0" smtClean="0">
+              <a:solidFill>
+                <a:prstClr val="black"/>
+              </a:solidFill>
+            </a:endParaRPr>
+          </a:p>
+          <a:p>
             <a:r>
               <a:rPr lang="ru-RU" sz="3200" dirty="0" smtClean="0">
                 <a:solidFill>
                   <a:prstClr val="black"/>
                 </a:solidFill>
               </a:rPr>
-              <a:t>Были выявлены общие недостатки:</a:t>
-            </a:r>
-          </a:p>
-          <a:p>
-            <a:pPr marL="457200" indent="-457200">
-              <a:buFont typeface="Arial" pitchFamily="34" charset="0"/>
-              <a:buChar char="•"/>
-            </a:pPr>
+              <a:t>Общие недостатки:</a:t>
+            </a:r>
+          </a:p>
+          <a:p>
             <a:r>
               <a:rPr lang="ru-RU" sz="3200" dirty="0" smtClean="0">
                 <a:solidFill>
                   <a:prstClr val="black"/>
                 </a:solidFill>
               </a:rPr>
-              <a:t>сложный интерфейс</a:t>
+              <a:t>- сложный интерфейс</a:t>
             </a:r>
             <a:endParaRPr lang="ru-RU" sz="3200" dirty="0">
               <a:solidFill>
@@ -13803,17 +17883,13 @@
             </a:endParaRPr>
           </a:p>
           <a:p>
-            <a:pPr marL="457200" indent="-457200">
-              <a:buFont typeface="Arial" pitchFamily="34" charset="0"/>
-              <a:buChar char="•"/>
-            </a:pPr>
             <a:r>
               <a:rPr lang="ru-RU" sz="3200" dirty="0" smtClean="0">
                 <a:solidFill>
                   <a:prstClr val="black"/>
                 </a:solidFill>
               </a:rPr>
-              <a:t>отсутствие </a:t>
+              <a:t>- отсутствие </a:t>
             </a:r>
             <a:r>
               <a:rPr lang="ru-RU" sz="3200" dirty="0">
@@ -13825,17 +17901,13 @@
             </a:r>
           </a:p>
           <a:p>
-            <a:pPr marL="457200" indent="-457200">
-              <a:buFont typeface="Arial" pitchFamily="34" charset="0"/>
-              <a:buChar char="•"/>
-            </a:pPr>
             <a:r>
               <a:rPr lang="ru-RU" sz="3200" dirty="0" smtClean="0">
                 <a:solidFill>
                   <a:prstClr val="black"/>
                 </a:solidFill>
               </a:rPr>
-              <a:t>низкая </a:t>
+              <a:t>- низкая </a:t>
             </a:r>
             <a:r>
               <a:rPr lang="ru-RU" sz="3200" dirty="0">
@@ -13872,7 +17944,7 @@
     </p:spTree>
     <p:extLst>
       <p:ext uri="{BB962C8B-B14F-4D97-AF65-F5344CB8AC3E}">
-        <p14:creationId xmlns:p14="http://schemas.microsoft.com/office/powerpoint/2010/main" val="173600170"/>
+        <p14:creationId xmlns:p14="http://schemas.microsoft.com/office/powerpoint/2010/main" val="3617202445"/>
       </p:ext>
     </p:extLst>
   </p:cSld>
@@ -13972,15 +18044,7 @@
                   <a:prstClr val="black"/>
                 </a:solidFill>
               </a:rPr>
-              <a:t>Реализовать </a:t>
-            </a:r>
-            <a:r>
-              <a:rPr lang="ru-RU" sz="3200" dirty="0" smtClean="0">
-                <a:solidFill>
-                  <a:prstClr val="black"/>
-                </a:solidFill>
-              </a:rPr>
-              <a:t>самостоятельную </a:t>
+              <a:t>Реализовать самостоятельную </a:t>
             </a:r>
             <a:r>
               <a:rPr lang="ru-RU" sz="3200" dirty="0" err="1" smtClean="0">
@@ -14038,15 +18102,7 @@
                   <a:prstClr val="black"/>
                 </a:solidFill>
               </a:rPr>
-              <a:t>- </a:t>
-            </a:r>
-            <a:r>
-              <a:rPr lang="ru-RU" sz="3200" dirty="0" smtClean="0">
-                <a:solidFill>
-                  <a:prstClr val="black"/>
-                </a:solidFill>
-              </a:rPr>
-              <a:t>русскоязычный интерфейс</a:t>
+              <a:t>- русскоязычный интерфейс</a:t>
             </a:r>
             <a:r>
               <a:rPr lang="en-US" sz="3200" dirty="0" smtClean="0">
@@ -14258,45 +18314,6 @@
 <file path=ppt/slides/slide5.xml><?xml version="1.0" encoding="utf-8"?>
 <p:sld xmlns:a="http://schemas.openxmlformats.org/drawingml/2006/main" xmlns:r="http://schemas.openxmlformats.org/officeDocument/2006/relationships" xmlns:p="http://schemas.openxmlformats.org/presentationml/2006/main">
   <p:cSld>
-    <p:bg>
-      <p:bgPr>
-        <a:blipFill dpi="0" rotWithShape="1">
-          <a:blip r:embed="rId2">
-            <a:alphaModFix amt="18000"/>
-            <a:duotone>
-              <a:prstClr val="black"/>
-              <a:schemeClr val="accent2">
-                <a:tint val="45000"/>
-                <a:satMod val="400000"/>
-              </a:schemeClr>
-            </a:duotone>
-            <a:lum/>
-            <a:extLst>
-              <a:ext uri="{BEBA8EAE-BF5A-486C-A8C5-ECC9F3942E4B}">
-                <a14:imgProps xmlns:a14="http://schemas.microsoft.com/office/drawing/2010/main">
-                  <a14:imgLayer r:embed="rId3">
-                    <a14:imgEffect>
-                      <a14:colorTemperature colorTemp="8250"/>
-                    </a14:imgEffect>
-                    <a14:imgEffect>
-                      <a14:saturation sat="115000"/>
-                    </a14:imgEffect>
-                    <a14:imgEffect>
-                      <a14:brightnessContrast bright="100000" contrast="1000"/>
-                    </a14:imgEffect>
-                  </a14:imgLayer>
-                </a14:imgProps>
-              </a:ext>
-            </a:extLst>
-          </a:blip>
-          <a:srcRect/>
-          <a:stretch>
-            <a:fillRect/>
-          </a:stretch>
-        </a:blipFill>
-        <a:effectLst/>
-      </p:bgPr>
-    </p:bg>
     <p:spTree>
       <p:nvGrpSpPr>
         <p:cNvPr id="1" name=""/>
@@ -14319,7 +18336,7 @@
         </p:nvSpPr>
         <p:spPr>
           <a:xfrm>
-            <a:off x="431540" y="332656"/>
+            <a:off x="179512" y="332656"/>
             <a:ext cx="8280920" cy="830997"/>
           </a:xfrm>
           <a:prstGeom prst="rect">
@@ -14336,14 +18353,14 @@
             <a:r>
               <a:rPr lang="ru-RU" sz="4800" dirty="0" smtClean="0">
                 <a:solidFill>
-                  <a:schemeClr val="bg1"/>
+                  <a:prstClr val="black"/>
                 </a:solidFill>
               </a:rPr>
               <a:t>Используемые средства:</a:t>
             </a:r>
             <a:endParaRPr lang="ru-RU" sz="4800" dirty="0">
               <a:solidFill>
-                <a:schemeClr val="bg1"/>
+                <a:prstClr val="black"/>
               </a:solidFill>
             </a:endParaRPr>
           </a:p>
@@ -14351,14 +18368,14 @@
       </p:sp>
       <p:sp>
         <p:nvSpPr>
-          <p:cNvPr id="3" name="TextBox 2"/>
+          <p:cNvPr id="5" name="TextBox 4"/>
           <p:cNvSpPr txBox="1"/>
           <p:nvPr/>
         </p:nvSpPr>
         <p:spPr>
           <a:xfrm>
-            <a:off x="91320" y="4941168"/>
-            <a:ext cx="4984736" cy="3046988"/>
+            <a:off x="179512" y="1164929"/>
+            <a:ext cx="4984736" cy="1015663"/>
           </a:xfrm>
           <a:prstGeom prst="rect">
             <a:avLst/>
@@ -14371,107 +18388,66 @@
           </a:bodyPr>
           <a:lstStyle/>
           <a:p>
-            <a:pPr lvl="0"/>
-            <a:r>
-              <a:rPr lang="ru-RU" sz="3200" dirty="0" smtClean="0">
-                <a:solidFill>
-                  <a:schemeClr val="bg1"/>
+            <a:r>
+              <a:rPr lang="ru-RU" sz="3000" dirty="0">
+                <a:solidFill>
+                  <a:prstClr val="black"/>
                 </a:solidFill>
               </a:rPr>
-              <a:t>Веб сервер</a:t>
-            </a:r>
-          </a:p>
-          <a:p>
-            <a:pPr lvl="0"/>
-            <a:r>
-              <a:rPr lang="ru-RU" sz="3200" dirty="0" smtClean="0">
-                <a:solidFill>
-                  <a:schemeClr val="bg1"/>
+              <a:t>Веб </a:t>
+            </a:r>
+            <a:r>
+              <a:rPr lang="ru-RU" sz="3000" dirty="0" smtClean="0">
+                <a:solidFill>
+                  <a:prstClr val="black"/>
                 </a:solidFill>
               </a:rPr>
-              <a:t>Среда разработки</a:t>
-            </a:r>
-          </a:p>
-          <a:p>
-            <a:pPr lvl="0"/>
-            <a:r>
-              <a:rPr lang="ru-RU" sz="3200" dirty="0" smtClean="0">
-                <a:solidFill>
-                  <a:schemeClr val="bg1"/>
+              <a:t>сервер</a:t>
+            </a:r>
+            <a:r>
+              <a:rPr lang="ru-RU" sz="3000" dirty="0">
+                <a:solidFill>
+                  <a:prstClr val="black"/>
                 </a:solidFill>
               </a:rPr>
-              <a:t>Средство отладки</a:t>
-            </a:r>
-            <a:endParaRPr lang="ru-RU" sz="3200" dirty="0">
+              <a:t>:</a:t>
+            </a:r>
+          </a:p>
+          <a:p>
+            <a:r>
+              <a:rPr lang="en-US" sz="3000" dirty="0" smtClean="0">
+                <a:solidFill>
+                  <a:prstClr val="black"/>
+                </a:solidFill>
+              </a:rPr>
+              <a:t>	</a:t>
+            </a:r>
+            <a:r>
+              <a:rPr lang="en-US" sz="2400" dirty="0" smtClean="0">
+                <a:solidFill>
+                  <a:prstClr val="black"/>
+                </a:solidFill>
+              </a:rPr>
+              <a:t>- XAMPP</a:t>
+            </a:r>
+            <a:endParaRPr lang="ru-RU" sz="2400" dirty="0" smtClean="0">
               <a:solidFill>
-                <a:schemeClr val="bg1"/>
+                <a:prstClr val="black"/>
               </a:solidFill>
             </a:endParaRPr>
           </a:p>
-          <a:p>
-            <a:pPr lvl="0"/>
-            <a:r>
-              <a:rPr lang="ru-RU" sz="3200" dirty="0" smtClean="0">
-                <a:solidFill>
-                  <a:schemeClr val="bg1"/>
-                </a:solidFill>
-              </a:rPr>
-              <a:t>Системы </a:t>
-            </a:r>
-            <a:r>
-              <a:rPr lang="ru-RU" sz="3200" dirty="0">
-                <a:solidFill>
-                  <a:schemeClr val="bg1"/>
-                </a:solidFill>
-              </a:rPr>
-              <a:t>контроля </a:t>
-            </a:r>
-            <a:r>
-              <a:rPr lang="ru-RU" sz="3200" dirty="0" smtClean="0">
-                <a:solidFill>
-                  <a:schemeClr val="bg1"/>
-                </a:solidFill>
-              </a:rPr>
-              <a:t>версий</a:t>
-            </a:r>
-            <a:endParaRPr lang="ru-RU" sz="3200" dirty="0">
-              <a:solidFill>
-                <a:schemeClr val="bg1"/>
-              </a:solidFill>
-            </a:endParaRPr>
-          </a:p>
-          <a:p>
-            <a:pPr lvl="0"/>
-            <a:r>
-              <a:rPr lang="ru-RU" sz="3200" dirty="0" smtClean="0">
-                <a:solidFill>
-                  <a:schemeClr val="bg1"/>
-                </a:solidFill>
-              </a:rPr>
-              <a:t>Вспомогательные средства</a:t>
-            </a:r>
-            <a:endParaRPr lang="ru-RU" sz="3200" dirty="0">
-              <a:solidFill>
-                <a:schemeClr val="bg1"/>
-              </a:solidFill>
-            </a:endParaRPr>
-          </a:p>
-          <a:p>
-            <a:pPr lvl="0"/>
-            <a:endParaRPr lang="ru-RU" sz="3200" dirty="0"/>
-          </a:p>
-        </p:txBody>
-      </p:sp>
-      <p:sp>
-        <p:nvSpPr>
-          <p:cNvPr id="5" name="TextBox 4"/>
+        </p:txBody>
+      </p:sp>
+      <p:sp>
+        <p:nvSpPr>
+          <p:cNvPr id="6" name="TextBox 5"/>
           <p:cNvSpPr txBox="1"/>
           <p:nvPr/>
         </p:nvSpPr>
         <p:spPr>
           <a:xfrm>
-            <a:off x="2070877" y="1445881"/>
-            <a:ext cx="4984736" cy="584775"/>
+            <a:off x="179512" y="2181868"/>
+            <a:ext cx="4984736" cy="1015663"/>
           </a:xfrm>
           <a:prstGeom prst="rect">
             <a:avLst/>
@@ -14484,33 +18460,71 @@
           </a:bodyPr>
           <a:lstStyle/>
           <a:p>
-            <a:pPr lvl="0"/>
-            <a:r>
-              <a:rPr lang="en-US" sz="3200" dirty="0" smtClean="0">
-                <a:solidFill>
-                  <a:schemeClr val="bg1"/>
+            <a:r>
+              <a:rPr lang="ru-RU" sz="3000" dirty="0">
+                <a:solidFill>
+                  <a:prstClr val="black"/>
                 </a:solidFill>
               </a:rPr>
-              <a:t>- XAMPP</a:t>
-            </a:r>
-            <a:endParaRPr lang="ru-RU" sz="3200" dirty="0" smtClean="0">
+              <a:t>Среда </a:t>
+            </a:r>
+            <a:r>
+              <a:rPr lang="ru-RU" sz="3000" dirty="0" smtClean="0">
+                <a:solidFill>
+                  <a:prstClr val="black"/>
+                </a:solidFill>
+              </a:rPr>
+              <a:t>разработки:</a:t>
+            </a:r>
+            <a:endParaRPr lang="ru-RU" sz="3000" dirty="0">
               <a:solidFill>
-                <a:schemeClr val="bg1"/>
+                <a:prstClr val="black"/>
               </a:solidFill>
             </a:endParaRPr>
           </a:p>
-        </p:txBody>
-      </p:sp>
-      <p:sp>
-        <p:nvSpPr>
-          <p:cNvPr id="6" name="TextBox 5"/>
+          <a:p>
+            <a:r>
+              <a:rPr lang="en-US" sz="3000" dirty="0" smtClean="0">
+                <a:solidFill>
+                  <a:prstClr val="black"/>
+                </a:solidFill>
+              </a:rPr>
+              <a:t>	</a:t>
+            </a:r>
+            <a:r>
+              <a:rPr lang="en-US" sz="2400" dirty="0" smtClean="0">
+                <a:solidFill>
+                  <a:prstClr val="black"/>
+                </a:solidFill>
+              </a:rPr>
+              <a:t>- </a:t>
+            </a:r>
+            <a:r>
+              <a:rPr lang="en-US" sz="2400" dirty="0" err="1" smtClean="0">
+                <a:solidFill>
+                  <a:prstClr val="black"/>
+                </a:solidFill>
+              </a:rPr>
+              <a:t>NetBeans</a:t>
+            </a:r>
+            <a:endParaRPr lang="ru-RU" sz="2400" dirty="0" smtClean="0">
+              <a:solidFill>
+                <a:prstClr val="black"/>
+              </a:solidFill>
+            </a:endParaRPr>
+          </a:p>
+        </p:txBody>
+      </p:sp>
+      <p:sp>
+        <p:nvSpPr>
+          <p:cNvPr id="7" name="TextBox 6"/>
           <p:cNvSpPr txBox="1"/>
           <p:nvPr/>
         </p:nvSpPr>
         <p:spPr>
           <a:xfrm>
-            <a:off x="1475656" y="2242808"/>
-            <a:ext cx="4984736" cy="584775"/>
+            <a:off x="179512" y="3198807"/>
+            <a:ext cx="8956938" cy="923330"/>
           </a:xfrm>
           <a:prstGeom prst="rect">
             <a:avLst/>
@@ -14523,26 +18537,89 @@
           </a:bodyPr>
           <a:lstStyle/>
           <a:p>
-            <a:pPr lvl="0"/>
-            <a:r>
-              <a:rPr lang="en-US" sz="3200" dirty="0" smtClean="0">
-                <a:solidFill>
-                  <a:schemeClr val="bg1"/>
+            <a:r>
+              <a:rPr lang="ru-RU" sz="3000" dirty="0" smtClean="0">
+                <a:solidFill>
+                  <a:prstClr val="black"/>
                 </a:solidFill>
               </a:rPr>
-              <a:t>- </a:t>
-            </a:r>
-            <a:r>
-              <a:rPr lang="en-US" sz="3200" dirty="0" err="1" smtClean="0">
-                <a:solidFill>
-                  <a:schemeClr val="bg1"/>
+              <a:t>Средства отладки:</a:t>
+            </a:r>
+            <a:endParaRPr lang="ru-RU" sz="3000" dirty="0">
+              <a:solidFill>
+                <a:prstClr val="black"/>
+              </a:solidFill>
+            </a:endParaRPr>
+          </a:p>
+          <a:p>
+            <a:pPr lvl="2"/>
+            <a:r>
+              <a:rPr lang="en-US" sz="2400" dirty="0" smtClean="0">
+                <a:solidFill>
+                  <a:prstClr val="black"/>
+                </a:solidFill>
+              </a:rPr>
+              <a:t>- Opera Dragonfly</a:t>
+            </a:r>
+            <a:r>
+              <a:rPr lang="ru-RU" sz="2400" dirty="0" smtClean="0">
+                <a:solidFill>
+                  <a:prstClr val="black"/>
+                </a:solidFill>
+              </a:rPr>
+              <a:t>, отладчик </a:t>
+            </a:r>
+            <a:r>
+              <a:rPr lang="en-US" sz="2400" dirty="0" smtClean="0">
+                <a:solidFill>
+                  <a:prstClr val="black"/>
+                </a:solidFill>
+              </a:rPr>
+              <a:t>Google</a:t>
+            </a:r>
+            <a:r>
+              <a:rPr lang="ru-RU" sz="2400" dirty="0" smtClean="0">
+                <a:solidFill>
+                  <a:prstClr val="black"/>
+                </a:solidFill>
+              </a:rPr>
+              <a:t> </a:t>
+            </a:r>
+            <a:r>
+              <a:rPr lang="en-US" sz="2400" dirty="0">
+                <a:solidFill>
+                  <a:prstClr val="black"/>
+                </a:solidFill>
+              </a:rPr>
+              <a:t>Chrome, </a:t>
+            </a:r>
+            <a:r>
+              <a:rPr lang="en-US" sz="2400" dirty="0" err="1" smtClean="0">
+                <a:solidFill>
+                  <a:prstClr val="black"/>
                 </a:solidFill>
               </a:rPr>
               <a:t>NetBeans</a:t>
             </a:r>
-            <a:endParaRPr lang="ru-RU" sz="3200" dirty="0" smtClean="0">
+            <a:r>
+              <a:rPr lang="en-US" sz="2400" dirty="0" smtClean="0">
+                <a:solidFill>
+                  <a:prstClr val="black"/>
+                </a:solidFill>
+              </a:rPr>
+              <a:t> </a:t>
+            </a:r>
+            <a:r>
+              <a:rPr lang="en-US" sz="2400" dirty="0" err="1" smtClean="0">
+                <a:solidFill>
+                  <a:prstClr val="black"/>
+                </a:solidFill>
+              </a:rPr>
+              <a:t>Xdebug</a:t>
+            </a:r>
+            <a:endParaRPr lang="ru-RU" sz="2400" dirty="0" smtClean="0">
               <a:solidFill>
-                <a:schemeClr val="bg1"/>
+                <a:prstClr val="black"/>
               </a:solidFill>
             </a:endParaRPr>
           </a:p>
@@ -14550,14 +18627,14 @@
       </p:sp>
       <p:sp>
         <p:nvSpPr>
-          <p:cNvPr id="7" name="TextBox 6"/>
+          <p:cNvPr id="8" name="TextBox 7"/>
           <p:cNvSpPr txBox="1"/>
           <p:nvPr/>
         </p:nvSpPr>
         <p:spPr>
           <a:xfrm>
-            <a:off x="5292080" y="2996952"/>
-            <a:ext cx="4984736" cy="584775"/>
+            <a:off x="179512" y="4123413"/>
+            <a:ext cx="4984736" cy="1015663"/>
           </a:xfrm>
           <a:prstGeom prst="rect">
             <a:avLst/>
@@ -14570,33 +18647,79 @@
           </a:bodyPr>
           <a:lstStyle/>
           <a:p>
-            <a:pPr lvl="0"/>
-            <a:r>
-              <a:rPr lang="en-US" sz="3200" dirty="0" smtClean="0">
-                <a:solidFill>
-                  <a:schemeClr val="bg1"/>
+            <a:r>
+              <a:rPr lang="ru-RU" sz="3000" dirty="0" smtClean="0">
+                <a:solidFill>
+                  <a:prstClr val="black"/>
                 </a:solidFill>
               </a:rPr>
-              <a:t>- Opera Dragonfly</a:t>
-            </a:r>
-            <a:endParaRPr lang="ru-RU" sz="3200" dirty="0" smtClean="0">
+              <a:t>Система </a:t>
+            </a:r>
+            <a:r>
+              <a:rPr lang="ru-RU" sz="3000" dirty="0">
+                <a:solidFill>
+                  <a:prstClr val="black"/>
+                </a:solidFill>
+              </a:rPr>
+              <a:t>контроля </a:t>
+            </a:r>
+            <a:r>
+              <a:rPr lang="ru-RU" sz="3000" dirty="0" smtClean="0">
+                <a:solidFill>
+                  <a:prstClr val="black"/>
+                </a:solidFill>
+              </a:rPr>
+              <a:t>версий:</a:t>
+            </a:r>
+            <a:endParaRPr lang="ru-RU" sz="3000" dirty="0">
               <a:solidFill>
-                <a:schemeClr val="bg1"/>
+                <a:prstClr val="black"/>
               </a:solidFill>
             </a:endParaRPr>
           </a:p>
-        </p:txBody>
-      </p:sp>
-      <p:sp>
-        <p:nvSpPr>
-          <p:cNvPr id="8" name="TextBox 7"/>
+          <a:p>
+            <a:r>
+              <a:rPr lang="en-US" sz="3000" dirty="0" smtClean="0">
+                <a:solidFill>
+                  <a:prstClr val="black"/>
+                </a:solidFill>
+              </a:rPr>
+              <a:t>	</a:t>
+            </a:r>
+            <a:r>
+              <a:rPr lang="en-US" sz="2400" dirty="0" smtClean="0">
+                <a:solidFill>
+                  <a:prstClr val="black"/>
+                </a:solidFill>
+              </a:rPr>
+              <a:t>- </a:t>
+            </a:r>
+            <a:r>
+              <a:rPr lang="en-US" sz="2400" dirty="0" err="1" smtClean="0">
+                <a:solidFill>
+                  <a:prstClr val="black"/>
+                </a:solidFill>
+              </a:rPr>
+              <a:t>Git</a:t>
+            </a:r>
+            <a:endParaRPr lang="ru-RU" sz="2400" dirty="0" smtClean="0">
+              <a:solidFill>
+                <a:prstClr val="black"/>
+              </a:solidFill>
+            </a:endParaRPr>
+          </a:p>
+        </p:txBody>
+      </p:sp>
+      <p:sp>
+        <p:nvSpPr>
+          <p:cNvPr id="9" name="TextBox 8"/>
           <p:cNvSpPr txBox="1"/>
           <p:nvPr/>
         </p:nvSpPr>
         <p:spPr>
           <a:xfrm>
-            <a:off x="5292080" y="3492297"/>
-            <a:ext cx="4984736" cy="584775"/>
+            <a:off x="179512" y="5325015"/>
+            <a:ext cx="8784976" cy="1384995"/>
           </a:xfrm>
           <a:prstGeom prst="rect">
             <a:avLst/>
@@ -14609,73 +18732,119 @@
           </a:bodyPr>
           <a:lstStyle/>
           <a:p>
-            <a:pPr lvl="0"/>
-            <a:r>
-              <a:rPr lang="en-US" sz="3200" dirty="0" smtClean="0">
-                <a:solidFill>
-                  <a:schemeClr val="bg1"/>
+            <a:r>
+              <a:rPr lang="ru-RU" sz="3000" dirty="0">
+                <a:solidFill>
+                  <a:prstClr val="black"/>
+                </a:solidFill>
+              </a:rPr>
+              <a:t>Вспомогательные </a:t>
+            </a:r>
+            <a:r>
+              <a:rPr lang="ru-RU" sz="3000" dirty="0" smtClean="0">
+                <a:solidFill>
+                  <a:prstClr val="black"/>
+                </a:solidFill>
+              </a:rPr>
+              <a:t>средства:</a:t>
+            </a:r>
+            <a:endParaRPr lang="ru-RU" sz="3000" dirty="0">
+              <a:solidFill>
+                <a:prstClr val="black"/>
+              </a:solidFill>
+            </a:endParaRPr>
+          </a:p>
+          <a:p>
+            <a:r>
+              <a:rPr lang="en-US" sz="3000" dirty="0" smtClean="0">
+                <a:solidFill>
+                  <a:prstClr val="black"/>
+                </a:solidFill>
+              </a:rPr>
+              <a:t>	</a:t>
+            </a:r>
+            <a:r>
+              <a:rPr lang="en-US" sz="2400" dirty="0" smtClean="0">
+                <a:solidFill>
+                  <a:prstClr val="black"/>
+                </a:solidFill>
+              </a:rPr>
+              <a:t>- Skype, Visio</a:t>
+            </a:r>
+            <a:endParaRPr lang="ru-RU" sz="2400" dirty="0" smtClean="0">
+              <a:solidFill>
+                <a:prstClr val="black"/>
+              </a:solidFill>
+            </a:endParaRPr>
+          </a:p>
+          <a:p>
+            <a:r>
+              <a:rPr lang="ru-RU" sz="2400" dirty="0">
+                <a:solidFill>
+                  <a:prstClr val="black"/>
+                </a:solidFill>
+              </a:rPr>
+              <a:t>	</a:t>
+            </a:r>
+            <a:r>
+              <a:rPr lang="ru-RU" sz="2400" dirty="0" smtClean="0">
+                <a:solidFill>
+                  <a:prstClr val="black"/>
                 </a:solidFill>
               </a:rPr>
               <a:t>- </a:t>
             </a:r>
             <a:r>
-              <a:rPr lang="en-US" sz="3200" dirty="0" err="1" smtClean="0">
-                <a:solidFill>
-                  <a:schemeClr val="bg1"/>
+              <a:rPr lang="en-US" sz="2400" dirty="0" smtClean="0">
+                <a:solidFill>
+                  <a:prstClr val="black"/>
                 </a:solidFill>
               </a:rPr>
-              <a:t>Git</a:t>
-            </a:r>
-            <a:endParaRPr lang="ru-RU" sz="3200" dirty="0" smtClean="0">
+              <a:t>Opera, Google Chrome, Firefox,</a:t>
+            </a:r>
+            <a:r>
+              <a:rPr lang="ru-RU" sz="2400" dirty="0" smtClean="0">
+                <a:solidFill>
+                  <a:prstClr val="black"/>
+                </a:solidFill>
+              </a:rPr>
+              <a:t> </a:t>
+            </a:r>
+            <a:r>
+              <a:rPr lang="en-US" sz="2400" dirty="0">
+                <a:solidFill>
+                  <a:prstClr val="black"/>
+                </a:solidFill>
+              </a:rPr>
+              <a:t>Internet</a:t>
+            </a:r>
+            <a:r>
+              <a:rPr lang="ru-RU" sz="2400" dirty="0">
+                <a:solidFill>
+                  <a:prstClr val="black"/>
+                </a:solidFill>
+              </a:rPr>
+              <a:t>  </a:t>
+            </a:r>
+            <a:r>
+              <a:rPr lang="en-US" sz="2400" dirty="0">
+                <a:solidFill>
+                  <a:prstClr val="black"/>
+                </a:solidFill>
+              </a:rPr>
+              <a:t>Explorer </a:t>
+            </a:r>
+            <a:r>
+              <a:rPr lang="en-US" sz="2400" dirty="0" smtClean="0">
+                <a:solidFill>
+                  <a:prstClr val="black"/>
+                </a:solidFill>
+              </a:rPr>
+              <a:t>9 </a:t>
+            </a:r>
+            <a:endParaRPr lang="ru-RU" sz="2400" dirty="0" smtClean="0">
               <a:solidFill>
-                <a:schemeClr val="bg1"/>
-              </a:solidFill>
-            </a:endParaRPr>
-          </a:p>
-        </p:txBody>
-      </p:sp>
-      <p:sp>
-        <p:nvSpPr>
-          <p:cNvPr id="9" name="TextBox 8"/>
-          <p:cNvSpPr txBox="1"/>
-          <p:nvPr/>
-        </p:nvSpPr>
-        <p:spPr>
-          <a:xfrm>
-            <a:off x="5319329" y="4012758"/>
-            <a:ext cx="3472568" cy="569387"/>
-          </a:xfrm>
-          <a:prstGeom prst="rect">
-            <a:avLst/>
-          </a:prstGeom>
-          <a:noFill/>
-        </p:spPr>
-        <p:txBody>
-          <a:bodyPr wrap="square" rtlCol="0" anchor="ctr">
-            <a:spAutoFit/>
-          </a:bodyPr>
-          <a:lstStyle/>
-          <a:p>
-            <a:pPr lvl="0"/>
-            <a:r>
-              <a:rPr lang="en-US" sz="3100" dirty="0" smtClean="0">
-                <a:solidFill>
-                  <a:schemeClr val="bg1"/>
-                </a:solidFill>
-              </a:rPr>
-              <a:t>- Skype, </a:t>
-            </a:r>
-            <a:r>
-              <a:rPr lang="en-US" sz="3100" dirty="0" smtClean="0">
-                <a:solidFill>
-                  <a:schemeClr val="bg1"/>
-                </a:solidFill>
-              </a:rPr>
-              <a:t>Visio</a:t>
-            </a:r>
-            <a:endParaRPr lang="ru-RU" sz="3100" dirty="0" smtClean="0">
-              <a:solidFill>
-                <a:schemeClr val="bg1"/>
+                <a:prstClr val="black"/>
               </a:solidFill>
             </a:endParaRPr>
           </a:p>
@@ -14684,7 +18853,7 @@
     </p:spTree>
     <p:extLst>
       <p:ext uri="{BB962C8B-B14F-4D97-AF65-F5344CB8AC3E}">
-        <p14:creationId xmlns:p14="http://schemas.microsoft.com/office/powerpoint/2010/main" val="3335938389"/>
+        <p14:creationId xmlns:p14="http://schemas.microsoft.com/office/powerpoint/2010/main" val="1836139346"/>
       </p:ext>
     </p:extLst>
   </p:cSld>
@@ -16747,4 +20916,281 @@
   <a:objectDefaults/>
   <a:extraClrSchemeLst/>
 </a:theme>
+</file>
+
+<file path=ppt/theme/theme4.xml><?xml version="1.0" encoding="utf-8"?>
+<a:theme xmlns:a="http://schemas.openxmlformats.org/drawingml/2006/main" name="3_Базовая">
+  <a:themeElements>
+    <a:clrScheme name="Другая 1">
+      <a:dk1>
+        <a:sysClr val="windowText" lastClr="000000"/>
+      </a:dk1>
+      <a:lt1>
+        <a:sysClr val="window" lastClr="FFFFFF"/>
+      </a:lt1>
+      <a:dk2>
+        <a:srgbClr val="242852"/>
+      </a:dk2>
+      <a:lt2>
+        <a:srgbClr val="ACCBF9"/>
+      </a:lt2>
+      <a:accent1>
+        <a:srgbClr val="629DD1"/>
+      </a:accent1>
+      <a:accent2>
+        <a:srgbClr val="297FD5"/>
+      </a:accent2>
+      <a:accent3>
+        <a:srgbClr val="7F8FA9"/>
+      </a:accent3>
+      <a:accent4>
+        <a:srgbClr val="4A66AC"/>
+      </a:accent4>
+      <a:accent5>
+        <a:srgbClr val="5AA2AE"/>
+      </a:accent5>
+      <a:accent6>
+        <a:srgbClr val="9D90A0"/>
+      </a:accent6>
+      <a:hlink>
+        <a:srgbClr val="9454C3"/>
+      </a:hlink>
+      <a:folHlink>
+        <a:srgbClr val="3EBBF0"/>
+      </a:folHlink>
+    </a:clrScheme>
+    <a:fontScheme name="Стандартная">
+      <a:majorFont>
+        <a:latin typeface="Calibri"/>
+        <a:ea typeface=""/>
+        <a:cs typeface=""/>
+        <a:font script="Jpan" typeface="ＭＳ Ｐゴシック"/>
+        <a:font script="Hang" typeface="맑은 고딕"/>
+        <a:font script="Hans" typeface="宋体"/>
+        <a:font script="Hant" typeface="新細明體"/>
+        <a:font script="Arab" typeface="Times New Roman"/>
+        <a:font script="Hebr" typeface="Times New Roman"/>
+        <a:font script="Thai" typeface="Angsana New"/>
+        <a:font script="Ethi" typeface="Nyala"/>
+        <a:font script="Beng" typeface="Vrinda"/>
+        <a:font script="Gujr" typeface="Shruti"/>
+        <a:font script="Khmr" typeface="MoolBoran"/>
+        <a:font script="Knda" typeface="Tunga"/>
+        <a:font script="Guru" typeface="Raavi"/>
+        <a:font script="Cans" typeface="Euphemia"/>
+        <a:font script="Cher" typeface="Plantagenet Cherokee"/>
+        <a:font script="Yiii" typeface="Microsoft Yi Baiti"/>
+        <a:font script="Tibt" typeface="Microsoft Himalaya"/>
+        <a:font script="Thaa" typeface="MV Boli"/>
+        <a:font script="Deva" typeface="Mangal"/>
+        <a:font script="Telu" typeface="Gautami"/>
+        <a:font script="Taml" typeface="Latha"/>
+        <a:font script="Syrc" typeface="Estrangelo Edessa"/>
+        <a:font script="Orya" typeface="Kalinga"/>
+        <a:font script="Mlym" typeface="Kartika"/>
+        <a:font script="Laoo" typeface="DokChampa"/>
+        <a:font script="Sinh" typeface="Iskoola Pota"/>
+        <a:font script="Mong" typeface="Mongolian Baiti"/>
+        <a:font script="Viet" typeface="Times New Roman"/>
+        <a:font script="Uigh" typeface="Microsoft Uighur"/>
+        <a:font script="Geor" typeface="Sylfaen"/>
+      </a:majorFont>
+      <a:minorFont>
+        <a:latin typeface="Calibri"/>
+        <a:ea typeface=""/>
+        <a:cs typeface=""/>
+        <a:font script="Jpan" typeface="ＭＳ Ｐゴシック"/>
+        <a:font script="Hang" typeface="맑은 고딕"/>
+        <a:font script="Hans" typeface="宋体"/>
+        <a:font script="Hant" typeface="新細明體"/>
+        <a:font script="Arab" typeface="Arial"/>
+        <a:font script="Hebr" typeface="Arial"/>
+        <a:font script="Thai" typeface="Cordia New"/>
+        <a:font script="Ethi" typeface="Nyala"/>
+        <a:font script="Beng" typeface="Vrinda"/>
+        <a:font script="Gujr" typeface="Shruti"/>
+        <a:font script="Khmr" typeface="DaunPenh"/>
+        <a:font script="Knda" typeface="Tunga"/>
+        <a:font script="Guru" typeface="Raavi"/>
+        <a:font script="Cans" typeface="Euphemia"/>
+        <a:font script="Cher" typeface="Plantagenet Cherokee"/>
+        <a:font script="Yiii" typeface="Microsoft Yi Baiti"/>
+        <a:font script="Tibt" typeface="Microsoft Himalaya"/>
+        <a:font script="Thaa" typeface="MV Boli"/>
+        <a:font script="Deva" typeface="Mangal"/>
+        <a:font script="Telu" typeface="Gautami"/>
+        <a:font script="Taml" typeface="Latha"/>
+        <a:font script="Syrc" typeface="Estrangelo Edessa"/>
+        <a:font script="Orya" typeface="Kalinga"/>
+        <a:font script="Mlym" typeface="Kartika"/>
+        <a:font script="Laoo" typeface="DokChampa"/>
+        <a:font script="Sinh" typeface="Iskoola Pota"/>
+        <a:font script="Mong" typeface="Mongolian Baiti"/>
+        <a:font script="Viet" typeface="Arial"/>
+        <a:font script="Uigh" typeface="Microsoft Uighur"/>
+        <a:font script="Geor" typeface="Sylfaen"/>
+      </a:minorFont>
+    </a:fontScheme>
+    <a:fmtScheme name="Базовая">
+      <a:fillStyleLst>
+        <a:solidFill>
+          <a:schemeClr val="phClr"/>
+        </a:solidFill>
+        <a:gradFill rotWithShape="1">
+          <a:gsLst>
+            <a:gs pos="0">
+              <a:schemeClr val="phClr">
+                <a:tint val="90000"/>
+              </a:schemeClr>
+            </a:gs>
+            <a:gs pos="48000">
+              <a:schemeClr val="phClr">
+                <a:tint val="54000"/>
+                <a:satMod val="140000"/>
+              </a:schemeClr>
+            </a:gs>
+            <a:gs pos="100000">
+              <a:schemeClr val="phClr">
+                <a:tint val="24000"/>
+                <a:satMod val="260000"/>
+              </a:schemeClr>
+            </a:gs>
+          </a:gsLst>
+          <a:lin ang="16200000" scaled="1"/>
+        </a:gradFill>
+        <a:gradFill rotWithShape="1">
+          <a:gsLst>
+            <a:gs pos="0">
+              <a:schemeClr val="phClr"/>
+            </a:gs>
+            <a:gs pos="100000">
+              <a:schemeClr val="phClr">
+                <a:shade val="48000"/>
+                <a:satMod val="180000"/>
+                <a:lumMod val="94000"/>
+              </a:schemeClr>
+            </a:gs>
+            <a:gs pos="100000">
+              <a:schemeClr val="phClr">
+                <a:shade val="48000"/>
+                <a:satMod val="180000"/>
+                <a:lumMod val="94000"/>
+              </a:schemeClr>
+            </a:gs>
+          </a:gsLst>
+          <a:lin ang="4140000" scaled="1"/>
+        </a:gradFill>
+      </a:fillStyleLst>
+      <a:lnStyleLst>
+        <a:ln w="12700" cap="flat" cmpd="sng" algn="ctr">
+          <a:solidFill>
+            <a:schemeClr val="phClr"/>
+          </a:solidFill>
+          <a:prstDash val="solid"/>
+        </a:ln>
+        <a:ln w="19050" cap="flat" cmpd="sng" algn="ctr">
+          <a:solidFill>
+            <a:schemeClr val="phClr"/>
+          </a:solidFill>
+          <a:prstDash val="solid"/>
+        </a:ln>
+        <a:ln w="28575" cap="flat" cmpd="sng" algn="ctr">
+          <a:solidFill>
+            <a:schemeClr val="phClr"/>
+          </a:solidFill>
+          <a:prstDash val="solid"/>
+        </a:ln>
+      </a:lnStyleLst>
+      <a:effectStyleLst>
+        <a:effectStyle>
+          <a:effectLst>
+            <a:outerShdw blurRad="63500" dist="12700" dir="5400000" sx="102000" sy="102000" rotWithShape="0">
+              <a:srgbClr val="000000">
+                <a:alpha val="32000"/>
+              </a:srgbClr>
+            </a:outerShdw>
+          </a:effectLst>
+        </a:effectStyle>
+        <a:effectStyle>
+          <a:effectLst>
+            <a:outerShdw blurRad="76200" dist="38100" dir="5400000" rotWithShape="0">
+              <a:srgbClr val="000000">
+                <a:alpha val="60000"/>
+              </a:srgbClr>
+            </a:outerShdw>
+          </a:effectLst>
+          <a:scene3d>
+            <a:camera prst="orthographicFront">
+              <a:rot lat="0" lon="0" rev="0"/>
+            </a:camera>
+            <a:lightRig rig="glow" dir="tl">
+              <a:rot lat="0" lon="0" rev="19800000"/>
+            </a:lightRig>
+          </a:scene3d>
+          <a:sp3d prstMaterial="metal">
+            <a:bevelT w="38100" h="38100"/>
+          </a:sp3d>
+        </a:effectStyle>
+        <a:effectStyle>
+          <a:effectLst>
+            <a:outerShdw blurRad="114300" dist="114300" dir="5400000" rotWithShape="0">
+              <a:srgbClr val="000000">
+                <a:alpha val="70000"/>
+              </a:srgbClr>
+            </a:outerShdw>
+          </a:effectLst>
+          <a:scene3d>
+            <a:camera prst="orthographicFront">
+              <a:rot lat="0" lon="0" rev="0"/>
+            </a:camera>
+            <a:lightRig rig="threePt" dir="t">
+              <a:rot lat="0" lon="0" rev="19800000"/>
+            </a:lightRig>
+          </a:scene3d>
+          <a:sp3d prstMaterial="plastic">
+            <a:bevelT w="50800" h="50800"/>
+          </a:sp3d>
+        </a:effectStyle>
+      </a:effectStyleLst>
+      <a:bgFillStyleLst>
+        <a:solidFill>
+          <a:schemeClr val="phClr"/>
+        </a:solidFill>
+        <a:gradFill rotWithShape="1">
+          <a:gsLst>
+            <a:gs pos="0">
+              <a:schemeClr val="phClr">
+                <a:tint val="95000"/>
+              </a:schemeClr>
+            </a:gs>
+            <a:gs pos="100000">
+              <a:schemeClr val="phClr">
+                <a:shade val="40000"/>
+                <a:satMod val="180000"/>
+              </a:schemeClr>
+            </a:gs>
+          </a:gsLst>
+          <a:lin ang="5400000" scaled="0"/>
+        </a:gradFill>
+        <a:blipFill>
+          <a:blip xmlns:r="http://schemas.openxmlformats.org/officeDocument/2006/relationships" r:embed="rId1">
+            <a:duotone>
+              <a:schemeClr val="phClr">
+                <a:shade val="14000"/>
+                <a:satMod val="280000"/>
+              </a:schemeClr>
+              <a:schemeClr val="phClr">
+                <a:tint val="60000"/>
+                <a:satMod val="120000"/>
+              </a:schemeClr>
+            </a:duotone>
+          </a:blip>
+          <a:stretch/>
+        </a:blipFill>
+      </a:bgFillStyleLst>
+    </a:fmtScheme>
+  </a:themeElements>
+  <a:objectDefaults/>
+  <a:extraClrSchemeLst/>
+</a:theme>
 </file>